--- a/BaseCoin_Presentation.pptx
+++ b/BaseCoin_Presentation.pptx
@@ -115,6 +115,11 @@
       </a:defRPr>
     </a:lvl9pPr>
   </p:defaultTextStyle>
+  <p:extLst>
+    <p:ext uri="{EFAFB233-063F-42B5-8137-9DF3F51BA10A}">
+      <p15:sldGuideLst xmlns:p15="http://schemas.microsoft.com/office/powerpoint/2012/main"/>
+    </p:ext>
+  </p:extLst>
 </p:presentation>
 </file>
 
@@ -579,6 +584,5344 @@
 </pc:chgInfo>
 </file>
 
+<file path=ppt/diagrams/colors1.xml><?xml version="1.0" encoding="utf-8"?>
+<dgm:colorsDef xmlns:dgm="http://schemas.openxmlformats.org/drawingml/2006/diagram" xmlns:a="http://schemas.openxmlformats.org/drawingml/2006/main" uniqueId="urn:microsoft.com/office/officeart/2005/8/colors/accent1_2">
+  <dgm:title val=""/>
+  <dgm:desc val=""/>
+  <dgm:catLst>
+    <dgm:cat type="accent1" pri="11200"/>
+  </dgm:catLst>
+  <dgm:styleLbl name="node0">
+    <dgm:fillClrLst meth="repeat">
+      <a:schemeClr val="accent1"/>
+    </dgm:fillClrLst>
+    <dgm:linClrLst meth="repeat">
+      <a:schemeClr val="lt1"/>
+    </dgm:linClrLst>
+    <dgm:effectClrLst/>
+    <dgm:txLinClrLst/>
+    <dgm:txFillClrLst/>
+    <dgm:txEffectClrLst/>
+  </dgm:styleLbl>
+  <dgm:styleLbl name="alignNode1">
+    <dgm:fillClrLst meth="repeat">
+      <a:schemeClr val="accent1"/>
+    </dgm:fillClrLst>
+    <dgm:linClrLst meth="repeat">
+      <a:schemeClr val="accent1"/>
+    </dgm:linClrLst>
+    <dgm:effectClrLst/>
+    <dgm:txLinClrLst/>
+    <dgm:txFillClrLst/>
+    <dgm:txEffectClrLst/>
+  </dgm:styleLbl>
+  <dgm:styleLbl name="node1">
+    <dgm:fillClrLst meth="repeat">
+      <a:schemeClr val="accent1"/>
+    </dgm:fillClrLst>
+    <dgm:linClrLst meth="repeat">
+      <a:schemeClr val="lt1"/>
+    </dgm:linClrLst>
+    <dgm:effectClrLst/>
+    <dgm:txLinClrLst/>
+    <dgm:txFillClrLst/>
+    <dgm:txEffectClrLst/>
+  </dgm:styleLbl>
+  <dgm:styleLbl name="lnNode1">
+    <dgm:fillClrLst meth="repeat">
+      <a:schemeClr val="accent1"/>
+    </dgm:fillClrLst>
+    <dgm:linClrLst meth="repeat">
+      <a:schemeClr val="lt1"/>
+    </dgm:linClrLst>
+    <dgm:effectClrLst/>
+    <dgm:txLinClrLst/>
+    <dgm:txFillClrLst/>
+    <dgm:txEffectClrLst/>
+  </dgm:styleLbl>
+  <dgm:styleLbl name="vennNode1">
+    <dgm:fillClrLst meth="repeat">
+      <a:schemeClr val="accent1">
+        <a:alpha val="50000"/>
+      </a:schemeClr>
+    </dgm:fillClrLst>
+    <dgm:linClrLst meth="repeat">
+      <a:schemeClr val="lt1"/>
+    </dgm:linClrLst>
+    <dgm:effectClrLst/>
+    <dgm:txLinClrLst/>
+    <dgm:txFillClrLst/>
+    <dgm:txEffectClrLst/>
+  </dgm:styleLbl>
+  <dgm:styleLbl name="node2">
+    <dgm:fillClrLst meth="repeat">
+      <a:schemeClr val="accent1"/>
+    </dgm:fillClrLst>
+    <dgm:linClrLst meth="repeat">
+      <a:schemeClr val="lt1"/>
+    </dgm:linClrLst>
+    <dgm:effectClrLst/>
+    <dgm:txLinClrLst/>
+    <dgm:txFillClrLst/>
+    <dgm:txEffectClrLst/>
+  </dgm:styleLbl>
+  <dgm:styleLbl name="node3">
+    <dgm:fillClrLst meth="repeat">
+      <a:schemeClr val="accent1"/>
+    </dgm:fillClrLst>
+    <dgm:linClrLst meth="repeat">
+      <a:schemeClr val="lt1"/>
+    </dgm:linClrLst>
+    <dgm:effectClrLst/>
+    <dgm:txLinClrLst/>
+    <dgm:txFillClrLst/>
+    <dgm:txEffectClrLst/>
+  </dgm:styleLbl>
+  <dgm:styleLbl name="node4">
+    <dgm:fillClrLst meth="repeat">
+      <a:schemeClr val="accent1"/>
+    </dgm:fillClrLst>
+    <dgm:linClrLst meth="repeat">
+      <a:schemeClr val="lt1"/>
+    </dgm:linClrLst>
+    <dgm:effectClrLst/>
+    <dgm:txLinClrLst/>
+    <dgm:txFillClrLst/>
+    <dgm:txEffectClrLst/>
+  </dgm:styleLbl>
+  <dgm:styleLbl name="fgImgPlace1">
+    <dgm:fillClrLst meth="repeat">
+      <a:schemeClr val="accent1">
+        <a:tint val="50000"/>
+      </a:schemeClr>
+    </dgm:fillClrLst>
+    <dgm:linClrLst meth="repeat">
+      <a:schemeClr val="lt1"/>
+    </dgm:linClrLst>
+    <dgm:effectClrLst/>
+    <dgm:txLinClrLst/>
+    <dgm:txFillClrLst meth="repeat">
+      <a:schemeClr val="lt1"/>
+    </dgm:txFillClrLst>
+    <dgm:txEffectClrLst/>
+  </dgm:styleLbl>
+  <dgm:styleLbl name="alignImgPlace1">
+    <dgm:fillClrLst meth="repeat">
+      <a:schemeClr val="accent1">
+        <a:tint val="50000"/>
+      </a:schemeClr>
+    </dgm:fillClrLst>
+    <dgm:linClrLst meth="repeat">
+      <a:schemeClr val="lt1"/>
+    </dgm:linClrLst>
+    <dgm:effectClrLst/>
+    <dgm:txLinClrLst/>
+    <dgm:txFillClrLst meth="repeat">
+      <a:schemeClr val="lt1"/>
+    </dgm:txFillClrLst>
+    <dgm:txEffectClrLst/>
+  </dgm:styleLbl>
+  <dgm:styleLbl name="bgImgPlace1">
+    <dgm:fillClrLst meth="repeat">
+      <a:schemeClr val="accent1">
+        <a:tint val="50000"/>
+      </a:schemeClr>
+    </dgm:fillClrLst>
+    <dgm:linClrLst meth="repeat">
+      <a:schemeClr val="lt1"/>
+    </dgm:linClrLst>
+    <dgm:effectClrLst/>
+    <dgm:txLinClrLst/>
+    <dgm:txFillClrLst meth="repeat">
+      <a:schemeClr val="lt1"/>
+    </dgm:txFillClrLst>
+    <dgm:txEffectClrLst/>
+  </dgm:styleLbl>
+  <dgm:styleLbl name="sibTrans2D1">
+    <dgm:fillClrLst meth="repeat">
+      <a:schemeClr val="accent1">
+        <a:tint val="60000"/>
+      </a:schemeClr>
+    </dgm:fillClrLst>
+    <dgm:linClrLst meth="repeat">
+      <a:schemeClr val="accent1">
+        <a:tint val="60000"/>
+      </a:schemeClr>
+    </dgm:linClrLst>
+    <dgm:effectClrLst/>
+    <dgm:txLinClrLst/>
+    <dgm:txFillClrLst/>
+    <dgm:txEffectClrLst/>
+  </dgm:styleLbl>
+  <dgm:styleLbl name="fgSibTrans2D1">
+    <dgm:fillClrLst meth="repeat">
+      <a:schemeClr val="accent1">
+        <a:tint val="60000"/>
+      </a:schemeClr>
+    </dgm:fillClrLst>
+    <dgm:linClrLst meth="repeat">
+      <a:schemeClr val="accent1">
+        <a:tint val="60000"/>
+      </a:schemeClr>
+    </dgm:linClrLst>
+    <dgm:effectClrLst/>
+    <dgm:txLinClrLst/>
+    <dgm:txFillClrLst/>
+    <dgm:txEffectClrLst/>
+  </dgm:styleLbl>
+  <dgm:styleLbl name="bgSibTrans2D1">
+    <dgm:fillClrLst meth="repeat">
+      <a:schemeClr val="accent1">
+        <a:tint val="60000"/>
+      </a:schemeClr>
+    </dgm:fillClrLst>
+    <dgm:linClrLst meth="repeat">
+      <a:schemeClr val="accent1">
+        <a:tint val="60000"/>
+      </a:schemeClr>
+    </dgm:linClrLst>
+    <dgm:effectClrLst/>
+    <dgm:txLinClrLst/>
+    <dgm:txFillClrLst/>
+    <dgm:txEffectClrLst/>
+  </dgm:styleLbl>
+  <dgm:styleLbl name="sibTrans1D1">
+    <dgm:fillClrLst meth="repeat">
+      <a:schemeClr val="accent1"/>
+    </dgm:fillClrLst>
+    <dgm:linClrLst meth="repeat">
+      <a:schemeClr val="accent1"/>
+    </dgm:linClrLst>
+    <dgm:effectClrLst/>
+    <dgm:txLinClrLst/>
+    <dgm:txFillClrLst meth="repeat">
+      <a:schemeClr val="tx1"/>
+    </dgm:txFillClrLst>
+    <dgm:txEffectClrLst/>
+  </dgm:styleLbl>
+  <dgm:styleLbl name="callout">
+    <dgm:fillClrLst meth="repeat">
+      <a:schemeClr val="accent1"/>
+    </dgm:fillClrLst>
+    <dgm:linClrLst meth="repeat">
+      <a:schemeClr val="accent1">
+        <a:tint val="50000"/>
+      </a:schemeClr>
+    </dgm:linClrLst>
+    <dgm:effectClrLst/>
+    <dgm:txLinClrLst/>
+    <dgm:txFillClrLst meth="repeat">
+      <a:schemeClr val="tx1"/>
+    </dgm:txFillClrLst>
+    <dgm:txEffectClrLst/>
+  </dgm:styleLbl>
+  <dgm:styleLbl name="asst0">
+    <dgm:fillClrLst meth="repeat">
+      <a:schemeClr val="accent1"/>
+    </dgm:fillClrLst>
+    <dgm:linClrLst meth="repeat">
+      <a:schemeClr val="lt1"/>
+    </dgm:linClrLst>
+    <dgm:effectClrLst/>
+    <dgm:txLinClrLst/>
+    <dgm:txFillClrLst/>
+    <dgm:txEffectClrLst/>
+  </dgm:styleLbl>
+  <dgm:styleLbl name="asst1">
+    <dgm:fillClrLst meth="repeat">
+      <a:schemeClr val="accent1"/>
+    </dgm:fillClrLst>
+    <dgm:linClrLst meth="repeat">
+      <a:schemeClr val="lt1"/>
+    </dgm:linClrLst>
+    <dgm:effectClrLst/>
+    <dgm:txLinClrLst/>
+    <dgm:txFillClrLst/>
+    <dgm:txEffectClrLst/>
+  </dgm:styleLbl>
+  <dgm:styleLbl name="asst2">
+    <dgm:fillClrLst meth="repeat">
+      <a:schemeClr val="accent1"/>
+    </dgm:fillClrLst>
+    <dgm:linClrLst meth="repeat">
+      <a:schemeClr val="lt1"/>
+    </dgm:linClrLst>
+    <dgm:effectClrLst/>
+    <dgm:txLinClrLst/>
+    <dgm:txFillClrLst/>
+    <dgm:txEffectClrLst/>
+  </dgm:styleLbl>
+  <dgm:styleLbl name="asst3">
+    <dgm:fillClrLst meth="repeat">
+      <a:schemeClr val="accent1"/>
+    </dgm:fillClrLst>
+    <dgm:linClrLst meth="repeat">
+      <a:schemeClr val="lt1"/>
+    </dgm:linClrLst>
+    <dgm:effectClrLst/>
+    <dgm:txLinClrLst/>
+    <dgm:txFillClrLst/>
+    <dgm:txEffectClrLst/>
+  </dgm:styleLbl>
+  <dgm:styleLbl name="asst4">
+    <dgm:fillClrLst meth="repeat">
+      <a:schemeClr val="accent1"/>
+    </dgm:fillClrLst>
+    <dgm:linClrLst meth="repeat">
+      <a:schemeClr val="lt1"/>
+    </dgm:linClrLst>
+    <dgm:effectClrLst/>
+    <dgm:txLinClrLst/>
+    <dgm:txFillClrLst/>
+    <dgm:txEffectClrLst/>
+  </dgm:styleLbl>
+  <dgm:styleLbl name="parChTrans2D1">
+    <dgm:fillClrLst meth="repeat">
+      <a:schemeClr val="accent1">
+        <a:tint val="60000"/>
+      </a:schemeClr>
+    </dgm:fillClrLst>
+    <dgm:linClrLst meth="repeat">
+      <a:schemeClr val="accent1">
+        <a:tint val="60000"/>
+      </a:schemeClr>
+    </dgm:linClrLst>
+    <dgm:effectClrLst/>
+    <dgm:txLinClrLst/>
+    <dgm:txFillClrLst meth="repeat">
+      <a:schemeClr val="lt1"/>
+    </dgm:txFillClrLst>
+    <dgm:txEffectClrLst/>
+  </dgm:styleLbl>
+  <dgm:styleLbl name="parChTrans2D2">
+    <dgm:fillClrLst meth="repeat">
+      <a:schemeClr val="accent1"/>
+    </dgm:fillClrLst>
+    <dgm:linClrLst meth="repeat">
+      <a:schemeClr val="accent1"/>
+    </dgm:linClrLst>
+    <dgm:effectClrLst/>
+    <dgm:txLinClrLst/>
+    <dgm:txFillClrLst meth="repeat">
+      <a:schemeClr val="lt1"/>
+    </dgm:txFillClrLst>
+    <dgm:txEffectClrLst/>
+  </dgm:styleLbl>
+  <dgm:styleLbl name="parChTrans2D3">
+    <dgm:fillClrLst meth="repeat">
+      <a:schemeClr val="accent1"/>
+    </dgm:fillClrLst>
+    <dgm:linClrLst meth="repeat">
+      <a:schemeClr val="accent1"/>
+    </dgm:linClrLst>
+    <dgm:effectClrLst/>
+    <dgm:txLinClrLst/>
+    <dgm:txFillClrLst meth="repeat">
+      <a:schemeClr val="lt1"/>
+    </dgm:txFillClrLst>
+    <dgm:txEffectClrLst/>
+  </dgm:styleLbl>
+  <dgm:styleLbl name="parChTrans2D4">
+    <dgm:fillClrLst meth="repeat">
+      <a:schemeClr val="accent1"/>
+    </dgm:fillClrLst>
+    <dgm:linClrLst meth="repeat">
+      <a:schemeClr val="accent1"/>
+    </dgm:linClrLst>
+    <dgm:effectClrLst/>
+    <dgm:txLinClrLst/>
+    <dgm:txFillClrLst meth="repeat">
+      <a:schemeClr val="lt1"/>
+    </dgm:txFillClrLst>
+    <dgm:txEffectClrLst/>
+  </dgm:styleLbl>
+  <dgm:styleLbl name="parChTrans1D1">
+    <dgm:fillClrLst meth="repeat">
+      <a:schemeClr val="accent1"/>
+    </dgm:fillClrLst>
+    <dgm:linClrLst meth="repeat">
+      <a:schemeClr val="accent1">
+        <a:shade val="60000"/>
+      </a:schemeClr>
+    </dgm:linClrLst>
+    <dgm:effectClrLst/>
+    <dgm:txLinClrLst/>
+    <dgm:txFillClrLst meth="repeat">
+      <a:schemeClr val="tx1"/>
+    </dgm:txFillClrLst>
+    <dgm:txEffectClrLst/>
+  </dgm:styleLbl>
+  <dgm:styleLbl name="parChTrans1D2">
+    <dgm:fillClrLst meth="repeat">
+      <a:schemeClr val="accent1"/>
+    </dgm:fillClrLst>
+    <dgm:linClrLst meth="repeat">
+      <a:schemeClr val="accent1">
+        <a:shade val="60000"/>
+      </a:schemeClr>
+    </dgm:linClrLst>
+    <dgm:effectClrLst/>
+    <dgm:txLinClrLst/>
+    <dgm:txFillClrLst meth="repeat">
+      <a:schemeClr val="tx1"/>
+    </dgm:txFillClrLst>
+    <dgm:txEffectClrLst/>
+  </dgm:styleLbl>
+  <dgm:styleLbl name="parChTrans1D3">
+    <dgm:fillClrLst meth="repeat">
+      <a:schemeClr val="accent1"/>
+    </dgm:fillClrLst>
+    <dgm:linClrLst meth="repeat">
+      <a:schemeClr val="accent1">
+        <a:shade val="80000"/>
+      </a:schemeClr>
+    </dgm:linClrLst>
+    <dgm:effectClrLst/>
+    <dgm:txLinClrLst/>
+    <dgm:txFillClrLst meth="repeat">
+      <a:schemeClr val="tx1"/>
+    </dgm:txFillClrLst>
+    <dgm:txEffectClrLst/>
+  </dgm:styleLbl>
+  <dgm:styleLbl name="parChTrans1D4">
+    <dgm:fillClrLst meth="repeat">
+      <a:schemeClr val="accent1"/>
+    </dgm:fillClrLst>
+    <dgm:linClrLst meth="repeat">
+      <a:schemeClr val="accent1">
+        <a:shade val="80000"/>
+      </a:schemeClr>
+    </dgm:linClrLst>
+    <dgm:effectClrLst/>
+    <dgm:txLinClrLst/>
+    <dgm:txFillClrLst meth="repeat">
+      <a:schemeClr val="tx1"/>
+    </dgm:txFillClrLst>
+    <dgm:txEffectClrLst/>
+  </dgm:styleLbl>
+  <dgm:styleLbl name="fgAcc1">
+    <dgm:fillClrLst meth="repeat">
+      <a:schemeClr val="lt1">
+        <a:alpha val="90000"/>
+      </a:schemeClr>
+    </dgm:fillClrLst>
+    <dgm:linClrLst meth="repeat">
+      <a:schemeClr val="accent1"/>
+    </dgm:linClrLst>
+    <dgm:effectClrLst/>
+    <dgm:txLinClrLst/>
+    <dgm:txFillClrLst meth="repeat">
+      <a:schemeClr val="dk1"/>
+    </dgm:txFillClrLst>
+    <dgm:txEffectClrLst/>
+  </dgm:styleLbl>
+  <dgm:styleLbl name="conFgAcc1">
+    <dgm:fillClrLst meth="repeat">
+      <a:schemeClr val="lt1">
+        <a:alpha val="90000"/>
+      </a:schemeClr>
+    </dgm:fillClrLst>
+    <dgm:linClrLst meth="repeat">
+      <a:schemeClr val="accent1"/>
+    </dgm:linClrLst>
+    <dgm:effectClrLst/>
+    <dgm:txLinClrLst/>
+    <dgm:txFillClrLst meth="repeat">
+      <a:schemeClr val="dk1"/>
+    </dgm:txFillClrLst>
+    <dgm:txEffectClrLst/>
+  </dgm:styleLbl>
+  <dgm:styleLbl name="alignAcc1">
+    <dgm:fillClrLst meth="repeat">
+      <a:schemeClr val="lt1">
+        <a:alpha val="90000"/>
+      </a:schemeClr>
+    </dgm:fillClrLst>
+    <dgm:linClrLst meth="repeat">
+      <a:schemeClr val="accent1"/>
+    </dgm:linClrLst>
+    <dgm:effectClrLst/>
+    <dgm:txLinClrLst/>
+    <dgm:txFillClrLst meth="repeat">
+      <a:schemeClr val="dk1"/>
+    </dgm:txFillClrLst>
+    <dgm:txEffectClrLst/>
+  </dgm:styleLbl>
+  <dgm:styleLbl name="trAlignAcc1">
+    <dgm:fillClrLst meth="repeat">
+      <a:schemeClr val="lt1">
+        <a:alpha val="40000"/>
+      </a:schemeClr>
+    </dgm:fillClrLst>
+    <dgm:linClrLst meth="repeat">
+      <a:schemeClr val="accent1"/>
+    </dgm:linClrLst>
+    <dgm:effectClrLst/>
+    <dgm:txLinClrLst/>
+    <dgm:txFillClrLst meth="repeat">
+      <a:schemeClr val="dk1"/>
+    </dgm:txFillClrLst>
+    <dgm:txEffectClrLst/>
+  </dgm:styleLbl>
+  <dgm:styleLbl name="bgAcc1">
+    <dgm:fillClrLst meth="repeat">
+      <a:schemeClr val="lt1">
+        <a:alpha val="90000"/>
+      </a:schemeClr>
+    </dgm:fillClrLst>
+    <dgm:linClrLst meth="repeat">
+      <a:schemeClr val="accent1"/>
+    </dgm:linClrLst>
+    <dgm:effectClrLst/>
+    <dgm:txLinClrLst/>
+    <dgm:txFillClrLst meth="repeat">
+      <a:schemeClr val="dk1"/>
+    </dgm:txFillClrLst>
+    <dgm:txEffectClrLst/>
+  </dgm:styleLbl>
+  <dgm:styleLbl name="solidFgAcc1">
+    <dgm:fillClrLst meth="repeat">
+      <a:schemeClr val="lt1"/>
+    </dgm:fillClrLst>
+    <dgm:linClrLst meth="repeat">
+      <a:schemeClr val="accent1"/>
+    </dgm:linClrLst>
+    <dgm:effectClrLst/>
+    <dgm:txLinClrLst/>
+    <dgm:txFillClrLst meth="repeat">
+      <a:schemeClr val="dk1"/>
+    </dgm:txFillClrLst>
+    <dgm:txEffectClrLst/>
+  </dgm:styleLbl>
+  <dgm:styleLbl name="solidAlignAcc1">
+    <dgm:fillClrLst meth="repeat">
+      <a:schemeClr val="lt1"/>
+    </dgm:fillClrLst>
+    <dgm:linClrLst meth="repeat">
+      <a:schemeClr val="accent1"/>
+    </dgm:linClrLst>
+    <dgm:effectClrLst/>
+    <dgm:txLinClrLst/>
+    <dgm:txFillClrLst meth="repeat">
+      <a:schemeClr val="dk1"/>
+    </dgm:txFillClrLst>
+    <dgm:txEffectClrLst/>
+  </dgm:styleLbl>
+  <dgm:styleLbl name="solidBgAcc1">
+    <dgm:fillClrLst meth="repeat">
+      <a:schemeClr val="lt1"/>
+    </dgm:fillClrLst>
+    <dgm:linClrLst meth="repeat">
+      <a:schemeClr val="accent1"/>
+    </dgm:linClrLst>
+    <dgm:effectClrLst/>
+    <dgm:txLinClrLst/>
+    <dgm:txFillClrLst meth="repeat">
+      <a:schemeClr val="dk1"/>
+    </dgm:txFillClrLst>
+    <dgm:txEffectClrLst/>
+  </dgm:styleLbl>
+  <dgm:styleLbl name="fgAccFollowNode1">
+    <dgm:fillClrLst meth="repeat">
+      <a:schemeClr val="accent1">
+        <a:alpha val="90000"/>
+        <a:tint val="40000"/>
+      </a:schemeClr>
+    </dgm:fillClrLst>
+    <dgm:linClrLst meth="repeat">
+      <a:schemeClr val="accent1">
+        <a:alpha val="90000"/>
+        <a:tint val="40000"/>
+      </a:schemeClr>
+    </dgm:linClrLst>
+    <dgm:effectClrLst/>
+    <dgm:txLinClrLst/>
+    <dgm:txFillClrLst meth="repeat">
+      <a:schemeClr val="dk1"/>
+    </dgm:txFillClrLst>
+    <dgm:txEffectClrLst/>
+  </dgm:styleLbl>
+  <dgm:styleLbl name="alignAccFollowNode1">
+    <dgm:fillClrLst meth="repeat">
+      <a:schemeClr val="accent1">
+        <a:alpha val="90000"/>
+        <a:tint val="40000"/>
+      </a:schemeClr>
+    </dgm:fillClrLst>
+    <dgm:linClrLst meth="repeat">
+      <a:schemeClr val="accent1">
+        <a:alpha val="90000"/>
+        <a:tint val="40000"/>
+      </a:schemeClr>
+    </dgm:linClrLst>
+    <dgm:effectClrLst/>
+    <dgm:txLinClrLst/>
+    <dgm:txFillClrLst meth="repeat">
+      <a:schemeClr val="dk1"/>
+    </dgm:txFillClrLst>
+    <dgm:txEffectClrLst/>
+  </dgm:styleLbl>
+  <dgm:styleLbl name="bgAccFollowNode1">
+    <dgm:fillClrLst meth="repeat">
+      <a:schemeClr val="accent1">
+        <a:alpha val="90000"/>
+        <a:tint val="40000"/>
+      </a:schemeClr>
+    </dgm:fillClrLst>
+    <dgm:linClrLst meth="repeat">
+      <a:schemeClr val="accent1">
+        <a:alpha val="90000"/>
+        <a:tint val="40000"/>
+      </a:schemeClr>
+    </dgm:linClrLst>
+    <dgm:effectClrLst/>
+    <dgm:txLinClrLst/>
+    <dgm:txFillClrLst meth="repeat">
+      <a:schemeClr val="dk1"/>
+    </dgm:txFillClrLst>
+    <dgm:txEffectClrLst/>
+  </dgm:styleLbl>
+  <dgm:styleLbl name="fgAcc0">
+    <dgm:fillClrLst meth="repeat">
+      <a:schemeClr val="lt1">
+        <a:alpha val="90000"/>
+      </a:schemeClr>
+    </dgm:fillClrLst>
+    <dgm:linClrLst meth="repeat">
+      <a:schemeClr val="accent1"/>
+    </dgm:linClrLst>
+    <dgm:effectClrLst/>
+    <dgm:txLinClrLst/>
+    <dgm:txFillClrLst meth="repeat">
+      <a:schemeClr val="dk1"/>
+    </dgm:txFillClrLst>
+    <dgm:txEffectClrLst/>
+  </dgm:styleLbl>
+  <dgm:styleLbl name="fgAcc2">
+    <dgm:fillClrLst meth="repeat">
+      <a:schemeClr val="lt1">
+        <a:alpha val="90000"/>
+      </a:schemeClr>
+    </dgm:fillClrLst>
+    <dgm:linClrLst meth="repeat">
+      <a:schemeClr val="accent1"/>
+    </dgm:linClrLst>
+    <dgm:effectClrLst/>
+    <dgm:txLinClrLst/>
+    <dgm:txFillClrLst meth="repeat">
+      <a:schemeClr val="dk1"/>
+    </dgm:txFillClrLst>
+    <dgm:txEffectClrLst/>
+  </dgm:styleLbl>
+  <dgm:styleLbl name="fgAcc3">
+    <dgm:fillClrLst meth="repeat">
+      <a:schemeClr val="lt1">
+        <a:alpha val="90000"/>
+      </a:schemeClr>
+    </dgm:fillClrLst>
+    <dgm:linClrLst meth="repeat">
+      <a:schemeClr val="accent1"/>
+    </dgm:linClrLst>
+    <dgm:effectClrLst/>
+    <dgm:txLinClrLst/>
+    <dgm:txFillClrLst meth="repeat">
+      <a:schemeClr val="dk1"/>
+    </dgm:txFillClrLst>
+    <dgm:txEffectClrLst/>
+  </dgm:styleLbl>
+  <dgm:styleLbl name="fgAcc4">
+    <dgm:fillClrLst meth="repeat">
+      <a:schemeClr val="lt1">
+        <a:alpha val="90000"/>
+      </a:schemeClr>
+    </dgm:fillClrLst>
+    <dgm:linClrLst meth="repeat">
+      <a:schemeClr val="accent1"/>
+    </dgm:linClrLst>
+    <dgm:effectClrLst/>
+    <dgm:txLinClrLst/>
+    <dgm:txFillClrLst meth="repeat">
+      <a:schemeClr val="dk1"/>
+    </dgm:txFillClrLst>
+    <dgm:txEffectClrLst/>
+  </dgm:styleLbl>
+  <dgm:styleLbl name="bgShp">
+    <dgm:fillClrLst meth="repeat">
+      <a:schemeClr val="accent1">
+        <a:tint val="40000"/>
+      </a:schemeClr>
+    </dgm:fillClrLst>
+    <dgm:linClrLst meth="repeat">
+      <a:schemeClr val="accent1"/>
+    </dgm:linClrLst>
+    <dgm:effectClrLst/>
+    <dgm:txLinClrLst/>
+    <dgm:txFillClrLst meth="repeat">
+      <a:schemeClr val="dk1"/>
+    </dgm:txFillClrLst>
+    <dgm:txEffectClrLst/>
+  </dgm:styleLbl>
+  <dgm:styleLbl name="dkBgShp">
+    <dgm:fillClrLst meth="repeat">
+      <a:schemeClr val="accent1">
+        <a:shade val="80000"/>
+      </a:schemeClr>
+    </dgm:fillClrLst>
+    <dgm:linClrLst meth="repeat">
+      <a:schemeClr val="accent1"/>
+    </dgm:linClrLst>
+    <dgm:effectClrLst/>
+    <dgm:txLinClrLst/>
+    <dgm:txFillClrLst meth="repeat">
+      <a:schemeClr val="lt1"/>
+    </dgm:txFillClrLst>
+    <dgm:txEffectClrLst/>
+  </dgm:styleLbl>
+  <dgm:styleLbl name="trBgShp">
+    <dgm:fillClrLst meth="repeat">
+      <a:schemeClr val="accent1">
+        <a:tint val="50000"/>
+        <a:alpha val="40000"/>
+      </a:schemeClr>
+    </dgm:fillClrLst>
+    <dgm:linClrLst meth="repeat">
+      <a:schemeClr val="accent1"/>
+    </dgm:linClrLst>
+    <dgm:effectClrLst/>
+    <dgm:txLinClrLst/>
+    <dgm:txFillClrLst meth="repeat">
+      <a:schemeClr val="lt1"/>
+    </dgm:txFillClrLst>
+    <dgm:txEffectClrLst/>
+  </dgm:styleLbl>
+  <dgm:styleLbl name="fgShp">
+    <dgm:fillClrLst meth="repeat">
+      <a:schemeClr val="accent1">
+        <a:tint val="60000"/>
+      </a:schemeClr>
+    </dgm:fillClrLst>
+    <dgm:linClrLst meth="repeat">
+      <a:schemeClr val="lt1"/>
+    </dgm:linClrLst>
+    <dgm:effectClrLst/>
+    <dgm:txLinClrLst/>
+    <dgm:txFillClrLst meth="repeat">
+      <a:schemeClr val="dk1"/>
+    </dgm:txFillClrLst>
+    <dgm:txEffectClrLst/>
+  </dgm:styleLbl>
+  <dgm:styleLbl name="revTx">
+    <dgm:fillClrLst meth="repeat">
+      <a:schemeClr val="lt1">
+        <a:alpha val="0"/>
+      </a:schemeClr>
+    </dgm:fillClrLst>
+    <dgm:linClrLst meth="repeat">
+      <a:schemeClr val="dk1">
+        <a:alpha val="0"/>
+      </a:schemeClr>
+    </dgm:linClrLst>
+    <dgm:effectClrLst/>
+    <dgm:txLinClrLst/>
+    <dgm:txFillClrLst meth="repeat">
+      <a:schemeClr val="tx1"/>
+    </dgm:txFillClrLst>
+    <dgm:txEffectClrLst/>
+  </dgm:styleLbl>
+</dgm:colorsDef>
+</file>
+
+<file path=ppt/diagrams/colors2.xml><?xml version="1.0" encoding="utf-8"?>
+<dgm:colorsDef xmlns:dgm="http://schemas.openxmlformats.org/drawingml/2006/diagram" xmlns:a="http://schemas.openxmlformats.org/drawingml/2006/main" uniqueId="urn:microsoft.com/office/officeart/2005/8/colors/accent1_2">
+  <dgm:title val=""/>
+  <dgm:desc val=""/>
+  <dgm:catLst>
+    <dgm:cat type="accent1" pri="11200"/>
+  </dgm:catLst>
+  <dgm:styleLbl name="node0">
+    <dgm:fillClrLst meth="repeat">
+      <a:schemeClr val="accent1"/>
+    </dgm:fillClrLst>
+    <dgm:linClrLst meth="repeat">
+      <a:schemeClr val="lt1"/>
+    </dgm:linClrLst>
+    <dgm:effectClrLst/>
+    <dgm:txLinClrLst/>
+    <dgm:txFillClrLst/>
+    <dgm:txEffectClrLst/>
+  </dgm:styleLbl>
+  <dgm:styleLbl name="alignNode1">
+    <dgm:fillClrLst meth="repeat">
+      <a:schemeClr val="accent1"/>
+    </dgm:fillClrLst>
+    <dgm:linClrLst meth="repeat">
+      <a:schemeClr val="accent1"/>
+    </dgm:linClrLst>
+    <dgm:effectClrLst/>
+    <dgm:txLinClrLst/>
+    <dgm:txFillClrLst/>
+    <dgm:txEffectClrLst/>
+  </dgm:styleLbl>
+  <dgm:styleLbl name="node1">
+    <dgm:fillClrLst meth="repeat">
+      <a:schemeClr val="accent1"/>
+    </dgm:fillClrLst>
+    <dgm:linClrLst meth="repeat">
+      <a:schemeClr val="lt1"/>
+    </dgm:linClrLst>
+    <dgm:effectClrLst/>
+    <dgm:txLinClrLst/>
+    <dgm:txFillClrLst/>
+    <dgm:txEffectClrLst/>
+  </dgm:styleLbl>
+  <dgm:styleLbl name="lnNode1">
+    <dgm:fillClrLst meth="repeat">
+      <a:schemeClr val="accent1"/>
+    </dgm:fillClrLst>
+    <dgm:linClrLst meth="repeat">
+      <a:schemeClr val="lt1"/>
+    </dgm:linClrLst>
+    <dgm:effectClrLst/>
+    <dgm:txLinClrLst/>
+    <dgm:txFillClrLst/>
+    <dgm:txEffectClrLst/>
+  </dgm:styleLbl>
+  <dgm:styleLbl name="vennNode1">
+    <dgm:fillClrLst meth="repeat">
+      <a:schemeClr val="accent1">
+        <a:alpha val="50000"/>
+      </a:schemeClr>
+    </dgm:fillClrLst>
+    <dgm:linClrLst meth="repeat">
+      <a:schemeClr val="lt1"/>
+    </dgm:linClrLst>
+    <dgm:effectClrLst/>
+    <dgm:txLinClrLst/>
+    <dgm:txFillClrLst/>
+    <dgm:txEffectClrLst/>
+  </dgm:styleLbl>
+  <dgm:styleLbl name="node2">
+    <dgm:fillClrLst meth="repeat">
+      <a:schemeClr val="accent1"/>
+    </dgm:fillClrLst>
+    <dgm:linClrLst meth="repeat">
+      <a:schemeClr val="lt1"/>
+    </dgm:linClrLst>
+    <dgm:effectClrLst/>
+    <dgm:txLinClrLst/>
+    <dgm:txFillClrLst/>
+    <dgm:txEffectClrLst/>
+  </dgm:styleLbl>
+  <dgm:styleLbl name="node3">
+    <dgm:fillClrLst meth="repeat">
+      <a:schemeClr val="accent1"/>
+    </dgm:fillClrLst>
+    <dgm:linClrLst meth="repeat">
+      <a:schemeClr val="lt1"/>
+    </dgm:linClrLst>
+    <dgm:effectClrLst/>
+    <dgm:txLinClrLst/>
+    <dgm:txFillClrLst/>
+    <dgm:txEffectClrLst/>
+  </dgm:styleLbl>
+  <dgm:styleLbl name="node4">
+    <dgm:fillClrLst meth="repeat">
+      <a:schemeClr val="accent1"/>
+    </dgm:fillClrLst>
+    <dgm:linClrLst meth="repeat">
+      <a:schemeClr val="lt1"/>
+    </dgm:linClrLst>
+    <dgm:effectClrLst/>
+    <dgm:txLinClrLst/>
+    <dgm:txFillClrLst/>
+    <dgm:txEffectClrLst/>
+  </dgm:styleLbl>
+  <dgm:styleLbl name="fgImgPlace1">
+    <dgm:fillClrLst meth="repeat">
+      <a:schemeClr val="accent1">
+        <a:tint val="50000"/>
+      </a:schemeClr>
+    </dgm:fillClrLst>
+    <dgm:linClrLst meth="repeat">
+      <a:schemeClr val="lt1"/>
+    </dgm:linClrLst>
+    <dgm:effectClrLst/>
+    <dgm:txLinClrLst/>
+    <dgm:txFillClrLst meth="repeat">
+      <a:schemeClr val="lt1"/>
+    </dgm:txFillClrLst>
+    <dgm:txEffectClrLst/>
+  </dgm:styleLbl>
+  <dgm:styleLbl name="alignImgPlace1">
+    <dgm:fillClrLst meth="repeat">
+      <a:schemeClr val="accent1">
+        <a:tint val="50000"/>
+      </a:schemeClr>
+    </dgm:fillClrLst>
+    <dgm:linClrLst meth="repeat">
+      <a:schemeClr val="lt1"/>
+    </dgm:linClrLst>
+    <dgm:effectClrLst/>
+    <dgm:txLinClrLst/>
+    <dgm:txFillClrLst meth="repeat">
+      <a:schemeClr val="lt1"/>
+    </dgm:txFillClrLst>
+    <dgm:txEffectClrLst/>
+  </dgm:styleLbl>
+  <dgm:styleLbl name="bgImgPlace1">
+    <dgm:fillClrLst meth="repeat">
+      <a:schemeClr val="accent1">
+        <a:tint val="50000"/>
+      </a:schemeClr>
+    </dgm:fillClrLst>
+    <dgm:linClrLst meth="repeat">
+      <a:schemeClr val="lt1"/>
+    </dgm:linClrLst>
+    <dgm:effectClrLst/>
+    <dgm:txLinClrLst/>
+    <dgm:txFillClrLst meth="repeat">
+      <a:schemeClr val="lt1"/>
+    </dgm:txFillClrLst>
+    <dgm:txEffectClrLst/>
+  </dgm:styleLbl>
+  <dgm:styleLbl name="sibTrans2D1">
+    <dgm:fillClrLst meth="repeat">
+      <a:schemeClr val="accent1">
+        <a:tint val="60000"/>
+      </a:schemeClr>
+    </dgm:fillClrLst>
+    <dgm:linClrLst meth="repeat">
+      <a:schemeClr val="accent1">
+        <a:tint val="60000"/>
+      </a:schemeClr>
+    </dgm:linClrLst>
+    <dgm:effectClrLst/>
+    <dgm:txLinClrLst/>
+    <dgm:txFillClrLst/>
+    <dgm:txEffectClrLst/>
+  </dgm:styleLbl>
+  <dgm:styleLbl name="fgSibTrans2D1">
+    <dgm:fillClrLst meth="repeat">
+      <a:schemeClr val="accent1">
+        <a:tint val="60000"/>
+      </a:schemeClr>
+    </dgm:fillClrLst>
+    <dgm:linClrLst meth="repeat">
+      <a:schemeClr val="accent1">
+        <a:tint val="60000"/>
+      </a:schemeClr>
+    </dgm:linClrLst>
+    <dgm:effectClrLst/>
+    <dgm:txLinClrLst/>
+    <dgm:txFillClrLst/>
+    <dgm:txEffectClrLst/>
+  </dgm:styleLbl>
+  <dgm:styleLbl name="bgSibTrans2D1">
+    <dgm:fillClrLst meth="repeat">
+      <a:schemeClr val="accent1">
+        <a:tint val="60000"/>
+      </a:schemeClr>
+    </dgm:fillClrLst>
+    <dgm:linClrLst meth="repeat">
+      <a:schemeClr val="accent1">
+        <a:tint val="60000"/>
+      </a:schemeClr>
+    </dgm:linClrLst>
+    <dgm:effectClrLst/>
+    <dgm:txLinClrLst/>
+    <dgm:txFillClrLst/>
+    <dgm:txEffectClrLst/>
+  </dgm:styleLbl>
+  <dgm:styleLbl name="sibTrans1D1">
+    <dgm:fillClrLst meth="repeat">
+      <a:schemeClr val="accent1"/>
+    </dgm:fillClrLst>
+    <dgm:linClrLst meth="repeat">
+      <a:schemeClr val="accent1"/>
+    </dgm:linClrLst>
+    <dgm:effectClrLst/>
+    <dgm:txLinClrLst/>
+    <dgm:txFillClrLst meth="repeat">
+      <a:schemeClr val="tx1"/>
+    </dgm:txFillClrLst>
+    <dgm:txEffectClrLst/>
+  </dgm:styleLbl>
+  <dgm:styleLbl name="callout">
+    <dgm:fillClrLst meth="repeat">
+      <a:schemeClr val="accent1"/>
+    </dgm:fillClrLst>
+    <dgm:linClrLst meth="repeat">
+      <a:schemeClr val="accent1">
+        <a:tint val="50000"/>
+      </a:schemeClr>
+    </dgm:linClrLst>
+    <dgm:effectClrLst/>
+    <dgm:txLinClrLst/>
+    <dgm:txFillClrLst meth="repeat">
+      <a:schemeClr val="tx1"/>
+    </dgm:txFillClrLst>
+    <dgm:txEffectClrLst/>
+  </dgm:styleLbl>
+  <dgm:styleLbl name="asst0">
+    <dgm:fillClrLst meth="repeat">
+      <a:schemeClr val="accent1"/>
+    </dgm:fillClrLst>
+    <dgm:linClrLst meth="repeat">
+      <a:schemeClr val="lt1"/>
+    </dgm:linClrLst>
+    <dgm:effectClrLst/>
+    <dgm:txLinClrLst/>
+    <dgm:txFillClrLst/>
+    <dgm:txEffectClrLst/>
+  </dgm:styleLbl>
+  <dgm:styleLbl name="asst1">
+    <dgm:fillClrLst meth="repeat">
+      <a:schemeClr val="accent1"/>
+    </dgm:fillClrLst>
+    <dgm:linClrLst meth="repeat">
+      <a:schemeClr val="lt1"/>
+    </dgm:linClrLst>
+    <dgm:effectClrLst/>
+    <dgm:txLinClrLst/>
+    <dgm:txFillClrLst/>
+    <dgm:txEffectClrLst/>
+  </dgm:styleLbl>
+  <dgm:styleLbl name="asst2">
+    <dgm:fillClrLst meth="repeat">
+      <a:schemeClr val="accent1"/>
+    </dgm:fillClrLst>
+    <dgm:linClrLst meth="repeat">
+      <a:schemeClr val="lt1"/>
+    </dgm:linClrLst>
+    <dgm:effectClrLst/>
+    <dgm:txLinClrLst/>
+    <dgm:txFillClrLst/>
+    <dgm:txEffectClrLst/>
+  </dgm:styleLbl>
+  <dgm:styleLbl name="asst3">
+    <dgm:fillClrLst meth="repeat">
+      <a:schemeClr val="accent1"/>
+    </dgm:fillClrLst>
+    <dgm:linClrLst meth="repeat">
+      <a:schemeClr val="lt1"/>
+    </dgm:linClrLst>
+    <dgm:effectClrLst/>
+    <dgm:txLinClrLst/>
+    <dgm:txFillClrLst/>
+    <dgm:txEffectClrLst/>
+  </dgm:styleLbl>
+  <dgm:styleLbl name="asst4">
+    <dgm:fillClrLst meth="repeat">
+      <a:schemeClr val="accent1"/>
+    </dgm:fillClrLst>
+    <dgm:linClrLst meth="repeat">
+      <a:schemeClr val="lt1"/>
+    </dgm:linClrLst>
+    <dgm:effectClrLst/>
+    <dgm:txLinClrLst/>
+    <dgm:txFillClrLst/>
+    <dgm:txEffectClrLst/>
+  </dgm:styleLbl>
+  <dgm:styleLbl name="parChTrans2D1">
+    <dgm:fillClrLst meth="repeat">
+      <a:schemeClr val="accent1">
+        <a:tint val="60000"/>
+      </a:schemeClr>
+    </dgm:fillClrLst>
+    <dgm:linClrLst meth="repeat">
+      <a:schemeClr val="accent1">
+        <a:tint val="60000"/>
+      </a:schemeClr>
+    </dgm:linClrLst>
+    <dgm:effectClrLst/>
+    <dgm:txLinClrLst/>
+    <dgm:txFillClrLst meth="repeat">
+      <a:schemeClr val="lt1"/>
+    </dgm:txFillClrLst>
+    <dgm:txEffectClrLst/>
+  </dgm:styleLbl>
+  <dgm:styleLbl name="parChTrans2D2">
+    <dgm:fillClrLst meth="repeat">
+      <a:schemeClr val="accent1"/>
+    </dgm:fillClrLst>
+    <dgm:linClrLst meth="repeat">
+      <a:schemeClr val="accent1"/>
+    </dgm:linClrLst>
+    <dgm:effectClrLst/>
+    <dgm:txLinClrLst/>
+    <dgm:txFillClrLst meth="repeat">
+      <a:schemeClr val="lt1"/>
+    </dgm:txFillClrLst>
+    <dgm:txEffectClrLst/>
+  </dgm:styleLbl>
+  <dgm:styleLbl name="parChTrans2D3">
+    <dgm:fillClrLst meth="repeat">
+      <a:schemeClr val="accent1"/>
+    </dgm:fillClrLst>
+    <dgm:linClrLst meth="repeat">
+      <a:schemeClr val="accent1"/>
+    </dgm:linClrLst>
+    <dgm:effectClrLst/>
+    <dgm:txLinClrLst/>
+    <dgm:txFillClrLst meth="repeat">
+      <a:schemeClr val="lt1"/>
+    </dgm:txFillClrLst>
+    <dgm:txEffectClrLst/>
+  </dgm:styleLbl>
+  <dgm:styleLbl name="parChTrans2D4">
+    <dgm:fillClrLst meth="repeat">
+      <a:schemeClr val="accent1"/>
+    </dgm:fillClrLst>
+    <dgm:linClrLst meth="repeat">
+      <a:schemeClr val="accent1"/>
+    </dgm:linClrLst>
+    <dgm:effectClrLst/>
+    <dgm:txLinClrLst/>
+    <dgm:txFillClrLst meth="repeat">
+      <a:schemeClr val="lt1"/>
+    </dgm:txFillClrLst>
+    <dgm:txEffectClrLst/>
+  </dgm:styleLbl>
+  <dgm:styleLbl name="parChTrans1D1">
+    <dgm:fillClrLst meth="repeat">
+      <a:schemeClr val="accent1"/>
+    </dgm:fillClrLst>
+    <dgm:linClrLst meth="repeat">
+      <a:schemeClr val="accent1">
+        <a:shade val="60000"/>
+      </a:schemeClr>
+    </dgm:linClrLst>
+    <dgm:effectClrLst/>
+    <dgm:txLinClrLst/>
+    <dgm:txFillClrLst meth="repeat">
+      <a:schemeClr val="tx1"/>
+    </dgm:txFillClrLst>
+    <dgm:txEffectClrLst/>
+  </dgm:styleLbl>
+  <dgm:styleLbl name="parChTrans1D2">
+    <dgm:fillClrLst meth="repeat">
+      <a:schemeClr val="accent1"/>
+    </dgm:fillClrLst>
+    <dgm:linClrLst meth="repeat">
+      <a:schemeClr val="accent1">
+        <a:shade val="60000"/>
+      </a:schemeClr>
+    </dgm:linClrLst>
+    <dgm:effectClrLst/>
+    <dgm:txLinClrLst/>
+    <dgm:txFillClrLst meth="repeat">
+      <a:schemeClr val="tx1"/>
+    </dgm:txFillClrLst>
+    <dgm:txEffectClrLst/>
+  </dgm:styleLbl>
+  <dgm:styleLbl name="parChTrans1D3">
+    <dgm:fillClrLst meth="repeat">
+      <a:schemeClr val="accent1"/>
+    </dgm:fillClrLst>
+    <dgm:linClrLst meth="repeat">
+      <a:schemeClr val="accent1">
+        <a:shade val="80000"/>
+      </a:schemeClr>
+    </dgm:linClrLst>
+    <dgm:effectClrLst/>
+    <dgm:txLinClrLst/>
+    <dgm:txFillClrLst meth="repeat">
+      <a:schemeClr val="tx1"/>
+    </dgm:txFillClrLst>
+    <dgm:txEffectClrLst/>
+  </dgm:styleLbl>
+  <dgm:styleLbl name="parChTrans1D4">
+    <dgm:fillClrLst meth="repeat">
+      <a:schemeClr val="accent1"/>
+    </dgm:fillClrLst>
+    <dgm:linClrLst meth="repeat">
+      <a:schemeClr val="accent1">
+        <a:shade val="80000"/>
+      </a:schemeClr>
+    </dgm:linClrLst>
+    <dgm:effectClrLst/>
+    <dgm:txLinClrLst/>
+    <dgm:txFillClrLst meth="repeat">
+      <a:schemeClr val="tx1"/>
+    </dgm:txFillClrLst>
+    <dgm:txEffectClrLst/>
+  </dgm:styleLbl>
+  <dgm:styleLbl name="fgAcc1">
+    <dgm:fillClrLst meth="repeat">
+      <a:schemeClr val="lt1">
+        <a:alpha val="90000"/>
+      </a:schemeClr>
+    </dgm:fillClrLst>
+    <dgm:linClrLst meth="repeat">
+      <a:schemeClr val="accent1"/>
+    </dgm:linClrLst>
+    <dgm:effectClrLst/>
+    <dgm:txLinClrLst/>
+    <dgm:txFillClrLst meth="repeat">
+      <a:schemeClr val="dk1"/>
+    </dgm:txFillClrLst>
+    <dgm:txEffectClrLst/>
+  </dgm:styleLbl>
+  <dgm:styleLbl name="conFgAcc1">
+    <dgm:fillClrLst meth="repeat">
+      <a:schemeClr val="lt1">
+        <a:alpha val="90000"/>
+      </a:schemeClr>
+    </dgm:fillClrLst>
+    <dgm:linClrLst meth="repeat">
+      <a:schemeClr val="accent1"/>
+    </dgm:linClrLst>
+    <dgm:effectClrLst/>
+    <dgm:txLinClrLst/>
+    <dgm:txFillClrLst meth="repeat">
+      <a:schemeClr val="dk1"/>
+    </dgm:txFillClrLst>
+    <dgm:txEffectClrLst/>
+  </dgm:styleLbl>
+  <dgm:styleLbl name="alignAcc1">
+    <dgm:fillClrLst meth="repeat">
+      <a:schemeClr val="lt1">
+        <a:alpha val="90000"/>
+      </a:schemeClr>
+    </dgm:fillClrLst>
+    <dgm:linClrLst meth="repeat">
+      <a:schemeClr val="accent1"/>
+    </dgm:linClrLst>
+    <dgm:effectClrLst/>
+    <dgm:txLinClrLst/>
+    <dgm:txFillClrLst meth="repeat">
+      <a:schemeClr val="dk1"/>
+    </dgm:txFillClrLst>
+    <dgm:txEffectClrLst/>
+  </dgm:styleLbl>
+  <dgm:styleLbl name="trAlignAcc1">
+    <dgm:fillClrLst meth="repeat">
+      <a:schemeClr val="lt1">
+        <a:alpha val="40000"/>
+      </a:schemeClr>
+    </dgm:fillClrLst>
+    <dgm:linClrLst meth="repeat">
+      <a:schemeClr val="accent1"/>
+    </dgm:linClrLst>
+    <dgm:effectClrLst/>
+    <dgm:txLinClrLst/>
+    <dgm:txFillClrLst meth="repeat">
+      <a:schemeClr val="dk1"/>
+    </dgm:txFillClrLst>
+    <dgm:txEffectClrLst/>
+  </dgm:styleLbl>
+  <dgm:styleLbl name="bgAcc1">
+    <dgm:fillClrLst meth="repeat">
+      <a:schemeClr val="lt1">
+        <a:alpha val="90000"/>
+      </a:schemeClr>
+    </dgm:fillClrLst>
+    <dgm:linClrLst meth="repeat">
+      <a:schemeClr val="accent1"/>
+    </dgm:linClrLst>
+    <dgm:effectClrLst/>
+    <dgm:txLinClrLst/>
+    <dgm:txFillClrLst meth="repeat">
+      <a:schemeClr val="dk1"/>
+    </dgm:txFillClrLst>
+    <dgm:txEffectClrLst/>
+  </dgm:styleLbl>
+  <dgm:styleLbl name="solidFgAcc1">
+    <dgm:fillClrLst meth="repeat">
+      <a:schemeClr val="lt1"/>
+    </dgm:fillClrLst>
+    <dgm:linClrLst meth="repeat">
+      <a:schemeClr val="accent1"/>
+    </dgm:linClrLst>
+    <dgm:effectClrLst/>
+    <dgm:txLinClrLst/>
+    <dgm:txFillClrLst meth="repeat">
+      <a:schemeClr val="dk1"/>
+    </dgm:txFillClrLst>
+    <dgm:txEffectClrLst/>
+  </dgm:styleLbl>
+  <dgm:styleLbl name="solidAlignAcc1">
+    <dgm:fillClrLst meth="repeat">
+      <a:schemeClr val="lt1"/>
+    </dgm:fillClrLst>
+    <dgm:linClrLst meth="repeat">
+      <a:schemeClr val="accent1"/>
+    </dgm:linClrLst>
+    <dgm:effectClrLst/>
+    <dgm:txLinClrLst/>
+    <dgm:txFillClrLst meth="repeat">
+      <a:schemeClr val="dk1"/>
+    </dgm:txFillClrLst>
+    <dgm:txEffectClrLst/>
+  </dgm:styleLbl>
+  <dgm:styleLbl name="solidBgAcc1">
+    <dgm:fillClrLst meth="repeat">
+      <a:schemeClr val="lt1"/>
+    </dgm:fillClrLst>
+    <dgm:linClrLst meth="repeat">
+      <a:schemeClr val="accent1"/>
+    </dgm:linClrLst>
+    <dgm:effectClrLst/>
+    <dgm:txLinClrLst/>
+    <dgm:txFillClrLst meth="repeat">
+      <a:schemeClr val="dk1"/>
+    </dgm:txFillClrLst>
+    <dgm:txEffectClrLst/>
+  </dgm:styleLbl>
+  <dgm:styleLbl name="fgAccFollowNode1">
+    <dgm:fillClrLst meth="repeat">
+      <a:schemeClr val="accent1">
+        <a:alpha val="90000"/>
+        <a:tint val="40000"/>
+      </a:schemeClr>
+    </dgm:fillClrLst>
+    <dgm:linClrLst meth="repeat">
+      <a:schemeClr val="accent1">
+        <a:alpha val="90000"/>
+        <a:tint val="40000"/>
+      </a:schemeClr>
+    </dgm:linClrLst>
+    <dgm:effectClrLst/>
+    <dgm:txLinClrLst/>
+    <dgm:txFillClrLst meth="repeat">
+      <a:schemeClr val="dk1"/>
+    </dgm:txFillClrLst>
+    <dgm:txEffectClrLst/>
+  </dgm:styleLbl>
+  <dgm:styleLbl name="alignAccFollowNode1">
+    <dgm:fillClrLst meth="repeat">
+      <a:schemeClr val="accent1">
+        <a:alpha val="90000"/>
+        <a:tint val="40000"/>
+      </a:schemeClr>
+    </dgm:fillClrLst>
+    <dgm:linClrLst meth="repeat">
+      <a:schemeClr val="accent1">
+        <a:alpha val="90000"/>
+        <a:tint val="40000"/>
+      </a:schemeClr>
+    </dgm:linClrLst>
+    <dgm:effectClrLst/>
+    <dgm:txLinClrLst/>
+    <dgm:txFillClrLst meth="repeat">
+      <a:schemeClr val="dk1"/>
+    </dgm:txFillClrLst>
+    <dgm:txEffectClrLst/>
+  </dgm:styleLbl>
+  <dgm:styleLbl name="bgAccFollowNode1">
+    <dgm:fillClrLst meth="repeat">
+      <a:schemeClr val="accent1">
+        <a:alpha val="90000"/>
+        <a:tint val="40000"/>
+      </a:schemeClr>
+    </dgm:fillClrLst>
+    <dgm:linClrLst meth="repeat">
+      <a:schemeClr val="accent1">
+        <a:alpha val="90000"/>
+        <a:tint val="40000"/>
+      </a:schemeClr>
+    </dgm:linClrLst>
+    <dgm:effectClrLst/>
+    <dgm:txLinClrLst/>
+    <dgm:txFillClrLst meth="repeat">
+      <a:schemeClr val="dk1"/>
+    </dgm:txFillClrLst>
+    <dgm:txEffectClrLst/>
+  </dgm:styleLbl>
+  <dgm:styleLbl name="fgAcc0">
+    <dgm:fillClrLst meth="repeat">
+      <a:schemeClr val="lt1">
+        <a:alpha val="90000"/>
+      </a:schemeClr>
+    </dgm:fillClrLst>
+    <dgm:linClrLst meth="repeat">
+      <a:schemeClr val="accent1"/>
+    </dgm:linClrLst>
+    <dgm:effectClrLst/>
+    <dgm:txLinClrLst/>
+    <dgm:txFillClrLst meth="repeat">
+      <a:schemeClr val="dk1"/>
+    </dgm:txFillClrLst>
+    <dgm:txEffectClrLst/>
+  </dgm:styleLbl>
+  <dgm:styleLbl name="fgAcc2">
+    <dgm:fillClrLst meth="repeat">
+      <a:schemeClr val="lt1">
+        <a:alpha val="90000"/>
+      </a:schemeClr>
+    </dgm:fillClrLst>
+    <dgm:linClrLst meth="repeat">
+      <a:schemeClr val="accent1"/>
+    </dgm:linClrLst>
+    <dgm:effectClrLst/>
+    <dgm:txLinClrLst/>
+    <dgm:txFillClrLst meth="repeat">
+      <a:schemeClr val="dk1"/>
+    </dgm:txFillClrLst>
+    <dgm:txEffectClrLst/>
+  </dgm:styleLbl>
+  <dgm:styleLbl name="fgAcc3">
+    <dgm:fillClrLst meth="repeat">
+      <a:schemeClr val="lt1">
+        <a:alpha val="90000"/>
+      </a:schemeClr>
+    </dgm:fillClrLst>
+    <dgm:linClrLst meth="repeat">
+      <a:schemeClr val="accent1"/>
+    </dgm:linClrLst>
+    <dgm:effectClrLst/>
+    <dgm:txLinClrLst/>
+    <dgm:txFillClrLst meth="repeat">
+      <a:schemeClr val="dk1"/>
+    </dgm:txFillClrLst>
+    <dgm:txEffectClrLst/>
+  </dgm:styleLbl>
+  <dgm:styleLbl name="fgAcc4">
+    <dgm:fillClrLst meth="repeat">
+      <a:schemeClr val="lt1">
+        <a:alpha val="90000"/>
+      </a:schemeClr>
+    </dgm:fillClrLst>
+    <dgm:linClrLst meth="repeat">
+      <a:schemeClr val="accent1"/>
+    </dgm:linClrLst>
+    <dgm:effectClrLst/>
+    <dgm:txLinClrLst/>
+    <dgm:txFillClrLst meth="repeat">
+      <a:schemeClr val="dk1"/>
+    </dgm:txFillClrLst>
+    <dgm:txEffectClrLst/>
+  </dgm:styleLbl>
+  <dgm:styleLbl name="bgShp">
+    <dgm:fillClrLst meth="repeat">
+      <a:schemeClr val="accent1">
+        <a:tint val="40000"/>
+      </a:schemeClr>
+    </dgm:fillClrLst>
+    <dgm:linClrLst meth="repeat">
+      <a:schemeClr val="accent1"/>
+    </dgm:linClrLst>
+    <dgm:effectClrLst/>
+    <dgm:txLinClrLst/>
+    <dgm:txFillClrLst meth="repeat">
+      <a:schemeClr val="dk1"/>
+    </dgm:txFillClrLst>
+    <dgm:txEffectClrLst/>
+  </dgm:styleLbl>
+  <dgm:styleLbl name="dkBgShp">
+    <dgm:fillClrLst meth="repeat">
+      <a:schemeClr val="accent1">
+        <a:shade val="80000"/>
+      </a:schemeClr>
+    </dgm:fillClrLst>
+    <dgm:linClrLst meth="repeat">
+      <a:schemeClr val="accent1"/>
+    </dgm:linClrLst>
+    <dgm:effectClrLst/>
+    <dgm:txLinClrLst/>
+    <dgm:txFillClrLst meth="repeat">
+      <a:schemeClr val="lt1"/>
+    </dgm:txFillClrLst>
+    <dgm:txEffectClrLst/>
+  </dgm:styleLbl>
+  <dgm:styleLbl name="trBgShp">
+    <dgm:fillClrLst meth="repeat">
+      <a:schemeClr val="accent1">
+        <a:tint val="50000"/>
+        <a:alpha val="40000"/>
+      </a:schemeClr>
+    </dgm:fillClrLst>
+    <dgm:linClrLst meth="repeat">
+      <a:schemeClr val="accent1"/>
+    </dgm:linClrLst>
+    <dgm:effectClrLst/>
+    <dgm:txLinClrLst/>
+    <dgm:txFillClrLst meth="repeat">
+      <a:schemeClr val="lt1"/>
+    </dgm:txFillClrLst>
+    <dgm:txEffectClrLst/>
+  </dgm:styleLbl>
+  <dgm:styleLbl name="fgShp">
+    <dgm:fillClrLst meth="repeat">
+      <a:schemeClr val="accent1">
+        <a:tint val="60000"/>
+      </a:schemeClr>
+    </dgm:fillClrLst>
+    <dgm:linClrLst meth="repeat">
+      <a:schemeClr val="lt1"/>
+    </dgm:linClrLst>
+    <dgm:effectClrLst/>
+    <dgm:txLinClrLst/>
+    <dgm:txFillClrLst meth="repeat">
+      <a:schemeClr val="dk1"/>
+    </dgm:txFillClrLst>
+    <dgm:txEffectClrLst/>
+  </dgm:styleLbl>
+  <dgm:styleLbl name="revTx">
+    <dgm:fillClrLst meth="repeat">
+      <a:schemeClr val="lt1">
+        <a:alpha val="0"/>
+      </a:schemeClr>
+    </dgm:fillClrLst>
+    <dgm:linClrLst meth="repeat">
+      <a:schemeClr val="dk1">
+        <a:alpha val="0"/>
+      </a:schemeClr>
+    </dgm:linClrLst>
+    <dgm:effectClrLst/>
+    <dgm:txLinClrLst/>
+    <dgm:txFillClrLst meth="repeat">
+      <a:schemeClr val="tx1"/>
+    </dgm:txFillClrLst>
+    <dgm:txEffectClrLst/>
+  </dgm:styleLbl>
+</dgm:colorsDef>
+</file>
+
+<file path=ppt/diagrams/data1.xml><?xml version="1.0" encoding="utf-8"?>
+<dgm:dataModel xmlns:dgm="http://schemas.openxmlformats.org/drawingml/2006/diagram" xmlns:a="http://schemas.openxmlformats.org/drawingml/2006/main">
+  <dgm:ptLst>
+    <dgm:pt modelId="{90DC8A9C-98E2-4B22-A76E-41CD7EBE3F76}" type="doc">
+      <dgm:prSet loTypeId="urn:microsoft.com/office/officeart/2005/8/layout/list1" loCatId="list" qsTypeId="urn:microsoft.com/office/officeart/2005/8/quickstyle/simple1" qsCatId="simple" csTypeId="urn:microsoft.com/office/officeart/2005/8/colors/accent1_2" csCatId="accent1"/>
+      <dgm:spPr/>
+      <dgm:t>
+        <a:bodyPr/>
+        <a:lstStyle/>
+        <a:p>
+          <a:endParaRPr lang="en-US"/>
+        </a:p>
+      </dgm:t>
+    </dgm:pt>
+    <dgm:pt modelId="{3301EF50-3504-4EBC-8A95-0C99D2579A59}">
+      <dgm:prSet/>
+      <dgm:spPr/>
+      <dgm:t>
+        <a:bodyPr/>
+        <a:lstStyle/>
+        <a:p>
+          <a:r>
+            <a:rPr lang="en-US" dirty="0"/>
+            <a:t>Why Stablecoins?</a:t>
+          </a:r>
+        </a:p>
+      </dgm:t>
+    </dgm:pt>
+    <dgm:pt modelId="{163E7F57-E350-4239-86ED-1DF18F13353E}" type="parTrans" cxnId="{C9BEA5C9-260C-49FB-AB69-C43539A18627}">
+      <dgm:prSet/>
+      <dgm:spPr/>
+      <dgm:t>
+        <a:bodyPr/>
+        <a:lstStyle/>
+        <a:p>
+          <a:endParaRPr lang="en-US"/>
+        </a:p>
+      </dgm:t>
+    </dgm:pt>
+    <dgm:pt modelId="{0289A809-98B6-42B4-84DC-1BD6EE67ED57}" type="sibTrans" cxnId="{C9BEA5C9-260C-49FB-AB69-C43539A18627}">
+      <dgm:prSet/>
+      <dgm:spPr/>
+      <dgm:t>
+        <a:bodyPr/>
+        <a:lstStyle/>
+        <a:p>
+          <a:endParaRPr lang="en-US"/>
+        </a:p>
+      </dgm:t>
+    </dgm:pt>
+    <dgm:pt modelId="{17CB8C36-F0A1-4552-A284-DE8A5A9F3A32}">
+      <dgm:prSet/>
+      <dgm:spPr/>
+      <dgm:t>
+        <a:bodyPr/>
+        <a:lstStyle/>
+        <a:p>
+          <a:r>
+            <a:rPr lang="en-US"/>
+            <a:t>The common cryptocurrencies (BTC, ETH, etc.) suffer from high volatility in their valuations.</a:t>
+          </a:r>
+          <a:br>
+            <a:rPr lang="en-US"/>
+          </a:br>
+          <a:endParaRPr lang="en-US"/>
+        </a:p>
+      </dgm:t>
+    </dgm:pt>
+    <dgm:pt modelId="{0B1F3BC5-5B45-4881-9F56-859CC327FCC3}" type="parTrans" cxnId="{CB0A1A0C-3515-4CFA-966A-0041D68546AB}">
+      <dgm:prSet/>
+      <dgm:spPr/>
+      <dgm:t>
+        <a:bodyPr/>
+        <a:lstStyle/>
+        <a:p>
+          <a:endParaRPr lang="en-US"/>
+        </a:p>
+      </dgm:t>
+    </dgm:pt>
+    <dgm:pt modelId="{58E26F4E-70CD-4FEB-AFBB-77C6D022C9A6}" type="sibTrans" cxnId="{CB0A1A0C-3515-4CFA-966A-0041D68546AB}">
+      <dgm:prSet/>
+      <dgm:spPr/>
+      <dgm:t>
+        <a:bodyPr/>
+        <a:lstStyle/>
+        <a:p>
+          <a:endParaRPr lang="en-US"/>
+        </a:p>
+      </dgm:t>
+    </dgm:pt>
+    <dgm:pt modelId="{B71E428A-8198-4EB1-A689-AF4A3C19698B}">
+      <dgm:prSet/>
+      <dgm:spPr/>
+      <dgm:t>
+        <a:bodyPr/>
+        <a:lstStyle/>
+        <a:p>
+          <a:r>
+            <a:rPr lang="en-US"/>
+            <a:t>What are Stablecoins?</a:t>
+          </a:r>
+        </a:p>
+      </dgm:t>
+    </dgm:pt>
+    <dgm:pt modelId="{61B98256-ED4C-4554-B7B6-C66A74563C1B}" type="parTrans" cxnId="{689E510E-680E-49EA-AEEB-7F2430822817}">
+      <dgm:prSet/>
+      <dgm:spPr/>
+      <dgm:t>
+        <a:bodyPr/>
+        <a:lstStyle/>
+        <a:p>
+          <a:endParaRPr lang="en-US"/>
+        </a:p>
+      </dgm:t>
+    </dgm:pt>
+    <dgm:pt modelId="{8A3B6C4D-23A7-481D-B0FB-4B7B5CE9C74D}" type="sibTrans" cxnId="{689E510E-680E-49EA-AEEB-7F2430822817}">
+      <dgm:prSet/>
+      <dgm:spPr/>
+      <dgm:t>
+        <a:bodyPr/>
+        <a:lstStyle/>
+        <a:p>
+          <a:endParaRPr lang="en-US"/>
+        </a:p>
+      </dgm:t>
+    </dgm:pt>
+    <dgm:pt modelId="{3F9B756A-4DB2-4B5A-BC52-BD250DE6FA65}">
+      <dgm:prSet/>
+      <dgm:spPr/>
+      <dgm:t>
+        <a:bodyPr/>
+        <a:lstStyle/>
+        <a:p>
+          <a:r>
+            <a:rPr lang="en-US"/>
+            <a:t>Cryptocurrencies which try to </a:t>
+          </a:r>
+          <a:r>
+            <a:rPr lang="en-US" b="0" i="0"/>
+            <a:t>tackle price fluctuations by tying their value to other more stable assets – usually fiat.</a:t>
+          </a:r>
+          <a:endParaRPr lang="en-US"/>
+        </a:p>
+      </dgm:t>
+    </dgm:pt>
+    <dgm:pt modelId="{38FA2D01-134C-4A06-8AEE-705F4569F0A5}" type="parTrans" cxnId="{38383942-A325-4284-B864-AA721EFFF3DD}">
+      <dgm:prSet/>
+      <dgm:spPr/>
+      <dgm:t>
+        <a:bodyPr/>
+        <a:lstStyle/>
+        <a:p>
+          <a:endParaRPr lang="en-US"/>
+        </a:p>
+      </dgm:t>
+    </dgm:pt>
+    <dgm:pt modelId="{808D0DB7-111F-4370-8922-4DAC325FB37E}" type="sibTrans" cxnId="{38383942-A325-4284-B864-AA721EFFF3DD}">
+      <dgm:prSet/>
+      <dgm:spPr/>
+      <dgm:t>
+        <a:bodyPr/>
+        <a:lstStyle/>
+        <a:p>
+          <a:endParaRPr lang="en-US"/>
+        </a:p>
+      </dgm:t>
+    </dgm:pt>
+    <dgm:pt modelId="{F7946BAA-4245-4D70-8B3E-D375F93D86AE}" type="pres">
+      <dgm:prSet presAssocID="{90DC8A9C-98E2-4B22-A76E-41CD7EBE3F76}" presName="linear" presStyleCnt="0">
+        <dgm:presLayoutVars>
+          <dgm:dir/>
+          <dgm:animLvl val="lvl"/>
+          <dgm:resizeHandles val="exact"/>
+        </dgm:presLayoutVars>
+      </dgm:prSet>
+      <dgm:spPr/>
+    </dgm:pt>
+    <dgm:pt modelId="{1CE70C44-8FF6-4E5C-B6AE-AE451D5B01ED}" type="pres">
+      <dgm:prSet presAssocID="{3301EF50-3504-4EBC-8A95-0C99D2579A59}" presName="parentLin" presStyleCnt="0"/>
+      <dgm:spPr/>
+    </dgm:pt>
+    <dgm:pt modelId="{2DF63428-946A-4205-B940-0BBC387D61E8}" type="pres">
+      <dgm:prSet presAssocID="{3301EF50-3504-4EBC-8A95-0C99D2579A59}" presName="parentLeftMargin" presStyleLbl="node1" presStyleIdx="0" presStyleCnt="2"/>
+      <dgm:spPr/>
+    </dgm:pt>
+    <dgm:pt modelId="{33784B5D-A901-40C1-88EC-478383B799CE}" type="pres">
+      <dgm:prSet presAssocID="{3301EF50-3504-4EBC-8A95-0C99D2579A59}" presName="parentText" presStyleLbl="node1" presStyleIdx="0" presStyleCnt="2">
+        <dgm:presLayoutVars>
+          <dgm:chMax val="0"/>
+          <dgm:bulletEnabled val="1"/>
+        </dgm:presLayoutVars>
+      </dgm:prSet>
+      <dgm:spPr/>
+    </dgm:pt>
+    <dgm:pt modelId="{5773BE60-EC93-4293-B951-75EB9A23B3F2}" type="pres">
+      <dgm:prSet presAssocID="{3301EF50-3504-4EBC-8A95-0C99D2579A59}" presName="negativeSpace" presStyleCnt="0"/>
+      <dgm:spPr/>
+    </dgm:pt>
+    <dgm:pt modelId="{35B37305-8E26-4198-8E86-BBA9C8A74884}" type="pres">
+      <dgm:prSet presAssocID="{3301EF50-3504-4EBC-8A95-0C99D2579A59}" presName="childText" presStyleLbl="conFgAcc1" presStyleIdx="0" presStyleCnt="2">
+        <dgm:presLayoutVars>
+          <dgm:bulletEnabled val="1"/>
+        </dgm:presLayoutVars>
+      </dgm:prSet>
+      <dgm:spPr/>
+    </dgm:pt>
+    <dgm:pt modelId="{BE3CA014-78D7-4FF3-A4DE-31529CE46567}" type="pres">
+      <dgm:prSet presAssocID="{0289A809-98B6-42B4-84DC-1BD6EE67ED57}" presName="spaceBetweenRectangles" presStyleCnt="0"/>
+      <dgm:spPr/>
+    </dgm:pt>
+    <dgm:pt modelId="{B32863D2-4A3B-4207-8D0A-FE128F0DECFA}" type="pres">
+      <dgm:prSet presAssocID="{B71E428A-8198-4EB1-A689-AF4A3C19698B}" presName="parentLin" presStyleCnt="0"/>
+      <dgm:spPr/>
+    </dgm:pt>
+    <dgm:pt modelId="{E47350CC-CA9D-4CC0-98EA-DAAC64BB9636}" type="pres">
+      <dgm:prSet presAssocID="{B71E428A-8198-4EB1-A689-AF4A3C19698B}" presName="parentLeftMargin" presStyleLbl="node1" presStyleIdx="0" presStyleCnt="2"/>
+      <dgm:spPr/>
+    </dgm:pt>
+    <dgm:pt modelId="{35E8EE1D-A81D-4069-87F5-75309C941D97}" type="pres">
+      <dgm:prSet presAssocID="{B71E428A-8198-4EB1-A689-AF4A3C19698B}" presName="parentText" presStyleLbl="node1" presStyleIdx="1" presStyleCnt="2">
+        <dgm:presLayoutVars>
+          <dgm:chMax val="0"/>
+          <dgm:bulletEnabled val="1"/>
+        </dgm:presLayoutVars>
+      </dgm:prSet>
+      <dgm:spPr/>
+    </dgm:pt>
+    <dgm:pt modelId="{C465F145-973D-4A4C-BA6E-9290E323FE22}" type="pres">
+      <dgm:prSet presAssocID="{B71E428A-8198-4EB1-A689-AF4A3C19698B}" presName="negativeSpace" presStyleCnt="0"/>
+      <dgm:spPr/>
+    </dgm:pt>
+    <dgm:pt modelId="{F7B464FE-0E76-4372-A8BD-E062A4ED7943}" type="pres">
+      <dgm:prSet presAssocID="{B71E428A-8198-4EB1-A689-AF4A3C19698B}" presName="childText" presStyleLbl="conFgAcc1" presStyleIdx="1" presStyleCnt="2">
+        <dgm:presLayoutVars>
+          <dgm:bulletEnabled val="1"/>
+        </dgm:presLayoutVars>
+      </dgm:prSet>
+      <dgm:spPr/>
+    </dgm:pt>
+  </dgm:ptLst>
+  <dgm:cxnLst>
+    <dgm:cxn modelId="{DDA0D404-FF86-4403-8A29-C3EC848B6829}" type="presOf" srcId="{3301EF50-3504-4EBC-8A95-0C99D2579A59}" destId="{33784B5D-A901-40C1-88EC-478383B799CE}" srcOrd="1" destOrd="0" presId="urn:microsoft.com/office/officeart/2005/8/layout/list1"/>
+    <dgm:cxn modelId="{CB0A1A0C-3515-4CFA-966A-0041D68546AB}" srcId="{3301EF50-3504-4EBC-8A95-0C99D2579A59}" destId="{17CB8C36-F0A1-4552-A284-DE8A5A9F3A32}" srcOrd="0" destOrd="0" parTransId="{0B1F3BC5-5B45-4881-9F56-859CC327FCC3}" sibTransId="{58E26F4E-70CD-4FEB-AFBB-77C6D022C9A6}"/>
+    <dgm:cxn modelId="{FA2B1A0E-B670-46DA-A192-76045B54A50A}" type="presOf" srcId="{3F9B756A-4DB2-4B5A-BC52-BD250DE6FA65}" destId="{F7B464FE-0E76-4372-A8BD-E062A4ED7943}" srcOrd="0" destOrd="0" presId="urn:microsoft.com/office/officeart/2005/8/layout/list1"/>
+    <dgm:cxn modelId="{689E510E-680E-49EA-AEEB-7F2430822817}" srcId="{90DC8A9C-98E2-4B22-A76E-41CD7EBE3F76}" destId="{B71E428A-8198-4EB1-A689-AF4A3C19698B}" srcOrd="1" destOrd="0" parTransId="{61B98256-ED4C-4554-B7B6-C66A74563C1B}" sibTransId="{8A3B6C4D-23A7-481D-B0FB-4B7B5CE9C74D}"/>
+    <dgm:cxn modelId="{BC1C7938-38CD-4BAF-A3DF-FFAE5AA969E9}" type="presOf" srcId="{3301EF50-3504-4EBC-8A95-0C99D2579A59}" destId="{2DF63428-946A-4205-B940-0BBC387D61E8}" srcOrd="0" destOrd="0" presId="urn:microsoft.com/office/officeart/2005/8/layout/list1"/>
+    <dgm:cxn modelId="{C9948960-B30E-4269-9A0B-398669EAD6E5}" type="presOf" srcId="{B71E428A-8198-4EB1-A689-AF4A3C19698B}" destId="{E47350CC-CA9D-4CC0-98EA-DAAC64BB9636}" srcOrd="0" destOrd="0" presId="urn:microsoft.com/office/officeart/2005/8/layout/list1"/>
+    <dgm:cxn modelId="{38383942-A325-4284-B864-AA721EFFF3DD}" srcId="{B71E428A-8198-4EB1-A689-AF4A3C19698B}" destId="{3F9B756A-4DB2-4B5A-BC52-BD250DE6FA65}" srcOrd="0" destOrd="0" parTransId="{38FA2D01-134C-4A06-8AEE-705F4569F0A5}" sibTransId="{808D0DB7-111F-4370-8922-4DAC325FB37E}"/>
+    <dgm:cxn modelId="{7E41B46D-7523-419E-8017-799482D1614F}" type="presOf" srcId="{17CB8C36-F0A1-4552-A284-DE8A5A9F3A32}" destId="{35B37305-8E26-4198-8E86-BBA9C8A74884}" srcOrd="0" destOrd="0" presId="urn:microsoft.com/office/officeart/2005/8/layout/list1"/>
+    <dgm:cxn modelId="{9D44425A-9DC6-4F45-A743-4CB439B9270B}" type="presOf" srcId="{B71E428A-8198-4EB1-A689-AF4A3C19698B}" destId="{35E8EE1D-A81D-4069-87F5-75309C941D97}" srcOrd="1" destOrd="0" presId="urn:microsoft.com/office/officeart/2005/8/layout/list1"/>
+    <dgm:cxn modelId="{0FA05BC2-26C8-4E23-ABF2-E3D139FF42DF}" type="presOf" srcId="{90DC8A9C-98E2-4B22-A76E-41CD7EBE3F76}" destId="{F7946BAA-4245-4D70-8B3E-D375F93D86AE}" srcOrd="0" destOrd="0" presId="urn:microsoft.com/office/officeart/2005/8/layout/list1"/>
+    <dgm:cxn modelId="{C9BEA5C9-260C-49FB-AB69-C43539A18627}" srcId="{90DC8A9C-98E2-4B22-A76E-41CD7EBE3F76}" destId="{3301EF50-3504-4EBC-8A95-0C99D2579A59}" srcOrd="0" destOrd="0" parTransId="{163E7F57-E350-4239-86ED-1DF18F13353E}" sibTransId="{0289A809-98B6-42B4-84DC-1BD6EE67ED57}"/>
+    <dgm:cxn modelId="{8F891312-62F2-40DB-BDD7-494C11BE7AF2}" type="presParOf" srcId="{F7946BAA-4245-4D70-8B3E-D375F93D86AE}" destId="{1CE70C44-8FF6-4E5C-B6AE-AE451D5B01ED}" srcOrd="0" destOrd="0" presId="urn:microsoft.com/office/officeart/2005/8/layout/list1"/>
+    <dgm:cxn modelId="{1B5154A0-B16B-49FF-AE8A-5AF7F2D9A99F}" type="presParOf" srcId="{1CE70C44-8FF6-4E5C-B6AE-AE451D5B01ED}" destId="{2DF63428-946A-4205-B940-0BBC387D61E8}" srcOrd="0" destOrd="0" presId="urn:microsoft.com/office/officeart/2005/8/layout/list1"/>
+    <dgm:cxn modelId="{7D6DB495-DA4A-4F52-AF9E-8405CCB6CAF1}" type="presParOf" srcId="{1CE70C44-8FF6-4E5C-B6AE-AE451D5B01ED}" destId="{33784B5D-A901-40C1-88EC-478383B799CE}" srcOrd="1" destOrd="0" presId="urn:microsoft.com/office/officeart/2005/8/layout/list1"/>
+    <dgm:cxn modelId="{CBB8E374-B72F-473C-B7C9-6543C4C0D4F8}" type="presParOf" srcId="{F7946BAA-4245-4D70-8B3E-D375F93D86AE}" destId="{5773BE60-EC93-4293-B951-75EB9A23B3F2}" srcOrd="1" destOrd="0" presId="urn:microsoft.com/office/officeart/2005/8/layout/list1"/>
+    <dgm:cxn modelId="{7909CF9C-AA48-4188-8165-97AE73695D26}" type="presParOf" srcId="{F7946BAA-4245-4D70-8B3E-D375F93D86AE}" destId="{35B37305-8E26-4198-8E86-BBA9C8A74884}" srcOrd="2" destOrd="0" presId="urn:microsoft.com/office/officeart/2005/8/layout/list1"/>
+    <dgm:cxn modelId="{9D263EFB-3686-4132-AAF3-96A78E0CAA34}" type="presParOf" srcId="{F7946BAA-4245-4D70-8B3E-D375F93D86AE}" destId="{BE3CA014-78D7-4FF3-A4DE-31529CE46567}" srcOrd="3" destOrd="0" presId="urn:microsoft.com/office/officeart/2005/8/layout/list1"/>
+    <dgm:cxn modelId="{0BFFAB53-DEFE-42B3-BC38-897E5A4CBD05}" type="presParOf" srcId="{F7946BAA-4245-4D70-8B3E-D375F93D86AE}" destId="{B32863D2-4A3B-4207-8D0A-FE128F0DECFA}" srcOrd="4" destOrd="0" presId="urn:microsoft.com/office/officeart/2005/8/layout/list1"/>
+    <dgm:cxn modelId="{61719876-079A-4087-957C-5DCA68146256}" type="presParOf" srcId="{B32863D2-4A3B-4207-8D0A-FE128F0DECFA}" destId="{E47350CC-CA9D-4CC0-98EA-DAAC64BB9636}" srcOrd="0" destOrd="0" presId="urn:microsoft.com/office/officeart/2005/8/layout/list1"/>
+    <dgm:cxn modelId="{88E464B0-3C55-481E-AC1A-1AC5A5306D63}" type="presParOf" srcId="{B32863D2-4A3B-4207-8D0A-FE128F0DECFA}" destId="{35E8EE1D-A81D-4069-87F5-75309C941D97}" srcOrd="1" destOrd="0" presId="urn:microsoft.com/office/officeart/2005/8/layout/list1"/>
+    <dgm:cxn modelId="{4A161DD0-2329-4157-92C1-DDF4AA88D025}" type="presParOf" srcId="{F7946BAA-4245-4D70-8B3E-D375F93D86AE}" destId="{C465F145-973D-4A4C-BA6E-9290E323FE22}" srcOrd="5" destOrd="0" presId="urn:microsoft.com/office/officeart/2005/8/layout/list1"/>
+    <dgm:cxn modelId="{E1C28ADC-8C45-4C03-8652-DAF9B0AA796A}" type="presParOf" srcId="{F7946BAA-4245-4D70-8B3E-D375F93D86AE}" destId="{F7B464FE-0E76-4372-A8BD-E062A4ED7943}" srcOrd="6" destOrd="0" presId="urn:microsoft.com/office/officeart/2005/8/layout/list1"/>
+  </dgm:cxnLst>
+  <dgm:bg/>
+  <dgm:whole/>
+  <dgm:extLst>
+    <a:ext uri="http://schemas.microsoft.com/office/drawing/2008/diagram">
+      <dsp:dataModelExt xmlns:dsp="http://schemas.microsoft.com/office/drawing/2008/diagram" relId="rId6" minVer="http://schemas.openxmlformats.org/drawingml/2006/diagram"/>
+    </a:ext>
+  </dgm:extLst>
+</dgm:dataModel>
+</file>
+
+<file path=ppt/diagrams/data2.xml><?xml version="1.0" encoding="utf-8"?>
+<dgm:dataModel xmlns:dgm="http://schemas.openxmlformats.org/drawingml/2006/diagram" xmlns:a="http://schemas.openxmlformats.org/drawingml/2006/main">
+  <dgm:ptLst>
+    <dgm:pt modelId="{AD80CA63-3E88-4B4B-8F4B-01B8EDB5B854}" type="doc">
+      <dgm:prSet loTypeId="urn:microsoft.com/office/officeart/2005/8/layout/list1" loCatId="list" qsTypeId="urn:microsoft.com/office/officeart/2005/8/quickstyle/simple1" qsCatId="simple" csTypeId="urn:microsoft.com/office/officeart/2005/8/colors/accent1_2" csCatId="accent1"/>
+      <dgm:spPr/>
+      <dgm:t>
+        <a:bodyPr/>
+        <a:lstStyle/>
+        <a:p>
+          <a:endParaRPr lang="en-US"/>
+        </a:p>
+      </dgm:t>
+    </dgm:pt>
+    <dgm:pt modelId="{4D11BD40-1A05-4F88-B047-30B8B3E62601}">
+      <dgm:prSet/>
+      <dgm:spPr/>
+      <dgm:t>
+        <a:bodyPr/>
+        <a:lstStyle/>
+        <a:p>
+          <a:r>
+            <a:rPr lang="en-US"/>
+            <a:t>Types of Stablecoins:</a:t>
+          </a:r>
+        </a:p>
+      </dgm:t>
+    </dgm:pt>
+    <dgm:pt modelId="{0F4F177E-678E-4E54-B8BF-B03B76CD4330}" type="parTrans" cxnId="{27540897-11AC-45E0-9DCD-C68D3FE03C52}">
+      <dgm:prSet/>
+      <dgm:spPr/>
+      <dgm:t>
+        <a:bodyPr/>
+        <a:lstStyle/>
+        <a:p>
+          <a:endParaRPr lang="en-US"/>
+        </a:p>
+      </dgm:t>
+    </dgm:pt>
+    <dgm:pt modelId="{93EC1E57-AAE3-441E-9BF4-8FD321C5B97B}" type="sibTrans" cxnId="{27540897-11AC-45E0-9DCD-C68D3FE03C52}">
+      <dgm:prSet/>
+      <dgm:spPr/>
+      <dgm:t>
+        <a:bodyPr/>
+        <a:lstStyle/>
+        <a:p>
+          <a:endParaRPr lang="en-US"/>
+        </a:p>
+      </dgm:t>
+    </dgm:pt>
+    <dgm:pt modelId="{01D15497-51F8-45ED-868C-ADD1DCD15405}">
+      <dgm:prSet/>
+      <dgm:spPr/>
+      <dgm:t>
+        <a:bodyPr/>
+        <a:lstStyle/>
+        <a:p>
+          <a:r>
+            <a:rPr lang="en-US" b="0" i="0"/>
+            <a:t>Fiat-Collateralized Stablecoins</a:t>
+          </a:r>
+          <a:endParaRPr lang="en-US"/>
+        </a:p>
+      </dgm:t>
+    </dgm:pt>
+    <dgm:pt modelId="{59BF7E41-DFEF-4F78-8DC9-4B77C67236B8}" type="parTrans" cxnId="{8A0AA726-A1C7-4C70-882C-59C49491D502}">
+      <dgm:prSet/>
+      <dgm:spPr/>
+      <dgm:t>
+        <a:bodyPr/>
+        <a:lstStyle/>
+        <a:p>
+          <a:endParaRPr lang="en-US"/>
+        </a:p>
+      </dgm:t>
+    </dgm:pt>
+    <dgm:pt modelId="{B9A948FF-F357-44A5-A792-3796E3E6DA26}" type="sibTrans" cxnId="{8A0AA726-A1C7-4C70-882C-59C49491D502}">
+      <dgm:prSet/>
+      <dgm:spPr/>
+      <dgm:t>
+        <a:bodyPr/>
+        <a:lstStyle/>
+        <a:p>
+          <a:endParaRPr lang="en-US"/>
+        </a:p>
+      </dgm:t>
+    </dgm:pt>
+    <dgm:pt modelId="{A5D91A35-0F5B-4819-A18F-71DDC314A4E8}">
+      <dgm:prSet/>
+      <dgm:spPr/>
+      <dgm:t>
+        <a:bodyPr/>
+        <a:lstStyle/>
+        <a:p>
+          <a:r>
+            <a:rPr lang="en-US" b="0" i="0"/>
+            <a:t>Crypto-Collateralized Stablecoins</a:t>
+          </a:r>
+          <a:endParaRPr lang="en-US"/>
+        </a:p>
+      </dgm:t>
+    </dgm:pt>
+    <dgm:pt modelId="{761D6138-C0A8-4529-AEB2-B9705A3BFF91}" type="parTrans" cxnId="{9650BDDA-4FD7-407D-91A6-5DA53A3CE4DB}">
+      <dgm:prSet/>
+      <dgm:spPr/>
+      <dgm:t>
+        <a:bodyPr/>
+        <a:lstStyle/>
+        <a:p>
+          <a:endParaRPr lang="en-US"/>
+        </a:p>
+      </dgm:t>
+    </dgm:pt>
+    <dgm:pt modelId="{A0DC5E9F-63D1-4CA1-A553-A3DB5DB3176A}" type="sibTrans" cxnId="{9650BDDA-4FD7-407D-91A6-5DA53A3CE4DB}">
+      <dgm:prSet/>
+      <dgm:spPr/>
+      <dgm:t>
+        <a:bodyPr/>
+        <a:lstStyle/>
+        <a:p>
+          <a:endParaRPr lang="en-US"/>
+        </a:p>
+      </dgm:t>
+    </dgm:pt>
+    <dgm:pt modelId="{FC008DD4-B441-4DEF-88A6-199D98BB9E27}">
+      <dgm:prSet/>
+      <dgm:spPr/>
+      <dgm:t>
+        <a:bodyPr/>
+        <a:lstStyle/>
+        <a:p>
+          <a:r>
+            <a:rPr lang="en-US" b="0" i="0" dirty="0">
+              <a:solidFill>
+                <a:srgbClr val="00B050"/>
+              </a:solidFill>
+            </a:rPr>
+            <a:t>Non-Collateralized (algorithmic) Stablecoins</a:t>
+          </a:r>
+          <a:endParaRPr lang="en-US" dirty="0">
+            <a:solidFill>
+              <a:srgbClr val="00B050"/>
+            </a:solidFill>
+          </a:endParaRPr>
+        </a:p>
+      </dgm:t>
+    </dgm:pt>
+    <dgm:pt modelId="{EB90B02C-0236-46D6-8F8B-DB1F5F501781}" type="parTrans" cxnId="{09CE3B7A-8F78-45A4-95E0-6355F5C3D4A7}">
+      <dgm:prSet/>
+      <dgm:spPr/>
+      <dgm:t>
+        <a:bodyPr/>
+        <a:lstStyle/>
+        <a:p>
+          <a:endParaRPr lang="en-US"/>
+        </a:p>
+      </dgm:t>
+    </dgm:pt>
+    <dgm:pt modelId="{AD4D4134-CEFA-4CC9-82DD-75D2480AB98F}" type="sibTrans" cxnId="{09CE3B7A-8F78-45A4-95E0-6355F5C3D4A7}">
+      <dgm:prSet/>
+      <dgm:spPr/>
+      <dgm:t>
+        <a:bodyPr/>
+        <a:lstStyle/>
+        <a:p>
+          <a:endParaRPr lang="en-US"/>
+        </a:p>
+      </dgm:t>
+    </dgm:pt>
+    <dgm:pt modelId="{8AD3FEF2-AC90-4FDD-8DE4-AB71DE73CE44}">
+      <dgm:prSet/>
+      <dgm:spPr/>
+      <dgm:t>
+        <a:bodyPr/>
+        <a:lstStyle/>
+        <a:p>
+          <a:r>
+            <a:rPr lang="en-US"/>
+            <a:t>Algorithmic Stablecoins:</a:t>
+          </a:r>
+        </a:p>
+      </dgm:t>
+    </dgm:pt>
+    <dgm:pt modelId="{F5704844-E9F6-4D2A-B2BE-F03F46F41138}" type="parTrans" cxnId="{5CA01558-A6ED-4DBD-BCFB-4118575CA96F}">
+      <dgm:prSet/>
+      <dgm:spPr/>
+      <dgm:t>
+        <a:bodyPr/>
+        <a:lstStyle/>
+        <a:p>
+          <a:endParaRPr lang="en-US"/>
+        </a:p>
+      </dgm:t>
+    </dgm:pt>
+    <dgm:pt modelId="{1C2F0825-4091-4FDC-BAA4-D50BF23AD0AF}" type="sibTrans" cxnId="{5CA01558-A6ED-4DBD-BCFB-4118575CA96F}">
+      <dgm:prSet/>
+      <dgm:spPr/>
+      <dgm:t>
+        <a:bodyPr/>
+        <a:lstStyle/>
+        <a:p>
+          <a:endParaRPr lang="en-US"/>
+        </a:p>
+      </dgm:t>
+    </dgm:pt>
+    <dgm:pt modelId="{F8FCD22C-DC1C-474C-9CAA-CFC7888E24BB}">
+      <dgm:prSet/>
+      <dgm:spPr/>
+      <dgm:t>
+        <a:bodyPr/>
+        <a:lstStyle/>
+        <a:p>
+          <a:r>
+            <a:rPr lang="en-US"/>
+            <a:t>Do not use any reserve, but include a working mechanism, like that of a central bank, to retain a stable price. </a:t>
+          </a:r>
+        </a:p>
+      </dgm:t>
+    </dgm:pt>
+    <dgm:pt modelId="{185730CD-5B6F-461B-9014-BE2C76A86FAE}" type="parTrans" cxnId="{C0A24482-C4D2-4851-B6C3-B059769178A9}">
+      <dgm:prSet/>
+      <dgm:spPr/>
+      <dgm:t>
+        <a:bodyPr/>
+        <a:lstStyle/>
+        <a:p>
+          <a:endParaRPr lang="en-US"/>
+        </a:p>
+      </dgm:t>
+    </dgm:pt>
+    <dgm:pt modelId="{EB56949B-FE8B-4B69-B258-B0A6ACA52FDE}" type="sibTrans" cxnId="{C0A24482-C4D2-4851-B6C3-B059769178A9}">
+      <dgm:prSet/>
+      <dgm:spPr/>
+      <dgm:t>
+        <a:bodyPr/>
+        <a:lstStyle/>
+        <a:p>
+          <a:endParaRPr lang="en-US"/>
+        </a:p>
+      </dgm:t>
+    </dgm:pt>
+    <dgm:pt modelId="{C8543F71-E2C6-4034-837B-75C4595CF1F4}" type="pres">
+      <dgm:prSet presAssocID="{AD80CA63-3E88-4B4B-8F4B-01B8EDB5B854}" presName="linear" presStyleCnt="0">
+        <dgm:presLayoutVars>
+          <dgm:dir/>
+          <dgm:animLvl val="lvl"/>
+          <dgm:resizeHandles val="exact"/>
+        </dgm:presLayoutVars>
+      </dgm:prSet>
+      <dgm:spPr/>
+    </dgm:pt>
+    <dgm:pt modelId="{24FA8039-F08B-4391-B0C5-4CF47CD327B4}" type="pres">
+      <dgm:prSet presAssocID="{4D11BD40-1A05-4F88-B047-30B8B3E62601}" presName="parentLin" presStyleCnt="0"/>
+      <dgm:spPr/>
+    </dgm:pt>
+    <dgm:pt modelId="{4C2D36EA-77C3-4F5F-BCEA-B591315E5F2D}" type="pres">
+      <dgm:prSet presAssocID="{4D11BD40-1A05-4F88-B047-30B8B3E62601}" presName="parentLeftMargin" presStyleLbl="node1" presStyleIdx="0" presStyleCnt="2"/>
+      <dgm:spPr/>
+    </dgm:pt>
+    <dgm:pt modelId="{A3177678-5532-408B-B2B6-BBF9E2386B63}" type="pres">
+      <dgm:prSet presAssocID="{4D11BD40-1A05-4F88-B047-30B8B3E62601}" presName="parentText" presStyleLbl="node1" presStyleIdx="0" presStyleCnt="2">
+        <dgm:presLayoutVars>
+          <dgm:chMax val="0"/>
+          <dgm:bulletEnabled val="1"/>
+        </dgm:presLayoutVars>
+      </dgm:prSet>
+      <dgm:spPr/>
+    </dgm:pt>
+    <dgm:pt modelId="{9E255F6E-CF40-49D2-8EC8-E932EDA1A7CC}" type="pres">
+      <dgm:prSet presAssocID="{4D11BD40-1A05-4F88-B047-30B8B3E62601}" presName="negativeSpace" presStyleCnt="0"/>
+      <dgm:spPr/>
+    </dgm:pt>
+    <dgm:pt modelId="{70E44823-DC7E-420A-850E-DF7CE1D34917}" type="pres">
+      <dgm:prSet presAssocID="{4D11BD40-1A05-4F88-B047-30B8B3E62601}" presName="childText" presStyleLbl="conFgAcc1" presStyleIdx="0" presStyleCnt="2">
+        <dgm:presLayoutVars>
+          <dgm:bulletEnabled val="1"/>
+        </dgm:presLayoutVars>
+      </dgm:prSet>
+      <dgm:spPr/>
+    </dgm:pt>
+    <dgm:pt modelId="{F9743CE2-53D2-4620-96D6-ED28137C3DD9}" type="pres">
+      <dgm:prSet presAssocID="{93EC1E57-AAE3-441E-9BF4-8FD321C5B97B}" presName="spaceBetweenRectangles" presStyleCnt="0"/>
+      <dgm:spPr/>
+    </dgm:pt>
+    <dgm:pt modelId="{90C26092-90E9-4D7B-B157-A6181505D94E}" type="pres">
+      <dgm:prSet presAssocID="{8AD3FEF2-AC90-4FDD-8DE4-AB71DE73CE44}" presName="parentLin" presStyleCnt="0"/>
+      <dgm:spPr/>
+    </dgm:pt>
+    <dgm:pt modelId="{2C5639C8-129C-48DB-AE10-755E91AC00F0}" type="pres">
+      <dgm:prSet presAssocID="{8AD3FEF2-AC90-4FDD-8DE4-AB71DE73CE44}" presName="parentLeftMargin" presStyleLbl="node1" presStyleIdx="0" presStyleCnt="2"/>
+      <dgm:spPr/>
+    </dgm:pt>
+    <dgm:pt modelId="{79D84E39-2270-46F5-B559-DB058B1E2419}" type="pres">
+      <dgm:prSet presAssocID="{8AD3FEF2-AC90-4FDD-8DE4-AB71DE73CE44}" presName="parentText" presStyleLbl="node1" presStyleIdx="1" presStyleCnt="2">
+        <dgm:presLayoutVars>
+          <dgm:chMax val="0"/>
+          <dgm:bulletEnabled val="1"/>
+        </dgm:presLayoutVars>
+      </dgm:prSet>
+      <dgm:spPr/>
+    </dgm:pt>
+    <dgm:pt modelId="{FA096A73-6354-4681-93A7-C84FD870F970}" type="pres">
+      <dgm:prSet presAssocID="{8AD3FEF2-AC90-4FDD-8DE4-AB71DE73CE44}" presName="negativeSpace" presStyleCnt="0"/>
+      <dgm:spPr/>
+    </dgm:pt>
+    <dgm:pt modelId="{AC6A2192-7046-4BC2-9394-839E413F6B2B}" type="pres">
+      <dgm:prSet presAssocID="{8AD3FEF2-AC90-4FDD-8DE4-AB71DE73CE44}" presName="childText" presStyleLbl="conFgAcc1" presStyleIdx="1" presStyleCnt="2">
+        <dgm:presLayoutVars>
+          <dgm:bulletEnabled val="1"/>
+        </dgm:presLayoutVars>
+      </dgm:prSet>
+      <dgm:spPr/>
+    </dgm:pt>
+  </dgm:ptLst>
+  <dgm:cxnLst>
+    <dgm:cxn modelId="{1F54431A-C0E4-413B-A2E4-0B645C3207B4}" type="presOf" srcId="{F8FCD22C-DC1C-474C-9CAA-CFC7888E24BB}" destId="{AC6A2192-7046-4BC2-9394-839E413F6B2B}" srcOrd="0" destOrd="0" presId="urn:microsoft.com/office/officeart/2005/8/layout/list1"/>
+    <dgm:cxn modelId="{E8AC0B1F-8EE4-4136-AAD5-00D1F79BA489}" type="presOf" srcId="{8AD3FEF2-AC90-4FDD-8DE4-AB71DE73CE44}" destId="{2C5639C8-129C-48DB-AE10-755E91AC00F0}" srcOrd="0" destOrd="0" presId="urn:microsoft.com/office/officeart/2005/8/layout/list1"/>
+    <dgm:cxn modelId="{8A0AA726-A1C7-4C70-882C-59C49491D502}" srcId="{4D11BD40-1A05-4F88-B047-30B8B3E62601}" destId="{01D15497-51F8-45ED-868C-ADD1DCD15405}" srcOrd="0" destOrd="0" parTransId="{59BF7E41-DFEF-4F78-8DC9-4B77C67236B8}" sibTransId="{B9A948FF-F357-44A5-A792-3796E3E6DA26}"/>
+    <dgm:cxn modelId="{5D430A5E-B28F-4AF7-8A36-FF594E2C35E3}" type="presOf" srcId="{4D11BD40-1A05-4F88-B047-30B8B3E62601}" destId="{4C2D36EA-77C3-4F5F-BCEA-B591315E5F2D}" srcOrd="0" destOrd="0" presId="urn:microsoft.com/office/officeart/2005/8/layout/list1"/>
+    <dgm:cxn modelId="{8A2D1A4B-E6F0-496F-A9D3-8F60531190E6}" type="presOf" srcId="{8AD3FEF2-AC90-4FDD-8DE4-AB71DE73CE44}" destId="{79D84E39-2270-46F5-B559-DB058B1E2419}" srcOrd="1" destOrd="0" presId="urn:microsoft.com/office/officeart/2005/8/layout/list1"/>
+    <dgm:cxn modelId="{5CA01558-A6ED-4DBD-BCFB-4118575CA96F}" srcId="{AD80CA63-3E88-4B4B-8F4B-01B8EDB5B854}" destId="{8AD3FEF2-AC90-4FDD-8DE4-AB71DE73CE44}" srcOrd="1" destOrd="0" parTransId="{F5704844-E9F6-4D2A-B2BE-F03F46F41138}" sibTransId="{1C2F0825-4091-4FDC-BAA4-D50BF23AD0AF}"/>
+    <dgm:cxn modelId="{09CE3B7A-8F78-45A4-95E0-6355F5C3D4A7}" srcId="{4D11BD40-1A05-4F88-B047-30B8B3E62601}" destId="{FC008DD4-B441-4DEF-88A6-199D98BB9E27}" srcOrd="2" destOrd="0" parTransId="{EB90B02C-0236-46D6-8F8B-DB1F5F501781}" sibTransId="{AD4D4134-CEFA-4CC9-82DD-75D2480AB98F}"/>
+    <dgm:cxn modelId="{CB184A7D-1A64-4CD6-9B9A-1A29A5D9524C}" type="presOf" srcId="{A5D91A35-0F5B-4819-A18F-71DDC314A4E8}" destId="{70E44823-DC7E-420A-850E-DF7CE1D34917}" srcOrd="0" destOrd="1" presId="urn:microsoft.com/office/officeart/2005/8/layout/list1"/>
+    <dgm:cxn modelId="{C0A24482-C4D2-4851-B6C3-B059769178A9}" srcId="{8AD3FEF2-AC90-4FDD-8DE4-AB71DE73CE44}" destId="{F8FCD22C-DC1C-474C-9CAA-CFC7888E24BB}" srcOrd="0" destOrd="0" parTransId="{185730CD-5B6F-461B-9014-BE2C76A86FAE}" sibTransId="{EB56949B-FE8B-4B69-B258-B0A6ACA52FDE}"/>
+    <dgm:cxn modelId="{27540897-11AC-45E0-9DCD-C68D3FE03C52}" srcId="{AD80CA63-3E88-4B4B-8F4B-01B8EDB5B854}" destId="{4D11BD40-1A05-4F88-B047-30B8B3E62601}" srcOrd="0" destOrd="0" parTransId="{0F4F177E-678E-4E54-B8BF-B03B76CD4330}" sibTransId="{93EC1E57-AAE3-441E-9BF4-8FD321C5B97B}"/>
+    <dgm:cxn modelId="{A30431C8-204F-46AC-8D8E-3CDD195F665F}" type="presOf" srcId="{4D11BD40-1A05-4F88-B047-30B8B3E62601}" destId="{A3177678-5532-408B-B2B6-BBF9E2386B63}" srcOrd="1" destOrd="0" presId="urn:microsoft.com/office/officeart/2005/8/layout/list1"/>
+    <dgm:cxn modelId="{9650BDDA-4FD7-407D-91A6-5DA53A3CE4DB}" srcId="{4D11BD40-1A05-4F88-B047-30B8B3E62601}" destId="{A5D91A35-0F5B-4819-A18F-71DDC314A4E8}" srcOrd="1" destOrd="0" parTransId="{761D6138-C0A8-4529-AEB2-B9705A3BFF91}" sibTransId="{A0DC5E9F-63D1-4CA1-A553-A3DB5DB3176A}"/>
+    <dgm:cxn modelId="{50E35CE1-C0DA-459A-B37A-56124E03D81C}" type="presOf" srcId="{01D15497-51F8-45ED-868C-ADD1DCD15405}" destId="{70E44823-DC7E-420A-850E-DF7CE1D34917}" srcOrd="0" destOrd="0" presId="urn:microsoft.com/office/officeart/2005/8/layout/list1"/>
+    <dgm:cxn modelId="{990169ED-4E52-475E-8296-C8177CDE9A51}" type="presOf" srcId="{FC008DD4-B441-4DEF-88A6-199D98BB9E27}" destId="{70E44823-DC7E-420A-850E-DF7CE1D34917}" srcOrd="0" destOrd="2" presId="urn:microsoft.com/office/officeart/2005/8/layout/list1"/>
+    <dgm:cxn modelId="{F48C3CF8-1435-47D3-94A4-F9DA9FFC9BCA}" type="presOf" srcId="{AD80CA63-3E88-4B4B-8F4B-01B8EDB5B854}" destId="{C8543F71-E2C6-4034-837B-75C4595CF1F4}" srcOrd="0" destOrd="0" presId="urn:microsoft.com/office/officeart/2005/8/layout/list1"/>
+    <dgm:cxn modelId="{3F34953B-DD3E-4485-A27E-6929120EF8BA}" type="presParOf" srcId="{C8543F71-E2C6-4034-837B-75C4595CF1F4}" destId="{24FA8039-F08B-4391-B0C5-4CF47CD327B4}" srcOrd="0" destOrd="0" presId="urn:microsoft.com/office/officeart/2005/8/layout/list1"/>
+    <dgm:cxn modelId="{2E47C424-D5D0-4E03-AA70-68F59B156C92}" type="presParOf" srcId="{24FA8039-F08B-4391-B0C5-4CF47CD327B4}" destId="{4C2D36EA-77C3-4F5F-BCEA-B591315E5F2D}" srcOrd="0" destOrd="0" presId="urn:microsoft.com/office/officeart/2005/8/layout/list1"/>
+    <dgm:cxn modelId="{CCB97730-D5F1-4F3D-B73D-A26C510A6EC9}" type="presParOf" srcId="{24FA8039-F08B-4391-B0C5-4CF47CD327B4}" destId="{A3177678-5532-408B-B2B6-BBF9E2386B63}" srcOrd="1" destOrd="0" presId="urn:microsoft.com/office/officeart/2005/8/layout/list1"/>
+    <dgm:cxn modelId="{3B133037-ABF2-4B6E-950E-DC14ED51CE89}" type="presParOf" srcId="{C8543F71-E2C6-4034-837B-75C4595CF1F4}" destId="{9E255F6E-CF40-49D2-8EC8-E932EDA1A7CC}" srcOrd="1" destOrd="0" presId="urn:microsoft.com/office/officeart/2005/8/layout/list1"/>
+    <dgm:cxn modelId="{4FF11BEE-08B9-430B-977E-BA3366AB52D9}" type="presParOf" srcId="{C8543F71-E2C6-4034-837B-75C4595CF1F4}" destId="{70E44823-DC7E-420A-850E-DF7CE1D34917}" srcOrd="2" destOrd="0" presId="urn:microsoft.com/office/officeart/2005/8/layout/list1"/>
+    <dgm:cxn modelId="{4979DBB9-B049-4558-BF68-0F3DCE23551E}" type="presParOf" srcId="{C8543F71-E2C6-4034-837B-75C4595CF1F4}" destId="{F9743CE2-53D2-4620-96D6-ED28137C3DD9}" srcOrd="3" destOrd="0" presId="urn:microsoft.com/office/officeart/2005/8/layout/list1"/>
+    <dgm:cxn modelId="{8F4B8C5B-6551-47C1-9069-272576558D12}" type="presParOf" srcId="{C8543F71-E2C6-4034-837B-75C4595CF1F4}" destId="{90C26092-90E9-4D7B-B157-A6181505D94E}" srcOrd="4" destOrd="0" presId="urn:microsoft.com/office/officeart/2005/8/layout/list1"/>
+    <dgm:cxn modelId="{67343539-9F51-40A8-8451-2175102A369F}" type="presParOf" srcId="{90C26092-90E9-4D7B-B157-A6181505D94E}" destId="{2C5639C8-129C-48DB-AE10-755E91AC00F0}" srcOrd="0" destOrd="0" presId="urn:microsoft.com/office/officeart/2005/8/layout/list1"/>
+    <dgm:cxn modelId="{5A766CDD-34B7-46D0-B751-E61DB2DA29A3}" type="presParOf" srcId="{90C26092-90E9-4D7B-B157-A6181505D94E}" destId="{79D84E39-2270-46F5-B559-DB058B1E2419}" srcOrd="1" destOrd="0" presId="urn:microsoft.com/office/officeart/2005/8/layout/list1"/>
+    <dgm:cxn modelId="{960920FE-B3B7-4FB7-9BDE-96A3C800F143}" type="presParOf" srcId="{C8543F71-E2C6-4034-837B-75C4595CF1F4}" destId="{FA096A73-6354-4681-93A7-C84FD870F970}" srcOrd="5" destOrd="0" presId="urn:microsoft.com/office/officeart/2005/8/layout/list1"/>
+    <dgm:cxn modelId="{08D9836C-9C29-4469-B692-595E058EBC60}" type="presParOf" srcId="{C8543F71-E2C6-4034-837B-75C4595CF1F4}" destId="{AC6A2192-7046-4BC2-9394-839E413F6B2B}" srcOrd="6" destOrd="0" presId="urn:microsoft.com/office/officeart/2005/8/layout/list1"/>
+  </dgm:cxnLst>
+  <dgm:bg/>
+  <dgm:whole/>
+  <dgm:extLst>
+    <a:ext uri="http://schemas.microsoft.com/office/drawing/2008/diagram">
+      <dsp:dataModelExt xmlns:dsp="http://schemas.microsoft.com/office/drawing/2008/diagram" relId="rId6" minVer="http://schemas.openxmlformats.org/drawingml/2006/diagram"/>
+    </a:ext>
+  </dgm:extLst>
+</dgm:dataModel>
+</file>
+
+<file path=ppt/diagrams/drawing1.xml><?xml version="1.0" encoding="utf-8"?>
+<dsp:drawing xmlns:dgm="http://schemas.openxmlformats.org/drawingml/2006/diagram" xmlns:dsp="http://schemas.microsoft.com/office/drawing/2008/diagram" xmlns:a="http://schemas.openxmlformats.org/drawingml/2006/main">
+  <dsp:spTree>
+    <dsp:nvGrpSpPr>
+      <dsp:cNvPr id="0" name=""/>
+      <dsp:cNvGrpSpPr/>
+    </dsp:nvGrpSpPr>
+    <dsp:grpSpPr/>
+    <dsp:sp modelId="{35B37305-8E26-4198-8E86-BBA9C8A74884}">
+      <dsp:nvSpPr>
+        <dsp:cNvPr id="0" name=""/>
+        <dsp:cNvSpPr/>
+      </dsp:nvSpPr>
+      <dsp:spPr>
+        <a:xfrm>
+          <a:off x="0" y="446993"/>
+          <a:ext cx="10515600" cy="1842750"/>
+        </a:xfrm>
+        <a:prstGeom prst="rect">
+          <a:avLst/>
+        </a:prstGeom>
+        <a:solidFill>
+          <a:schemeClr val="lt1">
+            <a:alpha val="90000"/>
+            <a:hueOff val="0"/>
+            <a:satOff val="0"/>
+            <a:lumOff val="0"/>
+            <a:alphaOff val="0"/>
+          </a:schemeClr>
+        </a:solidFill>
+        <a:ln w="12700" cap="flat" cmpd="sng" algn="ctr">
+          <a:solidFill>
+            <a:schemeClr val="accent1">
+              <a:hueOff val="0"/>
+              <a:satOff val="0"/>
+              <a:lumOff val="0"/>
+              <a:alphaOff val="0"/>
+            </a:schemeClr>
+          </a:solidFill>
+          <a:prstDash val="solid"/>
+          <a:miter lim="800000"/>
+        </a:ln>
+        <a:effectLst/>
+      </dsp:spPr>
+      <dsp:style>
+        <a:lnRef idx="2">
+          <a:scrgbClr r="0" g="0" b="0"/>
+        </a:lnRef>
+        <a:fillRef idx="1">
+          <a:scrgbClr r="0" g="0" b="0"/>
+        </a:fillRef>
+        <a:effectRef idx="0">
+          <a:scrgbClr r="0" g="0" b="0"/>
+        </a:effectRef>
+        <a:fontRef idx="minor"/>
+      </dsp:style>
+      <dsp:txBody>
+        <a:bodyPr spcFirstLastPara="0" vert="horz" wrap="square" lIns="816127" tIns="541528" rIns="816127" bIns="184912" numCol="1" spcCol="1270" anchor="t" anchorCtr="0">
+          <a:noAutofit/>
+        </a:bodyPr>
+        <a:lstStyle/>
+        <a:p>
+          <a:pPr marL="228600" lvl="1" indent="-228600" algn="l" defTabSz="1155700">
+            <a:lnSpc>
+              <a:spcPct val="90000"/>
+            </a:lnSpc>
+            <a:spcBef>
+              <a:spcPct val="0"/>
+            </a:spcBef>
+            <a:spcAft>
+              <a:spcPct val="15000"/>
+            </a:spcAft>
+            <a:buChar char="•"/>
+          </a:pPr>
+          <a:r>
+            <a:rPr lang="en-US" sz="2600" kern="1200"/>
+            <a:t>The common cryptocurrencies (BTC, ETH, etc.) suffer from high volatility in their valuations.</a:t>
+          </a:r>
+          <a:br>
+            <a:rPr lang="en-US" sz="2600" kern="1200"/>
+          </a:br>
+          <a:endParaRPr lang="en-US" sz="2600" kern="1200"/>
+        </a:p>
+      </dsp:txBody>
+      <dsp:txXfrm>
+        <a:off x="0" y="446993"/>
+        <a:ext cx="10515600" cy="1842750"/>
+      </dsp:txXfrm>
+    </dsp:sp>
+    <dsp:sp modelId="{33784B5D-A901-40C1-88EC-478383B799CE}">
+      <dsp:nvSpPr>
+        <dsp:cNvPr id="0" name=""/>
+        <dsp:cNvSpPr/>
+      </dsp:nvSpPr>
+      <dsp:spPr>
+        <a:xfrm>
+          <a:off x="525780" y="63233"/>
+          <a:ext cx="7360920" cy="767520"/>
+        </a:xfrm>
+        <a:prstGeom prst="roundRect">
+          <a:avLst/>
+        </a:prstGeom>
+        <a:solidFill>
+          <a:schemeClr val="accent1">
+            <a:hueOff val="0"/>
+            <a:satOff val="0"/>
+            <a:lumOff val="0"/>
+            <a:alphaOff val="0"/>
+          </a:schemeClr>
+        </a:solidFill>
+        <a:ln w="12700" cap="flat" cmpd="sng" algn="ctr">
+          <a:solidFill>
+            <a:schemeClr val="lt1">
+              <a:hueOff val="0"/>
+              <a:satOff val="0"/>
+              <a:lumOff val="0"/>
+              <a:alphaOff val="0"/>
+            </a:schemeClr>
+          </a:solidFill>
+          <a:prstDash val="solid"/>
+          <a:miter lim="800000"/>
+        </a:ln>
+        <a:effectLst/>
+      </dsp:spPr>
+      <dsp:style>
+        <a:lnRef idx="2">
+          <a:scrgbClr r="0" g="0" b="0"/>
+        </a:lnRef>
+        <a:fillRef idx="1">
+          <a:scrgbClr r="0" g="0" b="0"/>
+        </a:fillRef>
+        <a:effectRef idx="0">
+          <a:scrgbClr r="0" g="0" b="0"/>
+        </a:effectRef>
+        <a:fontRef idx="minor">
+          <a:schemeClr val="lt1"/>
+        </a:fontRef>
+      </dsp:style>
+      <dsp:txBody>
+        <a:bodyPr spcFirstLastPara="0" vert="horz" wrap="square" lIns="278225" tIns="0" rIns="278225" bIns="0" numCol="1" spcCol="1270" anchor="ctr" anchorCtr="0">
+          <a:noAutofit/>
+        </a:bodyPr>
+        <a:lstStyle/>
+        <a:p>
+          <a:pPr marL="0" lvl="0" indent="0" algn="l" defTabSz="1155700">
+            <a:lnSpc>
+              <a:spcPct val="90000"/>
+            </a:lnSpc>
+            <a:spcBef>
+              <a:spcPct val="0"/>
+            </a:spcBef>
+            <a:spcAft>
+              <a:spcPct val="35000"/>
+            </a:spcAft>
+            <a:buNone/>
+          </a:pPr>
+          <a:r>
+            <a:rPr lang="en-US" sz="2600" kern="1200" dirty="0"/>
+            <a:t>Why Stablecoins?</a:t>
+          </a:r>
+        </a:p>
+      </dsp:txBody>
+      <dsp:txXfrm>
+        <a:off x="563247" y="100700"/>
+        <a:ext cx="7285986" cy="692586"/>
+      </dsp:txXfrm>
+    </dsp:sp>
+    <dsp:sp modelId="{F7B464FE-0E76-4372-A8BD-E062A4ED7943}">
+      <dsp:nvSpPr>
+        <dsp:cNvPr id="0" name=""/>
+        <dsp:cNvSpPr/>
+      </dsp:nvSpPr>
+      <dsp:spPr>
+        <a:xfrm>
+          <a:off x="0" y="2813904"/>
+          <a:ext cx="10515600" cy="1474200"/>
+        </a:xfrm>
+        <a:prstGeom prst="rect">
+          <a:avLst/>
+        </a:prstGeom>
+        <a:solidFill>
+          <a:schemeClr val="lt1">
+            <a:alpha val="90000"/>
+            <a:hueOff val="0"/>
+            <a:satOff val="0"/>
+            <a:lumOff val="0"/>
+            <a:alphaOff val="0"/>
+          </a:schemeClr>
+        </a:solidFill>
+        <a:ln w="12700" cap="flat" cmpd="sng" algn="ctr">
+          <a:solidFill>
+            <a:schemeClr val="accent1">
+              <a:hueOff val="0"/>
+              <a:satOff val="0"/>
+              <a:lumOff val="0"/>
+              <a:alphaOff val="0"/>
+            </a:schemeClr>
+          </a:solidFill>
+          <a:prstDash val="solid"/>
+          <a:miter lim="800000"/>
+        </a:ln>
+        <a:effectLst/>
+      </dsp:spPr>
+      <dsp:style>
+        <a:lnRef idx="2">
+          <a:scrgbClr r="0" g="0" b="0"/>
+        </a:lnRef>
+        <a:fillRef idx="1">
+          <a:scrgbClr r="0" g="0" b="0"/>
+        </a:fillRef>
+        <a:effectRef idx="0">
+          <a:scrgbClr r="0" g="0" b="0"/>
+        </a:effectRef>
+        <a:fontRef idx="minor"/>
+      </dsp:style>
+      <dsp:txBody>
+        <a:bodyPr spcFirstLastPara="0" vert="horz" wrap="square" lIns="816127" tIns="541528" rIns="816127" bIns="184912" numCol="1" spcCol="1270" anchor="t" anchorCtr="0">
+          <a:noAutofit/>
+        </a:bodyPr>
+        <a:lstStyle/>
+        <a:p>
+          <a:pPr marL="228600" lvl="1" indent="-228600" algn="l" defTabSz="1155700">
+            <a:lnSpc>
+              <a:spcPct val="90000"/>
+            </a:lnSpc>
+            <a:spcBef>
+              <a:spcPct val="0"/>
+            </a:spcBef>
+            <a:spcAft>
+              <a:spcPct val="15000"/>
+            </a:spcAft>
+            <a:buChar char="•"/>
+          </a:pPr>
+          <a:r>
+            <a:rPr lang="en-US" sz="2600" kern="1200"/>
+            <a:t>Cryptocurrencies which try to </a:t>
+          </a:r>
+          <a:r>
+            <a:rPr lang="en-US" sz="2600" b="0" i="0" kern="1200"/>
+            <a:t>tackle price fluctuations by tying their value to other more stable assets – usually fiat.</a:t>
+          </a:r>
+          <a:endParaRPr lang="en-US" sz="2600" kern="1200"/>
+        </a:p>
+      </dsp:txBody>
+      <dsp:txXfrm>
+        <a:off x="0" y="2813904"/>
+        <a:ext cx="10515600" cy="1474200"/>
+      </dsp:txXfrm>
+    </dsp:sp>
+    <dsp:sp modelId="{35E8EE1D-A81D-4069-87F5-75309C941D97}">
+      <dsp:nvSpPr>
+        <dsp:cNvPr id="0" name=""/>
+        <dsp:cNvSpPr/>
+      </dsp:nvSpPr>
+      <dsp:spPr>
+        <a:xfrm>
+          <a:off x="525780" y="2430144"/>
+          <a:ext cx="7360920" cy="767520"/>
+        </a:xfrm>
+        <a:prstGeom prst="roundRect">
+          <a:avLst/>
+        </a:prstGeom>
+        <a:solidFill>
+          <a:schemeClr val="accent1">
+            <a:hueOff val="0"/>
+            <a:satOff val="0"/>
+            <a:lumOff val="0"/>
+            <a:alphaOff val="0"/>
+          </a:schemeClr>
+        </a:solidFill>
+        <a:ln w="12700" cap="flat" cmpd="sng" algn="ctr">
+          <a:solidFill>
+            <a:schemeClr val="lt1">
+              <a:hueOff val="0"/>
+              <a:satOff val="0"/>
+              <a:lumOff val="0"/>
+              <a:alphaOff val="0"/>
+            </a:schemeClr>
+          </a:solidFill>
+          <a:prstDash val="solid"/>
+          <a:miter lim="800000"/>
+        </a:ln>
+        <a:effectLst/>
+      </dsp:spPr>
+      <dsp:style>
+        <a:lnRef idx="2">
+          <a:scrgbClr r="0" g="0" b="0"/>
+        </a:lnRef>
+        <a:fillRef idx="1">
+          <a:scrgbClr r="0" g="0" b="0"/>
+        </a:fillRef>
+        <a:effectRef idx="0">
+          <a:scrgbClr r="0" g="0" b="0"/>
+        </a:effectRef>
+        <a:fontRef idx="minor">
+          <a:schemeClr val="lt1"/>
+        </a:fontRef>
+      </dsp:style>
+      <dsp:txBody>
+        <a:bodyPr spcFirstLastPara="0" vert="horz" wrap="square" lIns="278225" tIns="0" rIns="278225" bIns="0" numCol="1" spcCol="1270" anchor="ctr" anchorCtr="0">
+          <a:noAutofit/>
+        </a:bodyPr>
+        <a:lstStyle/>
+        <a:p>
+          <a:pPr marL="0" lvl="0" indent="0" algn="l" defTabSz="1155700">
+            <a:lnSpc>
+              <a:spcPct val="90000"/>
+            </a:lnSpc>
+            <a:spcBef>
+              <a:spcPct val="0"/>
+            </a:spcBef>
+            <a:spcAft>
+              <a:spcPct val="35000"/>
+            </a:spcAft>
+            <a:buNone/>
+          </a:pPr>
+          <a:r>
+            <a:rPr lang="en-US" sz="2600" kern="1200"/>
+            <a:t>What are Stablecoins?</a:t>
+          </a:r>
+        </a:p>
+      </dsp:txBody>
+      <dsp:txXfrm>
+        <a:off x="563247" y="2467611"/>
+        <a:ext cx="7285986" cy="692586"/>
+      </dsp:txXfrm>
+    </dsp:sp>
+  </dsp:spTree>
+</dsp:drawing>
+</file>
+
+<file path=ppt/diagrams/drawing2.xml><?xml version="1.0" encoding="utf-8"?>
+<dsp:drawing xmlns:dgm="http://schemas.openxmlformats.org/drawingml/2006/diagram" xmlns:dsp="http://schemas.microsoft.com/office/drawing/2008/diagram" xmlns:a="http://schemas.openxmlformats.org/drawingml/2006/main">
+  <dsp:spTree>
+    <dsp:nvGrpSpPr>
+      <dsp:cNvPr id="0" name=""/>
+      <dsp:cNvGrpSpPr/>
+    </dsp:nvGrpSpPr>
+    <dsp:grpSpPr/>
+    <dsp:sp modelId="{70E44823-DC7E-420A-850E-DF7CE1D34917}">
+      <dsp:nvSpPr>
+        <dsp:cNvPr id="0" name=""/>
+        <dsp:cNvSpPr/>
+      </dsp:nvSpPr>
+      <dsp:spPr>
+        <a:xfrm>
+          <a:off x="0" y="385568"/>
+          <a:ext cx="10515600" cy="1965600"/>
+        </a:xfrm>
+        <a:prstGeom prst="rect">
+          <a:avLst/>
+        </a:prstGeom>
+        <a:solidFill>
+          <a:schemeClr val="lt1">
+            <a:alpha val="90000"/>
+            <a:hueOff val="0"/>
+            <a:satOff val="0"/>
+            <a:lumOff val="0"/>
+            <a:alphaOff val="0"/>
+          </a:schemeClr>
+        </a:solidFill>
+        <a:ln w="12700" cap="flat" cmpd="sng" algn="ctr">
+          <a:solidFill>
+            <a:schemeClr val="accent1">
+              <a:hueOff val="0"/>
+              <a:satOff val="0"/>
+              <a:lumOff val="0"/>
+              <a:alphaOff val="0"/>
+            </a:schemeClr>
+          </a:solidFill>
+          <a:prstDash val="solid"/>
+          <a:miter lim="800000"/>
+        </a:ln>
+        <a:effectLst/>
+      </dsp:spPr>
+      <dsp:style>
+        <a:lnRef idx="2">
+          <a:scrgbClr r="0" g="0" b="0"/>
+        </a:lnRef>
+        <a:fillRef idx="1">
+          <a:scrgbClr r="0" g="0" b="0"/>
+        </a:fillRef>
+        <a:effectRef idx="0">
+          <a:scrgbClr r="0" g="0" b="0"/>
+        </a:effectRef>
+        <a:fontRef idx="minor"/>
+      </dsp:style>
+      <dsp:txBody>
+        <a:bodyPr spcFirstLastPara="0" vert="horz" wrap="square" lIns="816127" tIns="541528" rIns="816127" bIns="184912" numCol="1" spcCol="1270" anchor="t" anchorCtr="0">
+          <a:noAutofit/>
+        </a:bodyPr>
+        <a:lstStyle/>
+        <a:p>
+          <a:pPr marL="228600" lvl="1" indent="-228600" algn="l" defTabSz="1155700">
+            <a:lnSpc>
+              <a:spcPct val="90000"/>
+            </a:lnSpc>
+            <a:spcBef>
+              <a:spcPct val="0"/>
+            </a:spcBef>
+            <a:spcAft>
+              <a:spcPct val="15000"/>
+            </a:spcAft>
+            <a:buChar char="•"/>
+          </a:pPr>
+          <a:r>
+            <a:rPr lang="en-US" sz="2600" b="0" i="0" kern="1200"/>
+            <a:t>Fiat-Collateralized Stablecoins</a:t>
+          </a:r>
+          <a:endParaRPr lang="en-US" sz="2600" kern="1200"/>
+        </a:p>
+        <a:p>
+          <a:pPr marL="228600" lvl="1" indent="-228600" algn="l" defTabSz="1155700">
+            <a:lnSpc>
+              <a:spcPct val="90000"/>
+            </a:lnSpc>
+            <a:spcBef>
+              <a:spcPct val="0"/>
+            </a:spcBef>
+            <a:spcAft>
+              <a:spcPct val="15000"/>
+            </a:spcAft>
+            <a:buChar char="•"/>
+          </a:pPr>
+          <a:r>
+            <a:rPr lang="en-US" sz="2600" b="0" i="0" kern="1200"/>
+            <a:t>Crypto-Collateralized Stablecoins</a:t>
+          </a:r>
+          <a:endParaRPr lang="en-US" sz="2600" kern="1200"/>
+        </a:p>
+        <a:p>
+          <a:pPr marL="228600" lvl="1" indent="-228600" algn="l" defTabSz="1155700">
+            <a:lnSpc>
+              <a:spcPct val="90000"/>
+            </a:lnSpc>
+            <a:spcBef>
+              <a:spcPct val="0"/>
+            </a:spcBef>
+            <a:spcAft>
+              <a:spcPct val="15000"/>
+            </a:spcAft>
+            <a:buChar char="•"/>
+          </a:pPr>
+          <a:r>
+            <a:rPr lang="en-US" sz="2600" b="0" i="0" kern="1200" dirty="0">
+              <a:solidFill>
+                <a:srgbClr val="00B050"/>
+              </a:solidFill>
+            </a:rPr>
+            <a:t>Non-Collateralized (algorithmic) Stablecoins</a:t>
+          </a:r>
+          <a:endParaRPr lang="en-US" sz="2600" kern="1200" dirty="0">
+            <a:solidFill>
+              <a:srgbClr val="00B050"/>
+            </a:solidFill>
+          </a:endParaRPr>
+        </a:p>
+      </dsp:txBody>
+      <dsp:txXfrm>
+        <a:off x="0" y="385568"/>
+        <a:ext cx="10515600" cy="1965600"/>
+      </dsp:txXfrm>
+    </dsp:sp>
+    <dsp:sp modelId="{A3177678-5532-408B-B2B6-BBF9E2386B63}">
+      <dsp:nvSpPr>
+        <dsp:cNvPr id="0" name=""/>
+        <dsp:cNvSpPr/>
+      </dsp:nvSpPr>
+      <dsp:spPr>
+        <a:xfrm>
+          <a:off x="525780" y="1808"/>
+          <a:ext cx="7360920" cy="767520"/>
+        </a:xfrm>
+        <a:prstGeom prst="roundRect">
+          <a:avLst/>
+        </a:prstGeom>
+        <a:solidFill>
+          <a:schemeClr val="accent1">
+            <a:hueOff val="0"/>
+            <a:satOff val="0"/>
+            <a:lumOff val="0"/>
+            <a:alphaOff val="0"/>
+          </a:schemeClr>
+        </a:solidFill>
+        <a:ln w="12700" cap="flat" cmpd="sng" algn="ctr">
+          <a:solidFill>
+            <a:schemeClr val="lt1">
+              <a:hueOff val="0"/>
+              <a:satOff val="0"/>
+              <a:lumOff val="0"/>
+              <a:alphaOff val="0"/>
+            </a:schemeClr>
+          </a:solidFill>
+          <a:prstDash val="solid"/>
+          <a:miter lim="800000"/>
+        </a:ln>
+        <a:effectLst/>
+      </dsp:spPr>
+      <dsp:style>
+        <a:lnRef idx="2">
+          <a:scrgbClr r="0" g="0" b="0"/>
+        </a:lnRef>
+        <a:fillRef idx="1">
+          <a:scrgbClr r="0" g="0" b="0"/>
+        </a:fillRef>
+        <a:effectRef idx="0">
+          <a:scrgbClr r="0" g="0" b="0"/>
+        </a:effectRef>
+        <a:fontRef idx="minor">
+          <a:schemeClr val="lt1"/>
+        </a:fontRef>
+      </dsp:style>
+      <dsp:txBody>
+        <a:bodyPr spcFirstLastPara="0" vert="horz" wrap="square" lIns="278225" tIns="0" rIns="278225" bIns="0" numCol="1" spcCol="1270" anchor="ctr" anchorCtr="0">
+          <a:noAutofit/>
+        </a:bodyPr>
+        <a:lstStyle/>
+        <a:p>
+          <a:pPr marL="0" lvl="0" indent="0" algn="l" defTabSz="1155700">
+            <a:lnSpc>
+              <a:spcPct val="90000"/>
+            </a:lnSpc>
+            <a:spcBef>
+              <a:spcPct val="0"/>
+            </a:spcBef>
+            <a:spcAft>
+              <a:spcPct val="35000"/>
+            </a:spcAft>
+            <a:buNone/>
+          </a:pPr>
+          <a:r>
+            <a:rPr lang="en-US" sz="2600" kern="1200"/>
+            <a:t>Types of Stablecoins:</a:t>
+          </a:r>
+        </a:p>
+      </dsp:txBody>
+      <dsp:txXfrm>
+        <a:off x="563247" y="39275"/>
+        <a:ext cx="7285986" cy="692586"/>
+      </dsp:txXfrm>
+    </dsp:sp>
+    <dsp:sp modelId="{AC6A2192-7046-4BC2-9394-839E413F6B2B}">
+      <dsp:nvSpPr>
+        <dsp:cNvPr id="0" name=""/>
+        <dsp:cNvSpPr/>
+      </dsp:nvSpPr>
+      <dsp:spPr>
+        <a:xfrm>
+          <a:off x="0" y="2875329"/>
+          <a:ext cx="10515600" cy="1474200"/>
+        </a:xfrm>
+        <a:prstGeom prst="rect">
+          <a:avLst/>
+        </a:prstGeom>
+        <a:solidFill>
+          <a:schemeClr val="lt1">
+            <a:alpha val="90000"/>
+            <a:hueOff val="0"/>
+            <a:satOff val="0"/>
+            <a:lumOff val="0"/>
+            <a:alphaOff val="0"/>
+          </a:schemeClr>
+        </a:solidFill>
+        <a:ln w="12700" cap="flat" cmpd="sng" algn="ctr">
+          <a:solidFill>
+            <a:schemeClr val="accent1">
+              <a:hueOff val="0"/>
+              <a:satOff val="0"/>
+              <a:lumOff val="0"/>
+              <a:alphaOff val="0"/>
+            </a:schemeClr>
+          </a:solidFill>
+          <a:prstDash val="solid"/>
+          <a:miter lim="800000"/>
+        </a:ln>
+        <a:effectLst/>
+      </dsp:spPr>
+      <dsp:style>
+        <a:lnRef idx="2">
+          <a:scrgbClr r="0" g="0" b="0"/>
+        </a:lnRef>
+        <a:fillRef idx="1">
+          <a:scrgbClr r="0" g="0" b="0"/>
+        </a:fillRef>
+        <a:effectRef idx="0">
+          <a:scrgbClr r="0" g="0" b="0"/>
+        </a:effectRef>
+        <a:fontRef idx="minor"/>
+      </dsp:style>
+      <dsp:txBody>
+        <a:bodyPr spcFirstLastPara="0" vert="horz" wrap="square" lIns="816127" tIns="541528" rIns="816127" bIns="184912" numCol="1" spcCol="1270" anchor="t" anchorCtr="0">
+          <a:noAutofit/>
+        </a:bodyPr>
+        <a:lstStyle/>
+        <a:p>
+          <a:pPr marL="228600" lvl="1" indent="-228600" algn="l" defTabSz="1155700">
+            <a:lnSpc>
+              <a:spcPct val="90000"/>
+            </a:lnSpc>
+            <a:spcBef>
+              <a:spcPct val="0"/>
+            </a:spcBef>
+            <a:spcAft>
+              <a:spcPct val="15000"/>
+            </a:spcAft>
+            <a:buChar char="•"/>
+          </a:pPr>
+          <a:r>
+            <a:rPr lang="en-US" sz="2600" kern="1200"/>
+            <a:t>Do not use any reserve, but include a working mechanism, like that of a central bank, to retain a stable price. </a:t>
+          </a:r>
+        </a:p>
+      </dsp:txBody>
+      <dsp:txXfrm>
+        <a:off x="0" y="2875329"/>
+        <a:ext cx="10515600" cy="1474200"/>
+      </dsp:txXfrm>
+    </dsp:sp>
+    <dsp:sp modelId="{79D84E39-2270-46F5-B559-DB058B1E2419}">
+      <dsp:nvSpPr>
+        <dsp:cNvPr id="0" name=""/>
+        <dsp:cNvSpPr/>
+      </dsp:nvSpPr>
+      <dsp:spPr>
+        <a:xfrm>
+          <a:off x="525780" y="2491569"/>
+          <a:ext cx="7360920" cy="767520"/>
+        </a:xfrm>
+        <a:prstGeom prst="roundRect">
+          <a:avLst/>
+        </a:prstGeom>
+        <a:solidFill>
+          <a:schemeClr val="accent1">
+            <a:hueOff val="0"/>
+            <a:satOff val="0"/>
+            <a:lumOff val="0"/>
+            <a:alphaOff val="0"/>
+          </a:schemeClr>
+        </a:solidFill>
+        <a:ln w="12700" cap="flat" cmpd="sng" algn="ctr">
+          <a:solidFill>
+            <a:schemeClr val="lt1">
+              <a:hueOff val="0"/>
+              <a:satOff val="0"/>
+              <a:lumOff val="0"/>
+              <a:alphaOff val="0"/>
+            </a:schemeClr>
+          </a:solidFill>
+          <a:prstDash val="solid"/>
+          <a:miter lim="800000"/>
+        </a:ln>
+        <a:effectLst/>
+      </dsp:spPr>
+      <dsp:style>
+        <a:lnRef idx="2">
+          <a:scrgbClr r="0" g="0" b="0"/>
+        </a:lnRef>
+        <a:fillRef idx="1">
+          <a:scrgbClr r="0" g="0" b="0"/>
+        </a:fillRef>
+        <a:effectRef idx="0">
+          <a:scrgbClr r="0" g="0" b="0"/>
+        </a:effectRef>
+        <a:fontRef idx="minor">
+          <a:schemeClr val="lt1"/>
+        </a:fontRef>
+      </dsp:style>
+      <dsp:txBody>
+        <a:bodyPr spcFirstLastPara="0" vert="horz" wrap="square" lIns="278225" tIns="0" rIns="278225" bIns="0" numCol="1" spcCol="1270" anchor="ctr" anchorCtr="0">
+          <a:noAutofit/>
+        </a:bodyPr>
+        <a:lstStyle/>
+        <a:p>
+          <a:pPr marL="0" lvl="0" indent="0" algn="l" defTabSz="1155700">
+            <a:lnSpc>
+              <a:spcPct val="90000"/>
+            </a:lnSpc>
+            <a:spcBef>
+              <a:spcPct val="0"/>
+            </a:spcBef>
+            <a:spcAft>
+              <a:spcPct val="35000"/>
+            </a:spcAft>
+            <a:buNone/>
+          </a:pPr>
+          <a:r>
+            <a:rPr lang="en-US" sz="2600" kern="1200"/>
+            <a:t>Algorithmic Stablecoins:</a:t>
+          </a:r>
+        </a:p>
+      </dsp:txBody>
+      <dsp:txXfrm>
+        <a:off x="563247" y="2529036"/>
+        <a:ext cx="7285986" cy="692586"/>
+      </dsp:txXfrm>
+    </dsp:sp>
+  </dsp:spTree>
+</dsp:drawing>
+</file>
+
+<file path=ppt/diagrams/layout1.xml><?xml version="1.0" encoding="utf-8"?>
+<dgm:layoutDef xmlns:dgm="http://schemas.openxmlformats.org/drawingml/2006/diagram" xmlns:a="http://schemas.openxmlformats.org/drawingml/2006/main" uniqueId="urn:microsoft.com/office/officeart/2005/8/layout/list1">
+  <dgm:title val=""/>
+  <dgm:desc val=""/>
+  <dgm:catLst>
+    <dgm:cat type="list" pri="4000"/>
+  </dgm:catLst>
+  <dgm:sampData>
+    <dgm:dataModel>
+      <dgm:ptLst>
+        <dgm:pt modelId="0" type="doc"/>
+        <dgm:pt modelId="1">
+          <dgm:prSet phldr="1"/>
+        </dgm:pt>
+        <dgm:pt modelId="2">
+          <dgm:prSet phldr="1"/>
+        </dgm:pt>
+        <dgm:pt modelId="3">
+          <dgm:prSet phldr="1"/>
+        </dgm:pt>
+      </dgm:ptLst>
+      <dgm:cxnLst>
+        <dgm:cxn modelId="4" srcId="0" destId="1" srcOrd="0" destOrd="0"/>
+        <dgm:cxn modelId="5" srcId="0" destId="2" srcOrd="1" destOrd="0"/>
+        <dgm:cxn modelId="6" srcId="0" destId="3" srcOrd="2" destOrd="0"/>
+      </dgm:cxnLst>
+      <dgm:bg/>
+      <dgm:whole/>
+    </dgm:dataModel>
+  </dgm:sampData>
+  <dgm:styleData>
+    <dgm:dataModel>
+      <dgm:ptLst>
+        <dgm:pt modelId="0" type="doc"/>
+        <dgm:pt modelId="1"/>
+        <dgm:pt modelId="2"/>
+      </dgm:ptLst>
+      <dgm:cxnLst>
+        <dgm:cxn modelId="4" srcId="0" destId="1" srcOrd="0" destOrd="0"/>
+        <dgm:cxn modelId="5" srcId="0" destId="2" srcOrd="1" destOrd="0"/>
+      </dgm:cxnLst>
+      <dgm:bg/>
+      <dgm:whole/>
+    </dgm:dataModel>
+  </dgm:styleData>
+  <dgm:clrData>
+    <dgm:dataModel>
+      <dgm:ptLst>
+        <dgm:pt modelId="0" type="doc"/>
+        <dgm:pt modelId="1"/>
+        <dgm:pt modelId="2"/>
+        <dgm:pt modelId="3"/>
+        <dgm:pt modelId="4"/>
+      </dgm:ptLst>
+      <dgm:cxnLst>
+        <dgm:cxn modelId="5" srcId="0" destId="1" srcOrd="0" destOrd="0"/>
+        <dgm:cxn modelId="6" srcId="0" destId="2" srcOrd="1" destOrd="0"/>
+        <dgm:cxn modelId="7" srcId="0" destId="3" srcOrd="2" destOrd="0"/>
+        <dgm:cxn modelId="8" srcId="0" destId="4" srcOrd="3" destOrd="0"/>
+      </dgm:cxnLst>
+      <dgm:bg/>
+      <dgm:whole/>
+    </dgm:dataModel>
+  </dgm:clrData>
+  <dgm:layoutNode name="linear">
+    <dgm:varLst>
+      <dgm:dir/>
+      <dgm:animLvl val="lvl"/>
+      <dgm:resizeHandles val="exact"/>
+    </dgm:varLst>
+    <dgm:choose name="Name0">
+      <dgm:if name="Name1" func="var" arg="dir" op="equ" val="norm">
+        <dgm:alg type="lin">
+          <dgm:param type="linDir" val="fromT"/>
+          <dgm:param type="vertAlign" val="mid"/>
+          <dgm:param type="horzAlign" val="l"/>
+          <dgm:param type="nodeHorzAlign" val="l"/>
+        </dgm:alg>
+      </dgm:if>
+      <dgm:else name="Name2">
+        <dgm:alg type="lin">
+          <dgm:param type="linDir" val="fromT"/>
+          <dgm:param type="vertAlign" val="mid"/>
+          <dgm:param type="horzAlign" val="r"/>
+          <dgm:param type="nodeHorzAlign" val="r"/>
+        </dgm:alg>
+      </dgm:else>
+    </dgm:choose>
+    <dgm:shape xmlns:r="http://schemas.openxmlformats.org/officeDocument/2006/relationships" r:blip="">
+      <dgm:adjLst/>
+    </dgm:shape>
+    <dgm:presOf/>
+    <dgm:constrLst>
+      <dgm:constr type="w" for="ch" forName="parentLin" refType="w"/>
+      <dgm:constr type="h" for="ch" forName="parentLin" val="INF"/>
+      <dgm:constr type="w" for="des" forName="parentLeftMargin" refType="w" fact="0.05"/>
+      <dgm:constr type="w" for="des" forName="parentText" refType="w" fact="0.7"/>
+      <dgm:constr type="h" for="des" forName="parentText" refType="primFontSz" refFor="des" refForName="parentText" fact="0.82"/>
+      <dgm:constr type="h" for="ch" forName="negativeSpace" refType="primFontSz" refFor="des" refForName="parentText" fact="-0.41"/>
+      <dgm:constr type="h" for="ch" forName="negativeSpace" refType="h" refFor="des" refForName="parentText" op="lte" fact="-0.82"/>
+      <dgm:constr type="h" for="ch" forName="negativeSpace" refType="h" refFor="des" refForName="parentText" op="gte" fact="-0.82"/>
+      <dgm:constr type="w" for="ch" forName="childText" refType="w"/>
+      <dgm:constr type="h" for="ch" forName="childText" refType="primFontSz" refFor="des" refForName="parentText" fact="0.7"/>
+      <dgm:constr type="primFontSz" for="des" forName="parentText" val="65"/>
+      <dgm:constr type="primFontSz" for="ch" forName="childText" refType="primFontSz" refFor="des" refForName="parentText"/>
+      <dgm:constr type="tMarg" for="ch" forName="childText" refType="primFontSz" refFor="des" refForName="parentText" fact="1.64"/>
+      <dgm:constr type="tMarg" for="ch" forName="childText" refType="h" refFor="des" refForName="parentText" op="lte" fact="3.28"/>
+      <dgm:constr type="tMarg" for="ch" forName="childText" refType="h" refFor="des" refForName="parentText" op="gte" fact="3.28"/>
+      <dgm:constr type="lMarg" for="ch" forName="childText" refType="w" fact="0.22"/>
+      <dgm:constr type="rMarg" for="ch" forName="childText" refType="lMarg" refFor="ch" refForName="childText"/>
+      <dgm:constr type="lMarg" for="des" forName="parentText" refType="w" fact="0.075"/>
+      <dgm:constr type="rMarg" for="des" forName="parentText" refType="lMarg" refFor="des" refForName="parentText"/>
+      <dgm:constr type="h" for="ch" forName="spaceBetweenRectangles" refType="primFontSz" refFor="des" refForName="parentText" fact="0.15"/>
+    </dgm:constrLst>
+    <dgm:ruleLst>
+      <dgm:rule type="primFontSz" for="des" forName="parentText" val="5" fact="NaN" max="NaN"/>
+    </dgm:ruleLst>
+    <dgm:forEach name="Name3" axis="ch" ptType="node">
+      <dgm:layoutNode name="parentLin">
+        <dgm:choose name="Name4">
+          <dgm:if name="Name5" func="var" arg="dir" op="equ" val="norm">
+            <dgm:alg type="lin">
+              <dgm:param type="linDir" val="fromL"/>
+              <dgm:param type="horzAlign" val="l"/>
+              <dgm:param type="nodeHorzAlign" val="l"/>
+            </dgm:alg>
+          </dgm:if>
+          <dgm:else name="Name6">
+            <dgm:alg type="lin">
+              <dgm:param type="linDir" val="fromR"/>
+              <dgm:param type="horzAlign" val="r"/>
+              <dgm:param type="nodeHorzAlign" val="r"/>
+            </dgm:alg>
+          </dgm:else>
+        </dgm:choose>
+        <dgm:shape xmlns:r="http://schemas.openxmlformats.org/officeDocument/2006/relationships" r:blip="">
+          <dgm:adjLst/>
+        </dgm:shape>
+        <dgm:presOf/>
+        <dgm:constrLst/>
+        <dgm:ruleLst/>
+        <dgm:layoutNode name="parentLeftMargin">
+          <dgm:alg type="sp"/>
+          <dgm:shape xmlns:r="http://schemas.openxmlformats.org/officeDocument/2006/relationships" type="rect" r:blip="" hideGeom="1">
+            <dgm:adjLst/>
+          </dgm:shape>
+          <dgm:presOf axis="self"/>
+          <dgm:constrLst>
+            <dgm:constr type="h"/>
+          </dgm:constrLst>
+          <dgm:ruleLst/>
+        </dgm:layoutNode>
+        <dgm:layoutNode name="parentText" styleLbl="node1">
+          <dgm:varLst>
+            <dgm:chMax val="0"/>
+            <dgm:bulletEnabled val="1"/>
+          </dgm:varLst>
+          <dgm:choose name="Name7">
+            <dgm:if name="Name8" func="var" arg="dir" op="equ" val="norm">
+              <dgm:alg type="tx">
+                <dgm:param type="parTxLTRAlign" val="l"/>
+                <dgm:param type="parTxRTLAlign" val="l"/>
+              </dgm:alg>
+            </dgm:if>
+            <dgm:else name="Name9">
+              <dgm:alg type="tx">
+                <dgm:param type="parTxLTRAlign" val="r"/>
+                <dgm:param type="parTxRTLAlign" val="r"/>
+              </dgm:alg>
+            </dgm:else>
+          </dgm:choose>
+          <dgm:shape xmlns:r="http://schemas.openxmlformats.org/officeDocument/2006/relationships" type="roundRect" r:blip="">
+            <dgm:adjLst/>
+          </dgm:shape>
+          <dgm:presOf axis="self" ptType="node"/>
+          <dgm:constrLst>
+            <dgm:constr type="tMarg"/>
+            <dgm:constr type="bMarg"/>
+          </dgm:constrLst>
+          <dgm:ruleLst/>
+        </dgm:layoutNode>
+      </dgm:layoutNode>
+      <dgm:layoutNode name="negativeSpace">
+        <dgm:alg type="sp"/>
+        <dgm:shape xmlns:r="http://schemas.openxmlformats.org/officeDocument/2006/relationships" r:blip="">
+          <dgm:adjLst/>
+        </dgm:shape>
+        <dgm:presOf/>
+        <dgm:constrLst/>
+        <dgm:ruleLst/>
+      </dgm:layoutNode>
+      <dgm:layoutNode name="childText" styleLbl="conFgAcc1">
+        <dgm:varLst>
+          <dgm:bulletEnabled val="1"/>
+        </dgm:varLst>
+        <dgm:alg type="tx">
+          <dgm:param type="stBulletLvl" val="1"/>
+        </dgm:alg>
+        <dgm:shape xmlns:r="http://schemas.openxmlformats.org/officeDocument/2006/relationships" type="rect" r:blip="" zOrderOff="-2">
+          <dgm:adjLst/>
+        </dgm:shape>
+        <dgm:presOf axis="des" ptType="node"/>
+        <dgm:constrLst>
+          <dgm:constr type="secFontSz" refType="primFontSz"/>
+        </dgm:constrLst>
+        <dgm:ruleLst>
+          <dgm:rule type="h" val="INF" fact="NaN" max="NaN"/>
+        </dgm:ruleLst>
+      </dgm:layoutNode>
+      <dgm:forEach name="Name10" axis="followSib" ptType="sibTrans" cnt="1">
+        <dgm:layoutNode name="spaceBetweenRectangles">
+          <dgm:alg type="sp"/>
+          <dgm:shape xmlns:r="http://schemas.openxmlformats.org/officeDocument/2006/relationships" r:blip="">
+            <dgm:adjLst/>
+          </dgm:shape>
+          <dgm:presOf/>
+          <dgm:constrLst/>
+          <dgm:ruleLst/>
+        </dgm:layoutNode>
+      </dgm:forEach>
+    </dgm:forEach>
+  </dgm:layoutNode>
+</dgm:layoutDef>
+</file>
+
+<file path=ppt/diagrams/layout2.xml><?xml version="1.0" encoding="utf-8"?>
+<dgm:layoutDef xmlns:dgm="http://schemas.openxmlformats.org/drawingml/2006/diagram" xmlns:a="http://schemas.openxmlformats.org/drawingml/2006/main" uniqueId="urn:microsoft.com/office/officeart/2005/8/layout/list1">
+  <dgm:title val=""/>
+  <dgm:desc val=""/>
+  <dgm:catLst>
+    <dgm:cat type="list" pri="4000"/>
+  </dgm:catLst>
+  <dgm:sampData>
+    <dgm:dataModel>
+      <dgm:ptLst>
+        <dgm:pt modelId="0" type="doc"/>
+        <dgm:pt modelId="1">
+          <dgm:prSet phldr="1"/>
+        </dgm:pt>
+        <dgm:pt modelId="2">
+          <dgm:prSet phldr="1"/>
+        </dgm:pt>
+        <dgm:pt modelId="3">
+          <dgm:prSet phldr="1"/>
+        </dgm:pt>
+      </dgm:ptLst>
+      <dgm:cxnLst>
+        <dgm:cxn modelId="4" srcId="0" destId="1" srcOrd="0" destOrd="0"/>
+        <dgm:cxn modelId="5" srcId="0" destId="2" srcOrd="1" destOrd="0"/>
+        <dgm:cxn modelId="6" srcId="0" destId="3" srcOrd="2" destOrd="0"/>
+      </dgm:cxnLst>
+      <dgm:bg/>
+      <dgm:whole/>
+    </dgm:dataModel>
+  </dgm:sampData>
+  <dgm:styleData>
+    <dgm:dataModel>
+      <dgm:ptLst>
+        <dgm:pt modelId="0" type="doc"/>
+        <dgm:pt modelId="1"/>
+        <dgm:pt modelId="2"/>
+      </dgm:ptLst>
+      <dgm:cxnLst>
+        <dgm:cxn modelId="4" srcId="0" destId="1" srcOrd="0" destOrd="0"/>
+        <dgm:cxn modelId="5" srcId="0" destId="2" srcOrd="1" destOrd="0"/>
+      </dgm:cxnLst>
+      <dgm:bg/>
+      <dgm:whole/>
+    </dgm:dataModel>
+  </dgm:styleData>
+  <dgm:clrData>
+    <dgm:dataModel>
+      <dgm:ptLst>
+        <dgm:pt modelId="0" type="doc"/>
+        <dgm:pt modelId="1"/>
+        <dgm:pt modelId="2"/>
+        <dgm:pt modelId="3"/>
+        <dgm:pt modelId="4"/>
+      </dgm:ptLst>
+      <dgm:cxnLst>
+        <dgm:cxn modelId="5" srcId="0" destId="1" srcOrd="0" destOrd="0"/>
+        <dgm:cxn modelId="6" srcId="0" destId="2" srcOrd="1" destOrd="0"/>
+        <dgm:cxn modelId="7" srcId="0" destId="3" srcOrd="2" destOrd="0"/>
+        <dgm:cxn modelId="8" srcId="0" destId="4" srcOrd="3" destOrd="0"/>
+      </dgm:cxnLst>
+      <dgm:bg/>
+      <dgm:whole/>
+    </dgm:dataModel>
+  </dgm:clrData>
+  <dgm:layoutNode name="linear">
+    <dgm:varLst>
+      <dgm:dir/>
+      <dgm:animLvl val="lvl"/>
+      <dgm:resizeHandles val="exact"/>
+    </dgm:varLst>
+    <dgm:choose name="Name0">
+      <dgm:if name="Name1" func="var" arg="dir" op="equ" val="norm">
+        <dgm:alg type="lin">
+          <dgm:param type="linDir" val="fromT"/>
+          <dgm:param type="vertAlign" val="mid"/>
+          <dgm:param type="horzAlign" val="l"/>
+          <dgm:param type="nodeHorzAlign" val="l"/>
+        </dgm:alg>
+      </dgm:if>
+      <dgm:else name="Name2">
+        <dgm:alg type="lin">
+          <dgm:param type="linDir" val="fromT"/>
+          <dgm:param type="vertAlign" val="mid"/>
+          <dgm:param type="horzAlign" val="r"/>
+          <dgm:param type="nodeHorzAlign" val="r"/>
+        </dgm:alg>
+      </dgm:else>
+    </dgm:choose>
+    <dgm:shape xmlns:r="http://schemas.openxmlformats.org/officeDocument/2006/relationships" r:blip="">
+      <dgm:adjLst/>
+    </dgm:shape>
+    <dgm:presOf/>
+    <dgm:constrLst>
+      <dgm:constr type="w" for="ch" forName="parentLin" refType="w"/>
+      <dgm:constr type="h" for="ch" forName="parentLin" val="INF"/>
+      <dgm:constr type="w" for="des" forName="parentLeftMargin" refType="w" fact="0.05"/>
+      <dgm:constr type="w" for="des" forName="parentText" refType="w" fact="0.7"/>
+      <dgm:constr type="h" for="des" forName="parentText" refType="primFontSz" refFor="des" refForName="parentText" fact="0.82"/>
+      <dgm:constr type="h" for="ch" forName="negativeSpace" refType="primFontSz" refFor="des" refForName="parentText" fact="-0.41"/>
+      <dgm:constr type="h" for="ch" forName="negativeSpace" refType="h" refFor="des" refForName="parentText" op="lte" fact="-0.82"/>
+      <dgm:constr type="h" for="ch" forName="negativeSpace" refType="h" refFor="des" refForName="parentText" op="gte" fact="-0.82"/>
+      <dgm:constr type="w" for="ch" forName="childText" refType="w"/>
+      <dgm:constr type="h" for="ch" forName="childText" refType="primFontSz" refFor="des" refForName="parentText" fact="0.7"/>
+      <dgm:constr type="primFontSz" for="des" forName="parentText" val="65"/>
+      <dgm:constr type="primFontSz" for="ch" forName="childText" refType="primFontSz" refFor="des" refForName="parentText"/>
+      <dgm:constr type="tMarg" for="ch" forName="childText" refType="primFontSz" refFor="des" refForName="parentText" fact="1.64"/>
+      <dgm:constr type="tMarg" for="ch" forName="childText" refType="h" refFor="des" refForName="parentText" op="lte" fact="3.28"/>
+      <dgm:constr type="tMarg" for="ch" forName="childText" refType="h" refFor="des" refForName="parentText" op="gte" fact="3.28"/>
+      <dgm:constr type="lMarg" for="ch" forName="childText" refType="w" fact="0.22"/>
+      <dgm:constr type="rMarg" for="ch" forName="childText" refType="lMarg" refFor="ch" refForName="childText"/>
+      <dgm:constr type="lMarg" for="des" forName="parentText" refType="w" fact="0.075"/>
+      <dgm:constr type="rMarg" for="des" forName="parentText" refType="lMarg" refFor="des" refForName="parentText"/>
+      <dgm:constr type="h" for="ch" forName="spaceBetweenRectangles" refType="primFontSz" refFor="des" refForName="parentText" fact="0.15"/>
+    </dgm:constrLst>
+    <dgm:ruleLst>
+      <dgm:rule type="primFontSz" for="des" forName="parentText" val="5" fact="NaN" max="NaN"/>
+    </dgm:ruleLst>
+    <dgm:forEach name="Name3" axis="ch" ptType="node">
+      <dgm:layoutNode name="parentLin">
+        <dgm:choose name="Name4">
+          <dgm:if name="Name5" func="var" arg="dir" op="equ" val="norm">
+            <dgm:alg type="lin">
+              <dgm:param type="linDir" val="fromL"/>
+              <dgm:param type="horzAlign" val="l"/>
+              <dgm:param type="nodeHorzAlign" val="l"/>
+            </dgm:alg>
+          </dgm:if>
+          <dgm:else name="Name6">
+            <dgm:alg type="lin">
+              <dgm:param type="linDir" val="fromR"/>
+              <dgm:param type="horzAlign" val="r"/>
+              <dgm:param type="nodeHorzAlign" val="r"/>
+            </dgm:alg>
+          </dgm:else>
+        </dgm:choose>
+        <dgm:shape xmlns:r="http://schemas.openxmlformats.org/officeDocument/2006/relationships" r:blip="">
+          <dgm:adjLst/>
+        </dgm:shape>
+        <dgm:presOf/>
+        <dgm:constrLst/>
+        <dgm:ruleLst/>
+        <dgm:layoutNode name="parentLeftMargin">
+          <dgm:alg type="sp"/>
+          <dgm:shape xmlns:r="http://schemas.openxmlformats.org/officeDocument/2006/relationships" type="rect" r:blip="" hideGeom="1">
+            <dgm:adjLst/>
+          </dgm:shape>
+          <dgm:presOf axis="self"/>
+          <dgm:constrLst>
+            <dgm:constr type="h"/>
+          </dgm:constrLst>
+          <dgm:ruleLst/>
+        </dgm:layoutNode>
+        <dgm:layoutNode name="parentText" styleLbl="node1">
+          <dgm:varLst>
+            <dgm:chMax val="0"/>
+            <dgm:bulletEnabled val="1"/>
+          </dgm:varLst>
+          <dgm:choose name="Name7">
+            <dgm:if name="Name8" func="var" arg="dir" op="equ" val="norm">
+              <dgm:alg type="tx">
+                <dgm:param type="parTxLTRAlign" val="l"/>
+                <dgm:param type="parTxRTLAlign" val="l"/>
+              </dgm:alg>
+            </dgm:if>
+            <dgm:else name="Name9">
+              <dgm:alg type="tx">
+                <dgm:param type="parTxLTRAlign" val="r"/>
+                <dgm:param type="parTxRTLAlign" val="r"/>
+              </dgm:alg>
+            </dgm:else>
+          </dgm:choose>
+          <dgm:shape xmlns:r="http://schemas.openxmlformats.org/officeDocument/2006/relationships" type="roundRect" r:blip="">
+            <dgm:adjLst/>
+          </dgm:shape>
+          <dgm:presOf axis="self" ptType="node"/>
+          <dgm:constrLst>
+            <dgm:constr type="tMarg"/>
+            <dgm:constr type="bMarg"/>
+          </dgm:constrLst>
+          <dgm:ruleLst/>
+        </dgm:layoutNode>
+      </dgm:layoutNode>
+      <dgm:layoutNode name="negativeSpace">
+        <dgm:alg type="sp"/>
+        <dgm:shape xmlns:r="http://schemas.openxmlformats.org/officeDocument/2006/relationships" r:blip="">
+          <dgm:adjLst/>
+        </dgm:shape>
+        <dgm:presOf/>
+        <dgm:constrLst/>
+        <dgm:ruleLst/>
+      </dgm:layoutNode>
+      <dgm:layoutNode name="childText" styleLbl="conFgAcc1">
+        <dgm:varLst>
+          <dgm:bulletEnabled val="1"/>
+        </dgm:varLst>
+        <dgm:alg type="tx">
+          <dgm:param type="stBulletLvl" val="1"/>
+        </dgm:alg>
+        <dgm:shape xmlns:r="http://schemas.openxmlformats.org/officeDocument/2006/relationships" type="rect" r:blip="" zOrderOff="-2">
+          <dgm:adjLst/>
+        </dgm:shape>
+        <dgm:presOf axis="des" ptType="node"/>
+        <dgm:constrLst>
+          <dgm:constr type="secFontSz" refType="primFontSz"/>
+        </dgm:constrLst>
+        <dgm:ruleLst>
+          <dgm:rule type="h" val="INF" fact="NaN" max="NaN"/>
+        </dgm:ruleLst>
+      </dgm:layoutNode>
+      <dgm:forEach name="Name10" axis="followSib" ptType="sibTrans" cnt="1">
+        <dgm:layoutNode name="spaceBetweenRectangles">
+          <dgm:alg type="sp"/>
+          <dgm:shape xmlns:r="http://schemas.openxmlformats.org/officeDocument/2006/relationships" r:blip="">
+            <dgm:adjLst/>
+          </dgm:shape>
+          <dgm:presOf/>
+          <dgm:constrLst/>
+          <dgm:ruleLst/>
+        </dgm:layoutNode>
+      </dgm:forEach>
+    </dgm:forEach>
+  </dgm:layoutNode>
+</dgm:layoutDef>
+</file>
+
+<file path=ppt/diagrams/quickStyle1.xml><?xml version="1.0" encoding="utf-8"?>
+<dgm:styleDef xmlns:dgm="http://schemas.openxmlformats.org/drawingml/2006/diagram" xmlns:a="http://schemas.openxmlformats.org/drawingml/2006/main" uniqueId="urn:microsoft.com/office/officeart/2005/8/quickstyle/simple1">
+  <dgm:title val=""/>
+  <dgm:desc val=""/>
+  <dgm:catLst>
+    <dgm:cat type="simple" pri="10100"/>
+  </dgm:catLst>
+  <dgm:scene3d>
+    <a:camera prst="orthographicFront"/>
+    <a:lightRig rig="threePt" dir="t"/>
+  </dgm:scene3d>
+  <dgm:styleLbl name="node0">
+    <dgm:scene3d>
+      <a:camera prst="orthographicFront"/>
+      <a:lightRig rig="threePt" dir="t"/>
+    </dgm:scene3d>
+    <dgm:sp3d/>
+    <dgm:txPr/>
+    <dgm:style>
+      <a:lnRef idx="2">
+        <a:scrgbClr r="0" g="0" b="0"/>
+      </a:lnRef>
+      <a:fillRef idx="1">
+        <a:scrgbClr r="0" g="0" b="0"/>
+      </a:fillRef>
+      <a:effectRef idx="0">
+        <a:scrgbClr r="0" g="0" b="0"/>
+      </a:effectRef>
+      <a:fontRef idx="minor">
+        <a:schemeClr val="lt1"/>
+      </a:fontRef>
+    </dgm:style>
+  </dgm:styleLbl>
+  <dgm:styleLbl name="lnNode1">
+    <dgm:scene3d>
+      <a:camera prst="orthographicFront"/>
+      <a:lightRig rig="threePt" dir="t"/>
+    </dgm:scene3d>
+    <dgm:sp3d/>
+    <dgm:txPr/>
+    <dgm:style>
+      <a:lnRef idx="2">
+        <a:scrgbClr r="0" g="0" b="0"/>
+      </a:lnRef>
+      <a:fillRef idx="1">
+        <a:scrgbClr r="0" g="0" b="0"/>
+      </a:fillRef>
+      <a:effectRef idx="0">
+        <a:scrgbClr r="0" g="0" b="0"/>
+      </a:effectRef>
+      <a:fontRef idx="minor">
+        <a:schemeClr val="lt1"/>
+      </a:fontRef>
+    </dgm:style>
+  </dgm:styleLbl>
+  <dgm:styleLbl name="vennNode1">
+    <dgm:scene3d>
+      <a:camera prst="orthographicFront"/>
+      <a:lightRig rig="threePt" dir="t"/>
+    </dgm:scene3d>
+    <dgm:sp3d/>
+    <dgm:txPr/>
+    <dgm:style>
+      <a:lnRef idx="2">
+        <a:scrgbClr r="0" g="0" b="0"/>
+      </a:lnRef>
+      <a:fillRef idx="1">
+        <a:scrgbClr r="0" g="0" b="0"/>
+      </a:fillRef>
+      <a:effectRef idx="0">
+        <a:scrgbClr r="0" g="0" b="0"/>
+      </a:effectRef>
+      <a:fontRef idx="minor">
+        <a:schemeClr val="tx1"/>
+      </a:fontRef>
+    </dgm:style>
+  </dgm:styleLbl>
+  <dgm:styleLbl name="alignNode1">
+    <dgm:scene3d>
+      <a:camera prst="orthographicFront"/>
+      <a:lightRig rig="threePt" dir="t"/>
+    </dgm:scene3d>
+    <dgm:sp3d/>
+    <dgm:txPr/>
+    <dgm:style>
+      <a:lnRef idx="2">
+        <a:scrgbClr r="0" g="0" b="0"/>
+      </a:lnRef>
+      <a:fillRef idx="1">
+        <a:scrgbClr r="0" g="0" b="0"/>
+      </a:fillRef>
+      <a:effectRef idx="0">
+        <a:scrgbClr r="0" g="0" b="0"/>
+      </a:effectRef>
+      <a:fontRef idx="minor">
+        <a:schemeClr val="lt1"/>
+      </a:fontRef>
+    </dgm:style>
+  </dgm:styleLbl>
+  <dgm:styleLbl name="node1">
+    <dgm:scene3d>
+      <a:camera prst="orthographicFront"/>
+      <a:lightRig rig="threePt" dir="t"/>
+    </dgm:scene3d>
+    <dgm:sp3d/>
+    <dgm:txPr/>
+    <dgm:style>
+      <a:lnRef idx="2">
+        <a:scrgbClr r="0" g="0" b="0"/>
+      </a:lnRef>
+      <a:fillRef idx="1">
+        <a:scrgbClr r="0" g="0" b="0"/>
+      </a:fillRef>
+      <a:effectRef idx="0">
+        <a:scrgbClr r="0" g="0" b="0"/>
+      </a:effectRef>
+      <a:fontRef idx="minor">
+        <a:schemeClr val="lt1"/>
+      </a:fontRef>
+    </dgm:style>
+  </dgm:styleLbl>
+  <dgm:styleLbl name="node2">
+    <dgm:scene3d>
+      <a:camera prst="orthographicFront"/>
+      <a:lightRig rig="threePt" dir="t"/>
+    </dgm:scene3d>
+    <dgm:sp3d/>
+    <dgm:txPr/>
+    <dgm:style>
+      <a:lnRef idx="2">
+        <a:scrgbClr r="0" g="0" b="0"/>
+      </a:lnRef>
+      <a:fillRef idx="1">
+        <a:scrgbClr r="0" g="0" b="0"/>
+      </a:fillRef>
+      <a:effectRef idx="0">
+        <a:scrgbClr r="0" g="0" b="0"/>
+      </a:effectRef>
+      <a:fontRef idx="minor">
+        <a:schemeClr val="lt1"/>
+      </a:fontRef>
+    </dgm:style>
+  </dgm:styleLbl>
+  <dgm:styleLbl name="node3">
+    <dgm:scene3d>
+      <a:camera prst="orthographicFront"/>
+      <a:lightRig rig="threePt" dir="t"/>
+    </dgm:scene3d>
+    <dgm:sp3d/>
+    <dgm:txPr/>
+    <dgm:style>
+      <a:lnRef idx="2">
+        <a:scrgbClr r="0" g="0" b="0"/>
+      </a:lnRef>
+      <a:fillRef idx="1">
+        <a:scrgbClr r="0" g="0" b="0"/>
+      </a:fillRef>
+      <a:effectRef idx="0">
+        <a:scrgbClr r="0" g="0" b="0"/>
+      </a:effectRef>
+      <a:fontRef idx="minor">
+        <a:schemeClr val="lt1"/>
+      </a:fontRef>
+    </dgm:style>
+  </dgm:styleLbl>
+  <dgm:styleLbl name="node4">
+    <dgm:scene3d>
+      <a:camera prst="orthographicFront"/>
+      <a:lightRig rig="threePt" dir="t"/>
+    </dgm:scene3d>
+    <dgm:sp3d/>
+    <dgm:txPr/>
+    <dgm:style>
+      <a:lnRef idx="2">
+        <a:scrgbClr r="0" g="0" b="0"/>
+      </a:lnRef>
+      <a:fillRef idx="1">
+        <a:scrgbClr r="0" g="0" b="0"/>
+      </a:fillRef>
+      <a:effectRef idx="0">
+        <a:scrgbClr r="0" g="0" b="0"/>
+      </a:effectRef>
+      <a:fontRef idx="minor">
+        <a:schemeClr val="lt1"/>
+      </a:fontRef>
+    </dgm:style>
+  </dgm:styleLbl>
+  <dgm:styleLbl name="fgImgPlace1">
+    <dgm:scene3d>
+      <a:camera prst="orthographicFront"/>
+      <a:lightRig rig="threePt" dir="t"/>
+    </dgm:scene3d>
+    <dgm:sp3d/>
+    <dgm:txPr/>
+    <dgm:style>
+      <a:lnRef idx="2">
+        <a:scrgbClr r="0" g="0" b="0"/>
+      </a:lnRef>
+      <a:fillRef idx="1">
+        <a:scrgbClr r="0" g="0" b="0"/>
+      </a:fillRef>
+      <a:effectRef idx="0">
+        <a:scrgbClr r="0" g="0" b="0"/>
+      </a:effectRef>
+      <a:fontRef idx="minor"/>
+    </dgm:style>
+  </dgm:styleLbl>
+  <dgm:styleLbl name="alignImgPlace1">
+    <dgm:scene3d>
+      <a:camera prst="orthographicFront"/>
+      <a:lightRig rig="threePt" dir="t"/>
+    </dgm:scene3d>
+    <dgm:sp3d/>
+    <dgm:txPr/>
+    <dgm:style>
+      <a:lnRef idx="2">
+        <a:scrgbClr r="0" g="0" b="0"/>
+      </a:lnRef>
+      <a:fillRef idx="1">
+        <a:scrgbClr r="0" g="0" b="0"/>
+      </a:fillRef>
+      <a:effectRef idx="0">
+        <a:scrgbClr r="0" g="0" b="0"/>
+      </a:effectRef>
+      <a:fontRef idx="minor"/>
+    </dgm:style>
+  </dgm:styleLbl>
+  <dgm:styleLbl name="bgImgPlace1">
+    <dgm:scene3d>
+      <a:camera prst="orthographicFront"/>
+      <a:lightRig rig="threePt" dir="t"/>
+    </dgm:scene3d>
+    <dgm:sp3d/>
+    <dgm:txPr/>
+    <dgm:style>
+      <a:lnRef idx="2">
+        <a:scrgbClr r="0" g="0" b="0"/>
+      </a:lnRef>
+      <a:fillRef idx="1">
+        <a:scrgbClr r="0" g="0" b="0"/>
+      </a:fillRef>
+      <a:effectRef idx="0">
+        <a:scrgbClr r="0" g="0" b="0"/>
+      </a:effectRef>
+      <a:fontRef idx="minor"/>
+    </dgm:style>
+  </dgm:styleLbl>
+  <dgm:styleLbl name="sibTrans2D1">
+    <dgm:scene3d>
+      <a:camera prst="orthographicFront"/>
+      <a:lightRig rig="threePt" dir="t"/>
+    </dgm:scene3d>
+    <dgm:sp3d/>
+    <dgm:txPr/>
+    <dgm:style>
+      <a:lnRef idx="0">
+        <a:scrgbClr r="0" g="0" b="0"/>
+      </a:lnRef>
+      <a:fillRef idx="1">
+        <a:scrgbClr r="0" g="0" b="0"/>
+      </a:fillRef>
+      <a:effectRef idx="0">
+        <a:scrgbClr r="0" g="0" b="0"/>
+      </a:effectRef>
+      <a:fontRef idx="minor">
+        <a:schemeClr val="lt1"/>
+      </a:fontRef>
+    </dgm:style>
+  </dgm:styleLbl>
+  <dgm:styleLbl name="fgSibTrans2D1">
+    <dgm:scene3d>
+      <a:camera prst="orthographicFront"/>
+      <a:lightRig rig="threePt" dir="t"/>
+    </dgm:scene3d>
+    <dgm:sp3d/>
+    <dgm:txPr/>
+    <dgm:style>
+      <a:lnRef idx="0">
+        <a:scrgbClr r="0" g="0" b="0"/>
+      </a:lnRef>
+      <a:fillRef idx="1">
+        <a:scrgbClr r="0" g="0" b="0"/>
+      </a:fillRef>
+      <a:effectRef idx="0">
+        <a:scrgbClr r="0" g="0" b="0"/>
+      </a:effectRef>
+      <a:fontRef idx="minor">
+        <a:schemeClr val="lt1"/>
+      </a:fontRef>
+    </dgm:style>
+  </dgm:styleLbl>
+  <dgm:styleLbl name="bgSibTrans2D1">
+    <dgm:scene3d>
+      <a:camera prst="orthographicFront"/>
+      <a:lightRig rig="threePt" dir="t"/>
+    </dgm:scene3d>
+    <dgm:sp3d/>
+    <dgm:txPr/>
+    <dgm:style>
+      <a:lnRef idx="0">
+        <a:scrgbClr r="0" g="0" b="0"/>
+      </a:lnRef>
+      <a:fillRef idx="1">
+        <a:scrgbClr r="0" g="0" b="0"/>
+      </a:fillRef>
+      <a:effectRef idx="0">
+        <a:scrgbClr r="0" g="0" b="0"/>
+      </a:effectRef>
+      <a:fontRef idx="minor">
+        <a:schemeClr val="lt1"/>
+      </a:fontRef>
+    </dgm:style>
+  </dgm:styleLbl>
+  <dgm:styleLbl name="sibTrans1D1">
+    <dgm:scene3d>
+      <a:camera prst="orthographicFront"/>
+      <a:lightRig rig="threePt" dir="t"/>
+    </dgm:scene3d>
+    <dgm:sp3d/>
+    <dgm:txPr/>
+    <dgm:style>
+      <a:lnRef idx="1">
+        <a:scrgbClr r="0" g="0" b="0"/>
+      </a:lnRef>
+      <a:fillRef idx="0">
+        <a:scrgbClr r="0" g="0" b="0"/>
+      </a:fillRef>
+      <a:effectRef idx="0">
+        <a:scrgbClr r="0" g="0" b="0"/>
+      </a:effectRef>
+      <a:fontRef idx="minor"/>
+    </dgm:style>
+  </dgm:styleLbl>
+  <dgm:styleLbl name="callout">
+    <dgm:scene3d>
+      <a:camera prst="orthographicFront"/>
+      <a:lightRig rig="threePt" dir="t"/>
+    </dgm:scene3d>
+    <dgm:sp3d/>
+    <dgm:txPr/>
+    <dgm:style>
+      <a:lnRef idx="2">
+        <a:scrgbClr r="0" g="0" b="0"/>
+      </a:lnRef>
+      <a:fillRef idx="1">
+        <a:scrgbClr r="0" g="0" b="0"/>
+      </a:fillRef>
+      <a:effectRef idx="0">
+        <a:scrgbClr r="0" g="0" b="0"/>
+      </a:effectRef>
+      <a:fontRef idx="minor"/>
+    </dgm:style>
+  </dgm:styleLbl>
+  <dgm:styleLbl name="asst0">
+    <dgm:scene3d>
+      <a:camera prst="orthographicFront"/>
+      <a:lightRig rig="threePt" dir="t"/>
+    </dgm:scene3d>
+    <dgm:sp3d/>
+    <dgm:txPr/>
+    <dgm:style>
+      <a:lnRef idx="2">
+        <a:scrgbClr r="0" g="0" b="0"/>
+      </a:lnRef>
+      <a:fillRef idx="1">
+        <a:scrgbClr r="0" g="0" b="0"/>
+      </a:fillRef>
+      <a:effectRef idx="0">
+        <a:scrgbClr r="0" g="0" b="0"/>
+      </a:effectRef>
+      <a:fontRef idx="minor">
+        <a:schemeClr val="lt1"/>
+      </a:fontRef>
+    </dgm:style>
+  </dgm:styleLbl>
+  <dgm:styleLbl name="asst1">
+    <dgm:scene3d>
+      <a:camera prst="orthographicFront"/>
+      <a:lightRig rig="threePt" dir="t"/>
+    </dgm:scene3d>
+    <dgm:sp3d/>
+    <dgm:txPr/>
+    <dgm:style>
+      <a:lnRef idx="2">
+        <a:scrgbClr r="0" g="0" b="0"/>
+      </a:lnRef>
+      <a:fillRef idx="1">
+        <a:scrgbClr r="0" g="0" b="0"/>
+      </a:fillRef>
+      <a:effectRef idx="0">
+        <a:scrgbClr r="0" g="0" b="0"/>
+      </a:effectRef>
+      <a:fontRef idx="minor">
+        <a:schemeClr val="lt1"/>
+      </a:fontRef>
+    </dgm:style>
+  </dgm:styleLbl>
+  <dgm:styleLbl name="asst2">
+    <dgm:scene3d>
+      <a:camera prst="orthographicFront"/>
+      <a:lightRig rig="threePt" dir="t"/>
+    </dgm:scene3d>
+    <dgm:sp3d/>
+    <dgm:txPr/>
+    <dgm:style>
+      <a:lnRef idx="2">
+        <a:scrgbClr r="0" g="0" b="0"/>
+      </a:lnRef>
+      <a:fillRef idx="1">
+        <a:scrgbClr r="0" g="0" b="0"/>
+      </a:fillRef>
+      <a:effectRef idx="0">
+        <a:scrgbClr r="0" g="0" b="0"/>
+      </a:effectRef>
+      <a:fontRef idx="minor">
+        <a:schemeClr val="lt1"/>
+      </a:fontRef>
+    </dgm:style>
+  </dgm:styleLbl>
+  <dgm:styleLbl name="asst3">
+    <dgm:scene3d>
+      <a:camera prst="orthographicFront"/>
+      <a:lightRig rig="threePt" dir="t"/>
+    </dgm:scene3d>
+    <dgm:sp3d/>
+    <dgm:txPr/>
+    <dgm:style>
+      <a:lnRef idx="2">
+        <a:scrgbClr r="0" g="0" b="0"/>
+      </a:lnRef>
+      <a:fillRef idx="1">
+        <a:scrgbClr r="0" g="0" b="0"/>
+      </a:fillRef>
+      <a:effectRef idx="0">
+        <a:scrgbClr r="0" g="0" b="0"/>
+      </a:effectRef>
+      <a:fontRef idx="minor">
+        <a:schemeClr val="lt1"/>
+      </a:fontRef>
+    </dgm:style>
+  </dgm:styleLbl>
+  <dgm:styleLbl name="asst4">
+    <dgm:scene3d>
+      <a:camera prst="orthographicFront"/>
+      <a:lightRig rig="threePt" dir="t"/>
+    </dgm:scene3d>
+    <dgm:sp3d/>
+    <dgm:txPr/>
+    <dgm:style>
+      <a:lnRef idx="2">
+        <a:scrgbClr r="0" g="0" b="0"/>
+      </a:lnRef>
+      <a:fillRef idx="1">
+        <a:scrgbClr r="0" g="0" b="0"/>
+      </a:fillRef>
+      <a:effectRef idx="0">
+        <a:scrgbClr r="0" g="0" b="0"/>
+      </a:effectRef>
+      <a:fontRef idx="minor">
+        <a:schemeClr val="lt1"/>
+      </a:fontRef>
+    </dgm:style>
+  </dgm:styleLbl>
+  <dgm:styleLbl name="parChTrans2D1">
+    <dgm:scene3d>
+      <a:camera prst="orthographicFront"/>
+      <a:lightRig rig="threePt" dir="t"/>
+    </dgm:scene3d>
+    <dgm:sp3d/>
+    <dgm:txPr/>
+    <dgm:style>
+      <a:lnRef idx="2">
+        <a:scrgbClr r="0" g="0" b="0"/>
+      </a:lnRef>
+      <a:fillRef idx="1">
+        <a:scrgbClr r="0" g="0" b="0"/>
+      </a:fillRef>
+      <a:effectRef idx="0">
+        <a:scrgbClr r="0" g="0" b="0"/>
+      </a:effectRef>
+      <a:fontRef idx="minor">
+        <a:schemeClr val="lt1"/>
+      </a:fontRef>
+    </dgm:style>
+  </dgm:styleLbl>
+  <dgm:styleLbl name="parChTrans2D2">
+    <dgm:scene3d>
+      <a:camera prst="orthographicFront"/>
+      <a:lightRig rig="threePt" dir="t"/>
+    </dgm:scene3d>
+    <dgm:sp3d/>
+    <dgm:txPr/>
+    <dgm:style>
+      <a:lnRef idx="2">
+        <a:scrgbClr r="0" g="0" b="0"/>
+      </a:lnRef>
+      <a:fillRef idx="1">
+        <a:scrgbClr r="0" g="0" b="0"/>
+      </a:fillRef>
+      <a:effectRef idx="0">
+        <a:scrgbClr r="0" g="0" b="0"/>
+      </a:effectRef>
+      <a:fontRef idx="minor">
+        <a:schemeClr val="lt1"/>
+      </a:fontRef>
+    </dgm:style>
+  </dgm:styleLbl>
+  <dgm:styleLbl name="parChTrans2D3">
+    <dgm:scene3d>
+      <a:camera prst="orthographicFront"/>
+      <a:lightRig rig="threePt" dir="t"/>
+    </dgm:scene3d>
+    <dgm:sp3d/>
+    <dgm:txPr/>
+    <dgm:style>
+      <a:lnRef idx="2">
+        <a:scrgbClr r="0" g="0" b="0"/>
+      </a:lnRef>
+      <a:fillRef idx="1">
+        <a:scrgbClr r="0" g="0" b="0"/>
+      </a:fillRef>
+      <a:effectRef idx="0">
+        <a:scrgbClr r="0" g="0" b="0"/>
+      </a:effectRef>
+      <a:fontRef idx="minor">
+        <a:schemeClr val="lt1"/>
+      </a:fontRef>
+    </dgm:style>
+  </dgm:styleLbl>
+  <dgm:styleLbl name="parChTrans2D4">
+    <dgm:scene3d>
+      <a:camera prst="orthographicFront"/>
+      <a:lightRig rig="threePt" dir="t"/>
+    </dgm:scene3d>
+    <dgm:sp3d/>
+    <dgm:txPr/>
+    <dgm:style>
+      <a:lnRef idx="2">
+        <a:scrgbClr r="0" g="0" b="0"/>
+      </a:lnRef>
+      <a:fillRef idx="1">
+        <a:scrgbClr r="0" g="0" b="0"/>
+      </a:fillRef>
+      <a:effectRef idx="0">
+        <a:scrgbClr r="0" g="0" b="0"/>
+      </a:effectRef>
+      <a:fontRef idx="minor">
+        <a:schemeClr val="lt1"/>
+      </a:fontRef>
+    </dgm:style>
+  </dgm:styleLbl>
+  <dgm:styleLbl name="parChTrans1D1">
+    <dgm:scene3d>
+      <a:camera prst="orthographicFront"/>
+      <a:lightRig rig="threePt" dir="t"/>
+    </dgm:scene3d>
+    <dgm:sp3d/>
+    <dgm:txPr/>
+    <dgm:style>
+      <a:lnRef idx="2">
+        <a:scrgbClr r="0" g="0" b="0"/>
+      </a:lnRef>
+      <a:fillRef idx="0">
+        <a:scrgbClr r="0" g="0" b="0"/>
+      </a:fillRef>
+      <a:effectRef idx="0">
+        <a:scrgbClr r="0" g="0" b="0"/>
+      </a:effectRef>
+      <a:fontRef idx="minor"/>
+    </dgm:style>
+  </dgm:styleLbl>
+  <dgm:styleLbl name="parChTrans1D2">
+    <dgm:scene3d>
+      <a:camera prst="orthographicFront"/>
+      <a:lightRig rig="threePt" dir="t"/>
+    </dgm:scene3d>
+    <dgm:sp3d/>
+    <dgm:txPr/>
+    <dgm:style>
+      <a:lnRef idx="2">
+        <a:scrgbClr r="0" g="0" b="0"/>
+      </a:lnRef>
+      <a:fillRef idx="0">
+        <a:scrgbClr r="0" g="0" b="0"/>
+      </a:fillRef>
+      <a:effectRef idx="0">
+        <a:scrgbClr r="0" g="0" b="0"/>
+      </a:effectRef>
+      <a:fontRef idx="minor"/>
+    </dgm:style>
+  </dgm:styleLbl>
+  <dgm:styleLbl name="parChTrans1D3">
+    <dgm:scene3d>
+      <a:camera prst="orthographicFront"/>
+      <a:lightRig rig="threePt" dir="t"/>
+    </dgm:scene3d>
+    <dgm:sp3d/>
+    <dgm:txPr/>
+    <dgm:style>
+      <a:lnRef idx="2">
+        <a:scrgbClr r="0" g="0" b="0"/>
+      </a:lnRef>
+      <a:fillRef idx="0">
+        <a:scrgbClr r="0" g="0" b="0"/>
+      </a:fillRef>
+      <a:effectRef idx="0">
+        <a:scrgbClr r="0" g="0" b="0"/>
+      </a:effectRef>
+      <a:fontRef idx="minor"/>
+    </dgm:style>
+  </dgm:styleLbl>
+  <dgm:styleLbl name="parChTrans1D4">
+    <dgm:scene3d>
+      <a:camera prst="orthographicFront"/>
+      <a:lightRig rig="threePt" dir="t"/>
+    </dgm:scene3d>
+    <dgm:sp3d/>
+    <dgm:txPr/>
+    <dgm:style>
+      <a:lnRef idx="2">
+        <a:scrgbClr r="0" g="0" b="0"/>
+      </a:lnRef>
+      <a:fillRef idx="0">
+        <a:scrgbClr r="0" g="0" b="0"/>
+      </a:fillRef>
+      <a:effectRef idx="0">
+        <a:scrgbClr r="0" g="0" b="0"/>
+      </a:effectRef>
+      <a:fontRef idx="minor"/>
+    </dgm:style>
+  </dgm:styleLbl>
+  <dgm:styleLbl name="fgAcc1">
+    <dgm:scene3d>
+      <a:camera prst="orthographicFront"/>
+      <a:lightRig rig="threePt" dir="t"/>
+    </dgm:scene3d>
+    <dgm:sp3d/>
+    <dgm:txPr/>
+    <dgm:style>
+      <a:lnRef idx="2">
+        <a:scrgbClr r="0" g="0" b="0"/>
+      </a:lnRef>
+      <a:fillRef idx="1">
+        <a:scrgbClr r="0" g="0" b="0"/>
+      </a:fillRef>
+      <a:effectRef idx="0">
+        <a:scrgbClr r="0" g="0" b="0"/>
+      </a:effectRef>
+      <a:fontRef idx="minor"/>
+    </dgm:style>
+  </dgm:styleLbl>
+  <dgm:styleLbl name="conFgAcc1">
+    <dgm:scene3d>
+      <a:camera prst="orthographicFront"/>
+      <a:lightRig rig="threePt" dir="t"/>
+    </dgm:scene3d>
+    <dgm:sp3d/>
+    <dgm:txPr/>
+    <dgm:style>
+      <a:lnRef idx="2">
+        <a:scrgbClr r="0" g="0" b="0"/>
+      </a:lnRef>
+      <a:fillRef idx="1">
+        <a:scrgbClr r="0" g="0" b="0"/>
+      </a:fillRef>
+      <a:effectRef idx="0">
+        <a:scrgbClr r="0" g="0" b="0"/>
+      </a:effectRef>
+      <a:fontRef idx="minor"/>
+    </dgm:style>
+  </dgm:styleLbl>
+  <dgm:styleLbl name="alignAcc1">
+    <dgm:scene3d>
+      <a:camera prst="orthographicFront"/>
+      <a:lightRig rig="threePt" dir="t"/>
+    </dgm:scene3d>
+    <dgm:sp3d/>
+    <dgm:txPr/>
+    <dgm:style>
+      <a:lnRef idx="2">
+        <a:scrgbClr r="0" g="0" b="0"/>
+      </a:lnRef>
+      <a:fillRef idx="1">
+        <a:scrgbClr r="0" g="0" b="0"/>
+      </a:fillRef>
+      <a:effectRef idx="0">
+        <a:scrgbClr r="0" g="0" b="0"/>
+      </a:effectRef>
+      <a:fontRef idx="minor"/>
+    </dgm:style>
+  </dgm:styleLbl>
+  <dgm:styleLbl name="trAlignAcc1">
+    <dgm:scene3d>
+      <a:camera prst="orthographicFront"/>
+      <a:lightRig rig="threePt" dir="t"/>
+    </dgm:scene3d>
+    <dgm:sp3d/>
+    <dgm:txPr/>
+    <dgm:style>
+      <a:lnRef idx="1">
+        <a:scrgbClr r="0" g="0" b="0"/>
+      </a:lnRef>
+      <a:fillRef idx="1">
+        <a:scrgbClr r="0" g="0" b="0"/>
+      </a:fillRef>
+      <a:effectRef idx="0">
+        <a:scrgbClr r="0" g="0" b="0"/>
+      </a:effectRef>
+      <a:fontRef idx="minor"/>
+    </dgm:style>
+  </dgm:styleLbl>
+  <dgm:styleLbl name="bgAcc1">
+    <dgm:scene3d>
+      <a:camera prst="orthographicFront"/>
+      <a:lightRig rig="threePt" dir="t"/>
+    </dgm:scene3d>
+    <dgm:sp3d/>
+    <dgm:txPr/>
+    <dgm:style>
+      <a:lnRef idx="2">
+        <a:scrgbClr r="0" g="0" b="0"/>
+      </a:lnRef>
+      <a:fillRef idx="1">
+        <a:scrgbClr r="0" g="0" b="0"/>
+      </a:fillRef>
+      <a:effectRef idx="0">
+        <a:scrgbClr r="0" g="0" b="0"/>
+      </a:effectRef>
+      <a:fontRef idx="minor"/>
+    </dgm:style>
+  </dgm:styleLbl>
+  <dgm:styleLbl name="solidFgAcc1">
+    <dgm:scene3d>
+      <a:camera prst="orthographicFront"/>
+      <a:lightRig rig="threePt" dir="t"/>
+    </dgm:scene3d>
+    <dgm:sp3d/>
+    <dgm:txPr/>
+    <dgm:style>
+      <a:lnRef idx="2">
+        <a:scrgbClr r="0" g="0" b="0"/>
+      </a:lnRef>
+      <a:fillRef idx="1">
+        <a:scrgbClr r="0" g="0" b="0"/>
+      </a:fillRef>
+      <a:effectRef idx="0">
+        <a:scrgbClr r="0" g="0" b="0"/>
+      </a:effectRef>
+      <a:fontRef idx="minor"/>
+    </dgm:style>
+  </dgm:styleLbl>
+  <dgm:styleLbl name="solidAlignAcc1">
+    <dgm:scene3d>
+      <a:camera prst="orthographicFront"/>
+      <a:lightRig rig="threePt" dir="t"/>
+    </dgm:scene3d>
+    <dgm:sp3d/>
+    <dgm:txPr/>
+    <dgm:style>
+      <a:lnRef idx="2">
+        <a:scrgbClr r="0" g="0" b="0"/>
+      </a:lnRef>
+      <a:fillRef idx="1">
+        <a:scrgbClr r="0" g="0" b="0"/>
+      </a:fillRef>
+      <a:effectRef idx="0">
+        <a:scrgbClr r="0" g="0" b="0"/>
+      </a:effectRef>
+      <a:fontRef idx="minor"/>
+    </dgm:style>
+  </dgm:styleLbl>
+  <dgm:styleLbl name="solidBgAcc1">
+    <dgm:scene3d>
+      <a:camera prst="orthographicFront"/>
+      <a:lightRig rig="threePt" dir="t"/>
+    </dgm:scene3d>
+    <dgm:sp3d/>
+    <dgm:txPr/>
+    <dgm:style>
+      <a:lnRef idx="2">
+        <a:scrgbClr r="0" g="0" b="0"/>
+      </a:lnRef>
+      <a:fillRef idx="1">
+        <a:scrgbClr r="0" g="0" b="0"/>
+      </a:fillRef>
+      <a:effectRef idx="0">
+        <a:scrgbClr r="0" g="0" b="0"/>
+      </a:effectRef>
+      <a:fontRef idx="minor"/>
+    </dgm:style>
+  </dgm:styleLbl>
+  <dgm:styleLbl name="fgAccFollowNode1">
+    <dgm:scene3d>
+      <a:camera prst="orthographicFront"/>
+      <a:lightRig rig="threePt" dir="t"/>
+    </dgm:scene3d>
+    <dgm:sp3d/>
+    <dgm:txPr/>
+    <dgm:style>
+      <a:lnRef idx="2">
+        <a:scrgbClr r="0" g="0" b="0"/>
+      </a:lnRef>
+      <a:fillRef idx="1">
+        <a:scrgbClr r="0" g="0" b="0"/>
+      </a:fillRef>
+      <a:effectRef idx="0">
+        <a:scrgbClr r="0" g="0" b="0"/>
+      </a:effectRef>
+      <a:fontRef idx="minor"/>
+    </dgm:style>
+  </dgm:styleLbl>
+  <dgm:styleLbl name="alignAccFollowNode1">
+    <dgm:scene3d>
+      <a:camera prst="orthographicFront"/>
+      <a:lightRig rig="threePt" dir="t"/>
+    </dgm:scene3d>
+    <dgm:sp3d/>
+    <dgm:txPr/>
+    <dgm:style>
+      <a:lnRef idx="2">
+        <a:scrgbClr r="0" g="0" b="0"/>
+      </a:lnRef>
+      <a:fillRef idx="1">
+        <a:scrgbClr r="0" g="0" b="0"/>
+      </a:fillRef>
+      <a:effectRef idx="0">
+        <a:scrgbClr r="0" g="0" b="0"/>
+      </a:effectRef>
+      <a:fontRef idx="minor"/>
+    </dgm:style>
+  </dgm:styleLbl>
+  <dgm:styleLbl name="bgAccFollowNode1">
+    <dgm:scene3d>
+      <a:camera prst="orthographicFront"/>
+      <a:lightRig rig="threePt" dir="t"/>
+    </dgm:scene3d>
+    <dgm:sp3d/>
+    <dgm:txPr/>
+    <dgm:style>
+      <a:lnRef idx="2">
+        <a:scrgbClr r="0" g="0" b="0"/>
+      </a:lnRef>
+      <a:fillRef idx="1">
+        <a:scrgbClr r="0" g="0" b="0"/>
+      </a:fillRef>
+      <a:effectRef idx="0">
+        <a:scrgbClr r="0" g="0" b="0"/>
+      </a:effectRef>
+      <a:fontRef idx="minor"/>
+    </dgm:style>
+  </dgm:styleLbl>
+  <dgm:styleLbl name="fgAcc0">
+    <dgm:scene3d>
+      <a:camera prst="orthographicFront"/>
+      <a:lightRig rig="threePt" dir="t"/>
+    </dgm:scene3d>
+    <dgm:sp3d/>
+    <dgm:txPr/>
+    <dgm:style>
+      <a:lnRef idx="2">
+        <a:scrgbClr r="0" g="0" b="0"/>
+      </a:lnRef>
+      <a:fillRef idx="1">
+        <a:scrgbClr r="0" g="0" b="0"/>
+      </a:fillRef>
+      <a:effectRef idx="0">
+        <a:scrgbClr r="0" g="0" b="0"/>
+      </a:effectRef>
+      <a:fontRef idx="minor"/>
+    </dgm:style>
+  </dgm:styleLbl>
+  <dgm:styleLbl name="fgAcc2">
+    <dgm:scene3d>
+      <a:camera prst="orthographicFront"/>
+      <a:lightRig rig="threePt" dir="t"/>
+    </dgm:scene3d>
+    <dgm:sp3d/>
+    <dgm:txPr/>
+    <dgm:style>
+      <a:lnRef idx="2">
+        <a:scrgbClr r="0" g="0" b="0"/>
+      </a:lnRef>
+      <a:fillRef idx="1">
+        <a:scrgbClr r="0" g="0" b="0"/>
+      </a:fillRef>
+      <a:effectRef idx="0">
+        <a:scrgbClr r="0" g="0" b="0"/>
+      </a:effectRef>
+      <a:fontRef idx="minor"/>
+    </dgm:style>
+  </dgm:styleLbl>
+  <dgm:styleLbl name="fgAcc3">
+    <dgm:scene3d>
+      <a:camera prst="orthographicFront"/>
+      <a:lightRig rig="threePt" dir="t"/>
+    </dgm:scene3d>
+    <dgm:sp3d/>
+    <dgm:txPr/>
+    <dgm:style>
+      <a:lnRef idx="2">
+        <a:scrgbClr r="0" g="0" b="0"/>
+      </a:lnRef>
+      <a:fillRef idx="1">
+        <a:scrgbClr r="0" g="0" b="0"/>
+      </a:fillRef>
+      <a:effectRef idx="0">
+        <a:scrgbClr r="0" g="0" b="0"/>
+      </a:effectRef>
+      <a:fontRef idx="minor"/>
+    </dgm:style>
+  </dgm:styleLbl>
+  <dgm:styleLbl name="fgAcc4">
+    <dgm:scene3d>
+      <a:camera prst="orthographicFront"/>
+      <a:lightRig rig="threePt" dir="t"/>
+    </dgm:scene3d>
+    <dgm:sp3d/>
+    <dgm:txPr/>
+    <dgm:style>
+      <a:lnRef idx="2">
+        <a:scrgbClr r="0" g="0" b="0"/>
+      </a:lnRef>
+      <a:fillRef idx="1">
+        <a:scrgbClr r="0" g="0" b="0"/>
+      </a:fillRef>
+      <a:effectRef idx="0">
+        <a:scrgbClr r="0" g="0" b="0"/>
+      </a:effectRef>
+      <a:fontRef idx="minor"/>
+    </dgm:style>
+  </dgm:styleLbl>
+  <dgm:styleLbl name="bgShp">
+    <dgm:scene3d>
+      <a:camera prst="orthographicFront"/>
+      <a:lightRig rig="threePt" dir="t"/>
+    </dgm:scene3d>
+    <dgm:sp3d/>
+    <dgm:txPr/>
+    <dgm:style>
+      <a:lnRef idx="0">
+        <a:scrgbClr r="0" g="0" b="0"/>
+      </a:lnRef>
+      <a:fillRef idx="1">
+        <a:scrgbClr r="0" g="0" b="0"/>
+      </a:fillRef>
+      <a:effectRef idx="0">
+        <a:scrgbClr r="0" g="0" b="0"/>
+      </a:effectRef>
+      <a:fontRef idx="minor"/>
+    </dgm:style>
+  </dgm:styleLbl>
+  <dgm:styleLbl name="dkBgShp">
+    <dgm:scene3d>
+      <a:camera prst="orthographicFront"/>
+      <a:lightRig rig="threePt" dir="t"/>
+    </dgm:scene3d>
+    <dgm:sp3d/>
+    <dgm:txPr/>
+    <dgm:style>
+      <a:lnRef idx="0">
+        <a:scrgbClr r="0" g="0" b="0"/>
+      </a:lnRef>
+      <a:fillRef idx="1">
+        <a:scrgbClr r="0" g="0" b="0"/>
+      </a:fillRef>
+      <a:effectRef idx="0">
+        <a:scrgbClr r="0" g="0" b="0"/>
+      </a:effectRef>
+      <a:fontRef idx="minor"/>
+    </dgm:style>
+  </dgm:styleLbl>
+  <dgm:styleLbl name="trBgShp">
+    <dgm:scene3d>
+      <a:camera prst="orthographicFront"/>
+      <a:lightRig rig="threePt" dir="t"/>
+    </dgm:scene3d>
+    <dgm:sp3d/>
+    <dgm:txPr/>
+    <dgm:style>
+      <a:lnRef idx="0">
+        <a:scrgbClr r="0" g="0" b="0"/>
+      </a:lnRef>
+      <a:fillRef idx="1">
+        <a:scrgbClr r="0" g="0" b="0"/>
+      </a:fillRef>
+      <a:effectRef idx="0">
+        <a:scrgbClr r="0" g="0" b="0"/>
+      </a:effectRef>
+      <a:fontRef idx="minor"/>
+    </dgm:style>
+  </dgm:styleLbl>
+  <dgm:styleLbl name="fgShp">
+    <dgm:scene3d>
+      <a:camera prst="orthographicFront"/>
+      <a:lightRig rig="threePt" dir="t"/>
+    </dgm:scene3d>
+    <dgm:sp3d/>
+    <dgm:txPr/>
+    <dgm:style>
+      <a:lnRef idx="2">
+        <a:scrgbClr r="0" g="0" b="0"/>
+      </a:lnRef>
+      <a:fillRef idx="1">
+        <a:scrgbClr r="0" g="0" b="0"/>
+      </a:fillRef>
+      <a:effectRef idx="0">
+        <a:scrgbClr r="0" g="0" b="0"/>
+      </a:effectRef>
+      <a:fontRef idx="minor"/>
+    </dgm:style>
+  </dgm:styleLbl>
+  <dgm:styleLbl name="revTx">
+    <dgm:scene3d>
+      <a:camera prst="orthographicFront"/>
+      <a:lightRig rig="threePt" dir="t"/>
+    </dgm:scene3d>
+    <dgm:sp3d/>
+    <dgm:txPr/>
+    <dgm:style>
+      <a:lnRef idx="0">
+        <a:scrgbClr r="0" g="0" b="0"/>
+      </a:lnRef>
+      <a:fillRef idx="0">
+        <a:scrgbClr r="0" g="0" b="0"/>
+      </a:fillRef>
+      <a:effectRef idx="0">
+        <a:scrgbClr r="0" g="0" b="0"/>
+      </a:effectRef>
+      <a:fontRef idx="minor"/>
+    </dgm:style>
+  </dgm:styleLbl>
+</dgm:styleDef>
+</file>
+
+<file path=ppt/diagrams/quickStyle2.xml><?xml version="1.0" encoding="utf-8"?>
+<dgm:styleDef xmlns:dgm="http://schemas.openxmlformats.org/drawingml/2006/diagram" xmlns:a="http://schemas.openxmlformats.org/drawingml/2006/main" uniqueId="urn:microsoft.com/office/officeart/2005/8/quickstyle/simple1">
+  <dgm:title val=""/>
+  <dgm:desc val=""/>
+  <dgm:catLst>
+    <dgm:cat type="simple" pri="10100"/>
+  </dgm:catLst>
+  <dgm:scene3d>
+    <a:camera prst="orthographicFront"/>
+    <a:lightRig rig="threePt" dir="t"/>
+  </dgm:scene3d>
+  <dgm:styleLbl name="node0">
+    <dgm:scene3d>
+      <a:camera prst="orthographicFront"/>
+      <a:lightRig rig="threePt" dir="t"/>
+    </dgm:scene3d>
+    <dgm:sp3d/>
+    <dgm:txPr/>
+    <dgm:style>
+      <a:lnRef idx="2">
+        <a:scrgbClr r="0" g="0" b="0"/>
+      </a:lnRef>
+      <a:fillRef idx="1">
+        <a:scrgbClr r="0" g="0" b="0"/>
+      </a:fillRef>
+      <a:effectRef idx="0">
+        <a:scrgbClr r="0" g="0" b="0"/>
+      </a:effectRef>
+      <a:fontRef idx="minor">
+        <a:schemeClr val="lt1"/>
+      </a:fontRef>
+    </dgm:style>
+  </dgm:styleLbl>
+  <dgm:styleLbl name="lnNode1">
+    <dgm:scene3d>
+      <a:camera prst="orthographicFront"/>
+      <a:lightRig rig="threePt" dir="t"/>
+    </dgm:scene3d>
+    <dgm:sp3d/>
+    <dgm:txPr/>
+    <dgm:style>
+      <a:lnRef idx="2">
+        <a:scrgbClr r="0" g="0" b="0"/>
+      </a:lnRef>
+      <a:fillRef idx="1">
+        <a:scrgbClr r="0" g="0" b="0"/>
+      </a:fillRef>
+      <a:effectRef idx="0">
+        <a:scrgbClr r="0" g="0" b="0"/>
+      </a:effectRef>
+      <a:fontRef idx="minor">
+        <a:schemeClr val="lt1"/>
+      </a:fontRef>
+    </dgm:style>
+  </dgm:styleLbl>
+  <dgm:styleLbl name="vennNode1">
+    <dgm:scene3d>
+      <a:camera prst="orthographicFront"/>
+      <a:lightRig rig="threePt" dir="t"/>
+    </dgm:scene3d>
+    <dgm:sp3d/>
+    <dgm:txPr/>
+    <dgm:style>
+      <a:lnRef idx="2">
+        <a:scrgbClr r="0" g="0" b="0"/>
+      </a:lnRef>
+      <a:fillRef idx="1">
+        <a:scrgbClr r="0" g="0" b="0"/>
+      </a:fillRef>
+      <a:effectRef idx="0">
+        <a:scrgbClr r="0" g="0" b="0"/>
+      </a:effectRef>
+      <a:fontRef idx="minor">
+        <a:schemeClr val="tx1"/>
+      </a:fontRef>
+    </dgm:style>
+  </dgm:styleLbl>
+  <dgm:styleLbl name="alignNode1">
+    <dgm:scene3d>
+      <a:camera prst="orthographicFront"/>
+      <a:lightRig rig="threePt" dir="t"/>
+    </dgm:scene3d>
+    <dgm:sp3d/>
+    <dgm:txPr/>
+    <dgm:style>
+      <a:lnRef idx="2">
+        <a:scrgbClr r="0" g="0" b="0"/>
+      </a:lnRef>
+      <a:fillRef idx="1">
+        <a:scrgbClr r="0" g="0" b="0"/>
+      </a:fillRef>
+      <a:effectRef idx="0">
+        <a:scrgbClr r="0" g="0" b="0"/>
+      </a:effectRef>
+      <a:fontRef idx="minor">
+        <a:schemeClr val="lt1"/>
+      </a:fontRef>
+    </dgm:style>
+  </dgm:styleLbl>
+  <dgm:styleLbl name="node1">
+    <dgm:scene3d>
+      <a:camera prst="orthographicFront"/>
+      <a:lightRig rig="threePt" dir="t"/>
+    </dgm:scene3d>
+    <dgm:sp3d/>
+    <dgm:txPr/>
+    <dgm:style>
+      <a:lnRef idx="2">
+        <a:scrgbClr r="0" g="0" b="0"/>
+      </a:lnRef>
+      <a:fillRef idx="1">
+        <a:scrgbClr r="0" g="0" b="0"/>
+      </a:fillRef>
+      <a:effectRef idx="0">
+        <a:scrgbClr r="0" g="0" b="0"/>
+      </a:effectRef>
+      <a:fontRef idx="minor">
+        <a:schemeClr val="lt1"/>
+      </a:fontRef>
+    </dgm:style>
+  </dgm:styleLbl>
+  <dgm:styleLbl name="node2">
+    <dgm:scene3d>
+      <a:camera prst="orthographicFront"/>
+      <a:lightRig rig="threePt" dir="t"/>
+    </dgm:scene3d>
+    <dgm:sp3d/>
+    <dgm:txPr/>
+    <dgm:style>
+      <a:lnRef idx="2">
+        <a:scrgbClr r="0" g="0" b="0"/>
+      </a:lnRef>
+      <a:fillRef idx="1">
+        <a:scrgbClr r="0" g="0" b="0"/>
+      </a:fillRef>
+      <a:effectRef idx="0">
+        <a:scrgbClr r="0" g="0" b="0"/>
+      </a:effectRef>
+      <a:fontRef idx="minor">
+        <a:schemeClr val="lt1"/>
+      </a:fontRef>
+    </dgm:style>
+  </dgm:styleLbl>
+  <dgm:styleLbl name="node3">
+    <dgm:scene3d>
+      <a:camera prst="orthographicFront"/>
+      <a:lightRig rig="threePt" dir="t"/>
+    </dgm:scene3d>
+    <dgm:sp3d/>
+    <dgm:txPr/>
+    <dgm:style>
+      <a:lnRef idx="2">
+        <a:scrgbClr r="0" g="0" b="0"/>
+      </a:lnRef>
+      <a:fillRef idx="1">
+        <a:scrgbClr r="0" g="0" b="0"/>
+      </a:fillRef>
+      <a:effectRef idx="0">
+        <a:scrgbClr r="0" g="0" b="0"/>
+      </a:effectRef>
+      <a:fontRef idx="minor">
+        <a:schemeClr val="lt1"/>
+      </a:fontRef>
+    </dgm:style>
+  </dgm:styleLbl>
+  <dgm:styleLbl name="node4">
+    <dgm:scene3d>
+      <a:camera prst="orthographicFront"/>
+      <a:lightRig rig="threePt" dir="t"/>
+    </dgm:scene3d>
+    <dgm:sp3d/>
+    <dgm:txPr/>
+    <dgm:style>
+      <a:lnRef idx="2">
+        <a:scrgbClr r="0" g="0" b="0"/>
+      </a:lnRef>
+      <a:fillRef idx="1">
+        <a:scrgbClr r="0" g="0" b="0"/>
+      </a:fillRef>
+      <a:effectRef idx="0">
+        <a:scrgbClr r="0" g="0" b="0"/>
+      </a:effectRef>
+      <a:fontRef idx="minor">
+        <a:schemeClr val="lt1"/>
+      </a:fontRef>
+    </dgm:style>
+  </dgm:styleLbl>
+  <dgm:styleLbl name="fgImgPlace1">
+    <dgm:scene3d>
+      <a:camera prst="orthographicFront"/>
+      <a:lightRig rig="threePt" dir="t"/>
+    </dgm:scene3d>
+    <dgm:sp3d/>
+    <dgm:txPr/>
+    <dgm:style>
+      <a:lnRef idx="2">
+        <a:scrgbClr r="0" g="0" b="0"/>
+      </a:lnRef>
+      <a:fillRef idx="1">
+        <a:scrgbClr r="0" g="0" b="0"/>
+      </a:fillRef>
+      <a:effectRef idx="0">
+        <a:scrgbClr r="0" g="0" b="0"/>
+      </a:effectRef>
+      <a:fontRef idx="minor"/>
+    </dgm:style>
+  </dgm:styleLbl>
+  <dgm:styleLbl name="alignImgPlace1">
+    <dgm:scene3d>
+      <a:camera prst="orthographicFront"/>
+      <a:lightRig rig="threePt" dir="t"/>
+    </dgm:scene3d>
+    <dgm:sp3d/>
+    <dgm:txPr/>
+    <dgm:style>
+      <a:lnRef idx="2">
+        <a:scrgbClr r="0" g="0" b="0"/>
+      </a:lnRef>
+      <a:fillRef idx="1">
+        <a:scrgbClr r="0" g="0" b="0"/>
+      </a:fillRef>
+      <a:effectRef idx="0">
+        <a:scrgbClr r="0" g="0" b="0"/>
+      </a:effectRef>
+      <a:fontRef idx="minor"/>
+    </dgm:style>
+  </dgm:styleLbl>
+  <dgm:styleLbl name="bgImgPlace1">
+    <dgm:scene3d>
+      <a:camera prst="orthographicFront"/>
+      <a:lightRig rig="threePt" dir="t"/>
+    </dgm:scene3d>
+    <dgm:sp3d/>
+    <dgm:txPr/>
+    <dgm:style>
+      <a:lnRef idx="2">
+        <a:scrgbClr r="0" g="0" b="0"/>
+      </a:lnRef>
+      <a:fillRef idx="1">
+        <a:scrgbClr r="0" g="0" b="0"/>
+      </a:fillRef>
+      <a:effectRef idx="0">
+        <a:scrgbClr r="0" g="0" b="0"/>
+      </a:effectRef>
+      <a:fontRef idx="minor"/>
+    </dgm:style>
+  </dgm:styleLbl>
+  <dgm:styleLbl name="sibTrans2D1">
+    <dgm:scene3d>
+      <a:camera prst="orthographicFront"/>
+      <a:lightRig rig="threePt" dir="t"/>
+    </dgm:scene3d>
+    <dgm:sp3d/>
+    <dgm:txPr/>
+    <dgm:style>
+      <a:lnRef idx="0">
+        <a:scrgbClr r="0" g="0" b="0"/>
+      </a:lnRef>
+      <a:fillRef idx="1">
+        <a:scrgbClr r="0" g="0" b="0"/>
+      </a:fillRef>
+      <a:effectRef idx="0">
+        <a:scrgbClr r="0" g="0" b="0"/>
+      </a:effectRef>
+      <a:fontRef idx="minor">
+        <a:schemeClr val="lt1"/>
+      </a:fontRef>
+    </dgm:style>
+  </dgm:styleLbl>
+  <dgm:styleLbl name="fgSibTrans2D1">
+    <dgm:scene3d>
+      <a:camera prst="orthographicFront"/>
+      <a:lightRig rig="threePt" dir="t"/>
+    </dgm:scene3d>
+    <dgm:sp3d/>
+    <dgm:txPr/>
+    <dgm:style>
+      <a:lnRef idx="0">
+        <a:scrgbClr r="0" g="0" b="0"/>
+      </a:lnRef>
+      <a:fillRef idx="1">
+        <a:scrgbClr r="0" g="0" b="0"/>
+      </a:fillRef>
+      <a:effectRef idx="0">
+        <a:scrgbClr r="0" g="0" b="0"/>
+      </a:effectRef>
+      <a:fontRef idx="minor">
+        <a:schemeClr val="lt1"/>
+      </a:fontRef>
+    </dgm:style>
+  </dgm:styleLbl>
+  <dgm:styleLbl name="bgSibTrans2D1">
+    <dgm:scene3d>
+      <a:camera prst="orthographicFront"/>
+      <a:lightRig rig="threePt" dir="t"/>
+    </dgm:scene3d>
+    <dgm:sp3d/>
+    <dgm:txPr/>
+    <dgm:style>
+      <a:lnRef idx="0">
+        <a:scrgbClr r="0" g="0" b="0"/>
+      </a:lnRef>
+      <a:fillRef idx="1">
+        <a:scrgbClr r="0" g="0" b="0"/>
+      </a:fillRef>
+      <a:effectRef idx="0">
+        <a:scrgbClr r="0" g="0" b="0"/>
+      </a:effectRef>
+      <a:fontRef idx="minor">
+        <a:schemeClr val="lt1"/>
+      </a:fontRef>
+    </dgm:style>
+  </dgm:styleLbl>
+  <dgm:styleLbl name="sibTrans1D1">
+    <dgm:scene3d>
+      <a:camera prst="orthographicFront"/>
+      <a:lightRig rig="threePt" dir="t"/>
+    </dgm:scene3d>
+    <dgm:sp3d/>
+    <dgm:txPr/>
+    <dgm:style>
+      <a:lnRef idx="1">
+        <a:scrgbClr r="0" g="0" b="0"/>
+      </a:lnRef>
+      <a:fillRef idx="0">
+        <a:scrgbClr r="0" g="0" b="0"/>
+      </a:fillRef>
+      <a:effectRef idx="0">
+        <a:scrgbClr r="0" g="0" b="0"/>
+      </a:effectRef>
+      <a:fontRef idx="minor"/>
+    </dgm:style>
+  </dgm:styleLbl>
+  <dgm:styleLbl name="callout">
+    <dgm:scene3d>
+      <a:camera prst="orthographicFront"/>
+      <a:lightRig rig="threePt" dir="t"/>
+    </dgm:scene3d>
+    <dgm:sp3d/>
+    <dgm:txPr/>
+    <dgm:style>
+      <a:lnRef idx="2">
+        <a:scrgbClr r="0" g="0" b="0"/>
+      </a:lnRef>
+      <a:fillRef idx="1">
+        <a:scrgbClr r="0" g="0" b="0"/>
+      </a:fillRef>
+      <a:effectRef idx="0">
+        <a:scrgbClr r="0" g="0" b="0"/>
+      </a:effectRef>
+      <a:fontRef idx="minor"/>
+    </dgm:style>
+  </dgm:styleLbl>
+  <dgm:styleLbl name="asst0">
+    <dgm:scene3d>
+      <a:camera prst="orthographicFront"/>
+      <a:lightRig rig="threePt" dir="t"/>
+    </dgm:scene3d>
+    <dgm:sp3d/>
+    <dgm:txPr/>
+    <dgm:style>
+      <a:lnRef idx="2">
+        <a:scrgbClr r="0" g="0" b="0"/>
+      </a:lnRef>
+      <a:fillRef idx="1">
+        <a:scrgbClr r="0" g="0" b="0"/>
+      </a:fillRef>
+      <a:effectRef idx="0">
+        <a:scrgbClr r="0" g="0" b="0"/>
+      </a:effectRef>
+      <a:fontRef idx="minor">
+        <a:schemeClr val="lt1"/>
+      </a:fontRef>
+    </dgm:style>
+  </dgm:styleLbl>
+  <dgm:styleLbl name="asst1">
+    <dgm:scene3d>
+      <a:camera prst="orthographicFront"/>
+      <a:lightRig rig="threePt" dir="t"/>
+    </dgm:scene3d>
+    <dgm:sp3d/>
+    <dgm:txPr/>
+    <dgm:style>
+      <a:lnRef idx="2">
+        <a:scrgbClr r="0" g="0" b="0"/>
+      </a:lnRef>
+      <a:fillRef idx="1">
+        <a:scrgbClr r="0" g="0" b="0"/>
+      </a:fillRef>
+      <a:effectRef idx="0">
+        <a:scrgbClr r="0" g="0" b="0"/>
+      </a:effectRef>
+      <a:fontRef idx="minor">
+        <a:schemeClr val="lt1"/>
+      </a:fontRef>
+    </dgm:style>
+  </dgm:styleLbl>
+  <dgm:styleLbl name="asst2">
+    <dgm:scene3d>
+      <a:camera prst="orthographicFront"/>
+      <a:lightRig rig="threePt" dir="t"/>
+    </dgm:scene3d>
+    <dgm:sp3d/>
+    <dgm:txPr/>
+    <dgm:style>
+      <a:lnRef idx="2">
+        <a:scrgbClr r="0" g="0" b="0"/>
+      </a:lnRef>
+      <a:fillRef idx="1">
+        <a:scrgbClr r="0" g="0" b="0"/>
+      </a:fillRef>
+      <a:effectRef idx="0">
+        <a:scrgbClr r="0" g="0" b="0"/>
+      </a:effectRef>
+      <a:fontRef idx="minor">
+        <a:schemeClr val="lt1"/>
+      </a:fontRef>
+    </dgm:style>
+  </dgm:styleLbl>
+  <dgm:styleLbl name="asst3">
+    <dgm:scene3d>
+      <a:camera prst="orthographicFront"/>
+      <a:lightRig rig="threePt" dir="t"/>
+    </dgm:scene3d>
+    <dgm:sp3d/>
+    <dgm:txPr/>
+    <dgm:style>
+      <a:lnRef idx="2">
+        <a:scrgbClr r="0" g="0" b="0"/>
+      </a:lnRef>
+      <a:fillRef idx="1">
+        <a:scrgbClr r="0" g="0" b="0"/>
+      </a:fillRef>
+      <a:effectRef idx="0">
+        <a:scrgbClr r="0" g="0" b="0"/>
+      </a:effectRef>
+      <a:fontRef idx="minor">
+        <a:schemeClr val="lt1"/>
+      </a:fontRef>
+    </dgm:style>
+  </dgm:styleLbl>
+  <dgm:styleLbl name="asst4">
+    <dgm:scene3d>
+      <a:camera prst="orthographicFront"/>
+      <a:lightRig rig="threePt" dir="t"/>
+    </dgm:scene3d>
+    <dgm:sp3d/>
+    <dgm:txPr/>
+    <dgm:style>
+      <a:lnRef idx="2">
+        <a:scrgbClr r="0" g="0" b="0"/>
+      </a:lnRef>
+      <a:fillRef idx="1">
+        <a:scrgbClr r="0" g="0" b="0"/>
+      </a:fillRef>
+      <a:effectRef idx="0">
+        <a:scrgbClr r="0" g="0" b="0"/>
+      </a:effectRef>
+      <a:fontRef idx="minor">
+        <a:schemeClr val="lt1"/>
+      </a:fontRef>
+    </dgm:style>
+  </dgm:styleLbl>
+  <dgm:styleLbl name="parChTrans2D1">
+    <dgm:scene3d>
+      <a:camera prst="orthographicFront"/>
+      <a:lightRig rig="threePt" dir="t"/>
+    </dgm:scene3d>
+    <dgm:sp3d/>
+    <dgm:txPr/>
+    <dgm:style>
+      <a:lnRef idx="2">
+        <a:scrgbClr r="0" g="0" b="0"/>
+      </a:lnRef>
+      <a:fillRef idx="1">
+        <a:scrgbClr r="0" g="0" b="0"/>
+      </a:fillRef>
+      <a:effectRef idx="0">
+        <a:scrgbClr r="0" g="0" b="0"/>
+      </a:effectRef>
+      <a:fontRef idx="minor">
+        <a:schemeClr val="lt1"/>
+      </a:fontRef>
+    </dgm:style>
+  </dgm:styleLbl>
+  <dgm:styleLbl name="parChTrans2D2">
+    <dgm:scene3d>
+      <a:camera prst="orthographicFront"/>
+      <a:lightRig rig="threePt" dir="t"/>
+    </dgm:scene3d>
+    <dgm:sp3d/>
+    <dgm:txPr/>
+    <dgm:style>
+      <a:lnRef idx="2">
+        <a:scrgbClr r="0" g="0" b="0"/>
+      </a:lnRef>
+      <a:fillRef idx="1">
+        <a:scrgbClr r="0" g="0" b="0"/>
+      </a:fillRef>
+      <a:effectRef idx="0">
+        <a:scrgbClr r="0" g="0" b="0"/>
+      </a:effectRef>
+      <a:fontRef idx="minor">
+        <a:schemeClr val="lt1"/>
+      </a:fontRef>
+    </dgm:style>
+  </dgm:styleLbl>
+  <dgm:styleLbl name="parChTrans2D3">
+    <dgm:scene3d>
+      <a:camera prst="orthographicFront"/>
+      <a:lightRig rig="threePt" dir="t"/>
+    </dgm:scene3d>
+    <dgm:sp3d/>
+    <dgm:txPr/>
+    <dgm:style>
+      <a:lnRef idx="2">
+        <a:scrgbClr r="0" g="0" b="0"/>
+      </a:lnRef>
+      <a:fillRef idx="1">
+        <a:scrgbClr r="0" g="0" b="0"/>
+      </a:fillRef>
+      <a:effectRef idx="0">
+        <a:scrgbClr r="0" g="0" b="0"/>
+      </a:effectRef>
+      <a:fontRef idx="minor">
+        <a:schemeClr val="lt1"/>
+      </a:fontRef>
+    </dgm:style>
+  </dgm:styleLbl>
+  <dgm:styleLbl name="parChTrans2D4">
+    <dgm:scene3d>
+      <a:camera prst="orthographicFront"/>
+      <a:lightRig rig="threePt" dir="t"/>
+    </dgm:scene3d>
+    <dgm:sp3d/>
+    <dgm:txPr/>
+    <dgm:style>
+      <a:lnRef idx="2">
+        <a:scrgbClr r="0" g="0" b="0"/>
+      </a:lnRef>
+      <a:fillRef idx="1">
+        <a:scrgbClr r="0" g="0" b="0"/>
+      </a:fillRef>
+      <a:effectRef idx="0">
+        <a:scrgbClr r="0" g="0" b="0"/>
+      </a:effectRef>
+      <a:fontRef idx="minor">
+        <a:schemeClr val="lt1"/>
+      </a:fontRef>
+    </dgm:style>
+  </dgm:styleLbl>
+  <dgm:styleLbl name="parChTrans1D1">
+    <dgm:scene3d>
+      <a:camera prst="orthographicFront"/>
+      <a:lightRig rig="threePt" dir="t"/>
+    </dgm:scene3d>
+    <dgm:sp3d/>
+    <dgm:txPr/>
+    <dgm:style>
+      <a:lnRef idx="2">
+        <a:scrgbClr r="0" g="0" b="0"/>
+      </a:lnRef>
+      <a:fillRef idx="0">
+        <a:scrgbClr r="0" g="0" b="0"/>
+      </a:fillRef>
+      <a:effectRef idx="0">
+        <a:scrgbClr r="0" g="0" b="0"/>
+      </a:effectRef>
+      <a:fontRef idx="minor"/>
+    </dgm:style>
+  </dgm:styleLbl>
+  <dgm:styleLbl name="parChTrans1D2">
+    <dgm:scene3d>
+      <a:camera prst="orthographicFront"/>
+      <a:lightRig rig="threePt" dir="t"/>
+    </dgm:scene3d>
+    <dgm:sp3d/>
+    <dgm:txPr/>
+    <dgm:style>
+      <a:lnRef idx="2">
+        <a:scrgbClr r="0" g="0" b="0"/>
+      </a:lnRef>
+      <a:fillRef idx="0">
+        <a:scrgbClr r="0" g="0" b="0"/>
+      </a:fillRef>
+      <a:effectRef idx="0">
+        <a:scrgbClr r="0" g="0" b="0"/>
+      </a:effectRef>
+      <a:fontRef idx="minor"/>
+    </dgm:style>
+  </dgm:styleLbl>
+  <dgm:styleLbl name="parChTrans1D3">
+    <dgm:scene3d>
+      <a:camera prst="orthographicFront"/>
+      <a:lightRig rig="threePt" dir="t"/>
+    </dgm:scene3d>
+    <dgm:sp3d/>
+    <dgm:txPr/>
+    <dgm:style>
+      <a:lnRef idx="2">
+        <a:scrgbClr r="0" g="0" b="0"/>
+      </a:lnRef>
+      <a:fillRef idx="0">
+        <a:scrgbClr r="0" g="0" b="0"/>
+      </a:fillRef>
+      <a:effectRef idx="0">
+        <a:scrgbClr r="0" g="0" b="0"/>
+      </a:effectRef>
+      <a:fontRef idx="minor"/>
+    </dgm:style>
+  </dgm:styleLbl>
+  <dgm:styleLbl name="parChTrans1D4">
+    <dgm:scene3d>
+      <a:camera prst="orthographicFront"/>
+      <a:lightRig rig="threePt" dir="t"/>
+    </dgm:scene3d>
+    <dgm:sp3d/>
+    <dgm:txPr/>
+    <dgm:style>
+      <a:lnRef idx="2">
+        <a:scrgbClr r="0" g="0" b="0"/>
+      </a:lnRef>
+      <a:fillRef idx="0">
+        <a:scrgbClr r="0" g="0" b="0"/>
+      </a:fillRef>
+      <a:effectRef idx="0">
+        <a:scrgbClr r="0" g="0" b="0"/>
+      </a:effectRef>
+      <a:fontRef idx="minor"/>
+    </dgm:style>
+  </dgm:styleLbl>
+  <dgm:styleLbl name="fgAcc1">
+    <dgm:scene3d>
+      <a:camera prst="orthographicFront"/>
+      <a:lightRig rig="threePt" dir="t"/>
+    </dgm:scene3d>
+    <dgm:sp3d/>
+    <dgm:txPr/>
+    <dgm:style>
+      <a:lnRef idx="2">
+        <a:scrgbClr r="0" g="0" b="0"/>
+      </a:lnRef>
+      <a:fillRef idx="1">
+        <a:scrgbClr r="0" g="0" b="0"/>
+      </a:fillRef>
+      <a:effectRef idx="0">
+        <a:scrgbClr r="0" g="0" b="0"/>
+      </a:effectRef>
+      <a:fontRef idx="minor"/>
+    </dgm:style>
+  </dgm:styleLbl>
+  <dgm:styleLbl name="conFgAcc1">
+    <dgm:scene3d>
+      <a:camera prst="orthographicFront"/>
+      <a:lightRig rig="threePt" dir="t"/>
+    </dgm:scene3d>
+    <dgm:sp3d/>
+    <dgm:txPr/>
+    <dgm:style>
+      <a:lnRef idx="2">
+        <a:scrgbClr r="0" g="0" b="0"/>
+      </a:lnRef>
+      <a:fillRef idx="1">
+        <a:scrgbClr r="0" g="0" b="0"/>
+      </a:fillRef>
+      <a:effectRef idx="0">
+        <a:scrgbClr r="0" g="0" b="0"/>
+      </a:effectRef>
+      <a:fontRef idx="minor"/>
+    </dgm:style>
+  </dgm:styleLbl>
+  <dgm:styleLbl name="alignAcc1">
+    <dgm:scene3d>
+      <a:camera prst="orthographicFront"/>
+      <a:lightRig rig="threePt" dir="t"/>
+    </dgm:scene3d>
+    <dgm:sp3d/>
+    <dgm:txPr/>
+    <dgm:style>
+      <a:lnRef idx="2">
+        <a:scrgbClr r="0" g="0" b="0"/>
+      </a:lnRef>
+      <a:fillRef idx="1">
+        <a:scrgbClr r="0" g="0" b="0"/>
+      </a:fillRef>
+      <a:effectRef idx="0">
+        <a:scrgbClr r="0" g="0" b="0"/>
+      </a:effectRef>
+      <a:fontRef idx="minor"/>
+    </dgm:style>
+  </dgm:styleLbl>
+  <dgm:styleLbl name="trAlignAcc1">
+    <dgm:scene3d>
+      <a:camera prst="orthographicFront"/>
+      <a:lightRig rig="threePt" dir="t"/>
+    </dgm:scene3d>
+    <dgm:sp3d/>
+    <dgm:txPr/>
+    <dgm:style>
+      <a:lnRef idx="1">
+        <a:scrgbClr r="0" g="0" b="0"/>
+      </a:lnRef>
+      <a:fillRef idx="1">
+        <a:scrgbClr r="0" g="0" b="0"/>
+      </a:fillRef>
+      <a:effectRef idx="0">
+        <a:scrgbClr r="0" g="0" b="0"/>
+      </a:effectRef>
+      <a:fontRef idx="minor"/>
+    </dgm:style>
+  </dgm:styleLbl>
+  <dgm:styleLbl name="bgAcc1">
+    <dgm:scene3d>
+      <a:camera prst="orthographicFront"/>
+      <a:lightRig rig="threePt" dir="t"/>
+    </dgm:scene3d>
+    <dgm:sp3d/>
+    <dgm:txPr/>
+    <dgm:style>
+      <a:lnRef idx="2">
+        <a:scrgbClr r="0" g="0" b="0"/>
+      </a:lnRef>
+      <a:fillRef idx="1">
+        <a:scrgbClr r="0" g="0" b="0"/>
+      </a:fillRef>
+      <a:effectRef idx="0">
+        <a:scrgbClr r="0" g="0" b="0"/>
+      </a:effectRef>
+      <a:fontRef idx="minor"/>
+    </dgm:style>
+  </dgm:styleLbl>
+  <dgm:styleLbl name="solidFgAcc1">
+    <dgm:scene3d>
+      <a:camera prst="orthographicFront"/>
+      <a:lightRig rig="threePt" dir="t"/>
+    </dgm:scene3d>
+    <dgm:sp3d/>
+    <dgm:txPr/>
+    <dgm:style>
+      <a:lnRef idx="2">
+        <a:scrgbClr r="0" g="0" b="0"/>
+      </a:lnRef>
+      <a:fillRef idx="1">
+        <a:scrgbClr r="0" g="0" b="0"/>
+      </a:fillRef>
+      <a:effectRef idx="0">
+        <a:scrgbClr r="0" g="0" b="0"/>
+      </a:effectRef>
+      <a:fontRef idx="minor"/>
+    </dgm:style>
+  </dgm:styleLbl>
+  <dgm:styleLbl name="solidAlignAcc1">
+    <dgm:scene3d>
+      <a:camera prst="orthographicFront"/>
+      <a:lightRig rig="threePt" dir="t"/>
+    </dgm:scene3d>
+    <dgm:sp3d/>
+    <dgm:txPr/>
+    <dgm:style>
+      <a:lnRef idx="2">
+        <a:scrgbClr r="0" g="0" b="0"/>
+      </a:lnRef>
+      <a:fillRef idx="1">
+        <a:scrgbClr r="0" g="0" b="0"/>
+      </a:fillRef>
+      <a:effectRef idx="0">
+        <a:scrgbClr r="0" g="0" b="0"/>
+      </a:effectRef>
+      <a:fontRef idx="minor"/>
+    </dgm:style>
+  </dgm:styleLbl>
+  <dgm:styleLbl name="solidBgAcc1">
+    <dgm:scene3d>
+      <a:camera prst="orthographicFront"/>
+      <a:lightRig rig="threePt" dir="t"/>
+    </dgm:scene3d>
+    <dgm:sp3d/>
+    <dgm:txPr/>
+    <dgm:style>
+      <a:lnRef idx="2">
+        <a:scrgbClr r="0" g="0" b="0"/>
+      </a:lnRef>
+      <a:fillRef idx="1">
+        <a:scrgbClr r="0" g="0" b="0"/>
+      </a:fillRef>
+      <a:effectRef idx="0">
+        <a:scrgbClr r="0" g="0" b="0"/>
+      </a:effectRef>
+      <a:fontRef idx="minor"/>
+    </dgm:style>
+  </dgm:styleLbl>
+  <dgm:styleLbl name="fgAccFollowNode1">
+    <dgm:scene3d>
+      <a:camera prst="orthographicFront"/>
+      <a:lightRig rig="threePt" dir="t"/>
+    </dgm:scene3d>
+    <dgm:sp3d/>
+    <dgm:txPr/>
+    <dgm:style>
+      <a:lnRef idx="2">
+        <a:scrgbClr r="0" g="0" b="0"/>
+      </a:lnRef>
+      <a:fillRef idx="1">
+        <a:scrgbClr r="0" g="0" b="0"/>
+      </a:fillRef>
+      <a:effectRef idx="0">
+        <a:scrgbClr r="0" g="0" b="0"/>
+      </a:effectRef>
+      <a:fontRef idx="minor"/>
+    </dgm:style>
+  </dgm:styleLbl>
+  <dgm:styleLbl name="alignAccFollowNode1">
+    <dgm:scene3d>
+      <a:camera prst="orthographicFront"/>
+      <a:lightRig rig="threePt" dir="t"/>
+    </dgm:scene3d>
+    <dgm:sp3d/>
+    <dgm:txPr/>
+    <dgm:style>
+      <a:lnRef idx="2">
+        <a:scrgbClr r="0" g="0" b="0"/>
+      </a:lnRef>
+      <a:fillRef idx="1">
+        <a:scrgbClr r="0" g="0" b="0"/>
+      </a:fillRef>
+      <a:effectRef idx="0">
+        <a:scrgbClr r="0" g="0" b="0"/>
+      </a:effectRef>
+      <a:fontRef idx="minor"/>
+    </dgm:style>
+  </dgm:styleLbl>
+  <dgm:styleLbl name="bgAccFollowNode1">
+    <dgm:scene3d>
+      <a:camera prst="orthographicFront"/>
+      <a:lightRig rig="threePt" dir="t"/>
+    </dgm:scene3d>
+    <dgm:sp3d/>
+    <dgm:txPr/>
+    <dgm:style>
+      <a:lnRef idx="2">
+        <a:scrgbClr r="0" g="0" b="0"/>
+      </a:lnRef>
+      <a:fillRef idx="1">
+        <a:scrgbClr r="0" g="0" b="0"/>
+      </a:fillRef>
+      <a:effectRef idx="0">
+        <a:scrgbClr r="0" g="0" b="0"/>
+      </a:effectRef>
+      <a:fontRef idx="minor"/>
+    </dgm:style>
+  </dgm:styleLbl>
+  <dgm:styleLbl name="fgAcc0">
+    <dgm:scene3d>
+      <a:camera prst="orthographicFront"/>
+      <a:lightRig rig="threePt" dir="t"/>
+    </dgm:scene3d>
+    <dgm:sp3d/>
+    <dgm:txPr/>
+    <dgm:style>
+      <a:lnRef idx="2">
+        <a:scrgbClr r="0" g="0" b="0"/>
+      </a:lnRef>
+      <a:fillRef idx="1">
+        <a:scrgbClr r="0" g="0" b="0"/>
+      </a:fillRef>
+      <a:effectRef idx="0">
+        <a:scrgbClr r="0" g="0" b="0"/>
+      </a:effectRef>
+      <a:fontRef idx="minor"/>
+    </dgm:style>
+  </dgm:styleLbl>
+  <dgm:styleLbl name="fgAcc2">
+    <dgm:scene3d>
+      <a:camera prst="orthographicFront"/>
+      <a:lightRig rig="threePt" dir="t"/>
+    </dgm:scene3d>
+    <dgm:sp3d/>
+    <dgm:txPr/>
+    <dgm:style>
+      <a:lnRef idx="2">
+        <a:scrgbClr r="0" g="0" b="0"/>
+      </a:lnRef>
+      <a:fillRef idx="1">
+        <a:scrgbClr r="0" g="0" b="0"/>
+      </a:fillRef>
+      <a:effectRef idx="0">
+        <a:scrgbClr r="0" g="0" b="0"/>
+      </a:effectRef>
+      <a:fontRef idx="minor"/>
+    </dgm:style>
+  </dgm:styleLbl>
+  <dgm:styleLbl name="fgAcc3">
+    <dgm:scene3d>
+      <a:camera prst="orthographicFront"/>
+      <a:lightRig rig="threePt" dir="t"/>
+    </dgm:scene3d>
+    <dgm:sp3d/>
+    <dgm:txPr/>
+    <dgm:style>
+      <a:lnRef idx="2">
+        <a:scrgbClr r="0" g="0" b="0"/>
+      </a:lnRef>
+      <a:fillRef idx="1">
+        <a:scrgbClr r="0" g="0" b="0"/>
+      </a:fillRef>
+      <a:effectRef idx="0">
+        <a:scrgbClr r="0" g="0" b="0"/>
+      </a:effectRef>
+      <a:fontRef idx="minor"/>
+    </dgm:style>
+  </dgm:styleLbl>
+  <dgm:styleLbl name="fgAcc4">
+    <dgm:scene3d>
+      <a:camera prst="orthographicFront"/>
+      <a:lightRig rig="threePt" dir="t"/>
+    </dgm:scene3d>
+    <dgm:sp3d/>
+    <dgm:txPr/>
+    <dgm:style>
+      <a:lnRef idx="2">
+        <a:scrgbClr r="0" g="0" b="0"/>
+      </a:lnRef>
+      <a:fillRef idx="1">
+        <a:scrgbClr r="0" g="0" b="0"/>
+      </a:fillRef>
+      <a:effectRef idx="0">
+        <a:scrgbClr r="0" g="0" b="0"/>
+      </a:effectRef>
+      <a:fontRef idx="minor"/>
+    </dgm:style>
+  </dgm:styleLbl>
+  <dgm:styleLbl name="bgShp">
+    <dgm:scene3d>
+      <a:camera prst="orthographicFront"/>
+      <a:lightRig rig="threePt" dir="t"/>
+    </dgm:scene3d>
+    <dgm:sp3d/>
+    <dgm:txPr/>
+    <dgm:style>
+      <a:lnRef idx="0">
+        <a:scrgbClr r="0" g="0" b="0"/>
+      </a:lnRef>
+      <a:fillRef idx="1">
+        <a:scrgbClr r="0" g="0" b="0"/>
+      </a:fillRef>
+      <a:effectRef idx="0">
+        <a:scrgbClr r="0" g="0" b="0"/>
+      </a:effectRef>
+      <a:fontRef idx="minor"/>
+    </dgm:style>
+  </dgm:styleLbl>
+  <dgm:styleLbl name="dkBgShp">
+    <dgm:scene3d>
+      <a:camera prst="orthographicFront"/>
+      <a:lightRig rig="threePt" dir="t"/>
+    </dgm:scene3d>
+    <dgm:sp3d/>
+    <dgm:txPr/>
+    <dgm:style>
+      <a:lnRef idx="0">
+        <a:scrgbClr r="0" g="0" b="0"/>
+      </a:lnRef>
+      <a:fillRef idx="1">
+        <a:scrgbClr r="0" g="0" b="0"/>
+      </a:fillRef>
+      <a:effectRef idx="0">
+        <a:scrgbClr r="0" g="0" b="0"/>
+      </a:effectRef>
+      <a:fontRef idx="minor"/>
+    </dgm:style>
+  </dgm:styleLbl>
+  <dgm:styleLbl name="trBgShp">
+    <dgm:scene3d>
+      <a:camera prst="orthographicFront"/>
+      <a:lightRig rig="threePt" dir="t"/>
+    </dgm:scene3d>
+    <dgm:sp3d/>
+    <dgm:txPr/>
+    <dgm:style>
+      <a:lnRef idx="0">
+        <a:scrgbClr r="0" g="0" b="0"/>
+      </a:lnRef>
+      <a:fillRef idx="1">
+        <a:scrgbClr r="0" g="0" b="0"/>
+      </a:fillRef>
+      <a:effectRef idx="0">
+        <a:scrgbClr r="0" g="0" b="0"/>
+      </a:effectRef>
+      <a:fontRef idx="minor"/>
+    </dgm:style>
+  </dgm:styleLbl>
+  <dgm:styleLbl name="fgShp">
+    <dgm:scene3d>
+      <a:camera prst="orthographicFront"/>
+      <a:lightRig rig="threePt" dir="t"/>
+    </dgm:scene3d>
+    <dgm:sp3d/>
+    <dgm:txPr/>
+    <dgm:style>
+      <a:lnRef idx="2">
+        <a:scrgbClr r="0" g="0" b="0"/>
+      </a:lnRef>
+      <a:fillRef idx="1">
+        <a:scrgbClr r="0" g="0" b="0"/>
+      </a:fillRef>
+      <a:effectRef idx="0">
+        <a:scrgbClr r="0" g="0" b="0"/>
+      </a:effectRef>
+      <a:fontRef idx="minor"/>
+    </dgm:style>
+  </dgm:styleLbl>
+  <dgm:styleLbl name="revTx">
+    <dgm:scene3d>
+      <a:camera prst="orthographicFront"/>
+      <a:lightRig rig="threePt" dir="t"/>
+    </dgm:scene3d>
+    <dgm:sp3d/>
+    <dgm:txPr/>
+    <dgm:style>
+      <a:lnRef idx="0">
+        <a:scrgbClr r="0" g="0" b="0"/>
+      </a:lnRef>
+      <a:fillRef idx="0">
+        <a:scrgbClr r="0" g="0" b="0"/>
+      </a:fillRef>
+      <a:effectRef idx="0">
+        <a:scrgbClr r="0" g="0" b="0"/>
+      </a:effectRef>
+      <a:fontRef idx="minor"/>
+    </dgm:style>
+  </dgm:styleLbl>
+</dgm:styleDef>
+</file>
+
 <file path=ppt/slideLayouts/slideLayout1.xml><?xml version="1.0" encoding="utf-8"?>
 <p:sldLayout xmlns:a="http://schemas.openxmlformats.org/drawingml/2006/main" xmlns:r="http://schemas.openxmlformats.org/officeDocument/2006/relationships" xmlns:p="http://schemas.openxmlformats.org/presentationml/2006/main" type="title" preserve="1">
   <p:cSld name="Title Slide">
@@ -728,7 +6071,7 @@
           <a:p>
             <a:fld id="{4EA67876-4BEF-4756-B852-AA1752465AAE}" type="datetimeFigureOut">
               <a:rPr lang="he-IL" smtClean="0"/>
-              <a:t>י"ב/תמוז/תשפ"א</a:t>
+              <a:t>ט"ו/תמוז/תשפ"א</a:t>
             </a:fld>
             <a:endParaRPr lang="he-IL"/>
           </a:p>
@@ -928,7 +6271,7 @@
           <a:p>
             <a:fld id="{4EA67876-4BEF-4756-B852-AA1752465AAE}" type="datetimeFigureOut">
               <a:rPr lang="he-IL" smtClean="0"/>
-              <a:t>י"ב/תמוז/תשפ"א</a:t>
+              <a:t>ט"ו/תמוז/תשפ"א</a:t>
             </a:fld>
             <a:endParaRPr lang="he-IL"/>
           </a:p>
@@ -1138,7 +6481,7 @@
           <a:p>
             <a:fld id="{4EA67876-4BEF-4756-B852-AA1752465AAE}" type="datetimeFigureOut">
               <a:rPr lang="he-IL" smtClean="0"/>
-              <a:t>י"ב/תמוז/תשפ"א</a:t>
+              <a:t>ט"ו/תמוז/תשפ"א</a:t>
             </a:fld>
             <a:endParaRPr lang="he-IL"/>
           </a:p>
@@ -1338,7 +6681,7 @@
           <a:p>
             <a:fld id="{4EA67876-4BEF-4756-B852-AA1752465AAE}" type="datetimeFigureOut">
               <a:rPr lang="he-IL" smtClean="0"/>
-              <a:t>י"ב/תמוז/תשפ"א</a:t>
+              <a:t>ט"ו/תמוז/תשפ"א</a:t>
             </a:fld>
             <a:endParaRPr lang="he-IL"/>
           </a:p>
@@ -1614,7 +6957,7 @@
           <a:p>
             <a:fld id="{4EA67876-4BEF-4756-B852-AA1752465AAE}" type="datetimeFigureOut">
               <a:rPr lang="he-IL" smtClean="0"/>
-              <a:t>י"ב/תמוז/תשפ"א</a:t>
+              <a:t>ט"ו/תמוז/תשפ"א</a:t>
             </a:fld>
             <a:endParaRPr lang="he-IL"/>
           </a:p>
@@ -1882,7 +7225,7 @@
           <a:p>
             <a:fld id="{4EA67876-4BEF-4756-B852-AA1752465AAE}" type="datetimeFigureOut">
               <a:rPr lang="he-IL" smtClean="0"/>
-              <a:t>י"ב/תמוז/תשפ"א</a:t>
+              <a:t>ט"ו/תמוז/תשפ"א</a:t>
             </a:fld>
             <a:endParaRPr lang="he-IL"/>
           </a:p>
@@ -2297,7 +7640,7 @@
           <a:p>
             <a:fld id="{4EA67876-4BEF-4756-B852-AA1752465AAE}" type="datetimeFigureOut">
               <a:rPr lang="he-IL" smtClean="0"/>
-              <a:t>י"ב/תמוז/תשפ"א</a:t>
+              <a:t>ט"ו/תמוז/תשפ"א</a:t>
             </a:fld>
             <a:endParaRPr lang="he-IL"/>
           </a:p>
@@ -2439,7 +7782,7 @@
           <a:p>
             <a:fld id="{4EA67876-4BEF-4756-B852-AA1752465AAE}" type="datetimeFigureOut">
               <a:rPr lang="he-IL" smtClean="0"/>
-              <a:t>י"ב/תמוז/תשפ"א</a:t>
+              <a:t>ט"ו/תמוז/תשפ"א</a:t>
             </a:fld>
             <a:endParaRPr lang="he-IL"/>
           </a:p>
@@ -2552,7 +7895,7 @@
           <a:p>
             <a:fld id="{4EA67876-4BEF-4756-B852-AA1752465AAE}" type="datetimeFigureOut">
               <a:rPr lang="he-IL" smtClean="0"/>
-              <a:t>י"ב/תמוז/תשפ"א</a:t>
+              <a:t>ט"ו/תמוז/תשפ"א</a:t>
             </a:fld>
             <a:endParaRPr lang="he-IL"/>
           </a:p>
@@ -2865,7 +8208,7 @@
           <a:p>
             <a:fld id="{4EA67876-4BEF-4756-B852-AA1752465AAE}" type="datetimeFigureOut">
               <a:rPr lang="he-IL" smtClean="0"/>
-              <a:t>י"ב/תמוז/תשפ"א</a:t>
+              <a:t>ט"ו/תמוז/תשפ"א</a:t>
             </a:fld>
             <a:endParaRPr lang="he-IL"/>
           </a:p>
@@ -3154,7 +8497,7 @@
           <a:p>
             <a:fld id="{4EA67876-4BEF-4756-B852-AA1752465AAE}" type="datetimeFigureOut">
               <a:rPr lang="he-IL" smtClean="0"/>
-              <a:t>י"ב/תמוז/תשפ"א</a:t>
+              <a:t>ט"ו/תמוז/תשפ"א</a:t>
             </a:fld>
             <a:endParaRPr lang="he-IL"/>
           </a:p>
@@ -3397,7 +8740,7 @@
           <a:p>
             <a:fld id="{4EA67876-4BEF-4756-B852-AA1752465AAE}" type="datetimeFigureOut">
               <a:rPr lang="he-IL" smtClean="0"/>
-              <a:t>י"ב/תמוז/תשפ"א</a:t>
+              <a:t>ט"ו/תמוז/תשפ"א</a:t>
             </a:fld>
             <a:endParaRPr lang="he-IL"/>
           </a:p>
@@ -3822,6 +9165,66 @@
           <a:chExt cx="0" cy="0"/>
         </a:xfrm>
       </p:grpSpPr>
+      <p:sp useBgFill="1">
+        <p:nvSpPr>
+          <p:cNvPr id="9" name="Rectangle 8">
+            <a:extLst>
+              <a:ext uri="{FF2B5EF4-FFF2-40B4-BE49-F238E27FC236}">
+                <a16:creationId xmlns:a16="http://schemas.microsoft.com/office/drawing/2014/main" id="{7D9D36D6-2AC5-46A1-A849-4C82D5264A3A}"/>
+              </a:ext>
+              <a:ext uri="{C183D7F6-B498-43B3-948B-1728B52AA6E4}">
+                <adec:decorative xmlns:adec="http://schemas.microsoft.com/office/drawing/2017/decorative" val="1"/>
+              </a:ext>
+            </a:extLst>
+          </p:cNvPr>
+          <p:cNvSpPr>
+            <a:spLocks noGrp="1" noRot="1" noChangeAspect="1" noMove="1" noResize="1" noEditPoints="1" noAdjustHandles="1" noChangeArrowheads="1" noChangeShapeType="1" noTextEdit="1"/>
+          </p:cNvSpPr>
+          <p:nvPr>
+            <p:extLst>
+              <p:ext uri="{386F3935-93C4-4BCD-93E2-E3B085C9AB24}">
+                <p16:designElem xmlns:p16="http://schemas.microsoft.com/office/powerpoint/2015/main" val="1"/>
+              </p:ext>
+            </p:extLst>
+          </p:nvPr>
+        </p:nvSpPr>
+        <p:spPr>
+          <a:xfrm>
+            <a:off x="-1" y="0"/>
+            <a:ext cx="12188952" cy="6858000"/>
+          </a:xfrm>
+          <a:prstGeom prst="rect">
+            <a:avLst/>
+          </a:prstGeom>
+          <a:ln>
+            <a:noFill/>
+          </a:ln>
+        </p:spPr>
+        <p:style>
+          <a:lnRef idx="2">
+            <a:schemeClr val="accent1">
+              <a:shade val="50000"/>
+            </a:schemeClr>
+          </a:lnRef>
+          <a:fillRef idx="1">
+            <a:schemeClr val="accent1"/>
+          </a:fillRef>
+          <a:effectRef idx="0">
+            <a:schemeClr val="accent1"/>
+          </a:effectRef>
+          <a:fontRef idx="minor">
+            <a:schemeClr val="lt1"/>
+          </a:fontRef>
+        </p:style>
+        <p:txBody>
+          <a:bodyPr rtlCol="0" anchor="ctr"/>
+          <a:lstStyle/>
+          <a:p>
+            <a:pPr algn="ctr"/>
+            <a:endParaRPr lang="en-US" dirty="0"/>
+          </a:p>
+        </p:txBody>
+      </p:sp>
       <p:sp>
         <p:nvSpPr>
           <p:cNvPr id="2" name="Title 1">
@@ -3838,23 +9241,32 @@
             <p:ph type="ctrTitle"/>
           </p:nvPr>
         </p:nvSpPr>
-        <p:spPr/>
+        <p:spPr>
+          <a:xfrm>
+            <a:off x="5133408" y="-3"/>
+            <a:ext cx="6441934" cy="3343135"/>
+          </a:xfrm>
+          <a:noFill/>
+        </p:spPr>
         <p:txBody>
-          <a:bodyPr/>
+          <a:bodyPr>
+            <a:normAutofit/>
+          </a:bodyPr>
           <a:lstStyle/>
           <a:p>
-            <a:r>
-              <a:rPr lang="en-US" dirty="0"/>
+            <a:pPr algn="l"/>
+            <a:r>
+              <a:rPr lang="en-US" sz="5200" b="1" dirty="0"/>
               <a:t>Base Coin 2.0:</a:t>
             </a:r>
             <a:br>
-              <a:rPr lang="en-US" dirty="0"/>
+              <a:rPr lang="en-US" sz="5200" b="1" dirty="0"/>
             </a:br>
             <a:r>
-              <a:rPr lang="en-US" dirty="0"/>
+              <a:rPr lang="en-US" sz="5200" b="1" dirty="0"/>
               <a:t>Algorithmic Stable Coin</a:t>
             </a:r>
-            <a:endParaRPr lang="he-IL" dirty="0"/>
+            <a:endParaRPr lang="he-IL" sz="5200" b="1" dirty="0"/>
           </a:p>
         </p:txBody>
       </p:sp>
@@ -3874,33 +9286,74 @@
             <p:ph type="subTitle" idx="1"/>
           </p:nvPr>
         </p:nvSpPr>
-        <p:spPr/>
+        <p:spPr>
+          <a:xfrm>
+            <a:off x="5354954" y="4067032"/>
+            <a:ext cx="6611267" cy="2067068"/>
+          </a:xfrm>
+          <a:noFill/>
+        </p:spPr>
         <p:txBody>
-          <a:bodyPr/>
+          <a:bodyPr>
+            <a:normAutofit/>
+          </a:bodyPr>
           <a:lstStyle/>
           <a:p>
+            <a:pPr algn="l"/>
             <a:r>
               <a:rPr lang="en-US" dirty="0"/>
               <a:t>Presenters: Tomer Afek, Uri Gadot</a:t>
             </a:r>
           </a:p>
           <a:p>
+            <a:pPr algn="l"/>
             <a:r>
               <a:rPr lang="en-US" dirty="0"/>
               <a:t>Course: 048888 - Blockchains and Cryptocurrencies </a:t>
             </a:r>
           </a:p>
           <a:p>
+            <a:pPr algn="l"/>
             <a:r>
               <a:rPr lang="en-US" dirty="0"/>
               <a:t>Date: 29/06/2021</a:t>
             </a:r>
           </a:p>
           <a:p>
+            <a:pPr algn="l"/>
             <a:endParaRPr lang="he-IL" dirty="0"/>
           </a:p>
         </p:txBody>
       </p:sp>
+      <p:pic>
+        <p:nvPicPr>
+          <p:cNvPr id="5" name="Picture 4" descr="Stock exchange numbers">
+            <a:extLst>
+              <a:ext uri="{FF2B5EF4-FFF2-40B4-BE49-F238E27FC236}">
+                <a16:creationId xmlns:a16="http://schemas.microsoft.com/office/drawing/2014/main" id="{88647140-E028-4629-B6D9-9DAAAA65E819}"/>
+              </a:ext>
+            </a:extLst>
+          </p:cNvPr>
+          <p:cNvPicPr>
+            <a:picLocks noChangeAspect="1"/>
+          </p:cNvPicPr>
+          <p:nvPr/>
+        </p:nvPicPr>
+        <p:blipFill rotWithShape="1">
+          <a:blip r:embed="rId2"/>
+          <a:srcRect l="26442" r="24960" b="-1"/>
+          <a:stretch/>
+        </p:blipFill>
+        <p:spPr>
+          <a:xfrm>
+            <a:off x="20" y="10"/>
+            <a:ext cx="4992985" cy="6857990"/>
+          </a:xfrm>
+          <a:prstGeom prst="rect">
+            <a:avLst/>
+          </a:prstGeom>
+        </p:spPr>
+      </p:pic>
     </p:spTree>
     <p:extLst>
       <p:ext uri="{BB962C8B-B14F-4D97-AF65-F5344CB8AC3E}">
@@ -3933,35 +9386,6 @@
       </p:grpSpPr>
       <p:sp>
         <p:nvSpPr>
-          <p:cNvPr id="2" name="Title 1">
-            <a:extLst>
-              <a:ext uri="{FF2B5EF4-FFF2-40B4-BE49-F238E27FC236}">
-                <a16:creationId xmlns:a16="http://schemas.microsoft.com/office/drawing/2014/main" id="{5B8AF77E-B33D-4529-8B87-F8D6175E229F}"/>
-              </a:ext>
-            </a:extLst>
-          </p:cNvPr>
-          <p:cNvSpPr>
-            <a:spLocks noGrp="1"/>
-          </p:cNvSpPr>
-          <p:nvPr>
-            <p:ph type="title"/>
-          </p:nvPr>
-        </p:nvSpPr>
-        <p:spPr/>
-        <p:txBody>
-          <a:bodyPr/>
-          <a:lstStyle/>
-          <a:p>
-            <a:r>
-              <a:rPr lang="en-US" dirty="0"/>
-              <a:t>Problems we encountered </a:t>
-            </a:r>
-            <a:endParaRPr lang="he-IL" dirty="0"/>
-          </a:p>
-        </p:txBody>
-      </p:sp>
-      <p:sp>
-        <p:nvSpPr>
           <p:cNvPr id="3" name="Content Placeholder 2">
             <a:extLst>
               <a:ext uri="{FF2B5EF4-FFF2-40B4-BE49-F238E27FC236}">
@@ -3976,66 +9400,79 @@
             <p:ph idx="1"/>
           </p:nvPr>
         </p:nvSpPr>
-        <p:spPr/>
+        <p:spPr>
+          <a:xfrm>
+            <a:off x="838200" y="1783994"/>
+            <a:ext cx="10515600" cy="4486275"/>
+          </a:xfrm>
+        </p:spPr>
         <p:txBody>
           <a:bodyPr>
-            <a:normAutofit fontScale="92500"/>
+            <a:normAutofit lnSpcReduction="10000"/>
           </a:bodyPr>
           <a:lstStyle/>
           <a:p>
             <a:r>
-              <a:rPr lang="en-US" dirty="0"/>
+              <a:rPr lang="en-US" sz="2400" dirty="0"/>
               <a:t>Setting-up the Ethereum local test-net (using Truffle + Ganache)</a:t>
             </a:r>
           </a:p>
           <a:p>
             <a:pPr lvl="1"/>
             <a:r>
-              <a:rPr lang="en-US" dirty="0"/>
+              <a:rPr lang="en-US" sz="2000" dirty="0"/>
               <a:t>We started this project with no prior technical knowledge</a:t>
             </a:r>
           </a:p>
           <a:p>
             <a:pPr lvl="1"/>
             <a:r>
-              <a:rPr lang="en-US" dirty="0"/>
+              <a:rPr lang="en-US" sz="2000" dirty="0"/>
               <a:t>Slow learning curve</a:t>
             </a:r>
-          </a:p>
-          <a:p>
-            <a:r>
-              <a:rPr lang="en-US" dirty="0"/>
+            <a:br>
+              <a:rPr lang="en-US" sz="2000" dirty="0"/>
+            </a:br>
+            <a:endParaRPr lang="en-US" sz="2000" dirty="0"/>
+          </a:p>
+          <a:p>
+            <a:r>
+              <a:rPr lang="en-US" sz="2400" dirty="0"/>
               <a:t>Debugging the smart contracts</a:t>
             </a:r>
           </a:p>
           <a:p>
             <a:pPr lvl="1"/>
             <a:r>
-              <a:rPr lang="en-US" dirty="0"/>
+              <a:rPr lang="en-US" sz="2000" dirty="0"/>
               <a:t>No option for a debugger or to print stuff</a:t>
             </a:r>
-          </a:p>
-          <a:p>
-            <a:r>
-              <a:rPr lang="en-US" dirty="0"/>
+            <a:br>
+              <a:rPr lang="en-US" sz="2000" dirty="0"/>
+            </a:br>
+            <a:endParaRPr lang="en-US" sz="2000" dirty="0"/>
+          </a:p>
+          <a:p>
+            <a:r>
+              <a:rPr lang="en-US" sz="2400" dirty="0"/>
               <a:t>Oracle is very complicated to implement</a:t>
             </a:r>
           </a:p>
           <a:p>
             <a:pPr lvl="1"/>
             <a:r>
-              <a:rPr lang="en-US" dirty="0"/>
+              <a:rPr lang="en-US" sz="2000" dirty="0"/>
               <a:t>Tried to use a known Ethereum API to perform HTTP query from our smart contract</a:t>
             </a:r>
           </a:p>
           <a:p>
             <a:pPr lvl="1"/>
             <a:r>
-              <a:rPr lang="en-US" dirty="0"/>
+              <a:rPr lang="en-US" sz="2000" dirty="0"/>
               <a:t>This API works only on the main-net </a:t>
             </a:r>
             <a:r>
-              <a:rPr lang="en-US" dirty="0">
+              <a:rPr lang="en-US" sz="2000" dirty="0">
                 <a:sym typeface="Wingdings" panose="05000000000000000000" pitchFamily="2" charset="2"/>
               </a:rPr>
               <a:t> couldn’t use it</a:t>
@@ -4044,7 +9481,7 @@
           <a:p>
             <a:pPr lvl="1"/>
             <a:r>
-              <a:rPr lang="en-US" dirty="0">
+              <a:rPr lang="en-US" sz="2000" dirty="0">
                 <a:sym typeface="Wingdings" panose="05000000000000000000" pitchFamily="2" charset="2"/>
               </a:rPr>
               <a:t>Instead, used two alternatives:</a:t>
@@ -4056,7 +9493,7 @@
               <a:buAutoNum type="arabicPeriod"/>
             </a:pPr>
             <a:r>
-              <a:rPr lang="en-US" dirty="0">
+              <a:rPr lang="en-US" sz="1800" dirty="0">
                 <a:sym typeface="Wingdings" panose="05000000000000000000" pitchFamily="2" charset="2"/>
               </a:rPr>
               <a:t>Perform HTTP query on JavaScript and then transfer the data to the Oracle contract</a:t>
@@ -4068,7 +9505,7 @@
               <a:buAutoNum type="arabicPeriod"/>
             </a:pPr>
             <a:r>
-              <a:rPr lang="en-US" dirty="0"/>
+              <a:rPr lang="en-US" sz="1800" dirty="0"/>
               <a:t>Insert our own values through the command line</a:t>
             </a:r>
           </a:p>
@@ -4077,6 +9514,174 @@
           </a:p>
         </p:txBody>
       </p:sp>
+      <p:grpSp>
+        <p:nvGrpSpPr>
+          <p:cNvPr id="17" name="Group 16">
+            <a:extLst>
+              <a:ext uri="{FF2B5EF4-FFF2-40B4-BE49-F238E27FC236}">
+                <a16:creationId xmlns:a16="http://schemas.microsoft.com/office/drawing/2014/main" id="{129FF40C-0278-4D57-854A-252027CCD879}"/>
+              </a:ext>
+            </a:extLst>
+          </p:cNvPr>
+          <p:cNvGrpSpPr/>
+          <p:nvPr/>
+        </p:nvGrpSpPr>
+        <p:grpSpPr>
+          <a:xfrm>
+            <a:off x="654894" y="451716"/>
+            <a:ext cx="7308376" cy="1026281"/>
+            <a:chOff x="525780" y="63233"/>
+            <a:chExt cx="7360920" cy="767520"/>
+          </a:xfrm>
+        </p:grpSpPr>
+        <p:sp>
+          <p:nvSpPr>
+            <p:cNvPr id="18" name="Rectangle: Rounded Corners 17">
+              <a:extLst>
+                <a:ext uri="{FF2B5EF4-FFF2-40B4-BE49-F238E27FC236}">
+                  <a16:creationId xmlns:a16="http://schemas.microsoft.com/office/drawing/2014/main" id="{832F5F28-F5C5-4907-932F-FAA730699C84}"/>
+                </a:ext>
+              </a:extLst>
+            </p:cNvPr>
+            <p:cNvSpPr/>
+            <p:nvPr/>
+          </p:nvSpPr>
+          <p:spPr>
+            <a:xfrm>
+              <a:off x="525780" y="63233"/>
+              <a:ext cx="7360920" cy="767520"/>
+            </a:xfrm>
+            <a:prstGeom prst="roundRect">
+              <a:avLst/>
+            </a:prstGeom>
+          </p:spPr>
+          <p:style>
+            <a:lnRef idx="2">
+              <a:schemeClr val="lt1">
+                <a:hueOff val="0"/>
+                <a:satOff val="0"/>
+                <a:lumOff val="0"/>
+                <a:alphaOff val="0"/>
+              </a:schemeClr>
+            </a:lnRef>
+            <a:fillRef idx="1">
+              <a:schemeClr val="accent1">
+                <a:hueOff val="0"/>
+                <a:satOff val="0"/>
+                <a:lumOff val="0"/>
+                <a:alphaOff val="0"/>
+              </a:schemeClr>
+            </a:fillRef>
+            <a:effectRef idx="0">
+              <a:schemeClr val="accent1">
+                <a:hueOff val="0"/>
+                <a:satOff val="0"/>
+                <a:lumOff val="0"/>
+                <a:alphaOff val="0"/>
+              </a:schemeClr>
+            </a:effectRef>
+            <a:fontRef idx="minor">
+              <a:schemeClr val="lt1"/>
+            </a:fontRef>
+          </p:style>
+        </p:sp>
+        <p:sp>
+          <p:nvSpPr>
+            <p:cNvPr id="19" name="Rectangle: Rounded Corners 4">
+              <a:extLst>
+                <a:ext uri="{FF2B5EF4-FFF2-40B4-BE49-F238E27FC236}">
+                  <a16:creationId xmlns:a16="http://schemas.microsoft.com/office/drawing/2014/main" id="{E7CEC9ED-EB14-4588-9AB6-666D87A975B7}"/>
+                </a:ext>
+              </a:extLst>
+            </p:cNvPr>
+            <p:cNvSpPr txBox="1"/>
+            <p:nvPr/>
+          </p:nvSpPr>
+          <p:spPr>
+            <a:xfrm>
+              <a:off x="563247" y="100700"/>
+              <a:ext cx="7285986" cy="692586"/>
+            </a:xfrm>
+            <a:prstGeom prst="rect">
+              <a:avLst/>
+            </a:prstGeom>
+          </p:spPr>
+          <p:style>
+            <a:lnRef idx="0">
+              <a:scrgbClr r="0" g="0" b="0"/>
+            </a:lnRef>
+            <a:fillRef idx="0">
+              <a:scrgbClr r="0" g="0" b="0"/>
+            </a:fillRef>
+            <a:effectRef idx="0">
+              <a:scrgbClr r="0" g="0" b="0"/>
+            </a:effectRef>
+            <a:fontRef idx="minor">
+              <a:schemeClr val="lt1"/>
+            </a:fontRef>
+          </p:style>
+          <p:txBody>
+            <a:bodyPr spcFirstLastPara="0" vert="horz" wrap="square" lIns="278225" tIns="0" rIns="278225" bIns="0" numCol="1" spcCol="1270" anchor="ctr" anchorCtr="0">
+              <a:noAutofit/>
+            </a:bodyPr>
+            <a:lstStyle/>
+            <a:p>
+              <a:pPr marL="0" lvl="0" indent="0" algn="l" defTabSz="1155700">
+                <a:lnSpc>
+                  <a:spcPct val="90000"/>
+                </a:lnSpc>
+                <a:spcBef>
+                  <a:spcPct val="0"/>
+                </a:spcBef>
+                <a:spcAft>
+                  <a:spcPct val="35000"/>
+                </a:spcAft>
+                <a:buNone/>
+              </a:pPr>
+              <a:r>
+                <a:rPr lang="en-US" sz="4800" dirty="0"/>
+                <a:t>Problems we encountered </a:t>
+              </a:r>
+              <a:endParaRPr lang="en-US" sz="300" kern="1200" dirty="0"/>
+            </a:p>
+          </p:txBody>
+        </p:sp>
+      </p:grpSp>
+      <p:pic>
+        <p:nvPicPr>
+          <p:cNvPr id="11" name="Picture 10" descr="Question mark on green pastel background">
+            <a:extLst>
+              <a:ext uri="{FF2B5EF4-FFF2-40B4-BE49-F238E27FC236}">
+                <a16:creationId xmlns:a16="http://schemas.microsoft.com/office/drawing/2014/main" id="{F3BB80FD-C833-4425-89CD-0B43D46D11FA}"/>
+              </a:ext>
+            </a:extLst>
+          </p:cNvPr>
+          <p:cNvPicPr>
+            <a:picLocks noChangeAspect="1"/>
+          </p:cNvPicPr>
+          <p:nvPr/>
+        </p:nvPicPr>
+        <p:blipFill rotWithShape="1">
+          <a:blip r:embed="rId2">
+            <a:extLst>
+              <a:ext uri="{28A0092B-C50C-407E-A947-70E740481C1C}">
+                <a14:useLocalDpi xmlns:a14="http://schemas.microsoft.com/office/drawing/2010/main" val="0"/>
+              </a:ext>
+            </a:extLst>
+          </a:blip>
+          <a:srcRect l="38776"/>
+          <a:stretch/>
+        </p:blipFill>
+        <p:spPr>
+          <a:xfrm>
+            <a:off x="9755819" y="289632"/>
+            <a:ext cx="1597981" cy="1957526"/>
+          </a:xfrm>
+          <a:prstGeom prst="rect">
+            <a:avLst/>
+          </a:prstGeom>
+        </p:spPr>
+      </p:pic>
     </p:spTree>
     <p:extLst>
       <p:ext uri="{BB962C8B-B14F-4D97-AF65-F5344CB8AC3E}">
@@ -4109,35 +9714,6 @@
       </p:grpSpPr>
       <p:sp>
         <p:nvSpPr>
-          <p:cNvPr id="2" name="Title 1">
-            <a:extLst>
-              <a:ext uri="{FF2B5EF4-FFF2-40B4-BE49-F238E27FC236}">
-                <a16:creationId xmlns:a16="http://schemas.microsoft.com/office/drawing/2014/main" id="{5B8AF77E-B33D-4529-8B87-F8D6175E229F}"/>
-              </a:ext>
-            </a:extLst>
-          </p:cNvPr>
-          <p:cNvSpPr>
-            <a:spLocks noGrp="1"/>
-          </p:cNvSpPr>
-          <p:nvPr>
-            <p:ph type="title"/>
-          </p:nvPr>
-        </p:nvSpPr>
-        <p:spPr/>
-        <p:txBody>
-          <a:bodyPr/>
-          <a:lstStyle/>
-          <a:p>
-            <a:r>
-              <a:rPr lang="en-US" dirty="0"/>
-              <a:t>Future Work</a:t>
-            </a:r>
-            <a:endParaRPr lang="he-IL" dirty="0"/>
-          </a:p>
-        </p:txBody>
-      </p:sp>
-      <p:sp>
-        <p:nvSpPr>
           <p:cNvPr id="3" name="Content Placeholder 2">
             <a:extLst>
               <a:ext uri="{FF2B5EF4-FFF2-40B4-BE49-F238E27FC236}">
@@ -4211,6 +9787,139 @@
           </a:p>
         </p:txBody>
       </p:sp>
+      <p:grpSp>
+        <p:nvGrpSpPr>
+          <p:cNvPr id="4" name="Group 3">
+            <a:extLst>
+              <a:ext uri="{FF2B5EF4-FFF2-40B4-BE49-F238E27FC236}">
+                <a16:creationId xmlns:a16="http://schemas.microsoft.com/office/drawing/2014/main" id="{C04A9391-AA25-44FE-B558-219814871192}"/>
+              </a:ext>
+            </a:extLst>
+          </p:cNvPr>
+          <p:cNvGrpSpPr/>
+          <p:nvPr/>
+        </p:nvGrpSpPr>
+        <p:grpSpPr>
+          <a:xfrm>
+            <a:off x="761426" y="460594"/>
+            <a:ext cx="4005883" cy="1026281"/>
+            <a:chOff x="525780" y="63233"/>
+            <a:chExt cx="7360920" cy="767520"/>
+          </a:xfrm>
+        </p:grpSpPr>
+        <p:sp>
+          <p:nvSpPr>
+            <p:cNvPr id="5" name="Rectangle: Rounded Corners 4">
+              <a:extLst>
+                <a:ext uri="{FF2B5EF4-FFF2-40B4-BE49-F238E27FC236}">
+                  <a16:creationId xmlns:a16="http://schemas.microsoft.com/office/drawing/2014/main" id="{C1A49F6F-B826-497A-88E5-BBA781647517}"/>
+                </a:ext>
+              </a:extLst>
+            </p:cNvPr>
+            <p:cNvSpPr/>
+            <p:nvPr/>
+          </p:nvSpPr>
+          <p:spPr>
+            <a:xfrm>
+              <a:off x="525780" y="63233"/>
+              <a:ext cx="7360920" cy="767520"/>
+            </a:xfrm>
+            <a:prstGeom prst="roundRect">
+              <a:avLst/>
+            </a:prstGeom>
+          </p:spPr>
+          <p:style>
+            <a:lnRef idx="2">
+              <a:schemeClr val="lt1">
+                <a:hueOff val="0"/>
+                <a:satOff val="0"/>
+                <a:lumOff val="0"/>
+                <a:alphaOff val="0"/>
+              </a:schemeClr>
+            </a:lnRef>
+            <a:fillRef idx="1">
+              <a:schemeClr val="accent1">
+                <a:hueOff val="0"/>
+                <a:satOff val="0"/>
+                <a:lumOff val="0"/>
+                <a:alphaOff val="0"/>
+              </a:schemeClr>
+            </a:fillRef>
+            <a:effectRef idx="0">
+              <a:schemeClr val="accent1">
+                <a:hueOff val="0"/>
+                <a:satOff val="0"/>
+                <a:lumOff val="0"/>
+                <a:alphaOff val="0"/>
+              </a:schemeClr>
+            </a:effectRef>
+            <a:fontRef idx="minor">
+              <a:schemeClr val="lt1"/>
+            </a:fontRef>
+          </p:style>
+        </p:sp>
+        <p:sp>
+          <p:nvSpPr>
+            <p:cNvPr id="6" name="Rectangle: Rounded Corners 4">
+              <a:extLst>
+                <a:ext uri="{FF2B5EF4-FFF2-40B4-BE49-F238E27FC236}">
+                  <a16:creationId xmlns:a16="http://schemas.microsoft.com/office/drawing/2014/main" id="{B6656277-6DF6-46B0-B500-216366CCE1F6}"/>
+                </a:ext>
+              </a:extLst>
+            </p:cNvPr>
+            <p:cNvSpPr txBox="1"/>
+            <p:nvPr/>
+          </p:nvSpPr>
+          <p:spPr>
+            <a:xfrm>
+              <a:off x="563247" y="100700"/>
+              <a:ext cx="7285986" cy="692586"/>
+            </a:xfrm>
+            <a:prstGeom prst="rect">
+              <a:avLst/>
+            </a:prstGeom>
+          </p:spPr>
+          <p:style>
+            <a:lnRef idx="0">
+              <a:scrgbClr r="0" g="0" b="0"/>
+            </a:lnRef>
+            <a:fillRef idx="0">
+              <a:scrgbClr r="0" g="0" b="0"/>
+            </a:fillRef>
+            <a:effectRef idx="0">
+              <a:scrgbClr r="0" g="0" b="0"/>
+            </a:effectRef>
+            <a:fontRef idx="minor">
+              <a:schemeClr val="lt1"/>
+            </a:fontRef>
+          </p:style>
+          <p:txBody>
+            <a:bodyPr spcFirstLastPara="0" vert="horz" wrap="square" lIns="278225" tIns="0" rIns="278225" bIns="0" numCol="1" spcCol="1270" anchor="ctr" anchorCtr="0">
+              <a:noAutofit/>
+            </a:bodyPr>
+            <a:lstStyle/>
+            <a:p>
+              <a:pPr marL="0" lvl="0" indent="0" algn="l" defTabSz="1155700">
+                <a:lnSpc>
+                  <a:spcPct val="90000"/>
+                </a:lnSpc>
+                <a:spcBef>
+                  <a:spcPct val="0"/>
+                </a:spcBef>
+                <a:spcAft>
+                  <a:spcPct val="35000"/>
+                </a:spcAft>
+                <a:buNone/>
+              </a:pPr>
+              <a:r>
+                <a:rPr lang="en-US" sz="4800" dirty="0"/>
+                <a:t>Future Work</a:t>
+              </a:r>
+              <a:endParaRPr lang="en-US" sz="100" kern="1200" dirty="0"/>
+            </a:p>
+          </p:txBody>
+        </p:sp>
+      </p:grpSp>
     </p:spTree>
     <p:extLst>
       <p:ext uri="{BB962C8B-B14F-4D97-AF65-F5344CB8AC3E}">
@@ -4227,6 +9936,14 @@
 <file path=ppt/slides/slide12.xml><?xml version="1.0" encoding="utf-8"?>
 <p:sld xmlns:a="http://schemas.openxmlformats.org/drawingml/2006/main" xmlns:r="http://schemas.openxmlformats.org/officeDocument/2006/relationships" xmlns:p="http://schemas.openxmlformats.org/presentationml/2006/main">
   <p:cSld>
+    <p:bg>
+      <p:bgPr>
+        <a:solidFill>
+          <a:schemeClr val="bg1"/>
+        </a:solidFill>
+        <a:effectLst/>
+      </p:bgPr>
+    </p:bg>
     <p:spTree>
       <p:nvGrpSpPr>
         <p:cNvPr id="1" name=""/>
@@ -4241,6 +9958,112 @@
           <a:chExt cx="0" cy="0"/>
         </a:xfrm>
       </p:grpSpPr>
+      <p:sp useBgFill="1">
+        <p:nvSpPr>
+          <p:cNvPr id="73" name="Rectangle 72">
+            <a:extLst>
+              <a:ext uri="{FF2B5EF4-FFF2-40B4-BE49-F238E27FC236}">
+                <a16:creationId xmlns:a16="http://schemas.microsoft.com/office/drawing/2014/main" id="{8A95209C-5275-4E15-8EA7-7F42980ABF2D}"/>
+              </a:ext>
+              <a:ext uri="{C183D7F6-B498-43B3-948B-1728B52AA6E4}">
+                <adec:decorative xmlns:adec="http://schemas.microsoft.com/office/drawing/2017/decorative" val="1"/>
+              </a:ext>
+            </a:extLst>
+          </p:cNvPr>
+          <p:cNvSpPr>
+            <a:spLocks noGrp="1" noRot="1" noChangeAspect="1" noMove="1" noResize="1" noEditPoints="1" noAdjustHandles="1" noChangeArrowheads="1" noChangeShapeType="1" noTextEdit="1"/>
+          </p:cNvSpPr>
+          <p:nvPr>
+            <p:extLst>
+              <p:ext uri="{386F3935-93C4-4BCD-93E2-E3B085C9AB24}">
+                <p16:designElem xmlns:p16="http://schemas.microsoft.com/office/powerpoint/2015/main" val="1"/>
+              </p:ext>
+            </p:extLst>
+          </p:nvPr>
+        </p:nvSpPr>
+        <p:spPr>
+          <a:xfrm>
+            <a:off x="0" y="0"/>
+            <a:ext cx="12188952" cy="6858000"/>
+          </a:xfrm>
+          <a:prstGeom prst="rect">
+            <a:avLst/>
+          </a:prstGeom>
+          <a:ln>
+            <a:noFill/>
+          </a:ln>
+        </p:spPr>
+        <p:style>
+          <a:lnRef idx="2">
+            <a:schemeClr val="accent1">
+              <a:shade val="50000"/>
+            </a:schemeClr>
+          </a:lnRef>
+          <a:fillRef idx="1">
+            <a:schemeClr val="accent1"/>
+          </a:fillRef>
+          <a:effectRef idx="0">
+            <a:schemeClr val="accent1"/>
+          </a:effectRef>
+          <a:fontRef idx="minor">
+            <a:schemeClr val="lt1"/>
+          </a:fontRef>
+        </p:style>
+        <p:txBody>
+          <a:bodyPr rtlCol="0" anchor="ctr"/>
+          <a:lstStyle/>
+          <a:p>
+            <a:pPr algn="ctr"/>
+            <a:endParaRPr lang="en-US"/>
+          </a:p>
+        </p:txBody>
+      </p:sp>
+      <p:pic>
+        <p:nvPicPr>
+          <p:cNvPr id="3076" name="Picture 4" descr="Chart, histogram&#10;&#10;Description automatically generated">
+            <a:extLst>
+              <a:ext uri="{FF2B5EF4-FFF2-40B4-BE49-F238E27FC236}">
+                <a16:creationId xmlns:a16="http://schemas.microsoft.com/office/drawing/2014/main" id="{FA836FA8-28CF-4E61-8685-A4D553CA4575}"/>
+              </a:ext>
+            </a:extLst>
+          </p:cNvPr>
+          <p:cNvPicPr>
+            <a:picLocks noChangeAspect="1" noChangeArrowheads="1"/>
+          </p:cNvPicPr>
+          <p:nvPr/>
+        </p:nvPicPr>
+        <p:blipFill rotWithShape="1">
+          <a:blip r:embed="rId2">
+            <a:alphaModFix amt="50000"/>
+            <a:extLst>
+              <a:ext uri="{28A0092B-C50C-407E-A947-70E740481C1C}">
+                <a14:useLocalDpi xmlns:a14="http://schemas.microsoft.com/office/drawing/2010/main" val="0"/>
+              </a:ext>
+            </a:extLst>
+          </a:blip>
+          <a:srcRect t="15709" r="-1" b="-1"/>
+          <a:stretch/>
+        </p:blipFill>
+        <p:spPr bwMode="auto">
+          <a:xfrm>
+            <a:off x="20" y="10"/>
+            <a:ext cx="12188931" cy="6857990"/>
+          </a:xfrm>
+          <a:prstGeom prst="rect">
+            <a:avLst/>
+          </a:prstGeom>
+          <a:noFill/>
+          <a:extLst>
+            <a:ext uri="{909E8E84-426E-40DD-AFC4-6F175D3DCCD1}">
+              <a14:hiddenFill xmlns:a14="http://schemas.microsoft.com/office/drawing/2010/main">
+                <a:solidFill>
+                  <a:srgbClr val="FFFFFF"/>
+                </a:solidFill>
+              </a14:hiddenFill>
+            </a:ext>
+          </a:extLst>
+        </p:spPr>
+      </p:pic>
       <p:sp>
         <p:nvSpPr>
           <p:cNvPr id="4" name="Title 3">
@@ -4259,8 +10082,8 @@
         </p:nvSpPr>
         <p:spPr>
           <a:xfrm>
-            <a:off x="1237861" y="1362269"/>
-            <a:ext cx="9716278" cy="3799212"/>
+            <a:off x="1527048" y="1124712"/>
+            <a:ext cx="9144000" cy="3063240"/>
           </a:xfrm>
         </p:spPr>
         <p:txBody>
@@ -4270,27 +10093,999 @@
           <a:lstStyle/>
           <a:p>
             <a:r>
-              <a:rPr lang="en-US" dirty="0"/>
+              <a:rPr lang="en-US" sz="5100" dirty="0">
+                <a:solidFill>
+                  <a:srgbClr val="FFFFFF"/>
+                </a:solidFill>
+              </a:rPr>
               <a:t>Time to Demonstrate</a:t>
             </a:r>
             <a:br>
-              <a:rPr lang="en-US" dirty="0"/>
+              <a:rPr lang="en-US" sz="5100" dirty="0">
+                <a:solidFill>
+                  <a:srgbClr val="FFFFFF"/>
+                </a:solidFill>
+              </a:rPr>
             </a:br>
             <a:br>
-              <a:rPr lang="en-US" dirty="0"/>
+              <a:rPr lang="en-US" sz="5100" dirty="0">
+                <a:solidFill>
+                  <a:srgbClr val="FFFFFF"/>
+                </a:solidFill>
+              </a:rPr>
             </a:br>
             <a:r>
-              <a:rPr lang="en-US" dirty="0"/>
+              <a:rPr lang="en-US" sz="5100" dirty="0">
+                <a:solidFill>
+                  <a:srgbClr val="FFFFFF"/>
+                </a:solidFill>
+              </a:rPr>
               <a:t>Thank You </a:t>
             </a:r>
             <a:br>
-              <a:rPr lang="en-US" dirty="0"/>
+              <a:rPr lang="en-US" sz="5100" dirty="0">
+                <a:solidFill>
+                  <a:srgbClr val="FFFFFF"/>
+                </a:solidFill>
+              </a:rPr>
             </a:br>
             <a:r>
-              <a:rPr lang="en-US" dirty="0"/>
+              <a:rPr lang="en-US" sz="5100" dirty="0">
+                <a:solidFill>
+                  <a:srgbClr val="FFFFFF"/>
+                </a:solidFill>
+              </a:rPr>
               <a:t>For Listening!</a:t>
             </a:r>
-            <a:endParaRPr lang="he-IL" dirty="0"/>
+            <a:endParaRPr lang="he-IL" sz="5100" dirty="0">
+              <a:solidFill>
+                <a:srgbClr val="FFFFFF"/>
+              </a:solidFill>
+            </a:endParaRPr>
+          </a:p>
+        </p:txBody>
+      </p:sp>
+      <p:sp>
+        <p:nvSpPr>
+          <p:cNvPr id="75" name="sketchy box">
+            <a:extLst>
+              <a:ext uri="{FF2B5EF4-FFF2-40B4-BE49-F238E27FC236}">
+                <a16:creationId xmlns:a16="http://schemas.microsoft.com/office/drawing/2014/main" id="{4F2ED431-E304-4FF0-9F4E-032783C9D612}"/>
+              </a:ext>
+              <a:ext uri="{C183D7F6-B498-43B3-948B-1728B52AA6E4}">
+                <adec:decorative xmlns:adec="http://schemas.microsoft.com/office/drawing/2017/decorative" val="1"/>
+              </a:ext>
+            </a:extLst>
+          </p:cNvPr>
+          <p:cNvSpPr>
+            <a:spLocks noGrp="1" noRot="1" noChangeAspect="1" noMove="1" noResize="1" noEditPoints="1" noAdjustHandles="1" noChangeArrowheads="1" noChangeShapeType="1" noTextEdit="1"/>
+          </p:cNvSpPr>
+          <p:nvPr>
+            <p:extLst>
+              <p:ext uri="{386F3935-93C4-4BCD-93E2-E3B085C9AB24}">
+                <p16:designElem xmlns:p16="http://schemas.microsoft.com/office/powerpoint/2015/main" val="1"/>
+              </p:ext>
+            </p:extLst>
+          </p:nvPr>
+        </p:nvSpPr>
+        <p:spPr>
+          <a:xfrm flipV="1">
+            <a:off x="838200" y="720953"/>
+            <a:ext cx="10515600" cy="5416094"/>
+          </a:xfrm>
+          <a:custGeom>
+            <a:avLst/>
+            <a:gdLst>
+              <a:gd name="connsiteX0" fmla="*/ 0 w 10515600"/>
+              <a:gd name="connsiteY0" fmla="*/ 0 h 5416094"/>
+              <a:gd name="connsiteX1" fmla="*/ 552069 w 10515600"/>
+              <a:gd name="connsiteY1" fmla="*/ 0 h 5416094"/>
+              <a:gd name="connsiteX2" fmla="*/ 893826 w 10515600"/>
+              <a:gd name="connsiteY2" fmla="*/ 0 h 5416094"/>
+              <a:gd name="connsiteX3" fmla="*/ 1761363 w 10515600"/>
+              <a:gd name="connsiteY3" fmla="*/ 0 h 5416094"/>
+              <a:gd name="connsiteX4" fmla="*/ 2313432 w 10515600"/>
+              <a:gd name="connsiteY4" fmla="*/ 0 h 5416094"/>
+              <a:gd name="connsiteX5" fmla="*/ 2865501 w 10515600"/>
+              <a:gd name="connsiteY5" fmla="*/ 0 h 5416094"/>
+              <a:gd name="connsiteX6" fmla="*/ 3733038 w 10515600"/>
+              <a:gd name="connsiteY6" fmla="*/ 0 h 5416094"/>
+              <a:gd name="connsiteX7" fmla="*/ 4179951 w 10515600"/>
+              <a:gd name="connsiteY7" fmla="*/ 0 h 5416094"/>
+              <a:gd name="connsiteX8" fmla="*/ 5047488 w 10515600"/>
+              <a:gd name="connsiteY8" fmla="*/ 0 h 5416094"/>
+              <a:gd name="connsiteX9" fmla="*/ 5915025 w 10515600"/>
+              <a:gd name="connsiteY9" fmla="*/ 0 h 5416094"/>
+              <a:gd name="connsiteX10" fmla="*/ 6572250 w 10515600"/>
+              <a:gd name="connsiteY10" fmla="*/ 0 h 5416094"/>
+              <a:gd name="connsiteX11" fmla="*/ 7439787 w 10515600"/>
+              <a:gd name="connsiteY11" fmla="*/ 0 h 5416094"/>
+              <a:gd name="connsiteX12" fmla="*/ 7991856 w 10515600"/>
+              <a:gd name="connsiteY12" fmla="*/ 0 h 5416094"/>
+              <a:gd name="connsiteX13" fmla="*/ 8543925 w 10515600"/>
+              <a:gd name="connsiteY13" fmla="*/ 0 h 5416094"/>
+              <a:gd name="connsiteX14" fmla="*/ 9306306 w 10515600"/>
+              <a:gd name="connsiteY14" fmla="*/ 0 h 5416094"/>
+              <a:gd name="connsiteX15" fmla="*/ 9858375 w 10515600"/>
+              <a:gd name="connsiteY15" fmla="*/ 0 h 5416094"/>
+              <a:gd name="connsiteX16" fmla="*/ 10515600 w 10515600"/>
+              <a:gd name="connsiteY16" fmla="*/ 0 h 5416094"/>
+              <a:gd name="connsiteX17" fmla="*/ 10515600 w 10515600"/>
+              <a:gd name="connsiteY17" fmla="*/ 785334 h 5416094"/>
+              <a:gd name="connsiteX18" fmla="*/ 10515600 w 10515600"/>
+              <a:gd name="connsiteY18" fmla="*/ 1516506 h 5416094"/>
+              <a:gd name="connsiteX19" fmla="*/ 10515600 w 10515600"/>
+              <a:gd name="connsiteY19" fmla="*/ 2247679 h 5416094"/>
+              <a:gd name="connsiteX20" fmla="*/ 10515600 w 10515600"/>
+              <a:gd name="connsiteY20" fmla="*/ 2762208 h 5416094"/>
+              <a:gd name="connsiteX21" fmla="*/ 10515600 w 10515600"/>
+              <a:gd name="connsiteY21" fmla="*/ 3330898 h 5416094"/>
+              <a:gd name="connsiteX22" fmla="*/ 10515600 w 10515600"/>
+              <a:gd name="connsiteY22" fmla="*/ 4062071 h 5416094"/>
+              <a:gd name="connsiteX23" fmla="*/ 10515600 w 10515600"/>
+              <a:gd name="connsiteY23" fmla="*/ 4684921 h 5416094"/>
+              <a:gd name="connsiteX24" fmla="*/ 10515600 w 10515600"/>
+              <a:gd name="connsiteY24" fmla="*/ 5416094 h 5416094"/>
+              <a:gd name="connsiteX25" fmla="*/ 9753219 w 10515600"/>
+              <a:gd name="connsiteY25" fmla="*/ 5416094 h 5416094"/>
+              <a:gd name="connsiteX26" fmla="*/ 9411462 w 10515600"/>
+              <a:gd name="connsiteY26" fmla="*/ 5416094 h 5416094"/>
+              <a:gd name="connsiteX27" fmla="*/ 8754237 w 10515600"/>
+              <a:gd name="connsiteY27" fmla="*/ 5416094 h 5416094"/>
+              <a:gd name="connsiteX28" fmla="*/ 8307324 w 10515600"/>
+              <a:gd name="connsiteY28" fmla="*/ 5416094 h 5416094"/>
+              <a:gd name="connsiteX29" fmla="*/ 7544943 w 10515600"/>
+              <a:gd name="connsiteY29" fmla="*/ 5416094 h 5416094"/>
+              <a:gd name="connsiteX30" fmla="*/ 7098030 w 10515600"/>
+              <a:gd name="connsiteY30" fmla="*/ 5416094 h 5416094"/>
+              <a:gd name="connsiteX31" fmla="*/ 6335649 w 10515600"/>
+              <a:gd name="connsiteY31" fmla="*/ 5416094 h 5416094"/>
+              <a:gd name="connsiteX32" fmla="*/ 5993892 w 10515600"/>
+              <a:gd name="connsiteY32" fmla="*/ 5416094 h 5416094"/>
+              <a:gd name="connsiteX33" fmla="*/ 5231511 w 10515600"/>
+              <a:gd name="connsiteY33" fmla="*/ 5416094 h 5416094"/>
+              <a:gd name="connsiteX34" fmla="*/ 4784598 w 10515600"/>
+              <a:gd name="connsiteY34" fmla="*/ 5416094 h 5416094"/>
+              <a:gd name="connsiteX35" fmla="*/ 4442841 w 10515600"/>
+              <a:gd name="connsiteY35" fmla="*/ 5416094 h 5416094"/>
+              <a:gd name="connsiteX36" fmla="*/ 3995928 w 10515600"/>
+              <a:gd name="connsiteY36" fmla="*/ 5416094 h 5416094"/>
+              <a:gd name="connsiteX37" fmla="*/ 3233547 w 10515600"/>
+              <a:gd name="connsiteY37" fmla="*/ 5416094 h 5416094"/>
+              <a:gd name="connsiteX38" fmla="*/ 2786634 w 10515600"/>
+              <a:gd name="connsiteY38" fmla="*/ 5416094 h 5416094"/>
+              <a:gd name="connsiteX39" fmla="*/ 2444877 w 10515600"/>
+              <a:gd name="connsiteY39" fmla="*/ 5416094 h 5416094"/>
+              <a:gd name="connsiteX40" fmla="*/ 1997964 w 10515600"/>
+              <a:gd name="connsiteY40" fmla="*/ 5416094 h 5416094"/>
+              <a:gd name="connsiteX41" fmla="*/ 1445895 w 10515600"/>
+              <a:gd name="connsiteY41" fmla="*/ 5416094 h 5416094"/>
+              <a:gd name="connsiteX42" fmla="*/ 788670 w 10515600"/>
+              <a:gd name="connsiteY42" fmla="*/ 5416094 h 5416094"/>
+              <a:gd name="connsiteX43" fmla="*/ 0 w 10515600"/>
+              <a:gd name="connsiteY43" fmla="*/ 5416094 h 5416094"/>
+              <a:gd name="connsiteX44" fmla="*/ 0 w 10515600"/>
+              <a:gd name="connsiteY44" fmla="*/ 4630760 h 5416094"/>
+              <a:gd name="connsiteX45" fmla="*/ 0 w 10515600"/>
+              <a:gd name="connsiteY45" fmla="*/ 3953749 h 5416094"/>
+              <a:gd name="connsiteX46" fmla="*/ 0 w 10515600"/>
+              <a:gd name="connsiteY46" fmla="*/ 3276737 h 5416094"/>
+              <a:gd name="connsiteX47" fmla="*/ 0 w 10515600"/>
+              <a:gd name="connsiteY47" fmla="*/ 2599725 h 5416094"/>
+              <a:gd name="connsiteX48" fmla="*/ 0 w 10515600"/>
+              <a:gd name="connsiteY48" fmla="*/ 1922713 h 5416094"/>
+              <a:gd name="connsiteX49" fmla="*/ 0 w 10515600"/>
+              <a:gd name="connsiteY49" fmla="*/ 1299863 h 5416094"/>
+              <a:gd name="connsiteX50" fmla="*/ 0 w 10515600"/>
+              <a:gd name="connsiteY50" fmla="*/ 0 h 5416094"/>
+            </a:gdLst>
+            <a:ahLst/>
+            <a:cxnLst>
+              <a:cxn ang="0">
+                <a:pos x="connsiteX0" y="connsiteY0"/>
+              </a:cxn>
+              <a:cxn ang="0">
+                <a:pos x="connsiteX1" y="connsiteY1"/>
+              </a:cxn>
+              <a:cxn ang="0">
+                <a:pos x="connsiteX2" y="connsiteY2"/>
+              </a:cxn>
+              <a:cxn ang="0">
+                <a:pos x="connsiteX3" y="connsiteY3"/>
+              </a:cxn>
+              <a:cxn ang="0">
+                <a:pos x="connsiteX4" y="connsiteY4"/>
+              </a:cxn>
+              <a:cxn ang="0">
+                <a:pos x="connsiteX5" y="connsiteY5"/>
+              </a:cxn>
+              <a:cxn ang="0">
+                <a:pos x="connsiteX6" y="connsiteY6"/>
+              </a:cxn>
+              <a:cxn ang="0">
+                <a:pos x="connsiteX7" y="connsiteY7"/>
+              </a:cxn>
+              <a:cxn ang="0">
+                <a:pos x="connsiteX8" y="connsiteY8"/>
+              </a:cxn>
+              <a:cxn ang="0">
+                <a:pos x="connsiteX9" y="connsiteY9"/>
+              </a:cxn>
+              <a:cxn ang="0">
+                <a:pos x="connsiteX10" y="connsiteY10"/>
+              </a:cxn>
+              <a:cxn ang="0">
+                <a:pos x="connsiteX11" y="connsiteY11"/>
+              </a:cxn>
+              <a:cxn ang="0">
+                <a:pos x="connsiteX12" y="connsiteY12"/>
+              </a:cxn>
+              <a:cxn ang="0">
+                <a:pos x="connsiteX13" y="connsiteY13"/>
+              </a:cxn>
+              <a:cxn ang="0">
+                <a:pos x="connsiteX14" y="connsiteY14"/>
+              </a:cxn>
+              <a:cxn ang="0">
+                <a:pos x="connsiteX15" y="connsiteY15"/>
+              </a:cxn>
+              <a:cxn ang="0">
+                <a:pos x="connsiteX16" y="connsiteY16"/>
+              </a:cxn>
+              <a:cxn ang="0">
+                <a:pos x="connsiteX17" y="connsiteY17"/>
+              </a:cxn>
+              <a:cxn ang="0">
+                <a:pos x="connsiteX18" y="connsiteY18"/>
+              </a:cxn>
+              <a:cxn ang="0">
+                <a:pos x="connsiteX19" y="connsiteY19"/>
+              </a:cxn>
+              <a:cxn ang="0">
+                <a:pos x="connsiteX20" y="connsiteY20"/>
+              </a:cxn>
+              <a:cxn ang="0">
+                <a:pos x="connsiteX21" y="connsiteY21"/>
+              </a:cxn>
+              <a:cxn ang="0">
+                <a:pos x="connsiteX22" y="connsiteY22"/>
+              </a:cxn>
+              <a:cxn ang="0">
+                <a:pos x="connsiteX23" y="connsiteY23"/>
+              </a:cxn>
+              <a:cxn ang="0">
+                <a:pos x="connsiteX24" y="connsiteY24"/>
+              </a:cxn>
+              <a:cxn ang="0">
+                <a:pos x="connsiteX25" y="connsiteY25"/>
+              </a:cxn>
+              <a:cxn ang="0">
+                <a:pos x="connsiteX26" y="connsiteY26"/>
+              </a:cxn>
+              <a:cxn ang="0">
+                <a:pos x="connsiteX27" y="connsiteY27"/>
+              </a:cxn>
+              <a:cxn ang="0">
+                <a:pos x="connsiteX28" y="connsiteY28"/>
+              </a:cxn>
+              <a:cxn ang="0">
+                <a:pos x="connsiteX29" y="connsiteY29"/>
+              </a:cxn>
+              <a:cxn ang="0">
+                <a:pos x="connsiteX30" y="connsiteY30"/>
+              </a:cxn>
+              <a:cxn ang="0">
+                <a:pos x="connsiteX31" y="connsiteY31"/>
+              </a:cxn>
+              <a:cxn ang="0">
+                <a:pos x="connsiteX32" y="connsiteY32"/>
+              </a:cxn>
+              <a:cxn ang="0">
+                <a:pos x="connsiteX33" y="connsiteY33"/>
+              </a:cxn>
+              <a:cxn ang="0">
+                <a:pos x="connsiteX34" y="connsiteY34"/>
+              </a:cxn>
+              <a:cxn ang="0">
+                <a:pos x="connsiteX35" y="connsiteY35"/>
+              </a:cxn>
+              <a:cxn ang="0">
+                <a:pos x="connsiteX36" y="connsiteY36"/>
+              </a:cxn>
+              <a:cxn ang="0">
+                <a:pos x="connsiteX37" y="connsiteY37"/>
+              </a:cxn>
+              <a:cxn ang="0">
+                <a:pos x="connsiteX38" y="connsiteY38"/>
+              </a:cxn>
+              <a:cxn ang="0">
+                <a:pos x="connsiteX39" y="connsiteY39"/>
+              </a:cxn>
+              <a:cxn ang="0">
+                <a:pos x="connsiteX40" y="connsiteY40"/>
+              </a:cxn>
+              <a:cxn ang="0">
+                <a:pos x="connsiteX41" y="connsiteY41"/>
+              </a:cxn>
+              <a:cxn ang="0">
+                <a:pos x="connsiteX42" y="connsiteY42"/>
+              </a:cxn>
+              <a:cxn ang="0">
+                <a:pos x="connsiteX43" y="connsiteY43"/>
+              </a:cxn>
+              <a:cxn ang="0">
+                <a:pos x="connsiteX44" y="connsiteY44"/>
+              </a:cxn>
+              <a:cxn ang="0">
+                <a:pos x="connsiteX45" y="connsiteY45"/>
+              </a:cxn>
+              <a:cxn ang="0">
+                <a:pos x="connsiteX46" y="connsiteY46"/>
+              </a:cxn>
+              <a:cxn ang="0">
+                <a:pos x="connsiteX47" y="connsiteY47"/>
+              </a:cxn>
+              <a:cxn ang="0">
+                <a:pos x="connsiteX48" y="connsiteY48"/>
+              </a:cxn>
+              <a:cxn ang="0">
+                <a:pos x="connsiteX49" y="connsiteY49"/>
+              </a:cxn>
+              <a:cxn ang="0">
+                <a:pos x="connsiteX50" y="connsiteY50"/>
+              </a:cxn>
+            </a:cxnLst>
+            <a:rect l="l" t="t" r="r" b="b"/>
+            <a:pathLst>
+              <a:path w="10515600" h="5416094" extrusionOk="0">
+                <a:moveTo>
+                  <a:pt x="0" y="0"/>
+                </a:moveTo>
+                <a:cubicBezTo>
+                  <a:pt x="230793" y="14353"/>
+                  <a:pt x="332416" y="21392"/>
+                  <a:pt x="552069" y="0"/>
+                </a:cubicBezTo>
+                <a:cubicBezTo>
+                  <a:pt x="771722" y="-21392"/>
+                  <a:pt x="761737" y="-14337"/>
+                  <a:pt x="893826" y="0"/>
+                </a:cubicBezTo>
+                <a:cubicBezTo>
+                  <a:pt x="1025915" y="14337"/>
+                  <a:pt x="1441584" y="-15498"/>
+                  <a:pt x="1761363" y="0"/>
+                </a:cubicBezTo>
+                <a:cubicBezTo>
+                  <a:pt x="2081142" y="15498"/>
+                  <a:pt x="2111503" y="7278"/>
+                  <a:pt x="2313432" y="0"/>
+                </a:cubicBezTo>
+                <a:cubicBezTo>
+                  <a:pt x="2515361" y="-7278"/>
+                  <a:pt x="2743584" y="-17845"/>
+                  <a:pt x="2865501" y="0"/>
+                </a:cubicBezTo>
+                <a:cubicBezTo>
+                  <a:pt x="2987418" y="17845"/>
+                  <a:pt x="3345183" y="8208"/>
+                  <a:pt x="3733038" y="0"/>
+                </a:cubicBezTo>
+                <a:cubicBezTo>
+                  <a:pt x="4120893" y="-8208"/>
+                  <a:pt x="4009066" y="-3159"/>
+                  <a:pt x="4179951" y="0"/>
+                </a:cubicBezTo>
+                <a:cubicBezTo>
+                  <a:pt x="4350836" y="3159"/>
+                  <a:pt x="4735020" y="17517"/>
+                  <a:pt x="5047488" y="0"/>
+                </a:cubicBezTo>
+                <a:cubicBezTo>
+                  <a:pt x="5359956" y="-17517"/>
+                  <a:pt x="5662148" y="-17777"/>
+                  <a:pt x="5915025" y="0"/>
+                </a:cubicBezTo>
+                <a:cubicBezTo>
+                  <a:pt x="6167902" y="17777"/>
+                  <a:pt x="6308797" y="30350"/>
+                  <a:pt x="6572250" y="0"/>
+                </a:cubicBezTo>
+                <a:cubicBezTo>
+                  <a:pt x="6835703" y="-30350"/>
+                  <a:pt x="7107419" y="-9627"/>
+                  <a:pt x="7439787" y="0"/>
+                </a:cubicBezTo>
+                <a:cubicBezTo>
+                  <a:pt x="7772155" y="9627"/>
+                  <a:pt x="7844034" y="-9098"/>
+                  <a:pt x="7991856" y="0"/>
+                </a:cubicBezTo>
+                <a:cubicBezTo>
+                  <a:pt x="8139678" y="9098"/>
+                  <a:pt x="8289889" y="-20239"/>
+                  <a:pt x="8543925" y="0"/>
+                </a:cubicBezTo>
+                <a:cubicBezTo>
+                  <a:pt x="8797961" y="20239"/>
+                  <a:pt x="8994198" y="29575"/>
+                  <a:pt x="9306306" y="0"/>
+                </a:cubicBezTo>
+                <a:cubicBezTo>
+                  <a:pt x="9618414" y="-29575"/>
+                  <a:pt x="9739118" y="-23835"/>
+                  <a:pt x="9858375" y="0"/>
+                </a:cubicBezTo>
+                <a:cubicBezTo>
+                  <a:pt x="9977632" y="23835"/>
+                  <a:pt x="10370488" y="-4069"/>
+                  <a:pt x="10515600" y="0"/>
+                </a:cubicBezTo>
+                <a:cubicBezTo>
+                  <a:pt x="10524919" y="196329"/>
+                  <a:pt x="10549062" y="488432"/>
+                  <a:pt x="10515600" y="785334"/>
+                </a:cubicBezTo>
+                <a:cubicBezTo>
+                  <a:pt x="10482138" y="1082236"/>
+                  <a:pt x="10536385" y="1323726"/>
+                  <a:pt x="10515600" y="1516506"/>
+                </a:cubicBezTo>
+                <a:cubicBezTo>
+                  <a:pt x="10494815" y="1709286"/>
+                  <a:pt x="10546328" y="2097632"/>
+                  <a:pt x="10515600" y="2247679"/>
+                </a:cubicBezTo>
+                <a:cubicBezTo>
+                  <a:pt x="10484872" y="2397726"/>
+                  <a:pt x="10491771" y="2577292"/>
+                  <a:pt x="10515600" y="2762208"/>
+                </a:cubicBezTo>
+                <a:cubicBezTo>
+                  <a:pt x="10539429" y="2947124"/>
+                  <a:pt x="10511007" y="3105736"/>
+                  <a:pt x="10515600" y="3330898"/>
+                </a:cubicBezTo>
+                <a:cubicBezTo>
+                  <a:pt x="10520194" y="3556060"/>
+                  <a:pt x="10497393" y="3882611"/>
+                  <a:pt x="10515600" y="4062071"/>
+                </a:cubicBezTo>
+                <a:cubicBezTo>
+                  <a:pt x="10533807" y="4241531"/>
+                  <a:pt x="10544791" y="4505155"/>
+                  <a:pt x="10515600" y="4684921"/>
+                </a:cubicBezTo>
+                <a:cubicBezTo>
+                  <a:pt x="10486410" y="4864687"/>
+                  <a:pt x="10497356" y="5246484"/>
+                  <a:pt x="10515600" y="5416094"/>
+                </a:cubicBezTo>
+                <a:cubicBezTo>
+                  <a:pt x="10245623" y="5445692"/>
+                  <a:pt x="10029676" y="5415505"/>
+                  <a:pt x="9753219" y="5416094"/>
+                </a:cubicBezTo>
+                <a:cubicBezTo>
+                  <a:pt x="9476762" y="5416683"/>
+                  <a:pt x="9553148" y="5422760"/>
+                  <a:pt x="9411462" y="5416094"/>
+                </a:cubicBezTo>
+                <a:cubicBezTo>
+                  <a:pt x="9269776" y="5409428"/>
+                  <a:pt x="8927709" y="5385012"/>
+                  <a:pt x="8754237" y="5416094"/>
+                </a:cubicBezTo>
+                <a:cubicBezTo>
+                  <a:pt x="8580766" y="5447176"/>
+                  <a:pt x="8413264" y="5410024"/>
+                  <a:pt x="8307324" y="5416094"/>
+                </a:cubicBezTo>
+                <a:cubicBezTo>
+                  <a:pt x="8201384" y="5422164"/>
+                  <a:pt x="7912690" y="5421686"/>
+                  <a:pt x="7544943" y="5416094"/>
+                </a:cubicBezTo>
+                <a:cubicBezTo>
+                  <a:pt x="7177196" y="5410502"/>
+                  <a:pt x="7304235" y="5418502"/>
+                  <a:pt x="7098030" y="5416094"/>
+                </a:cubicBezTo>
+                <a:cubicBezTo>
+                  <a:pt x="6891825" y="5413686"/>
+                  <a:pt x="6541479" y="5434609"/>
+                  <a:pt x="6335649" y="5416094"/>
+                </a:cubicBezTo>
+                <a:cubicBezTo>
+                  <a:pt x="6129819" y="5397579"/>
+                  <a:pt x="6106541" y="5402791"/>
+                  <a:pt x="5993892" y="5416094"/>
+                </a:cubicBezTo>
+                <a:cubicBezTo>
+                  <a:pt x="5881243" y="5429397"/>
+                  <a:pt x="5545248" y="5437743"/>
+                  <a:pt x="5231511" y="5416094"/>
+                </a:cubicBezTo>
+                <a:cubicBezTo>
+                  <a:pt x="4917774" y="5394445"/>
+                  <a:pt x="4963237" y="5426599"/>
+                  <a:pt x="4784598" y="5416094"/>
+                </a:cubicBezTo>
+                <a:cubicBezTo>
+                  <a:pt x="4605959" y="5405589"/>
+                  <a:pt x="4605904" y="5406658"/>
+                  <a:pt x="4442841" y="5416094"/>
+                </a:cubicBezTo>
+                <a:cubicBezTo>
+                  <a:pt x="4279778" y="5425530"/>
+                  <a:pt x="4177180" y="5426138"/>
+                  <a:pt x="3995928" y="5416094"/>
+                </a:cubicBezTo>
+                <a:cubicBezTo>
+                  <a:pt x="3814676" y="5406050"/>
+                  <a:pt x="3516440" y="5429234"/>
+                  <a:pt x="3233547" y="5416094"/>
+                </a:cubicBezTo>
+                <a:cubicBezTo>
+                  <a:pt x="2950654" y="5402954"/>
+                  <a:pt x="2884354" y="5436103"/>
+                  <a:pt x="2786634" y="5416094"/>
+                </a:cubicBezTo>
+                <a:cubicBezTo>
+                  <a:pt x="2688914" y="5396085"/>
+                  <a:pt x="2522958" y="5423232"/>
+                  <a:pt x="2444877" y="5416094"/>
+                </a:cubicBezTo>
+                <a:cubicBezTo>
+                  <a:pt x="2366796" y="5408956"/>
+                  <a:pt x="2104768" y="5395479"/>
+                  <a:pt x="1997964" y="5416094"/>
+                </a:cubicBezTo>
+                <a:cubicBezTo>
+                  <a:pt x="1891160" y="5436709"/>
+                  <a:pt x="1573016" y="5412376"/>
+                  <a:pt x="1445895" y="5416094"/>
+                </a:cubicBezTo>
+                <a:cubicBezTo>
+                  <a:pt x="1318774" y="5419812"/>
+                  <a:pt x="986443" y="5400529"/>
+                  <a:pt x="788670" y="5416094"/>
+                </a:cubicBezTo>
+                <a:cubicBezTo>
+                  <a:pt x="590897" y="5431659"/>
+                  <a:pt x="363709" y="5381266"/>
+                  <a:pt x="0" y="5416094"/>
+                </a:cubicBezTo>
+                <a:cubicBezTo>
+                  <a:pt x="-22973" y="5218643"/>
+                  <a:pt x="-26699" y="5010779"/>
+                  <a:pt x="0" y="4630760"/>
+                </a:cubicBezTo>
+                <a:cubicBezTo>
+                  <a:pt x="26699" y="4250741"/>
+                  <a:pt x="-15389" y="4196664"/>
+                  <a:pt x="0" y="3953749"/>
+                </a:cubicBezTo>
+                <a:cubicBezTo>
+                  <a:pt x="15389" y="3710834"/>
+                  <a:pt x="468" y="3611311"/>
+                  <a:pt x="0" y="3276737"/>
+                </a:cubicBezTo>
+                <a:cubicBezTo>
+                  <a:pt x="-468" y="2942163"/>
+                  <a:pt x="15360" y="2781998"/>
+                  <a:pt x="0" y="2599725"/>
+                </a:cubicBezTo>
+                <a:cubicBezTo>
+                  <a:pt x="-15360" y="2417452"/>
+                  <a:pt x="14816" y="2100232"/>
+                  <a:pt x="0" y="1922713"/>
+                </a:cubicBezTo>
+                <a:cubicBezTo>
+                  <a:pt x="-14816" y="1745194"/>
+                  <a:pt x="-24648" y="1604167"/>
+                  <a:pt x="0" y="1299863"/>
+                </a:cubicBezTo>
+                <a:cubicBezTo>
+                  <a:pt x="24648" y="995559"/>
+                  <a:pt x="2182" y="279525"/>
+                  <a:pt x="0" y="0"/>
+                </a:cubicBezTo>
+                <a:close/>
+              </a:path>
+            </a:pathLst>
+          </a:custGeom>
+          <a:noFill/>
+          <a:ln w="47625" cap="rnd">
+            <a:solidFill>
+              <a:srgbClr val="FFFFFF">
+                <a:alpha val="75000"/>
+              </a:srgbClr>
+            </a:solidFill>
+            <a:round/>
+            <a:extLst>
+              <a:ext uri="{C807C97D-BFC1-408E-A445-0C87EB9F89A2}">
+                <ask:lineSketchStyleProps xmlns:ask="http://schemas.microsoft.com/office/drawing/2018/sketchyshapes" sd="1219033472">
+                  <a:prstGeom prst="rect">
+                    <a:avLst/>
+                  </a:prstGeom>
+                  <ask:type>
+                    <ask:lineSketchFreehand/>
+                  </ask:type>
+                </ask:lineSketchStyleProps>
+              </a:ext>
+            </a:extLst>
+          </a:ln>
+        </p:spPr>
+        <p:style>
+          <a:lnRef idx="2">
+            <a:schemeClr val="accent1">
+              <a:shade val="50000"/>
+            </a:schemeClr>
+          </a:lnRef>
+          <a:fillRef idx="1">
+            <a:schemeClr val="accent1"/>
+          </a:fillRef>
+          <a:effectRef idx="0">
+            <a:schemeClr val="accent1"/>
+          </a:effectRef>
+          <a:fontRef idx="minor">
+            <a:schemeClr val="lt1"/>
+          </a:fontRef>
+        </p:style>
+        <p:txBody>
+          <a:bodyPr rtlCol="0" anchor="ctr"/>
+          <a:lstStyle/>
+          <a:p>
+            <a:pPr algn="ctr"/>
+            <a:endParaRPr lang="en-US"/>
+          </a:p>
+        </p:txBody>
+      </p:sp>
+      <p:sp>
+        <p:nvSpPr>
+          <p:cNvPr id="77" name="sketchy line">
+            <a:extLst>
+              <a:ext uri="{FF2B5EF4-FFF2-40B4-BE49-F238E27FC236}">
+                <a16:creationId xmlns:a16="http://schemas.microsoft.com/office/drawing/2014/main" id="{4E87FCFB-2CCE-460D-B3DD-557C8BD1B94A}"/>
+              </a:ext>
+              <a:ext uri="{C183D7F6-B498-43B3-948B-1728B52AA6E4}">
+                <adec:decorative xmlns:adec="http://schemas.microsoft.com/office/drawing/2017/decorative" val="1"/>
+              </a:ext>
+            </a:extLst>
+          </p:cNvPr>
+          <p:cNvSpPr>
+            <a:spLocks noGrp="1" noRot="1" noChangeAspect="1" noMove="1" noResize="1" noEditPoints="1" noAdjustHandles="1" noChangeArrowheads="1" noChangeShapeType="1" noTextEdit="1"/>
+          </p:cNvSpPr>
+          <p:nvPr>
+            <p:extLst>
+              <p:ext uri="{386F3935-93C4-4BCD-93E2-E3B085C9AB24}">
+                <p16:designElem xmlns:p16="http://schemas.microsoft.com/office/powerpoint/2015/main" val="1"/>
+              </p:ext>
+            </p:extLst>
+          </p:nvPr>
+        </p:nvSpPr>
+        <p:spPr>
+          <a:xfrm>
+            <a:off x="3974206" y="4419423"/>
+            <a:ext cx="4243589" cy="18288"/>
+          </a:xfrm>
+          <a:custGeom>
+            <a:avLst/>
+            <a:gdLst>
+              <a:gd name="connsiteX0" fmla="*/ 0 w 4243589"/>
+              <a:gd name="connsiteY0" fmla="*/ 0 h 18288"/>
+              <a:gd name="connsiteX1" fmla="*/ 563791 w 4243589"/>
+              <a:gd name="connsiteY1" fmla="*/ 0 h 18288"/>
+              <a:gd name="connsiteX2" fmla="*/ 1042710 w 4243589"/>
+              <a:gd name="connsiteY2" fmla="*/ 0 h 18288"/>
+              <a:gd name="connsiteX3" fmla="*/ 1564066 w 4243589"/>
+              <a:gd name="connsiteY3" fmla="*/ 0 h 18288"/>
+              <a:gd name="connsiteX4" fmla="*/ 2212729 w 4243589"/>
+              <a:gd name="connsiteY4" fmla="*/ 0 h 18288"/>
+              <a:gd name="connsiteX5" fmla="*/ 2776520 w 4243589"/>
+              <a:gd name="connsiteY5" fmla="*/ 0 h 18288"/>
+              <a:gd name="connsiteX6" fmla="*/ 3297875 w 4243589"/>
+              <a:gd name="connsiteY6" fmla="*/ 0 h 18288"/>
+              <a:gd name="connsiteX7" fmla="*/ 4243589 w 4243589"/>
+              <a:gd name="connsiteY7" fmla="*/ 0 h 18288"/>
+              <a:gd name="connsiteX8" fmla="*/ 4243589 w 4243589"/>
+              <a:gd name="connsiteY8" fmla="*/ 18288 h 18288"/>
+              <a:gd name="connsiteX9" fmla="*/ 3637362 w 4243589"/>
+              <a:gd name="connsiteY9" fmla="*/ 18288 h 18288"/>
+              <a:gd name="connsiteX10" fmla="*/ 3116007 w 4243589"/>
+              <a:gd name="connsiteY10" fmla="*/ 18288 h 18288"/>
+              <a:gd name="connsiteX11" fmla="*/ 2424908 w 4243589"/>
+              <a:gd name="connsiteY11" fmla="*/ 18288 h 18288"/>
+              <a:gd name="connsiteX12" fmla="*/ 1861117 w 4243589"/>
+              <a:gd name="connsiteY12" fmla="*/ 18288 h 18288"/>
+              <a:gd name="connsiteX13" fmla="*/ 1382198 w 4243589"/>
+              <a:gd name="connsiteY13" fmla="*/ 18288 h 18288"/>
+              <a:gd name="connsiteX14" fmla="*/ 733535 w 4243589"/>
+              <a:gd name="connsiteY14" fmla="*/ 18288 h 18288"/>
+              <a:gd name="connsiteX15" fmla="*/ 0 w 4243589"/>
+              <a:gd name="connsiteY15" fmla="*/ 18288 h 18288"/>
+              <a:gd name="connsiteX16" fmla="*/ 0 w 4243589"/>
+              <a:gd name="connsiteY16" fmla="*/ 0 h 18288"/>
+            </a:gdLst>
+            <a:ahLst/>
+            <a:cxnLst>
+              <a:cxn ang="0">
+                <a:pos x="connsiteX0" y="connsiteY0"/>
+              </a:cxn>
+              <a:cxn ang="0">
+                <a:pos x="connsiteX1" y="connsiteY1"/>
+              </a:cxn>
+              <a:cxn ang="0">
+                <a:pos x="connsiteX2" y="connsiteY2"/>
+              </a:cxn>
+              <a:cxn ang="0">
+                <a:pos x="connsiteX3" y="connsiteY3"/>
+              </a:cxn>
+              <a:cxn ang="0">
+                <a:pos x="connsiteX4" y="connsiteY4"/>
+              </a:cxn>
+              <a:cxn ang="0">
+                <a:pos x="connsiteX5" y="connsiteY5"/>
+              </a:cxn>
+              <a:cxn ang="0">
+                <a:pos x="connsiteX6" y="connsiteY6"/>
+              </a:cxn>
+              <a:cxn ang="0">
+                <a:pos x="connsiteX7" y="connsiteY7"/>
+              </a:cxn>
+              <a:cxn ang="0">
+                <a:pos x="connsiteX8" y="connsiteY8"/>
+              </a:cxn>
+              <a:cxn ang="0">
+                <a:pos x="connsiteX9" y="connsiteY9"/>
+              </a:cxn>
+              <a:cxn ang="0">
+                <a:pos x="connsiteX10" y="connsiteY10"/>
+              </a:cxn>
+              <a:cxn ang="0">
+                <a:pos x="connsiteX11" y="connsiteY11"/>
+              </a:cxn>
+              <a:cxn ang="0">
+                <a:pos x="connsiteX12" y="connsiteY12"/>
+              </a:cxn>
+              <a:cxn ang="0">
+                <a:pos x="connsiteX13" y="connsiteY13"/>
+              </a:cxn>
+              <a:cxn ang="0">
+                <a:pos x="connsiteX14" y="connsiteY14"/>
+              </a:cxn>
+              <a:cxn ang="0">
+                <a:pos x="connsiteX15" y="connsiteY15"/>
+              </a:cxn>
+              <a:cxn ang="0">
+                <a:pos x="connsiteX16" y="connsiteY16"/>
+              </a:cxn>
+            </a:cxnLst>
+            <a:rect l="l" t="t" r="r" b="b"/>
+            <a:pathLst>
+              <a:path w="4243589" h="18288" fill="none" extrusionOk="0">
+                <a:moveTo>
+                  <a:pt x="0" y="0"/>
+                </a:moveTo>
+                <a:cubicBezTo>
+                  <a:pt x="157351" y="-15653"/>
+                  <a:pt x="378877" y="-5828"/>
+                  <a:pt x="563791" y="0"/>
+                </a:cubicBezTo>
+                <a:cubicBezTo>
+                  <a:pt x="748705" y="5828"/>
+                  <a:pt x="905659" y="-5525"/>
+                  <a:pt x="1042710" y="0"/>
+                </a:cubicBezTo>
+                <a:cubicBezTo>
+                  <a:pt x="1179761" y="5525"/>
+                  <a:pt x="1356845" y="-21288"/>
+                  <a:pt x="1564066" y="0"/>
+                </a:cubicBezTo>
+                <a:cubicBezTo>
+                  <a:pt x="1771287" y="21288"/>
+                  <a:pt x="1912099" y="25135"/>
+                  <a:pt x="2212729" y="0"/>
+                </a:cubicBezTo>
+                <a:cubicBezTo>
+                  <a:pt x="2513359" y="-25135"/>
+                  <a:pt x="2514918" y="-27119"/>
+                  <a:pt x="2776520" y="0"/>
+                </a:cubicBezTo>
+                <a:cubicBezTo>
+                  <a:pt x="3038122" y="27119"/>
+                  <a:pt x="3178771" y="18116"/>
+                  <a:pt x="3297875" y="0"/>
+                </a:cubicBezTo>
+                <a:cubicBezTo>
+                  <a:pt x="3416980" y="-18116"/>
+                  <a:pt x="4012240" y="-40869"/>
+                  <a:pt x="4243589" y="0"/>
+                </a:cubicBezTo>
+                <a:cubicBezTo>
+                  <a:pt x="4243987" y="7429"/>
+                  <a:pt x="4243569" y="10822"/>
+                  <a:pt x="4243589" y="18288"/>
+                </a:cubicBezTo>
+                <a:cubicBezTo>
+                  <a:pt x="4112949" y="-2855"/>
+                  <a:pt x="3928037" y="1831"/>
+                  <a:pt x="3637362" y="18288"/>
+                </a:cubicBezTo>
+                <a:cubicBezTo>
+                  <a:pt x="3346687" y="34745"/>
+                  <a:pt x="3254446" y="26669"/>
+                  <a:pt x="3116007" y="18288"/>
+                </a:cubicBezTo>
+                <a:cubicBezTo>
+                  <a:pt x="2977569" y="9907"/>
+                  <a:pt x="2620228" y="28873"/>
+                  <a:pt x="2424908" y="18288"/>
+                </a:cubicBezTo>
+                <a:cubicBezTo>
+                  <a:pt x="2229588" y="7703"/>
+                  <a:pt x="2088287" y="-3854"/>
+                  <a:pt x="1861117" y="18288"/>
+                </a:cubicBezTo>
+                <a:cubicBezTo>
+                  <a:pt x="1633947" y="40430"/>
+                  <a:pt x="1502447" y="-871"/>
+                  <a:pt x="1382198" y="18288"/>
+                </a:cubicBezTo>
+                <a:cubicBezTo>
+                  <a:pt x="1261949" y="37447"/>
+                  <a:pt x="1045440" y="28353"/>
+                  <a:pt x="733535" y="18288"/>
+                </a:cubicBezTo>
+                <a:cubicBezTo>
+                  <a:pt x="421630" y="8223"/>
+                  <a:pt x="341257" y="-18359"/>
+                  <a:pt x="0" y="18288"/>
+                </a:cubicBezTo>
+                <a:cubicBezTo>
+                  <a:pt x="-591" y="13205"/>
+                  <a:pt x="-663" y="6329"/>
+                  <a:pt x="0" y="0"/>
+                </a:cubicBezTo>
+                <a:close/>
+              </a:path>
+              <a:path w="4243589" h="18288" stroke="0" extrusionOk="0">
+                <a:moveTo>
+                  <a:pt x="0" y="0"/>
+                </a:moveTo>
+                <a:cubicBezTo>
+                  <a:pt x="128164" y="17204"/>
+                  <a:pt x="312653" y="1129"/>
+                  <a:pt x="563791" y="0"/>
+                </a:cubicBezTo>
+                <a:cubicBezTo>
+                  <a:pt x="814929" y="-1129"/>
+                  <a:pt x="837271" y="8503"/>
+                  <a:pt x="1042710" y="0"/>
+                </a:cubicBezTo>
+                <a:cubicBezTo>
+                  <a:pt x="1248149" y="-8503"/>
+                  <a:pt x="1588432" y="-28862"/>
+                  <a:pt x="1733809" y="0"/>
+                </a:cubicBezTo>
+                <a:cubicBezTo>
+                  <a:pt x="1879186" y="28862"/>
+                  <a:pt x="2052815" y="5974"/>
+                  <a:pt x="2297600" y="0"/>
+                </a:cubicBezTo>
+                <a:cubicBezTo>
+                  <a:pt x="2542385" y="-5974"/>
+                  <a:pt x="2699960" y="-23550"/>
+                  <a:pt x="2861391" y="0"/>
+                </a:cubicBezTo>
+                <a:cubicBezTo>
+                  <a:pt x="3022822" y="23550"/>
+                  <a:pt x="3390411" y="25272"/>
+                  <a:pt x="3552490" y="0"/>
+                </a:cubicBezTo>
+                <a:cubicBezTo>
+                  <a:pt x="3714569" y="-25272"/>
+                  <a:pt x="3950585" y="-31327"/>
+                  <a:pt x="4243589" y="0"/>
+                </a:cubicBezTo>
+                <a:cubicBezTo>
+                  <a:pt x="4242703" y="5429"/>
+                  <a:pt x="4244410" y="14046"/>
+                  <a:pt x="4243589" y="18288"/>
+                </a:cubicBezTo>
+                <a:cubicBezTo>
+                  <a:pt x="4130424" y="-1240"/>
+                  <a:pt x="3932803" y="42249"/>
+                  <a:pt x="3722234" y="18288"/>
+                </a:cubicBezTo>
+                <a:cubicBezTo>
+                  <a:pt x="3511665" y="-5673"/>
+                  <a:pt x="3269903" y="45994"/>
+                  <a:pt x="3116007" y="18288"/>
+                </a:cubicBezTo>
+                <a:cubicBezTo>
+                  <a:pt x="2962111" y="-9418"/>
+                  <a:pt x="2744280" y="23224"/>
+                  <a:pt x="2509780" y="18288"/>
+                </a:cubicBezTo>
+                <a:cubicBezTo>
+                  <a:pt x="2275280" y="13352"/>
+                  <a:pt x="2066059" y="43664"/>
+                  <a:pt x="1945989" y="18288"/>
+                </a:cubicBezTo>
+                <a:cubicBezTo>
+                  <a:pt x="1825919" y="-7088"/>
+                  <a:pt x="1407329" y="12616"/>
+                  <a:pt x="1254890" y="18288"/>
+                </a:cubicBezTo>
+                <a:cubicBezTo>
+                  <a:pt x="1102451" y="23960"/>
+                  <a:pt x="837950" y="31673"/>
+                  <a:pt x="563791" y="18288"/>
+                </a:cubicBezTo>
+                <a:cubicBezTo>
+                  <a:pt x="289632" y="4903"/>
+                  <a:pt x="132768" y="7105"/>
+                  <a:pt x="0" y="18288"/>
+                </a:cubicBezTo>
+                <a:cubicBezTo>
+                  <a:pt x="668" y="13665"/>
+                  <a:pt x="578" y="5675"/>
+                  <a:pt x="0" y="0"/>
+                </a:cubicBezTo>
+                <a:close/>
+              </a:path>
+            </a:pathLst>
+          </a:custGeom>
+          <a:solidFill>
+            <a:srgbClr val="FFFFFF">
+              <a:alpha val="75000"/>
+            </a:srgbClr>
+          </a:solidFill>
+          <a:ln w="41275" cap="rnd">
+            <a:solidFill>
+              <a:srgbClr val="FFFFFF">
+                <a:alpha val="75000"/>
+              </a:srgbClr>
+            </a:solidFill>
+            <a:round/>
+            <a:extLst>
+              <a:ext uri="{C807C97D-BFC1-408E-A445-0C87EB9F89A2}">
+                <ask:lineSketchStyleProps xmlns:ask="http://schemas.microsoft.com/office/drawing/2018/sketchyshapes" sd="1219033472">
+                  <a:prstGeom prst="rect">
+                    <a:avLst/>
+                  </a:prstGeom>
+                  <ask:type>
+                    <ask:lineSketchFreehand/>
+                  </ask:type>
+                </ask:lineSketchStyleProps>
+              </a:ext>
+            </a:extLst>
+          </a:ln>
+        </p:spPr>
+        <p:style>
+          <a:lnRef idx="2">
+            <a:schemeClr val="accent1">
+              <a:shade val="50000"/>
+            </a:schemeClr>
+          </a:lnRef>
+          <a:fillRef idx="1">
+            <a:schemeClr val="accent1"/>
+          </a:fillRef>
+          <a:effectRef idx="0">
+            <a:schemeClr val="accent1"/>
+          </a:effectRef>
+          <a:fontRef idx="minor">
+            <a:schemeClr val="lt1"/>
+          </a:fontRef>
+        </p:style>
+        <p:txBody>
+          <a:bodyPr rtlCol="0" anchor="ctr"/>
+          <a:lstStyle/>
+          <a:p>
+            <a:pPr algn="ctr"/>
+            <a:endParaRPr lang="en-US"/>
           </a:p>
         </p:txBody>
       </p:sp>
@@ -4302,7 +11097,7 @@
     </p:extLst>
   </p:cSld>
   <p:clrMapOvr>
-    <a:masterClrMapping/>
+    <a:overrideClrMapping bg1="dk1" tx1="lt1" bg2="dk2" tx2="lt2" accent1="accent1" accent2="accent2" accent3="accent3" accent4="accent4" accent5="accent5" accent6="accent6" hlink="hlink" folHlink="folHlink"/>
   </p:clrMapOvr>
 </p:sld>
 </file>
@@ -4346,72 +11141,39 @@
           <a:lstStyle/>
           <a:p>
             <a:r>
-              <a:rPr lang="en-US" dirty="0"/>
+              <a:rPr lang="en-US" b="1" u="sng" dirty="0"/>
               <a:t>Background</a:t>
             </a:r>
-            <a:endParaRPr lang="he-IL" dirty="0"/>
+            <a:endParaRPr lang="he-IL" b="1" u="sng" dirty="0"/>
           </a:p>
         </p:txBody>
       </p:sp>
-      <p:sp>
-        <p:nvSpPr>
-          <p:cNvPr id="3" name="Content Placeholder 2">
+      <p:graphicFrame>
+        <p:nvGraphicFramePr>
+          <p:cNvPr id="7" name="Content Placeholder 2">
             <a:extLst>
               <a:ext uri="{FF2B5EF4-FFF2-40B4-BE49-F238E27FC236}">
-                <a16:creationId xmlns:a16="http://schemas.microsoft.com/office/drawing/2014/main" id="{9FE791C5-C011-4CCA-A526-509CC4B788FD}"/>
+                <a16:creationId xmlns:a16="http://schemas.microsoft.com/office/drawing/2014/main" id="{57B61FAF-86D5-4201-A987-5B6C300B998B}"/>
               </a:ext>
             </a:extLst>
           </p:cNvPr>
-          <p:cNvSpPr>
-            <a:spLocks noGrp="1"/>
-          </p:cNvSpPr>
+          <p:cNvGraphicFramePr>
+            <a:graphicFrameLocks noGrp="1"/>
+          </p:cNvGraphicFramePr>
           <p:nvPr>
             <p:ph idx="1"/>
           </p:nvPr>
-        </p:nvSpPr>
-        <p:spPr/>
-        <p:txBody>
-          <a:bodyPr/>
-          <a:lstStyle/>
-          <a:p>
-            <a:r>
-              <a:rPr lang="en-US" dirty="0"/>
-              <a:t>Why Stablecoins?</a:t>
-            </a:r>
-          </a:p>
-          <a:p>
-            <a:pPr lvl="1"/>
-            <a:r>
-              <a:rPr lang="en-US" dirty="0"/>
-              <a:t>The common cryptocurrencies (BTC, ETH, etc.) suffer from high volatility in their valuations.</a:t>
-            </a:r>
-            <a:br>
-              <a:rPr lang="en-US" dirty="0"/>
-            </a:br>
-            <a:endParaRPr lang="en-US" dirty="0"/>
-          </a:p>
-          <a:p>
-            <a:r>
-              <a:rPr lang="en-US" dirty="0"/>
-              <a:t>What are Stablecoins?</a:t>
-            </a:r>
-          </a:p>
-          <a:p>
-            <a:pPr lvl="1"/>
-            <a:r>
-              <a:rPr lang="en-US" dirty="0"/>
-              <a:t>Cryptocurrencies which try to </a:t>
-            </a:r>
-            <a:r>
-              <a:rPr lang="en-US" b="0" i="0" dirty="0">
-                <a:effectLst/>
-                <a:latin typeface="acumin-pro"/>
-              </a:rPr>
-              <a:t>tackle price fluctuations by tying their value to other more stable assets – usually fiat.</a:t>
-            </a:r>
-          </a:p>
-        </p:txBody>
-      </p:sp>
+        </p:nvGraphicFramePr>
+        <p:xfrm>
+          <a:off x="838200" y="1825625"/>
+          <a:ext cx="10515600" cy="4351338"/>
+        </p:xfrm>
+        <a:graphic>
+          <a:graphicData uri="http://schemas.openxmlformats.org/drawingml/2006/diagram">
+            <dgm:relIds xmlns:dgm="http://schemas.openxmlformats.org/drawingml/2006/diagram" xmlns:r="http://schemas.openxmlformats.org/officeDocument/2006/relationships" r:dm="rId2" r:lo="rId3" r:qs="rId4" r:cs="rId5"/>
+          </a:graphicData>
+        </a:graphic>
+      </p:graphicFrame>
     </p:spTree>
     <p:extLst>
       <p:ext uri="{BB962C8B-B14F-4D97-AF65-F5344CB8AC3E}">
@@ -4464,148 +11226,44 @@
           <a:lstStyle/>
           <a:p>
             <a:r>
-              <a:rPr lang="en-US" dirty="0"/>
+              <a:rPr lang="en-US" b="1" u="sng" dirty="0"/>
               <a:t>Background</a:t>
             </a:r>
-            <a:endParaRPr lang="he-IL" dirty="0"/>
+            <a:endParaRPr lang="he-IL" b="1" u="sng" dirty="0"/>
           </a:p>
         </p:txBody>
       </p:sp>
-      <p:sp>
-        <p:nvSpPr>
-          <p:cNvPr id="3" name="Content Placeholder 2">
+      <p:graphicFrame>
+        <p:nvGraphicFramePr>
+          <p:cNvPr id="5" name="Content Placeholder 2">
             <a:extLst>
               <a:ext uri="{FF2B5EF4-FFF2-40B4-BE49-F238E27FC236}">
-                <a16:creationId xmlns:a16="http://schemas.microsoft.com/office/drawing/2014/main" id="{9FE791C5-C011-4CCA-A526-509CC4B788FD}"/>
+                <a16:creationId xmlns:a16="http://schemas.microsoft.com/office/drawing/2014/main" id="{F625BDFA-8E49-4CBB-BE86-3A9260460A4A}"/>
               </a:ext>
             </a:extLst>
           </p:cNvPr>
-          <p:cNvSpPr>
-            <a:spLocks noGrp="1"/>
-          </p:cNvSpPr>
+          <p:cNvGraphicFramePr>
+            <a:graphicFrameLocks noGrp="1"/>
+          </p:cNvGraphicFramePr>
           <p:nvPr>
             <p:ph idx="1"/>
+            <p:extLst>
+              <p:ext uri="{D42A27DB-BD31-4B8C-83A1-F6EECF244321}">
+                <p14:modId xmlns:p14="http://schemas.microsoft.com/office/powerpoint/2010/main" val="2877319638"/>
+              </p:ext>
+            </p:extLst>
           </p:nvPr>
-        </p:nvSpPr>
-        <p:spPr/>
-        <p:txBody>
-          <a:bodyPr/>
-          <a:lstStyle/>
-          <a:p>
-            <a:r>
-              <a:rPr lang="en-US" dirty="0">
-                <a:latin typeface="acumin-pro"/>
-              </a:rPr>
-              <a:t>Types of Stablecoins:</a:t>
-            </a:r>
-          </a:p>
-          <a:p>
-            <a:pPr marL="914400" lvl="1" indent="-457200">
-              <a:buFont typeface="+mj-lt"/>
-              <a:buAutoNum type="arabicPeriod"/>
-            </a:pPr>
-            <a:r>
-              <a:rPr lang="en-US" b="0" i="0" dirty="0">
-                <a:solidFill>
-                  <a:srgbClr val="111111"/>
-                </a:solidFill>
-                <a:effectLst/>
-                <a:latin typeface="Cabin-semi-bold"/>
-              </a:rPr>
-              <a:t>Fiat-Collateralized </a:t>
-            </a:r>
-            <a:r>
-              <a:rPr lang="en-US" b="0" i="0" dirty="0">
-                <a:solidFill>
-                  <a:srgbClr val="111111"/>
-                </a:solidFill>
-                <a:effectLst/>
-                <a:latin typeface="SourceSansPro"/>
-              </a:rPr>
-              <a:t>Stablecoins</a:t>
-            </a:r>
-            <a:endParaRPr lang="en-US" b="0" i="0" dirty="0">
-              <a:solidFill>
-                <a:srgbClr val="111111"/>
-              </a:solidFill>
-              <a:effectLst/>
-              <a:latin typeface="Cabin-semi-bold"/>
-            </a:endParaRPr>
-          </a:p>
-          <a:p>
-            <a:pPr marL="914400" lvl="1" indent="-457200">
-              <a:buFont typeface="+mj-lt"/>
-              <a:buAutoNum type="arabicPeriod"/>
-            </a:pPr>
-            <a:r>
-              <a:rPr lang="en-US" b="0" i="0" dirty="0">
-                <a:solidFill>
-                  <a:srgbClr val="111111"/>
-                </a:solidFill>
-                <a:effectLst/>
-                <a:latin typeface="Cabin-semi-bold"/>
-              </a:rPr>
-              <a:t>Crypto-Collateralized </a:t>
-            </a:r>
-            <a:r>
-              <a:rPr lang="en-US" b="0" i="0" dirty="0">
-                <a:solidFill>
-                  <a:srgbClr val="111111"/>
-                </a:solidFill>
-                <a:effectLst/>
-                <a:latin typeface="SourceSansPro"/>
-              </a:rPr>
-              <a:t>Stablecoins</a:t>
-            </a:r>
-            <a:endParaRPr lang="en-US" b="0" i="0" dirty="0">
-              <a:solidFill>
-                <a:srgbClr val="111111"/>
-              </a:solidFill>
-              <a:effectLst/>
-              <a:latin typeface="Cabin-semi-bold"/>
-            </a:endParaRPr>
-          </a:p>
-          <a:p>
-            <a:pPr marL="914400" lvl="1" indent="-457200">
-              <a:buFont typeface="+mj-lt"/>
-              <a:buAutoNum type="arabicPeriod"/>
-            </a:pPr>
-            <a:r>
-              <a:rPr lang="en-US" b="0" i="0" dirty="0">
-                <a:solidFill>
-                  <a:srgbClr val="00B050"/>
-                </a:solidFill>
-                <a:effectLst/>
-                <a:latin typeface="SourceSansPro"/>
-              </a:rPr>
-              <a:t>Non-Collateralized (algorithmic) Stablecoins</a:t>
-            </a:r>
-          </a:p>
-          <a:p>
-            <a:pPr marL="914400" lvl="1" indent="-457200">
-              <a:buFont typeface="+mj-lt"/>
-              <a:buAutoNum type="arabicPeriod"/>
-            </a:pPr>
-            <a:endParaRPr lang="en-US" b="0" i="0" dirty="0">
-              <a:effectLst/>
-              <a:latin typeface="acumin-pro"/>
-            </a:endParaRPr>
-          </a:p>
-          <a:p>
-            <a:r>
-              <a:rPr lang="en-US" dirty="0"/>
-              <a:t>Algorithmic Stablecoins:</a:t>
-            </a:r>
-          </a:p>
-          <a:p>
-            <a:pPr lvl="1"/>
-            <a:r>
-              <a:rPr lang="en-US" dirty="0"/>
-              <a:t>Do not use any reserve, but include a working mechanism, like that of a central bank, to retain a stable price. </a:t>
-            </a:r>
-          </a:p>
-        </p:txBody>
-      </p:sp>
+        </p:nvGraphicFramePr>
+        <p:xfrm>
+          <a:off x="838200" y="1825625"/>
+          <a:ext cx="10515600" cy="4351338"/>
+        </p:xfrm>
+        <a:graphic>
+          <a:graphicData uri="http://schemas.openxmlformats.org/drawingml/2006/diagram">
+            <dgm:relIds xmlns:dgm="http://schemas.openxmlformats.org/drawingml/2006/diagram" xmlns:r="http://schemas.openxmlformats.org/officeDocument/2006/relationships" r:dm="rId2" r:lo="rId3" r:qs="rId4" r:cs="rId5"/>
+          </a:graphicData>
+        </a:graphic>
+      </p:graphicFrame>
     </p:spTree>
     <p:extLst>
       <p:ext uri="{BB962C8B-B14F-4D97-AF65-F5344CB8AC3E}">
@@ -4622,6 +11280,14 @@
 <file path=ppt/slides/slide4.xml><?xml version="1.0" encoding="utf-8"?>
 <p:sld xmlns:a="http://schemas.openxmlformats.org/drawingml/2006/main" xmlns:r="http://schemas.openxmlformats.org/officeDocument/2006/relationships" xmlns:p="http://schemas.openxmlformats.org/presentationml/2006/main">
   <p:cSld>
+    <p:bg>
+      <p:bgPr>
+        <a:solidFill>
+          <a:schemeClr val="bg1"/>
+        </a:solidFill>
+        <a:effectLst/>
+      </p:bgPr>
+    </p:bg>
     <p:spTree>
       <p:nvGrpSpPr>
         <p:cNvPr id="1" name=""/>
@@ -4638,6 +11304,69 @@
       </p:grpSpPr>
       <p:sp>
         <p:nvSpPr>
+          <p:cNvPr id="1048" name="Rectangle 90">
+            <a:extLst>
+              <a:ext uri="{FF2B5EF4-FFF2-40B4-BE49-F238E27FC236}">
+                <a16:creationId xmlns:a16="http://schemas.microsoft.com/office/drawing/2014/main" id="{2B566528-1B12-4246-9431-5C2D7D081168}"/>
+              </a:ext>
+              <a:ext uri="{C183D7F6-B498-43B3-948B-1728B52AA6E4}">
+                <adec:decorative xmlns:adec="http://schemas.microsoft.com/office/drawing/2017/decorative" val="1"/>
+              </a:ext>
+            </a:extLst>
+          </p:cNvPr>
+          <p:cNvSpPr>
+            <a:spLocks noGrp="1" noRot="1" noChangeAspect="1" noMove="1" noResize="1" noEditPoints="1" noAdjustHandles="1" noChangeArrowheads="1" noChangeShapeType="1" noTextEdit="1"/>
+          </p:cNvSpPr>
+          <p:nvPr>
+            <p:extLst>
+              <p:ext uri="{386F3935-93C4-4BCD-93E2-E3B085C9AB24}">
+                <p16:designElem xmlns:p16="http://schemas.microsoft.com/office/powerpoint/2015/main" val="1"/>
+              </p:ext>
+            </p:extLst>
+          </p:nvPr>
+        </p:nvSpPr>
+        <p:spPr>
+          <a:xfrm>
+            <a:off x="0" y="0"/>
+            <a:ext cx="12192000" cy="6858000"/>
+          </a:xfrm>
+          <a:prstGeom prst="rect">
+            <a:avLst/>
+          </a:prstGeom>
+          <a:solidFill>
+            <a:schemeClr val="bg1"/>
+          </a:solidFill>
+          <a:ln>
+            <a:noFill/>
+          </a:ln>
+        </p:spPr>
+        <p:style>
+          <a:lnRef idx="2">
+            <a:schemeClr val="accent1">
+              <a:shade val="50000"/>
+            </a:schemeClr>
+          </a:lnRef>
+          <a:fillRef idx="1">
+            <a:schemeClr val="accent1"/>
+          </a:fillRef>
+          <a:effectRef idx="0">
+            <a:schemeClr val="accent1"/>
+          </a:effectRef>
+          <a:fontRef idx="minor">
+            <a:schemeClr val="lt1"/>
+          </a:fontRef>
+        </p:style>
+        <p:txBody>
+          <a:bodyPr rtlCol="0" anchor="ctr"/>
+          <a:lstStyle/>
+          <a:p>
+            <a:pPr algn="ctr"/>
+            <a:endParaRPr lang="en-US" dirty="0"/>
+          </a:p>
+        </p:txBody>
+      </p:sp>
+      <p:sp>
+        <p:nvSpPr>
           <p:cNvPr id="2" name="Title 1">
             <a:extLst>
               <a:ext uri="{FF2B5EF4-FFF2-40B4-BE49-F238E27FC236}">
@@ -4652,22 +11381,29 @@
             <p:ph type="title"/>
           </p:nvPr>
         </p:nvSpPr>
-        <p:spPr/>
+        <p:spPr>
+          <a:xfrm>
+            <a:off x="643467" y="321734"/>
+            <a:ext cx="5434008" cy="1461247"/>
+          </a:xfrm>
+        </p:spPr>
         <p:txBody>
-          <a:bodyPr/>
+          <a:bodyPr>
+            <a:normAutofit/>
+          </a:bodyPr>
           <a:lstStyle/>
           <a:p>
             <a:r>
-              <a:rPr lang="en-US" dirty="0"/>
+              <a:rPr lang="en-US" b="1" u="sng" dirty="0"/>
               <a:t>Project’s Environment</a:t>
             </a:r>
-            <a:endParaRPr lang="he-IL" dirty="0"/>
+            <a:endParaRPr lang="he-IL" b="1" u="sng" dirty="0"/>
           </a:p>
         </p:txBody>
       </p:sp>
       <p:sp>
         <p:nvSpPr>
-          <p:cNvPr id="3" name="Content Placeholder 2">
+          <p:cNvPr id="33" name="Content Placeholder 2">
             <a:extLst>
               <a:ext uri="{FF2B5EF4-FFF2-40B4-BE49-F238E27FC236}">
                 <a16:creationId xmlns:a16="http://schemas.microsoft.com/office/drawing/2014/main" id="{173078F7-5522-4183-AC00-8DDC26319836}"/>
@@ -4681,10 +11417,15 @@
             <p:ph idx="1"/>
           </p:nvPr>
         </p:nvSpPr>
-        <p:spPr/>
+        <p:spPr>
+          <a:xfrm>
+            <a:off x="643468" y="1782981"/>
+            <a:ext cx="4970877" cy="4393982"/>
+          </a:xfrm>
+        </p:spPr>
         <p:txBody>
           <a:bodyPr>
-            <a:normAutofit fontScale="92500" lnSpcReduction="10000"/>
+            <a:normAutofit/>
           </a:bodyPr>
           <a:lstStyle/>
           <a:p>
@@ -4692,65 +11433,591 @@
               <a:buNone/>
             </a:pPr>
             <a:r>
-              <a:rPr lang="en-US" sz="3600" b="1" dirty="0"/>
+              <a:rPr lang="en-US" sz="2000" b="1"/>
               <a:t>Tools:</a:t>
             </a:r>
-            <a:endParaRPr lang="en-US" b="1" dirty="0"/>
-          </a:p>
-          <a:p>
-            <a:r>
-              <a:rPr lang="en-US" dirty="0"/>
+          </a:p>
+          <a:p>
+            <a:pPr lvl="1"/>
+            <a:r>
+              <a:rPr lang="en-US" sz="2000"/>
               <a:t>Ganache – sets-up a local Ethereum test-net</a:t>
             </a:r>
           </a:p>
           <a:p>
-            <a:r>
-              <a:rPr lang="en-US" dirty="0"/>
+            <a:pPr lvl="1"/>
+            <a:r>
+              <a:rPr lang="en-US" sz="2000"/>
               <a:t>Truffle – A development framework for Ethereum</a:t>
             </a:r>
           </a:p>
           <a:p>
-            <a:r>
-              <a:rPr lang="en-US" dirty="0"/>
+            <a:pPr lvl="1"/>
+            <a:r>
+              <a:rPr lang="en-US" sz="2000"/>
               <a:t>NodeJS – JavaScript run-time platform</a:t>
             </a:r>
           </a:p>
           <a:p>
-            <a:endParaRPr lang="en-US" dirty="0"/>
+            <a:endParaRPr lang="en-US" sz="2000"/>
           </a:p>
           <a:p>
             <a:pPr marL="0" indent="0">
               <a:buNone/>
             </a:pPr>
             <a:r>
-              <a:rPr lang="en-US" sz="3600" b="1" dirty="0"/>
+              <a:rPr lang="en-US" sz="2000" b="1"/>
               <a:t>Languages:</a:t>
             </a:r>
           </a:p>
           <a:p>
-            <a:r>
-              <a:rPr lang="en-US" dirty="0"/>
+            <a:pPr lvl="1"/>
+            <a:r>
+              <a:rPr lang="en-US" sz="2000"/>
               <a:t>Solidity – Ethereum’s smart contracts language</a:t>
             </a:r>
           </a:p>
           <a:p>
-            <a:r>
-              <a:rPr lang="en-US" dirty="0"/>
+            <a:pPr lvl="1"/>
+            <a:r>
+              <a:rPr lang="en-US" sz="2000"/>
               <a:t>JavaScript – testing and running the smart contracts</a:t>
             </a:r>
           </a:p>
           <a:p>
-            <a:r>
-              <a:rPr lang="en-US" dirty="0"/>
+            <a:pPr lvl="1"/>
+            <a:r>
+              <a:rPr lang="en-US" sz="2000"/>
               <a:t>Python – for the show-off  </a:t>
             </a:r>
             <a:r>
-              <a:rPr lang="en-US" dirty="0">
+              <a:rPr lang="en-US" sz="2000">
                 <a:sym typeface="Wingdings" panose="05000000000000000000" pitchFamily="2" charset="2"/>
               </a:rPr>
               <a:t></a:t>
             </a:r>
-            <a:endParaRPr lang="he-IL" dirty="0"/>
+            <a:endParaRPr lang="he-IL" sz="2000"/>
+          </a:p>
+        </p:txBody>
+      </p:sp>
+      <p:pic>
+        <p:nvPicPr>
+          <p:cNvPr id="1032" name="Picture 8" descr="Ganache | Overview | Documentation | Truffle Suite">
+            <a:extLst>
+              <a:ext uri="{FF2B5EF4-FFF2-40B4-BE49-F238E27FC236}">
+                <a16:creationId xmlns:a16="http://schemas.microsoft.com/office/drawing/2014/main" id="{7FE823CF-BC57-428F-AF5E-8E40FA4CD888}"/>
+              </a:ext>
+            </a:extLst>
+          </p:cNvPr>
+          <p:cNvPicPr>
+            <a:picLocks noChangeAspect="1" noChangeArrowheads="1"/>
+          </p:cNvPicPr>
+          <p:nvPr/>
+        </p:nvPicPr>
+        <p:blipFill>
+          <a:blip r:embed="rId2">
+            <a:extLst>
+              <a:ext uri="{28A0092B-C50C-407E-A947-70E740481C1C}">
+                <a14:useLocalDpi xmlns:a14="http://schemas.microsoft.com/office/drawing/2010/main" val="0"/>
+              </a:ext>
+            </a:extLst>
+          </a:blip>
+          <a:stretch>
+            <a:fillRect/>
+          </a:stretch>
+        </p:blipFill>
+        <p:spPr bwMode="auto">
+          <a:xfrm>
+            <a:off x="6666316" y="643467"/>
+            <a:ext cx="1788831" cy="2757370"/>
+          </a:xfrm>
+          <a:prstGeom prst="rect">
+            <a:avLst/>
+          </a:prstGeom>
+          <a:noFill/>
+          <a:extLst>
+            <a:ext uri="{909E8E84-426E-40DD-AFC4-6F175D3DCCD1}">
+              <a14:hiddenFill xmlns:a14="http://schemas.microsoft.com/office/drawing/2010/main">
+                <a:solidFill>
+                  <a:srgbClr val="FFFFFF"/>
+                </a:solidFill>
+              </a14:hiddenFill>
+            </a:ext>
+          </a:extLst>
+        </p:spPr>
+      </p:pic>
+      <p:pic>
+        <p:nvPicPr>
+          <p:cNvPr id="1040" name="Picture 16" descr="node_js – ab-it">
+            <a:extLst>
+              <a:ext uri="{FF2B5EF4-FFF2-40B4-BE49-F238E27FC236}">
+                <a16:creationId xmlns:a16="http://schemas.microsoft.com/office/drawing/2014/main" id="{562BB2EB-DFFB-4FFA-BEC1-D5C5FAE73EC5}"/>
+              </a:ext>
+            </a:extLst>
+          </p:cNvPr>
+          <p:cNvPicPr>
+            <a:picLocks noChangeAspect="1" noChangeArrowheads="1"/>
+          </p:cNvPicPr>
+          <p:nvPr/>
+        </p:nvPicPr>
+        <p:blipFill>
+          <a:blip r:embed="rId3">
+            <a:extLst>
+              <a:ext uri="{28A0092B-C50C-407E-A947-70E740481C1C}">
+                <a14:useLocalDpi xmlns:a14="http://schemas.microsoft.com/office/drawing/2010/main" val="0"/>
+              </a:ext>
+            </a:extLst>
+          </a:blip>
+          <a:stretch>
+            <a:fillRect/>
+          </a:stretch>
+        </p:blipFill>
+        <p:spPr bwMode="auto">
+          <a:xfrm>
+            <a:off x="9043988" y="643467"/>
+            <a:ext cx="2392018" cy="2757370"/>
+          </a:xfrm>
+          <a:prstGeom prst="rect">
+            <a:avLst/>
+          </a:prstGeom>
+          <a:noFill/>
+          <a:extLst>
+            <a:ext uri="{909E8E84-426E-40DD-AFC4-6F175D3DCCD1}">
+              <a14:hiddenFill xmlns:a14="http://schemas.microsoft.com/office/drawing/2010/main">
+                <a:solidFill>
+                  <a:srgbClr val="FFFFFF"/>
+                </a:solidFill>
+              </a14:hiddenFill>
+            </a:ext>
+          </a:extLst>
+        </p:spPr>
+      </p:pic>
+      <p:grpSp>
+        <p:nvGrpSpPr>
+          <p:cNvPr id="1049" name="Group 92">
+            <a:extLst>
+              <a:ext uri="{FF2B5EF4-FFF2-40B4-BE49-F238E27FC236}">
+                <a16:creationId xmlns:a16="http://schemas.microsoft.com/office/drawing/2014/main" id="{F0C759C5-888E-44FA-9101-1ED00E9671DE}"/>
+              </a:ext>
+              <a:ext uri="{C183D7F6-B498-43B3-948B-1728B52AA6E4}">
+                <adec:decorative xmlns:adec="http://schemas.microsoft.com/office/drawing/2017/decorative" val="1"/>
+              </a:ext>
+            </a:extLst>
+          </p:cNvPr>
+          <p:cNvGrpSpPr>
+            <a:grpSpLocks noGrp="1" noUngrp="1" noRot="1" noChangeAspect="1" noMove="1" noResize="1"/>
+          </p:cNvGrpSpPr>
+          <p:nvPr>
+            <p:extLst>
+              <p:ext uri="{386F3935-93C4-4BCD-93E2-E3B085C9AB24}">
+                <p16:designElem xmlns:p16="http://schemas.microsoft.com/office/powerpoint/2015/main" val="1"/>
+              </p:ext>
+            </p:extLst>
+          </p:nvPr>
+        </p:nvGrpSpPr>
+        <p:grpSpPr>
+          <a:xfrm>
+            <a:off x="11094720" y="0"/>
+            <a:ext cx="1097280" cy="1097280"/>
+            <a:chOff x="11094720" y="0"/>
+            <a:chExt cx="1097280" cy="1097280"/>
+          </a:xfrm>
+        </p:grpSpPr>
+        <p:sp>
+          <p:nvSpPr>
+            <p:cNvPr id="94" name="Isosceles Triangle 93">
+              <a:extLst>
+                <a:ext uri="{FF2B5EF4-FFF2-40B4-BE49-F238E27FC236}">
+                  <a16:creationId xmlns:a16="http://schemas.microsoft.com/office/drawing/2014/main" id="{3C51EF81-4916-42EE-B4B6-F0E4EF81EF0C}"/>
+                </a:ext>
+                <a:ext uri="{C183D7F6-B498-43B3-948B-1728B52AA6E4}">
+                  <adec:decorative xmlns:adec="http://schemas.microsoft.com/office/drawing/2017/decorative" val="1"/>
+                </a:ext>
+              </a:extLst>
+            </p:cNvPr>
+            <p:cNvSpPr/>
+            <p:nvPr>
+              <p:extLst>
+                <p:ext uri="{386F3935-93C4-4BCD-93E2-E3B085C9AB24}">
+                  <p16:designElem xmlns:p16="http://schemas.microsoft.com/office/powerpoint/2015/main" val="1"/>
+                </p:ext>
+              </p:extLst>
+            </p:nvPr>
+          </p:nvSpPr>
+          <p:spPr>
+            <a:xfrm rot="16200000">
+              <a:off x="11094720" y="0"/>
+              <a:ext cx="1097280" cy="1097280"/>
+            </a:xfrm>
+            <a:prstGeom prst="triangle">
+              <a:avLst>
+                <a:gd name="adj" fmla="val 100000"/>
+              </a:avLst>
+            </a:prstGeom>
+            <a:solidFill>
+              <a:schemeClr val="accent4">
+                <a:alpha val="30000"/>
+              </a:schemeClr>
+            </a:solidFill>
+            <a:ln>
+              <a:noFill/>
+            </a:ln>
+          </p:spPr>
+          <p:style>
+            <a:lnRef idx="2">
+              <a:schemeClr val="accent1">
+                <a:shade val="50000"/>
+              </a:schemeClr>
+            </a:lnRef>
+            <a:fillRef idx="1">
+              <a:schemeClr val="accent1"/>
+            </a:fillRef>
+            <a:effectRef idx="0">
+              <a:schemeClr val="accent1"/>
+            </a:effectRef>
+            <a:fontRef idx="minor">
+              <a:schemeClr val="lt1"/>
+            </a:fontRef>
+          </p:style>
+          <p:txBody>
+            <a:bodyPr rtlCol="0" anchor="ctr"/>
+            <a:lstStyle/>
+            <a:p>
+              <a:pPr algn="ctr"/>
+              <a:endParaRPr lang="en-US" dirty="0"/>
+            </a:p>
+          </p:txBody>
+        </p:sp>
+        <p:sp>
+          <p:nvSpPr>
+            <p:cNvPr id="1050" name="Rectangle 94">
+              <a:extLst>
+                <a:ext uri="{FF2B5EF4-FFF2-40B4-BE49-F238E27FC236}">
+                  <a16:creationId xmlns:a16="http://schemas.microsoft.com/office/drawing/2014/main" id="{3361798A-E4B3-4C93-90E4-02D60CEB54C1}"/>
+                </a:ext>
+                <a:ext uri="{C183D7F6-B498-43B3-948B-1728B52AA6E4}">
+                  <adec:decorative xmlns:adec="http://schemas.microsoft.com/office/drawing/2017/decorative" val="1"/>
+                </a:ext>
+              </a:extLst>
+            </p:cNvPr>
+            <p:cNvSpPr/>
+            <p:nvPr>
+              <p:extLst>
+                <p:ext uri="{386F3935-93C4-4BCD-93E2-E3B085C9AB24}">
+                  <p16:designElem xmlns:p16="http://schemas.microsoft.com/office/powerpoint/2015/main" val="1"/>
+                </p:ext>
+              </p:extLst>
+            </p:nvPr>
+          </p:nvSpPr>
+          <p:spPr>
+            <a:xfrm rot="2700000">
+              <a:off x="11189552" y="127618"/>
+              <a:ext cx="457894" cy="457894"/>
+            </a:xfrm>
+            <a:prstGeom prst="rect">
+              <a:avLst/>
+            </a:prstGeom>
+            <a:solidFill>
+              <a:schemeClr val="accent4">
+                <a:alpha val="30000"/>
+              </a:schemeClr>
+            </a:solidFill>
+            <a:ln>
+              <a:noFill/>
+            </a:ln>
+          </p:spPr>
+          <p:style>
+            <a:lnRef idx="2">
+              <a:schemeClr val="accent1">
+                <a:shade val="50000"/>
+              </a:schemeClr>
+            </a:lnRef>
+            <a:fillRef idx="1">
+              <a:schemeClr val="accent1"/>
+            </a:fillRef>
+            <a:effectRef idx="0">
+              <a:schemeClr val="accent1"/>
+            </a:effectRef>
+            <a:fontRef idx="minor">
+              <a:schemeClr val="lt1"/>
+            </a:fontRef>
+          </p:style>
+          <p:txBody>
+            <a:bodyPr rtlCol="0" anchor="ctr"/>
+            <a:lstStyle/>
+            <a:p>
+              <a:pPr algn="ctr"/>
+              <a:endParaRPr lang="en-US"/>
+            </a:p>
+          </p:txBody>
+        </p:sp>
+      </p:grpSp>
+      <p:sp>
+        <p:nvSpPr>
+          <p:cNvPr id="1051" name="Isosceles Triangle 96">
+            <a:extLst>
+              <a:ext uri="{FF2B5EF4-FFF2-40B4-BE49-F238E27FC236}">
+                <a16:creationId xmlns:a16="http://schemas.microsoft.com/office/drawing/2014/main" id="{D3F51FEB-38FB-4F6C-9F7B-2F2AFAB65463}"/>
+              </a:ext>
+              <a:ext uri="{C183D7F6-B498-43B3-948B-1728B52AA6E4}">
+                <adec:decorative xmlns:adec="http://schemas.microsoft.com/office/drawing/2017/decorative" val="1"/>
+              </a:ext>
+            </a:extLst>
+          </p:cNvPr>
+          <p:cNvSpPr>
+            <a:spLocks noGrp="1" noRot="1" noChangeAspect="1" noMove="1" noResize="1" noEditPoints="1" noAdjustHandles="1" noChangeArrowheads="1" noChangeShapeType="1" noTextEdit="1"/>
+          </p:cNvSpPr>
+          <p:nvPr>
+            <p:extLst>
+              <p:ext uri="{386F3935-93C4-4BCD-93E2-E3B085C9AB24}">
+                <p16:designElem xmlns:p16="http://schemas.microsoft.com/office/powerpoint/2015/main" val="1"/>
+              </p:ext>
+            </p:extLst>
+          </p:nvPr>
+        </p:nvSpPr>
+        <p:spPr>
+          <a:xfrm rot="5400000">
+            <a:off x="-501760" y="5103257"/>
+            <a:ext cx="2017580" cy="1014060"/>
+          </a:xfrm>
+          <a:prstGeom prst="triangle">
+            <a:avLst>
+              <a:gd name="adj" fmla="val 50000"/>
+            </a:avLst>
+          </a:prstGeom>
+          <a:solidFill>
+            <a:schemeClr val="accent1">
+              <a:alpha val="30000"/>
+            </a:schemeClr>
+          </a:solidFill>
+          <a:ln>
+            <a:noFill/>
+          </a:ln>
+        </p:spPr>
+        <p:style>
+          <a:lnRef idx="2">
+            <a:schemeClr val="accent1">
+              <a:shade val="50000"/>
+            </a:schemeClr>
+          </a:lnRef>
+          <a:fillRef idx="1">
+            <a:schemeClr val="accent1"/>
+          </a:fillRef>
+          <a:effectRef idx="0">
+            <a:schemeClr val="accent1"/>
+          </a:effectRef>
+          <a:fontRef idx="minor">
+            <a:schemeClr val="lt1"/>
+          </a:fontRef>
+        </p:style>
+        <p:txBody>
+          <a:bodyPr rtlCol="0" anchor="ctr"/>
+          <a:lstStyle/>
+          <a:p>
+            <a:pPr algn="ctr"/>
+            <a:endParaRPr lang="en-US"/>
+          </a:p>
+        </p:txBody>
+      </p:sp>
+      <p:sp>
+        <p:nvSpPr>
+          <p:cNvPr id="1052" name="Rectangle 98">
+            <a:extLst>
+              <a:ext uri="{FF2B5EF4-FFF2-40B4-BE49-F238E27FC236}">
+                <a16:creationId xmlns:a16="http://schemas.microsoft.com/office/drawing/2014/main" id="{1E547BA6-BAE0-43BB-A7CA-60F69CE252F0}"/>
+              </a:ext>
+              <a:ext uri="{C183D7F6-B498-43B3-948B-1728B52AA6E4}">
+                <adec:decorative xmlns:adec="http://schemas.microsoft.com/office/drawing/2017/decorative" val="1"/>
+              </a:ext>
+            </a:extLst>
+          </p:cNvPr>
+          <p:cNvSpPr>
+            <a:spLocks noGrp="1" noRot="1" noChangeAspect="1" noMove="1" noResize="1" noEditPoints="1" noAdjustHandles="1" noChangeArrowheads="1" noChangeShapeType="1" noTextEdit="1"/>
+          </p:cNvSpPr>
+          <p:nvPr>
+            <p:extLst>
+              <p:ext uri="{386F3935-93C4-4BCD-93E2-E3B085C9AB24}">
+                <p16:designElem xmlns:p16="http://schemas.microsoft.com/office/powerpoint/2015/main" val="1"/>
+              </p:ext>
+            </p:extLst>
+          </p:nvPr>
+        </p:nvSpPr>
+        <p:spPr>
+          <a:xfrm rot="2700000">
+            <a:off x="427916" y="5728708"/>
+            <a:ext cx="485578" cy="485578"/>
+          </a:xfrm>
+          <a:prstGeom prst="rect">
+            <a:avLst/>
+          </a:prstGeom>
+          <a:solidFill>
+            <a:schemeClr val="accent1">
+              <a:alpha val="30000"/>
+            </a:schemeClr>
+          </a:solidFill>
+          <a:ln>
+            <a:noFill/>
+          </a:ln>
+        </p:spPr>
+        <p:style>
+          <a:lnRef idx="2">
+            <a:schemeClr val="accent1">
+              <a:shade val="50000"/>
+            </a:schemeClr>
+          </a:lnRef>
+          <a:fillRef idx="1">
+            <a:schemeClr val="accent1"/>
+          </a:fillRef>
+          <a:effectRef idx="0">
+            <a:schemeClr val="accent1"/>
+          </a:effectRef>
+          <a:fontRef idx="minor">
+            <a:schemeClr val="lt1"/>
+          </a:fontRef>
+        </p:style>
+        <p:txBody>
+          <a:bodyPr rtlCol="0" anchor="ctr"/>
+          <a:lstStyle/>
+          <a:p>
+            <a:pPr algn="ctr"/>
+            <a:endParaRPr lang="en-US"/>
+          </a:p>
+        </p:txBody>
+      </p:sp>
+      <p:pic>
+        <p:nvPicPr>
+          <p:cNvPr id="1038" name="Picture 14" descr="GitHub - trufflesuite/truffle: A tool for developing smart contracts.  Crafted with the finest cacaos.">
+            <a:extLst>
+              <a:ext uri="{FF2B5EF4-FFF2-40B4-BE49-F238E27FC236}">
+                <a16:creationId xmlns:a16="http://schemas.microsoft.com/office/drawing/2014/main" id="{F20F17C1-284F-4DC4-855F-B261BB72B1D2}"/>
+              </a:ext>
+            </a:extLst>
+          </p:cNvPr>
+          <p:cNvPicPr>
+            <a:picLocks noChangeAspect="1" noChangeArrowheads="1"/>
+          </p:cNvPicPr>
+          <p:nvPr/>
+        </p:nvPicPr>
+        <p:blipFill>
+          <a:blip r:embed="rId4">
+            <a:extLst>
+              <a:ext uri="{28A0092B-C50C-407E-A947-70E740481C1C}">
+                <a14:useLocalDpi xmlns:a14="http://schemas.microsoft.com/office/drawing/2010/main" val="0"/>
+              </a:ext>
+            </a:extLst>
+          </a:blip>
+          <a:stretch>
+            <a:fillRect/>
+          </a:stretch>
+        </p:blipFill>
+        <p:spPr bwMode="auto">
+          <a:xfrm>
+            <a:off x="6252197" y="3461586"/>
+            <a:ext cx="2617070" cy="2748521"/>
+          </a:xfrm>
+          <a:prstGeom prst="rect">
+            <a:avLst/>
+          </a:prstGeom>
+          <a:noFill/>
+          <a:extLst>
+            <a:ext uri="{909E8E84-426E-40DD-AFC4-6F175D3DCCD1}">
+              <a14:hiddenFill xmlns:a14="http://schemas.microsoft.com/office/drawing/2010/main">
+                <a:solidFill>
+                  <a:srgbClr val="FFFFFF"/>
+                </a:solidFill>
+              </a14:hiddenFill>
+            </a:ext>
+          </a:extLst>
+        </p:spPr>
+      </p:pic>
+      <p:pic>
+        <p:nvPicPr>
+          <p:cNvPr id="1046" name="Picture 22" descr="Ethereum - Wikipedia">
+            <a:extLst>
+              <a:ext uri="{FF2B5EF4-FFF2-40B4-BE49-F238E27FC236}">
+                <a16:creationId xmlns:a16="http://schemas.microsoft.com/office/drawing/2014/main" id="{50E86B54-5167-4FAF-ABF2-582C05303054}"/>
+              </a:ext>
+            </a:extLst>
+          </p:cNvPr>
+          <p:cNvPicPr>
+            <a:picLocks noChangeAspect="1" noChangeArrowheads="1"/>
+          </p:cNvPicPr>
+          <p:nvPr/>
+        </p:nvPicPr>
+        <p:blipFill>
+          <a:blip r:embed="rId5">
+            <a:extLst>
+              <a:ext uri="{28A0092B-C50C-407E-A947-70E740481C1C}">
+                <a14:useLocalDpi xmlns:a14="http://schemas.microsoft.com/office/drawing/2010/main" val="0"/>
+              </a:ext>
+            </a:extLst>
+          </a:blip>
+          <a:stretch>
+            <a:fillRect/>
+          </a:stretch>
+        </p:blipFill>
+        <p:spPr bwMode="auto">
+          <a:xfrm>
+            <a:off x="8931458" y="3527313"/>
+            <a:ext cx="2617070" cy="2617070"/>
+          </a:xfrm>
+          <a:prstGeom prst="rect">
+            <a:avLst/>
+          </a:prstGeom>
+          <a:noFill/>
+          <a:extLst>
+            <a:ext uri="{909E8E84-426E-40DD-AFC4-6F175D3DCCD1}">
+              <a14:hiddenFill xmlns:a14="http://schemas.microsoft.com/office/drawing/2010/main">
+                <a:solidFill>
+                  <a:srgbClr val="FFFFFF"/>
+                </a:solidFill>
+              </a14:hiddenFill>
+            </a:ext>
+          </a:extLst>
+        </p:spPr>
+      </p:pic>
+      <p:sp>
+        <p:nvSpPr>
+          <p:cNvPr id="6" name="AutoShape 10" descr="Truffle Logo">
+            <a:extLst>
+              <a:ext uri="{FF2B5EF4-FFF2-40B4-BE49-F238E27FC236}">
+                <a16:creationId xmlns:a16="http://schemas.microsoft.com/office/drawing/2014/main" id="{546AA8D4-4AB2-40DA-801B-5FC8388C9C12}"/>
+              </a:ext>
+            </a:extLst>
+          </p:cNvPr>
+          <p:cNvSpPr>
+            <a:spLocks noChangeAspect="1" noChangeArrowheads="1"/>
+          </p:cNvSpPr>
+          <p:nvPr/>
+        </p:nvSpPr>
+        <p:spPr bwMode="auto">
+          <a:xfrm>
+            <a:off x="5943600" y="3276600"/>
+            <a:ext cx="304800" cy="304800"/>
+          </a:xfrm>
+          <a:prstGeom prst="rect">
+            <a:avLst/>
+          </a:prstGeom>
+          <a:noFill/>
+          <a:extLst>
+            <a:ext uri="{909E8E84-426E-40DD-AFC4-6F175D3DCCD1}">
+              <a14:hiddenFill xmlns:a14="http://schemas.microsoft.com/office/drawing/2010/main">
+                <a:solidFill>
+                  <a:srgbClr val="FFFFFF"/>
+                </a:solidFill>
+              </a14:hiddenFill>
+            </a:ext>
+          </a:extLst>
+        </p:spPr>
+        <p:txBody>
+          <a:bodyPr vert="horz" wrap="square" lIns="91440" tIns="45720" rIns="91440" bIns="45720" numCol="1" anchor="t" anchorCtr="0" compatLnSpc="1">
+            <a:prstTxWarp prst="textNoShape">
+              <a:avLst/>
+            </a:prstTxWarp>
+          </a:bodyPr>
+          <a:lstStyle/>
+          <a:p>
+            <a:endParaRPr lang="he-IL"/>
           </a:p>
         </p:txBody>
       </p:sp>
@@ -4786,35 +12053,6 @@
       </p:grpSpPr>
       <p:sp>
         <p:nvSpPr>
-          <p:cNvPr id="2" name="Title 1">
-            <a:extLst>
-              <a:ext uri="{FF2B5EF4-FFF2-40B4-BE49-F238E27FC236}">
-                <a16:creationId xmlns:a16="http://schemas.microsoft.com/office/drawing/2014/main" id="{AB9B680C-6252-4CA0-AFA4-3D8F84999810}"/>
-              </a:ext>
-            </a:extLst>
-          </p:cNvPr>
-          <p:cNvSpPr>
-            <a:spLocks noGrp="1"/>
-          </p:cNvSpPr>
-          <p:nvPr>
-            <p:ph type="title"/>
-          </p:nvPr>
-        </p:nvSpPr>
-        <p:spPr/>
-        <p:txBody>
-          <a:bodyPr/>
-          <a:lstStyle/>
-          <a:p>
-            <a:r>
-              <a:rPr lang="en-US" dirty="0"/>
-              <a:t>Base Coin – Our Inspiration</a:t>
-            </a:r>
-            <a:endParaRPr lang="he-IL" dirty="0"/>
-          </a:p>
-        </p:txBody>
-      </p:sp>
-      <p:sp>
-        <p:nvSpPr>
           <p:cNvPr id="3" name="Content Placeholder 2">
             <a:extLst>
               <a:ext uri="{FF2B5EF4-FFF2-40B4-BE49-F238E27FC236}">
@@ -4842,19 +12080,34 @@
           <a:lstStyle/>
           <a:p>
             <a:r>
-              <a:rPr lang="en-US" dirty="0"/>
+              <a:rPr lang="en-US" sz="2400" dirty="0"/>
+              <a:t>Uses a consensus mechanism to increase or decrease the supply </a:t>
+            </a:r>
+            <a:br>
+              <a:rPr lang="en-US" sz="2400" dirty="0"/>
+            </a:br>
+            <a:r>
+              <a:rPr lang="en-US" sz="2400" dirty="0"/>
+              <a:t>of tokens on need basis.</a:t>
+            </a:r>
+            <a:br>
+              <a:rPr lang="en-US" sz="2400" dirty="0"/>
+            </a:br>
+            <a:endParaRPr lang="en-US" sz="2400" dirty="0"/>
+          </a:p>
+          <a:p>
+            <a:r>
+              <a:rPr lang="en-US" sz="2400" dirty="0"/>
               <a:t>An algorithmic Stablecoin launched in 2018 *</a:t>
             </a:r>
-          </a:p>
-          <a:p>
-            <a:r>
-              <a:rPr lang="en-US" dirty="0"/>
-              <a:t>Uses a consensus mechanism to increase or decrease the supply of tokens on need basis.</a:t>
-            </a:r>
-          </a:p>
-          <a:p>
-            <a:r>
-              <a:rPr lang="en-US" dirty="0"/>
+            <a:br>
+              <a:rPr lang="en-US" sz="2400" dirty="0"/>
+            </a:br>
+            <a:endParaRPr lang="en-US" sz="2400" dirty="0"/>
+          </a:p>
+          <a:p>
+            <a:r>
+              <a:rPr lang="en-US" sz="2400" dirty="0"/>
               <a:t>It does so by using three different tokens:</a:t>
             </a:r>
           </a:p>
@@ -4864,7 +12117,7 @@
               <a:buAutoNum type="arabicPeriod"/>
             </a:pPr>
             <a:r>
-              <a:rPr lang="en-US" b="1" i="0" dirty="0">
+              <a:rPr lang="en-US" sz="2000" b="1" i="0" dirty="0" err="1">
                 <a:solidFill>
                   <a:srgbClr val="111111"/>
                 </a:solidFill>
@@ -4874,7 +12127,7 @@
               <a:t>Basecoin</a:t>
             </a:r>
             <a:r>
-              <a:rPr lang="en-US" b="0" i="0" dirty="0">
+              <a:rPr lang="en-US" sz="2000" b="0" i="0" dirty="0">
                 <a:solidFill>
                   <a:srgbClr val="111111"/>
                 </a:solidFill>
@@ -4884,7 +12137,7 @@
               <a:t>: The ac</a:t>
             </a:r>
             <a:r>
-              <a:rPr lang="en-US" dirty="0">
+              <a:rPr lang="en-US" sz="2000" dirty="0">
                 <a:solidFill>
                   <a:srgbClr val="111111"/>
                 </a:solidFill>
@@ -4892,7 +12145,7 @@
               </a:rPr>
               <a:t>tual Cryptocurrency</a:t>
             </a:r>
-            <a:endParaRPr lang="en-US" b="0" i="0" dirty="0">
+            <a:endParaRPr lang="en-US" sz="2000" b="0" i="0" dirty="0">
               <a:solidFill>
                 <a:srgbClr val="111111"/>
               </a:solidFill>
@@ -4906,7 +12159,7 @@
               <a:buAutoNum type="arabicPeriod"/>
             </a:pPr>
             <a:r>
-              <a:rPr lang="en-US" b="1" i="0" dirty="0">
+              <a:rPr lang="en-US" sz="2000" b="1" i="0" dirty="0">
                 <a:solidFill>
                   <a:srgbClr val="111111"/>
                 </a:solidFill>
@@ -4916,7 +12169,7 @@
               <a:t>Base Bonds: </a:t>
             </a:r>
             <a:r>
-              <a:rPr lang="en-US" i="0" dirty="0">
+              <a:rPr lang="en-US" sz="2000" i="0" dirty="0">
                 <a:solidFill>
                   <a:srgbClr val="111111"/>
                 </a:solidFill>
@@ -4926,7 +12179,7 @@
               <a:t>si</a:t>
             </a:r>
             <a:r>
-              <a:rPr lang="en-US" dirty="0">
+              <a:rPr lang="en-US" sz="2000" dirty="0">
                 <a:solidFill>
                   <a:srgbClr val="111111"/>
                 </a:solidFill>
@@ -4935,7 +12188,7 @@
               <a:t>milar to options. when the value of the coin is </a:t>
             </a:r>
             <a:r>
-              <a:rPr lang="en-US" b="1" dirty="0">
+              <a:rPr lang="en-US" sz="2000" b="1" dirty="0">
                 <a:solidFill>
                   <a:srgbClr val="111111"/>
                 </a:solidFill>
@@ -4944,7 +12197,7 @@
               <a:t>&lt; 1$, </a:t>
             </a:r>
             <a:r>
-              <a:rPr lang="en-US" dirty="0">
+              <a:rPr lang="en-US" sz="2000" dirty="0">
                 <a:solidFill>
                   <a:srgbClr val="111111"/>
                 </a:solidFill>
@@ -4952,7 +12205,7 @@
               </a:rPr>
               <a:t>users can buy bonds for coins (&lt;1$) and sell them for 1$ each when the coin is &gt;= 1$ again.</a:t>
             </a:r>
-            <a:endParaRPr lang="en-US" b="0" i="0" dirty="0">
+            <a:endParaRPr lang="en-US" sz="2000" b="0" i="0" dirty="0">
               <a:solidFill>
                 <a:srgbClr val="111111"/>
               </a:solidFill>
@@ -4966,7 +12219,7 @@
               <a:buAutoNum type="arabicPeriod"/>
             </a:pPr>
             <a:r>
-              <a:rPr lang="en-US" b="1" i="0" dirty="0">
+              <a:rPr lang="en-US" sz="2000" b="1" i="0" dirty="0">
                 <a:solidFill>
                   <a:srgbClr val="111111"/>
                 </a:solidFill>
@@ -4976,7 +12229,7 @@
               <a:t>Base Shares:</a:t>
             </a:r>
             <a:r>
-              <a:rPr lang="en-US" i="0" dirty="0">
+              <a:rPr lang="en-US" sz="2000" i="0" dirty="0">
                 <a:solidFill>
                   <a:srgbClr val="111111"/>
                 </a:solidFill>
@@ -4986,7 +12239,7 @@
               <a:t> held by investors. </a:t>
             </a:r>
             <a:r>
-              <a:rPr lang="en-US" dirty="0">
+              <a:rPr lang="en-US" sz="2000" dirty="0">
                 <a:solidFill>
                   <a:srgbClr val="111111"/>
                 </a:solidFill>
@@ -4995,7 +12248,7 @@
               <a:t>when the value of the coin is </a:t>
             </a:r>
             <a:r>
-              <a:rPr lang="en-US" b="1" dirty="0">
+              <a:rPr lang="en-US" sz="2000" b="1" dirty="0">
                 <a:solidFill>
                   <a:srgbClr val="111111"/>
                 </a:solidFill>
@@ -5004,7 +12257,7 @@
               <a:t>&gt; 1$,</a:t>
             </a:r>
             <a:r>
-              <a:rPr lang="en-US" dirty="0">
+              <a:rPr lang="en-US" sz="2000" dirty="0">
                 <a:solidFill>
                   <a:srgbClr val="111111"/>
                 </a:solidFill>
@@ -5012,7 +12265,7 @@
               </a:rPr>
               <a:t> the central bank releases more coins to these investors, relatively to their amount of shares</a:t>
             </a:r>
-            <a:endParaRPr lang="en-US" b="1" i="0" dirty="0">
+            <a:endParaRPr lang="en-US" sz="2000" b="1" i="0" dirty="0">
               <a:solidFill>
                 <a:srgbClr val="111111"/>
               </a:solidFill>
@@ -5064,11 +12317,11 @@
           <a:lstStyle/>
           <a:p>
             <a:r>
-              <a:rPr lang="en-US" dirty="0"/>
+              <a:rPr lang="en-US"/>
               <a:t>* S</a:t>
             </a:r>
             <a:r>
-              <a:rPr lang="en-US" b="0" i="0" dirty="0">
+              <a:rPr lang="en-US" b="0" i="0">
                 <a:effectLst/>
                 <a:latin typeface="SourceSansPro"/>
               </a:rPr>
@@ -5078,6 +12331,186 @@
           </a:p>
         </p:txBody>
       </p:sp>
+      <p:pic>
+        <p:nvPicPr>
+          <p:cNvPr id="2050" name="Picture 2" descr="Basecoin Definition">
+            <a:extLst>
+              <a:ext uri="{FF2B5EF4-FFF2-40B4-BE49-F238E27FC236}">
+                <a16:creationId xmlns:a16="http://schemas.microsoft.com/office/drawing/2014/main" id="{7E8C497A-8FDE-4E61-B0CC-4A417EE4AB23}"/>
+              </a:ext>
+            </a:extLst>
+          </p:cNvPr>
+          <p:cNvPicPr>
+            <a:picLocks noChangeAspect="1" noChangeArrowheads="1"/>
+          </p:cNvPicPr>
+          <p:nvPr/>
+        </p:nvPicPr>
+        <p:blipFill>
+          <a:blip r:embed="rId2">
+            <a:extLst>
+              <a:ext uri="{28A0092B-C50C-407E-A947-70E740481C1C}">
+                <a14:useLocalDpi xmlns:a14="http://schemas.microsoft.com/office/drawing/2010/main" val="0"/>
+              </a:ext>
+            </a:extLst>
+          </a:blip>
+          <a:srcRect/>
+          <a:stretch>
+            <a:fillRect/>
+          </a:stretch>
+        </p:blipFill>
+        <p:spPr bwMode="auto">
+          <a:xfrm>
+            <a:off x="9137989" y="1704975"/>
+            <a:ext cx="2657475" cy="1724025"/>
+          </a:xfrm>
+          <a:prstGeom prst="rect">
+            <a:avLst/>
+          </a:prstGeom>
+          <a:noFill/>
+          <a:extLst>
+            <a:ext uri="{909E8E84-426E-40DD-AFC4-6F175D3DCCD1}">
+              <a14:hiddenFill xmlns:a14="http://schemas.microsoft.com/office/drawing/2010/main">
+                <a:solidFill>
+                  <a:srgbClr val="FFFFFF"/>
+                </a:solidFill>
+              </a14:hiddenFill>
+            </a:ext>
+          </a:extLst>
+        </p:spPr>
+      </p:pic>
+      <p:grpSp>
+        <p:nvGrpSpPr>
+          <p:cNvPr id="15" name="Group 14">
+            <a:extLst>
+              <a:ext uri="{FF2B5EF4-FFF2-40B4-BE49-F238E27FC236}">
+                <a16:creationId xmlns:a16="http://schemas.microsoft.com/office/drawing/2014/main" id="{734A10F2-D4AA-488F-BB51-E90439D119BB}"/>
+              </a:ext>
+            </a:extLst>
+          </p:cNvPr>
+          <p:cNvGrpSpPr/>
+          <p:nvPr/>
+        </p:nvGrpSpPr>
+        <p:grpSpPr>
+          <a:xfrm>
+            <a:off x="396536" y="371095"/>
+            <a:ext cx="6876874" cy="1026281"/>
+            <a:chOff x="525780" y="63233"/>
+            <a:chExt cx="7360920" cy="767520"/>
+          </a:xfrm>
+        </p:grpSpPr>
+        <p:sp>
+          <p:nvSpPr>
+            <p:cNvPr id="16" name="Rectangle: Rounded Corners 15">
+              <a:extLst>
+                <a:ext uri="{FF2B5EF4-FFF2-40B4-BE49-F238E27FC236}">
+                  <a16:creationId xmlns:a16="http://schemas.microsoft.com/office/drawing/2014/main" id="{9258E3E2-F83D-4CCF-918C-5F332F3FACA2}"/>
+                </a:ext>
+              </a:extLst>
+            </p:cNvPr>
+            <p:cNvSpPr/>
+            <p:nvPr/>
+          </p:nvSpPr>
+          <p:spPr>
+            <a:xfrm>
+              <a:off x="525780" y="63233"/>
+              <a:ext cx="7360920" cy="767520"/>
+            </a:xfrm>
+            <a:prstGeom prst="roundRect">
+              <a:avLst/>
+            </a:prstGeom>
+          </p:spPr>
+          <p:style>
+            <a:lnRef idx="2">
+              <a:schemeClr val="lt1">
+                <a:hueOff val="0"/>
+                <a:satOff val="0"/>
+                <a:lumOff val="0"/>
+                <a:alphaOff val="0"/>
+              </a:schemeClr>
+            </a:lnRef>
+            <a:fillRef idx="1">
+              <a:schemeClr val="accent1">
+                <a:hueOff val="0"/>
+                <a:satOff val="0"/>
+                <a:lumOff val="0"/>
+                <a:alphaOff val="0"/>
+              </a:schemeClr>
+            </a:fillRef>
+            <a:effectRef idx="0">
+              <a:schemeClr val="accent1">
+                <a:hueOff val="0"/>
+                <a:satOff val="0"/>
+                <a:lumOff val="0"/>
+                <a:alphaOff val="0"/>
+              </a:schemeClr>
+            </a:effectRef>
+            <a:fontRef idx="minor">
+              <a:schemeClr val="lt1"/>
+            </a:fontRef>
+          </p:style>
+        </p:sp>
+        <p:sp>
+          <p:nvSpPr>
+            <p:cNvPr id="17" name="Rectangle: Rounded Corners 4">
+              <a:extLst>
+                <a:ext uri="{FF2B5EF4-FFF2-40B4-BE49-F238E27FC236}">
+                  <a16:creationId xmlns:a16="http://schemas.microsoft.com/office/drawing/2014/main" id="{A8E8AB70-FD09-4EFD-AE9D-CC2A3689B681}"/>
+                </a:ext>
+              </a:extLst>
+            </p:cNvPr>
+            <p:cNvSpPr txBox="1"/>
+            <p:nvPr/>
+          </p:nvSpPr>
+          <p:spPr>
+            <a:xfrm>
+              <a:off x="563247" y="100700"/>
+              <a:ext cx="7285986" cy="692586"/>
+            </a:xfrm>
+            <a:prstGeom prst="rect">
+              <a:avLst/>
+            </a:prstGeom>
+          </p:spPr>
+          <p:style>
+            <a:lnRef idx="0">
+              <a:scrgbClr r="0" g="0" b="0"/>
+            </a:lnRef>
+            <a:fillRef idx="0">
+              <a:scrgbClr r="0" g="0" b="0"/>
+            </a:fillRef>
+            <a:effectRef idx="0">
+              <a:scrgbClr r="0" g="0" b="0"/>
+            </a:effectRef>
+            <a:fontRef idx="minor">
+              <a:schemeClr val="lt1"/>
+            </a:fontRef>
+          </p:style>
+          <p:txBody>
+            <a:bodyPr spcFirstLastPara="0" vert="horz" wrap="square" lIns="278225" tIns="0" rIns="278225" bIns="0" numCol="1" spcCol="1270" anchor="ctr" anchorCtr="0">
+              <a:noAutofit/>
+            </a:bodyPr>
+            <a:lstStyle/>
+            <a:p>
+              <a:pPr marL="0" lvl="0" indent="0" algn="l" defTabSz="1155700">
+                <a:lnSpc>
+                  <a:spcPct val="90000"/>
+                </a:lnSpc>
+                <a:spcBef>
+                  <a:spcPct val="0"/>
+                </a:spcBef>
+                <a:spcAft>
+                  <a:spcPct val="35000"/>
+                </a:spcAft>
+                <a:buNone/>
+              </a:pPr>
+              <a:r>
+                <a:rPr lang="en-US" sz="4400" dirty="0"/>
+                <a:t>Base Coin – Our Inspiration</a:t>
+              </a:r>
+              <a:endParaRPr lang="en-US" kern="1200" dirty="0"/>
+            </a:p>
+          </p:txBody>
+        </p:sp>
+      </p:grpSp>
     </p:spTree>
     <p:extLst>
       <p:ext uri="{BB962C8B-B14F-4D97-AF65-F5344CB8AC3E}">
@@ -5130,10 +12563,10 @@
           <a:lstStyle/>
           <a:p>
             <a:r>
-              <a:rPr lang="en-US" dirty="0"/>
+              <a:rPr lang="en-US" b="1" u="sng" dirty="0"/>
               <a:t>Base Coin 2.0 – Smart Contracts</a:t>
             </a:r>
-            <a:endParaRPr lang="he-IL" dirty="0"/>
+            <a:endParaRPr lang="he-IL" b="1" u="sng" dirty="0"/>
           </a:p>
         </p:txBody>
       </p:sp>
@@ -5232,7 +12665,7 @@
         </p:nvSpPr>
         <p:spPr>
           <a:xfrm>
-            <a:off x="2098100" y="1489819"/>
+            <a:off x="2098100" y="1472504"/>
             <a:ext cx="1722268" cy="400110"/>
           </a:xfrm>
           <a:prstGeom prst="rect">
@@ -6540,10 +13973,10 @@
           <a:lstStyle/>
           <a:p>
             <a:r>
-              <a:rPr lang="en-US" dirty="0"/>
+              <a:rPr lang="en-US" b="1" u="sng" dirty="0"/>
               <a:t>Base Coin 2.0 – Smart Contracts</a:t>
             </a:r>
-            <a:endParaRPr lang="he-IL" dirty="0"/>
+            <a:endParaRPr lang="he-IL" b="1" u="sng" dirty="0"/>
           </a:p>
         </p:txBody>
       </p:sp>
@@ -6675,35 +14108,6 @@
       </p:grpSpPr>
       <p:sp>
         <p:nvSpPr>
-          <p:cNvPr id="2" name="Title 1">
-            <a:extLst>
-              <a:ext uri="{FF2B5EF4-FFF2-40B4-BE49-F238E27FC236}">
-                <a16:creationId xmlns:a16="http://schemas.microsoft.com/office/drawing/2014/main" id="{AA592A1E-E0E3-4F4E-BF67-835BDEDC0B8C}"/>
-              </a:ext>
-            </a:extLst>
-          </p:cNvPr>
-          <p:cNvSpPr>
-            <a:spLocks noGrp="1"/>
-          </p:cNvSpPr>
-          <p:nvPr>
-            <p:ph type="title"/>
-          </p:nvPr>
-        </p:nvSpPr>
-        <p:spPr/>
-        <p:txBody>
-          <a:bodyPr/>
-          <a:lstStyle/>
-          <a:p>
-            <a:r>
-              <a:rPr lang="en-US" dirty="0"/>
-              <a:t>Base Coin 2.0 – Flows</a:t>
-            </a:r>
-            <a:endParaRPr lang="he-IL" dirty="0"/>
-          </a:p>
-        </p:txBody>
-      </p:sp>
-      <p:sp>
-        <p:nvSpPr>
           <p:cNvPr id="3" name="Content Placeholder 2">
             <a:extLst>
               <a:ext uri="{FF2B5EF4-FFF2-40B4-BE49-F238E27FC236}">
@@ -6731,13 +14135,13 @@
           <a:lstStyle/>
           <a:p>
             <a:r>
-              <a:rPr lang="en-US" b="1" dirty="0"/>
+              <a:rPr lang="en-US" b="1" u="sng" dirty="0"/>
               <a:t>Coin Value &gt; 1$</a:t>
             </a:r>
             <a:br>
-              <a:rPr lang="en-US" b="1" dirty="0"/>
+              <a:rPr lang="en-US" b="1" u="sng" dirty="0"/>
             </a:br>
-            <a:endParaRPr lang="en-US" b="1" dirty="0"/>
+            <a:endParaRPr lang="en-US" b="1" u="sng" dirty="0"/>
           </a:p>
           <a:p>
             <a:pPr lvl="1"/>
@@ -6894,6 +14298,169 @@
           </a:p>
         </p:txBody>
       </p:sp>
+      <p:grpSp>
+        <p:nvGrpSpPr>
+          <p:cNvPr id="5" name="Group 4">
+            <a:extLst>
+              <a:ext uri="{FF2B5EF4-FFF2-40B4-BE49-F238E27FC236}">
+                <a16:creationId xmlns:a16="http://schemas.microsoft.com/office/drawing/2014/main" id="{100BA947-8C78-45A2-8CF0-7EC0E73EFFFA}"/>
+              </a:ext>
+            </a:extLst>
+          </p:cNvPr>
+          <p:cNvGrpSpPr/>
+          <p:nvPr/>
+        </p:nvGrpSpPr>
+        <p:grpSpPr>
+          <a:xfrm>
+            <a:off x="653988" y="480433"/>
+            <a:ext cx="6876874" cy="1026281"/>
+            <a:chOff x="525780" y="63233"/>
+            <a:chExt cx="7360920" cy="767520"/>
+          </a:xfrm>
+        </p:grpSpPr>
+        <p:sp>
+          <p:nvSpPr>
+            <p:cNvPr id="6" name="Rectangle: Rounded Corners 5">
+              <a:extLst>
+                <a:ext uri="{FF2B5EF4-FFF2-40B4-BE49-F238E27FC236}">
+                  <a16:creationId xmlns:a16="http://schemas.microsoft.com/office/drawing/2014/main" id="{92145C8E-D520-4A14-B45F-CCB5ACB74203}"/>
+                </a:ext>
+              </a:extLst>
+            </p:cNvPr>
+            <p:cNvSpPr/>
+            <p:nvPr/>
+          </p:nvSpPr>
+          <p:spPr>
+            <a:xfrm>
+              <a:off x="525780" y="63233"/>
+              <a:ext cx="7360920" cy="767520"/>
+            </a:xfrm>
+            <a:prstGeom prst="roundRect">
+              <a:avLst/>
+            </a:prstGeom>
+          </p:spPr>
+          <p:style>
+            <a:lnRef idx="2">
+              <a:schemeClr val="lt1">
+                <a:hueOff val="0"/>
+                <a:satOff val="0"/>
+                <a:lumOff val="0"/>
+                <a:alphaOff val="0"/>
+              </a:schemeClr>
+            </a:lnRef>
+            <a:fillRef idx="1">
+              <a:schemeClr val="accent1">
+                <a:hueOff val="0"/>
+                <a:satOff val="0"/>
+                <a:lumOff val="0"/>
+                <a:alphaOff val="0"/>
+              </a:schemeClr>
+            </a:fillRef>
+            <a:effectRef idx="0">
+              <a:schemeClr val="accent1">
+                <a:hueOff val="0"/>
+                <a:satOff val="0"/>
+                <a:lumOff val="0"/>
+                <a:alphaOff val="0"/>
+              </a:schemeClr>
+            </a:effectRef>
+            <a:fontRef idx="minor">
+              <a:schemeClr val="lt1"/>
+            </a:fontRef>
+          </p:style>
+        </p:sp>
+        <p:sp>
+          <p:nvSpPr>
+            <p:cNvPr id="7" name="Rectangle: Rounded Corners 4">
+              <a:extLst>
+                <a:ext uri="{FF2B5EF4-FFF2-40B4-BE49-F238E27FC236}">
+                  <a16:creationId xmlns:a16="http://schemas.microsoft.com/office/drawing/2014/main" id="{121DAC0D-7FA6-47B7-8FB8-B0059F01DD96}"/>
+                </a:ext>
+              </a:extLst>
+            </p:cNvPr>
+            <p:cNvSpPr txBox="1"/>
+            <p:nvPr/>
+          </p:nvSpPr>
+          <p:spPr>
+            <a:xfrm>
+              <a:off x="563247" y="100700"/>
+              <a:ext cx="7285986" cy="692586"/>
+            </a:xfrm>
+            <a:prstGeom prst="rect">
+              <a:avLst/>
+            </a:prstGeom>
+          </p:spPr>
+          <p:style>
+            <a:lnRef idx="0">
+              <a:scrgbClr r="0" g="0" b="0"/>
+            </a:lnRef>
+            <a:fillRef idx="0">
+              <a:scrgbClr r="0" g="0" b="0"/>
+            </a:fillRef>
+            <a:effectRef idx="0">
+              <a:scrgbClr r="0" g="0" b="0"/>
+            </a:effectRef>
+            <a:fontRef idx="minor">
+              <a:schemeClr val="lt1"/>
+            </a:fontRef>
+          </p:style>
+          <p:txBody>
+            <a:bodyPr spcFirstLastPara="0" vert="horz" wrap="square" lIns="278225" tIns="0" rIns="278225" bIns="0" numCol="1" spcCol="1270" anchor="ctr" anchorCtr="0">
+              <a:noAutofit/>
+            </a:bodyPr>
+            <a:lstStyle/>
+            <a:p>
+              <a:pPr marL="0" lvl="0" indent="0" algn="l" defTabSz="1155700">
+                <a:lnSpc>
+                  <a:spcPct val="90000"/>
+                </a:lnSpc>
+                <a:spcBef>
+                  <a:spcPct val="0"/>
+                </a:spcBef>
+                <a:spcAft>
+                  <a:spcPct val="35000"/>
+                </a:spcAft>
+                <a:buNone/>
+              </a:pPr>
+              <a:r>
+                <a:rPr lang="en-US" sz="4800" dirty="0"/>
+                <a:t>Base Coin 2.0 – Flows</a:t>
+              </a:r>
+              <a:endParaRPr lang="en-US" sz="1000" kern="1200" dirty="0"/>
+            </a:p>
+          </p:txBody>
+        </p:sp>
+      </p:grpSp>
+      <p:pic>
+        <p:nvPicPr>
+          <p:cNvPr id="11" name="Picture 10">
+            <a:extLst>
+              <a:ext uri="{FF2B5EF4-FFF2-40B4-BE49-F238E27FC236}">
+                <a16:creationId xmlns:a16="http://schemas.microsoft.com/office/drawing/2014/main" id="{9D46F79E-82B1-423A-9B72-99DF431B731A}"/>
+              </a:ext>
+            </a:extLst>
+          </p:cNvPr>
+          <p:cNvPicPr>
+            <a:picLocks noChangeAspect="1"/>
+          </p:cNvPicPr>
+          <p:nvPr/>
+        </p:nvPicPr>
+        <p:blipFill>
+          <a:blip r:embed="rId2"/>
+          <a:stretch>
+            <a:fillRect/>
+          </a:stretch>
+        </p:blipFill>
+        <p:spPr>
+          <a:xfrm>
+            <a:off x="9430397" y="232653"/>
+            <a:ext cx="2457450" cy="2447925"/>
+          </a:xfrm>
+          <a:prstGeom prst="rect">
+            <a:avLst/>
+          </a:prstGeom>
+        </p:spPr>
+      </p:pic>
     </p:spTree>
     <p:extLst>
       <p:ext uri="{BB962C8B-B14F-4D97-AF65-F5344CB8AC3E}">
@@ -6926,35 +14493,6 @@
       </p:grpSpPr>
       <p:sp>
         <p:nvSpPr>
-          <p:cNvPr id="2" name="Title 1">
-            <a:extLst>
-              <a:ext uri="{FF2B5EF4-FFF2-40B4-BE49-F238E27FC236}">
-                <a16:creationId xmlns:a16="http://schemas.microsoft.com/office/drawing/2014/main" id="{AA592A1E-E0E3-4F4E-BF67-835BDEDC0B8C}"/>
-              </a:ext>
-            </a:extLst>
-          </p:cNvPr>
-          <p:cNvSpPr>
-            <a:spLocks noGrp="1"/>
-          </p:cNvSpPr>
-          <p:nvPr>
-            <p:ph type="title"/>
-          </p:nvPr>
-        </p:nvSpPr>
-        <p:spPr/>
-        <p:txBody>
-          <a:bodyPr/>
-          <a:lstStyle/>
-          <a:p>
-            <a:r>
-              <a:rPr lang="en-US" dirty="0"/>
-              <a:t>Base Coin 2.0 – Flows</a:t>
-            </a:r>
-            <a:endParaRPr lang="he-IL" dirty="0"/>
-          </a:p>
-        </p:txBody>
-      </p:sp>
-      <p:sp>
-        <p:nvSpPr>
           <p:cNvPr id="3" name="Content Placeholder 2">
             <a:extLst>
               <a:ext uri="{FF2B5EF4-FFF2-40B4-BE49-F238E27FC236}">
@@ -6982,13 +14520,13 @@
           <a:lstStyle/>
           <a:p>
             <a:r>
-              <a:rPr lang="en-US" b="1" dirty="0"/>
+              <a:rPr lang="en-US" b="1" u="sng" dirty="0"/>
               <a:t>Coin Value &lt; 1$</a:t>
             </a:r>
             <a:br>
-              <a:rPr lang="en-US" b="1" dirty="0"/>
+              <a:rPr lang="en-US" b="1" u="sng" dirty="0"/>
             </a:br>
-            <a:endParaRPr lang="en-US" b="1" dirty="0"/>
+            <a:endParaRPr lang="en-US" b="1" u="sng" dirty="0"/>
           </a:p>
           <a:p>
             <a:pPr lvl="1"/>
@@ -7086,6 +14624,169 @@
           </a:p>
         </p:txBody>
       </p:sp>
+      <p:grpSp>
+        <p:nvGrpSpPr>
+          <p:cNvPr id="6" name="Group 5">
+            <a:extLst>
+              <a:ext uri="{FF2B5EF4-FFF2-40B4-BE49-F238E27FC236}">
+                <a16:creationId xmlns:a16="http://schemas.microsoft.com/office/drawing/2014/main" id="{E3284D8E-28B0-4980-878A-97354F542651}"/>
+              </a:ext>
+            </a:extLst>
+          </p:cNvPr>
+          <p:cNvGrpSpPr/>
+          <p:nvPr/>
+        </p:nvGrpSpPr>
+        <p:grpSpPr>
+          <a:xfrm>
+            <a:off x="653988" y="480433"/>
+            <a:ext cx="6876874" cy="1026281"/>
+            <a:chOff x="525780" y="63233"/>
+            <a:chExt cx="7360920" cy="767520"/>
+          </a:xfrm>
+        </p:grpSpPr>
+        <p:sp>
+          <p:nvSpPr>
+            <p:cNvPr id="7" name="Rectangle: Rounded Corners 6">
+              <a:extLst>
+                <a:ext uri="{FF2B5EF4-FFF2-40B4-BE49-F238E27FC236}">
+                  <a16:creationId xmlns:a16="http://schemas.microsoft.com/office/drawing/2014/main" id="{213FCDE1-9638-469D-8774-27E220FEEB66}"/>
+                </a:ext>
+              </a:extLst>
+            </p:cNvPr>
+            <p:cNvSpPr/>
+            <p:nvPr/>
+          </p:nvSpPr>
+          <p:spPr>
+            <a:xfrm>
+              <a:off x="525780" y="63233"/>
+              <a:ext cx="7360920" cy="767520"/>
+            </a:xfrm>
+            <a:prstGeom prst="roundRect">
+              <a:avLst/>
+            </a:prstGeom>
+          </p:spPr>
+          <p:style>
+            <a:lnRef idx="2">
+              <a:schemeClr val="lt1">
+                <a:hueOff val="0"/>
+                <a:satOff val="0"/>
+                <a:lumOff val="0"/>
+                <a:alphaOff val="0"/>
+              </a:schemeClr>
+            </a:lnRef>
+            <a:fillRef idx="1">
+              <a:schemeClr val="accent1">
+                <a:hueOff val="0"/>
+                <a:satOff val="0"/>
+                <a:lumOff val="0"/>
+                <a:alphaOff val="0"/>
+              </a:schemeClr>
+            </a:fillRef>
+            <a:effectRef idx="0">
+              <a:schemeClr val="accent1">
+                <a:hueOff val="0"/>
+                <a:satOff val="0"/>
+                <a:lumOff val="0"/>
+                <a:alphaOff val="0"/>
+              </a:schemeClr>
+            </a:effectRef>
+            <a:fontRef idx="minor">
+              <a:schemeClr val="lt1"/>
+            </a:fontRef>
+          </p:style>
+        </p:sp>
+        <p:sp>
+          <p:nvSpPr>
+            <p:cNvPr id="8" name="Rectangle: Rounded Corners 4">
+              <a:extLst>
+                <a:ext uri="{FF2B5EF4-FFF2-40B4-BE49-F238E27FC236}">
+                  <a16:creationId xmlns:a16="http://schemas.microsoft.com/office/drawing/2014/main" id="{ED87E92D-C162-4701-BD96-C90C2485A9A0}"/>
+                </a:ext>
+              </a:extLst>
+            </p:cNvPr>
+            <p:cNvSpPr txBox="1"/>
+            <p:nvPr/>
+          </p:nvSpPr>
+          <p:spPr>
+            <a:xfrm>
+              <a:off x="563247" y="100700"/>
+              <a:ext cx="7285986" cy="692586"/>
+            </a:xfrm>
+            <a:prstGeom prst="rect">
+              <a:avLst/>
+            </a:prstGeom>
+          </p:spPr>
+          <p:style>
+            <a:lnRef idx="0">
+              <a:scrgbClr r="0" g="0" b="0"/>
+            </a:lnRef>
+            <a:fillRef idx="0">
+              <a:scrgbClr r="0" g="0" b="0"/>
+            </a:fillRef>
+            <a:effectRef idx="0">
+              <a:scrgbClr r="0" g="0" b="0"/>
+            </a:effectRef>
+            <a:fontRef idx="minor">
+              <a:schemeClr val="lt1"/>
+            </a:fontRef>
+          </p:style>
+          <p:txBody>
+            <a:bodyPr spcFirstLastPara="0" vert="horz" wrap="square" lIns="278225" tIns="0" rIns="278225" bIns="0" numCol="1" spcCol="1270" anchor="ctr" anchorCtr="0">
+              <a:noAutofit/>
+            </a:bodyPr>
+            <a:lstStyle/>
+            <a:p>
+              <a:pPr marL="0" lvl="0" indent="0" algn="l" defTabSz="1155700">
+                <a:lnSpc>
+                  <a:spcPct val="90000"/>
+                </a:lnSpc>
+                <a:spcBef>
+                  <a:spcPct val="0"/>
+                </a:spcBef>
+                <a:spcAft>
+                  <a:spcPct val="35000"/>
+                </a:spcAft>
+                <a:buNone/>
+              </a:pPr>
+              <a:r>
+                <a:rPr lang="en-US" sz="4800" dirty="0"/>
+                <a:t>Base Coin 2.0 – Flows</a:t>
+              </a:r>
+              <a:endParaRPr lang="en-US" sz="1000" kern="1200" dirty="0"/>
+            </a:p>
+          </p:txBody>
+        </p:sp>
+      </p:grpSp>
+      <p:pic>
+        <p:nvPicPr>
+          <p:cNvPr id="10" name="Picture 9">
+            <a:extLst>
+              <a:ext uri="{FF2B5EF4-FFF2-40B4-BE49-F238E27FC236}">
+                <a16:creationId xmlns:a16="http://schemas.microsoft.com/office/drawing/2014/main" id="{3E07FBA1-0185-4F4C-9D64-18D9171C3A88}"/>
+              </a:ext>
+            </a:extLst>
+          </p:cNvPr>
+          <p:cNvPicPr>
+            <a:picLocks noChangeAspect="1"/>
+          </p:cNvPicPr>
+          <p:nvPr/>
+        </p:nvPicPr>
+        <p:blipFill>
+          <a:blip r:embed="rId2"/>
+          <a:stretch>
+            <a:fillRect/>
+          </a:stretch>
+        </p:blipFill>
+        <p:spPr>
+          <a:xfrm>
+            <a:off x="9437102" y="242178"/>
+            <a:ext cx="2390775" cy="2428875"/>
+          </a:xfrm>
+          <a:prstGeom prst="rect">
+            <a:avLst/>
+          </a:prstGeom>
+        </p:spPr>
+      </p:pic>
     </p:spTree>
     <p:extLst>
       <p:ext uri="{BB962C8B-B14F-4D97-AF65-F5344CB8AC3E}">

--- a/BaseCoin_Presentation.pptx
+++ b/BaseCoin_Presentation.pptx
@@ -10,10 +10,10 @@
     <p:sldId id="258" r:id="rId4"/>
     <p:sldId id="262" r:id="rId5"/>
     <p:sldId id="259" r:id="rId6"/>
-    <p:sldId id="266" r:id="rId7"/>
-    <p:sldId id="261" r:id="rId8"/>
+    <p:sldId id="261" r:id="rId7"/>
+    <p:sldId id="264" r:id="rId8"/>
     <p:sldId id="263" r:id="rId9"/>
-    <p:sldId id="264" r:id="rId10"/>
+    <p:sldId id="266" r:id="rId10"/>
     <p:sldId id="265" r:id="rId11"/>
     <p:sldId id="268" r:id="rId12"/>
     <p:sldId id="267" r:id="rId13"/>
@@ -6071,7 +6071,7 @@
           <a:p>
             <a:fld id="{4EA67876-4BEF-4756-B852-AA1752465AAE}" type="datetimeFigureOut">
               <a:rPr lang="he-IL" smtClean="0"/>
-              <a:t>ט"ו/תמוז/תשפ"א</a:t>
+              <a:t>י"ח/תמוז/תשפ"א</a:t>
             </a:fld>
             <a:endParaRPr lang="he-IL"/>
           </a:p>
@@ -6271,7 +6271,7 @@
           <a:p>
             <a:fld id="{4EA67876-4BEF-4756-B852-AA1752465AAE}" type="datetimeFigureOut">
               <a:rPr lang="he-IL" smtClean="0"/>
-              <a:t>ט"ו/תמוז/תשפ"א</a:t>
+              <a:t>י"ח/תמוז/תשפ"א</a:t>
             </a:fld>
             <a:endParaRPr lang="he-IL"/>
           </a:p>
@@ -6481,7 +6481,7 @@
           <a:p>
             <a:fld id="{4EA67876-4BEF-4756-B852-AA1752465AAE}" type="datetimeFigureOut">
               <a:rPr lang="he-IL" smtClean="0"/>
-              <a:t>ט"ו/תמוז/תשפ"א</a:t>
+              <a:t>י"ח/תמוז/תשפ"א</a:t>
             </a:fld>
             <a:endParaRPr lang="he-IL"/>
           </a:p>
@@ -6681,7 +6681,7 @@
           <a:p>
             <a:fld id="{4EA67876-4BEF-4756-B852-AA1752465AAE}" type="datetimeFigureOut">
               <a:rPr lang="he-IL" smtClean="0"/>
-              <a:t>ט"ו/תמוז/תשפ"א</a:t>
+              <a:t>י"ח/תמוז/תשפ"א</a:t>
             </a:fld>
             <a:endParaRPr lang="he-IL"/>
           </a:p>
@@ -6957,7 +6957,7 @@
           <a:p>
             <a:fld id="{4EA67876-4BEF-4756-B852-AA1752465AAE}" type="datetimeFigureOut">
               <a:rPr lang="he-IL" smtClean="0"/>
-              <a:t>ט"ו/תמוז/תשפ"א</a:t>
+              <a:t>י"ח/תמוז/תשפ"א</a:t>
             </a:fld>
             <a:endParaRPr lang="he-IL"/>
           </a:p>
@@ -7225,7 +7225,7 @@
           <a:p>
             <a:fld id="{4EA67876-4BEF-4756-B852-AA1752465AAE}" type="datetimeFigureOut">
               <a:rPr lang="he-IL" smtClean="0"/>
-              <a:t>ט"ו/תמוז/תשפ"א</a:t>
+              <a:t>י"ח/תמוז/תשפ"א</a:t>
             </a:fld>
             <a:endParaRPr lang="he-IL"/>
           </a:p>
@@ -7640,7 +7640,7 @@
           <a:p>
             <a:fld id="{4EA67876-4BEF-4756-B852-AA1752465AAE}" type="datetimeFigureOut">
               <a:rPr lang="he-IL" smtClean="0"/>
-              <a:t>ט"ו/תמוז/תשפ"א</a:t>
+              <a:t>י"ח/תמוז/תשפ"א</a:t>
             </a:fld>
             <a:endParaRPr lang="he-IL"/>
           </a:p>
@@ -7782,7 +7782,7 @@
           <a:p>
             <a:fld id="{4EA67876-4BEF-4756-B852-AA1752465AAE}" type="datetimeFigureOut">
               <a:rPr lang="he-IL" smtClean="0"/>
-              <a:t>ט"ו/תמוז/תשפ"א</a:t>
+              <a:t>י"ח/תמוז/תשפ"א</a:t>
             </a:fld>
             <a:endParaRPr lang="he-IL"/>
           </a:p>
@@ -7895,7 +7895,7 @@
           <a:p>
             <a:fld id="{4EA67876-4BEF-4756-B852-AA1752465AAE}" type="datetimeFigureOut">
               <a:rPr lang="he-IL" smtClean="0"/>
-              <a:t>ט"ו/תמוז/תשפ"א</a:t>
+              <a:t>י"ח/תמוז/תשפ"א</a:t>
             </a:fld>
             <a:endParaRPr lang="he-IL"/>
           </a:p>
@@ -8208,7 +8208,7 @@
           <a:p>
             <a:fld id="{4EA67876-4BEF-4756-B852-AA1752465AAE}" type="datetimeFigureOut">
               <a:rPr lang="he-IL" smtClean="0"/>
-              <a:t>ט"ו/תמוז/תשפ"א</a:t>
+              <a:t>י"ח/תמוז/תשפ"א</a:t>
             </a:fld>
             <a:endParaRPr lang="he-IL"/>
           </a:p>
@@ -8497,7 +8497,7 @@
           <a:p>
             <a:fld id="{4EA67876-4BEF-4756-B852-AA1752465AAE}" type="datetimeFigureOut">
               <a:rPr lang="he-IL" smtClean="0"/>
-              <a:t>ט"ו/תמוז/תשפ"א</a:t>
+              <a:t>י"ח/תמוז/תשפ"א</a:t>
             </a:fld>
             <a:endParaRPr lang="he-IL"/>
           </a:p>
@@ -8740,7 +8740,7 @@
           <a:p>
             <a:fld id="{4EA67876-4BEF-4756-B852-AA1752465AAE}" type="datetimeFigureOut">
               <a:rPr lang="he-IL" smtClean="0"/>
-              <a:t>ט"ו/תמוז/תשפ"א</a:t>
+              <a:t>י"ח/תמוז/תשפ"א</a:t>
             </a:fld>
             <a:endParaRPr lang="he-IL"/>
           </a:p>
@@ -9257,7 +9257,7 @@
             <a:pPr algn="l"/>
             <a:r>
               <a:rPr lang="en-US" sz="5200" b="1" dirty="0"/>
-              <a:t>Base Coin 2.0:</a:t>
+              <a:t>Simple Stable Coin:</a:t>
             </a:r>
             <a:br>
               <a:rPr lang="en-US" sz="5200" b="1" dirty="0"/>
@@ -9301,22 +9301,34 @@
           <a:p>
             <a:pPr algn="l"/>
             <a:r>
+              <a:rPr lang="en-US" u="sng" dirty="0"/>
+              <a:t>Presenters</a:t>
+            </a:r>
+            <a:r>
               <a:rPr lang="en-US" dirty="0"/>
-              <a:t>Presenters: Tomer Afek, Uri Gadot</a:t>
+              <a:t>: Tomer Afek, Uri Gadot</a:t>
             </a:r>
           </a:p>
           <a:p>
             <a:pPr algn="l"/>
             <a:r>
+              <a:rPr lang="en-US" u="sng" dirty="0"/>
+              <a:t>Course</a:t>
+            </a:r>
+            <a:r>
               <a:rPr lang="en-US" dirty="0"/>
-              <a:t>Course: 048888 - Blockchains and Cryptocurrencies </a:t>
+              <a:t>: 048888 - Blockchains and Cryptocurrencies </a:t>
             </a:r>
           </a:p>
           <a:p>
             <a:pPr algn="l"/>
             <a:r>
+              <a:rPr lang="en-US" u="sng" dirty="0"/>
+              <a:t>Date</a:t>
+            </a:r>
+            <a:r>
               <a:rPr lang="en-US" dirty="0"/>
-              <a:t>Date: 29/06/2021</a:t>
+              <a:t>: 29/06/2021</a:t>
             </a:r>
           </a:p>
           <a:p>
@@ -10083,7 +10095,7 @@
         <p:spPr>
           <a:xfrm>
             <a:off x="1527048" y="1124712"/>
-            <a:ext cx="9144000" cy="3063240"/>
+            <a:ext cx="9250444" cy="4255156"/>
           </a:xfrm>
         </p:spPr>
         <p:txBody>
@@ -10136,6 +10148,28 @@
                 </a:solidFill>
               </a:rPr>
               <a:t>For Listening!</a:t>
+            </a:r>
+            <a:br>
+              <a:rPr lang="en-US" sz="5100" dirty="0">
+                <a:solidFill>
+                  <a:srgbClr val="FFFFFF"/>
+                </a:solidFill>
+              </a:rPr>
+            </a:br>
+            <a:br>
+              <a:rPr lang="en-US" sz="5100" dirty="0">
+                <a:solidFill>
+                  <a:srgbClr val="FFFFFF"/>
+                </a:solidFill>
+              </a:rPr>
+            </a:br>
+            <a:r>
+              <a:rPr lang="en-US" sz="3200" dirty="0">
+                <a:solidFill>
+                  <a:srgbClr val="FFFFFF"/>
+                </a:solidFill>
+              </a:rPr>
+              <a:t>https://github.com/Ugadot/StableCoin</a:t>
             </a:r>
             <a:endParaRPr lang="he-IL" sz="5100" dirty="0">
               <a:solidFill>
@@ -11089,6 +11123,53 @@
           </a:p>
         </p:txBody>
       </p:sp>
+      <p:pic>
+        <p:nvPicPr>
+          <p:cNvPr id="1028" name="Picture 4" descr="github-logo-white - Sfera Labs">
+            <a:extLst>
+              <a:ext uri="{FF2B5EF4-FFF2-40B4-BE49-F238E27FC236}">
+                <a16:creationId xmlns:a16="http://schemas.microsoft.com/office/drawing/2014/main" id="{47A388F6-D358-42A5-9496-1705039EECA7}"/>
+              </a:ext>
+            </a:extLst>
+          </p:cNvPr>
+          <p:cNvPicPr>
+            <a:picLocks noChangeAspect="1" noChangeArrowheads="1"/>
+          </p:cNvPicPr>
+          <p:nvPr/>
+        </p:nvPicPr>
+        <p:blipFill>
+          <a:blip r:embed="rId3">
+            <a:extLst>
+              <a:ext uri="{28A0092B-C50C-407E-A947-70E740481C1C}">
+                <a14:useLocalDpi xmlns:a14="http://schemas.microsoft.com/office/drawing/2010/main" val="0"/>
+              </a:ext>
+            </a:extLst>
+          </a:blip>
+          <a:srcRect/>
+          <a:stretch>
+            <a:fillRect/>
+          </a:stretch>
+        </p:blipFill>
+        <p:spPr bwMode="auto">
+          <a:xfrm>
+            <a:off x="1527047" y="4539720"/>
+            <a:ext cx="1597151" cy="1062002"/>
+          </a:xfrm>
+          <a:prstGeom prst="rect">
+            <a:avLst/>
+          </a:prstGeom>
+          <a:noFill/>
+          <a:extLst>
+            <a:ext uri="{909E8E84-426E-40DD-AFC4-6F175D3DCCD1}">
+              <a14:hiddenFill xmlns:a14="http://schemas.microsoft.com/office/drawing/2010/main">
+                <a:solidFill>
+                  <a:srgbClr val="FFFFFF"/>
+                </a:solidFill>
+              </a14:hiddenFill>
+            </a:ext>
+          </a:extLst>
+        </p:spPr>
+      </p:pic>
     </p:spTree>
     <p:extLst>
       <p:ext uri="{BB962C8B-B14F-4D97-AF65-F5344CB8AC3E}">
@@ -12127,6 +12208,15 @@
               <a:t>Basecoin</a:t>
             </a:r>
             <a:r>
+              <a:rPr lang="en-US" sz="2000" dirty="0">
+                <a:solidFill>
+                  <a:srgbClr val="111111"/>
+                </a:solidFill>
+                <a:latin typeface="SourceSansPro"/>
+              </a:rPr>
+              <a:t> (</a:t>
+            </a:r>
+            <a:r>
               <a:rPr lang="en-US" sz="2000" b="0" i="0" dirty="0">
                 <a:solidFill>
                   <a:srgbClr val="111111"/>
@@ -12134,7 +12224,7 @@
                 <a:effectLst/>
                 <a:latin typeface="SourceSansPro"/>
               </a:rPr>
-              <a:t>: The ac</a:t>
+              <a:t>The ac</a:t>
             </a:r>
             <a:r>
               <a:rPr lang="en-US" sz="2000" dirty="0">
@@ -12143,7 +12233,7 @@
                 </a:solidFill>
                 <a:latin typeface="SourceSansPro"/>
               </a:rPr>
-              <a:t>tual Cryptocurrency</a:t>
+              <a:t>tual Cryptocurrency)</a:t>
             </a:r>
             <a:endParaRPr lang="en-US" sz="2000" b="0" i="0" dirty="0">
               <a:solidFill>
@@ -12166,52 +12256,8 @@
                 <a:effectLst/>
                 <a:latin typeface="SourceSansPro"/>
               </a:rPr>
-              <a:t>Base Bonds: </a:t>
-            </a:r>
-            <a:r>
-              <a:rPr lang="en-US" sz="2000" i="0" dirty="0">
-                <a:solidFill>
-                  <a:srgbClr val="111111"/>
-                </a:solidFill>
-                <a:effectLst/>
-                <a:latin typeface="SourceSansPro"/>
-              </a:rPr>
-              <a:t>si</a:t>
-            </a:r>
-            <a:r>
-              <a:rPr lang="en-US" sz="2000" dirty="0">
-                <a:solidFill>
-                  <a:srgbClr val="111111"/>
-                </a:solidFill>
-                <a:latin typeface="SourceSansPro"/>
-              </a:rPr>
-              <a:t>milar to options. when the value of the coin is </a:t>
-            </a:r>
-            <a:r>
-              <a:rPr lang="en-US" sz="2000" b="1" dirty="0">
-                <a:solidFill>
-                  <a:srgbClr val="111111"/>
-                </a:solidFill>
-                <a:latin typeface="SourceSansPro"/>
-              </a:rPr>
-              <a:t>&lt; 1$, </a:t>
-            </a:r>
-            <a:r>
-              <a:rPr lang="en-US" sz="2000" dirty="0">
-                <a:solidFill>
-                  <a:srgbClr val="111111"/>
-                </a:solidFill>
-                <a:latin typeface="SourceSansPro"/>
-              </a:rPr>
-              <a:t>users can buy bonds for coins (&lt;1$) and sell them for 1$ each when the coin is &gt;= 1$ again.</a:t>
-            </a:r>
-            <a:endParaRPr lang="en-US" sz="2000" b="0" i="0" dirty="0">
-              <a:solidFill>
-                <a:srgbClr val="111111"/>
-              </a:solidFill>
-              <a:effectLst/>
-              <a:latin typeface="SourceSansPro"/>
-            </a:endParaRPr>
+              <a:t>Base Bonds</a:t>
+            </a:r>
           </a:p>
           <a:p>
             <a:pPr marL="971550" lvl="1" indent="-514350">
@@ -12226,58 +12272,8 @@
                 <a:effectLst/>
                 <a:latin typeface="SourceSansPro"/>
               </a:rPr>
-              <a:t>Base Shares:</a:t>
-            </a:r>
-            <a:r>
-              <a:rPr lang="en-US" sz="2000" i="0" dirty="0">
-                <a:solidFill>
-                  <a:srgbClr val="111111"/>
-                </a:solidFill>
-                <a:effectLst/>
-                <a:latin typeface="SourceSansPro"/>
-              </a:rPr>
-              <a:t> held by investors. </a:t>
-            </a:r>
-            <a:r>
-              <a:rPr lang="en-US" sz="2000" dirty="0">
-                <a:solidFill>
-                  <a:srgbClr val="111111"/>
-                </a:solidFill>
-                <a:latin typeface="SourceSansPro"/>
-              </a:rPr>
-              <a:t>when the value of the coin is </a:t>
-            </a:r>
-            <a:r>
-              <a:rPr lang="en-US" sz="2000" b="1" dirty="0">
-                <a:solidFill>
-                  <a:srgbClr val="111111"/>
-                </a:solidFill>
-                <a:latin typeface="SourceSansPro"/>
-              </a:rPr>
-              <a:t>&gt; 1$,</a:t>
-            </a:r>
-            <a:r>
-              <a:rPr lang="en-US" sz="2000" dirty="0">
-                <a:solidFill>
-                  <a:srgbClr val="111111"/>
-                </a:solidFill>
-                <a:latin typeface="SourceSansPro"/>
-              </a:rPr>
-              <a:t> the central bank releases more coins to these investors, relatively to their amount of shares</a:t>
-            </a:r>
-            <a:endParaRPr lang="en-US" sz="2000" b="1" i="0" dirty="0">
-              <a:solidFill>
-                <a:srgbClr val="111111"/>
-              </a:solidFill>
-              <a:effectLst/>
-              <a:latin typeface="SourceSansPro"/>
-            </a:endParaRPr>
-          </a:p>
-          <a:p>
-            <a:pPr marL="971550" lvl="1" indent="-514350">
-              <a:buFont typeface="+mj-lt"/>
-              <a:buAutoNum type="arabicPeriod"/>
-            </a:pPr>
+              <a:t>Base Shares</a:t>
+            </a:r>
             <a:endParaRPr lang="en-US" dirty="0"/>
           </a:p>
           <a:p>
@@ -12525,6 +12521,888 @@
 </file>
 
 <file path=ppt/slides/slide6.xml><?xml version="1.0" encoding="utf-8"?>
+<p:sld xmlns:a="http://schemas.openxmlformats.org/drawingml/2006/main" xmlns:r="http://schemas.openxmlformats.org/officeDocument/2006/relationships" xmlns:p="http://schemas.openxmlformats.org/presentationml/2006/main" show="0">
+  <p:cSld>
+    <p:spTree>
+      <p:nvGrpSpPr>
+        <p:cNvPr id="1" name=""/>
+        <p:cNvGrpSpPr/>
+        <p:nvPr/>
+      </p:nvGrpSpPr>
+      <p:grpSpPr>
+        <a:xfrm>
+          <a:off x="0" y="0"/>
+          <a:ext cx="0" cy="0"/>
+          <a:chOff x="0" y="0"/>
+          <a:chExt cx="0" cy="0"/>
+        </a:xfrm>
+      </p:grpSpPr>
+      <p:sp>
+        <p:nvSpPr>
+          <p:cNvPr id="2" name="Title 1">
+            <a:extLst>
+              <a:ext uri="{FF2B5EF4-FFF2-40B4-BE49-F238E27FC236}">
+                <a16:creationId xmlns:a16="http://schemas.microsoft.com/office/drawing/2014/main" id="{AA592A1E-E0E3-4F4E-BF67-835BDEDC0B8C}"/>
+              </a:ext>
+            </a:extLst>
+          </p:cNvPr>
+          <p:cNvSpPr>
+            <a:spLocks noGrp="1"/>
+          </p:cNvSpPr>
+          <p:nvPr>
+            <p:ph type="title"/>
+          </p:nvPr>
+        </p:nvSpPr>
+        <p:spPr/>
+        <p:txBody>
+          <a:bodyPr/>
+          <a:lstStyle/>
+          <a:p>
+            <a:r>
+              <a:rPr lang="en-US" b="1" u="sng" dirty="0"/>
+              <a:t>Simple Stable Coin – Smart Contracts</a:t>
+            </a:r>
+            <a:endParaRPr lang="he-IL" b="1" u="sng" dirty="0"/>
+          </a:p>
+        </p:txBody>
+      </p:sp>
+      <p:sp>
+        <p:nvSpPr>
+          <p:cNvPr id="3" name="Content Placeholder 2">
+            <a:extLst>
+              <a:ext uri="{FF2B5EF4-FFF2-40B4-BE49-F238E27FC236}">
+                <a16:creationId xmlns:a16="http://schemas.microsoft.com/office/drawing/2014/main" id="{13F84340-0912-4456-A61F-9E5BC735093D}"/>
+              </a:ext>
+            </a:extLst>
+          </p:cNvPr>
+          <p:cNvSpPr>
+            <a:spLocks noGrp="1"/>
+          </p:cNvSpPr>
+          <p:nvPr>
+            <p:ph idx="1"/>
+          </p:nvPr>
+        </p:nvSpPr>
+        <p:spPr/>
+        <p:txBody>
+          <a:bodyPr>
+            <a:normAutofit fontScale="92500" lnSpcReduction="10000"/>
+          </a:bodyPr>
+          <a:lstStyle/>
+          <a:p>
+            <a:r>
+              <a:rPr lang="en-US" b="1" u="sng" dirty="0"/>
+              <a:t>Central Bank:</a:t>
+            </a:r>
+          </a:p>
+          <a:p>
+            <a:pPr lvl="1"/>
+            <a:r>
+              <a:rPr lang="en-US" dirty="0"/>
+              <a:t>Gets the coin value from the Oracle contract.</a:t>
+            </a:r>
+          </a:p>
+          <a:p>
+            <a:pPr lvl="1"/>
+            <a:r>
+              <a:rPr lang="en-US" dirty="0"/>
+              <a:t>Chooses whether to buy bonds / sell bonds / produce coins to share-holders, based on the current coin value.</a:t>
+            </a:r>
+            <a:br>
+              <a:rPr lang="en-US" dirty="0"/>
+            </a:br>
+            <a:endParaRPr lang="en-US" dirty="0"/>
+          </a:p>
+          <a:p>
+            <a:r>
+              <a:rPr lang="en-US" b="1" u="sng" dirty="0"/>
+              <a:t>Coin:</a:t>
+            </a:r>
+          </a:p>
+          <a:p>
+            <a:pPr lvl="1"/>
+            <a:r>
+              <a:rPr lang="en-US" dirty="0"/>
+              <a:t>Holds the amount of coins / bonds / shares for each user</a:t>
+            </a:r>
+          </a:p>
+          <a:p>
+            <a:pPr lvl="2"/>
+            <a:r>
+              <a:rPr lang="en-US" dirty="0"/>
+              <a:t>Also, the total amount of the above.</a:t>
+            </a:r>
+          </a:p>
+          <a:p>
+            <a:pPr lvl="1"/>
+            <a:r>
+              <a:rPr lang="en-US" dirty="0"/>
+              <a:t>Manages the different actions that the central bank chose to do</a:t>
+            </a:r>
+          </a:p>
+          <a:p>
+            <a:pPr lvl="2"/>
+            <a:endParaRPr lang="en-US" dirty="0"/>
+          </a:p>
+          <a:p>
+            <a:r>
+              <a:rPr lang="en-US" b="1" u="sng" dirty="0"/>
+              <a:t>Oracle</a:t>
+            </a:r>
+            <a:r>
+              <a:rPr lang="en-US" dirty="0"/>
+              <a:t>:</a:t>
+            </a:r>
+          </a:p>
+          <a:p>
+            <a:pPr lvl="1"/>
+            <a:r>
+              <a:rPr lang="en-US" dirty="0"/>
+              <a:t>Periodically checks the coin value.</a:t>
+            </a:r>
+          </a:p>
+        </p:txBody>
+      </p:sp>
+    </p:spTree>
+    <p:extLst>
+      <p:ext uri="{BB962C8B-B14F-4D97-AF65-F5344CB8AC3E}">
+        <p14:creationId xmlns:p14="http://schemas.microsoft.com/office/powerpoint/2010/main" val="2804631544"/>
+      </p:ext>
+    </p:extLst>
+  </p:cSld>
+  <p:clrMapOvr>
+    <a:masterClrMapping/>
+  </p:clrMapOvr>
+</p:sld>
+</file>
+
+<file path=ppt/slides/slide7.xml><?xml version="1.0" encoding="utf-8"?>
+<p:sld xmlns:a="http://schemas.openxmlformats.org/drawingml/2006/main" xmlns:r="http://schemas.openxmlformats.org/officeDocument/2006/relationships" xmlns:p="http://schemas.openxmlformats.org/presentationml/2006/main">
+  <p:cSld>
+    <p:spTree>
+      <p:nvGrpSpPr>
+        <p:cNvPr id="1" name=""/>
+        <p:cNvGrpSpPr/>
+        <p:nvPr/>
+      </p:nvGrpSpPr>
+      <p:grpSpPr>
+        <a:xfrm>
+          <a:off x="0" y="0"/>
+          <a:ext cx="0" cy="0"/>
+          <a:chOff x="0" y="0"/>
+          <a:chExt cx="0" cy="0"/>
+        </a:xfrm>
+      </p:grpSpPr>
+      <p:sp>
+        <p:nvSpPr>
+          <p:cNvPr id="3" name="Content Placeholder 2">
+            <a:extLst>
+              <a:ext uri="{FF2B5EF4-FFF2-40B4-BE49-F238E27FC236}">
+                <a16:creationId xmlns:a16="http://schemas.microsoft.com/office/drawing/2014/main" id="{13F84340-0912-4456-A61F-9E5BC735093D}"/>
+              </a:ext>
+            </a:extLst>
+          </p:cNvPr>
+          <p:cNvSpPr>
+            <a:spLocks noGrp="1"/>
+          </p:cNvSpPr>
+          <p:nvPr>
+            <p:ph idx="1"/>
+          </p:nvPr>
+        </p:nvSpPr>
+        <p:spPr>
+          <a:xfrm>
+            <a:off x="838199" y="1825624"/>
+            <a:ext cx="9965925" cy="4667251"/>
+          </a:xfrm>
+        </p:spPr>
+        <p:txBody>
+          <a:bodyPr>
+            <a:normAutofit/>
+          </a:bodyPr>
+          <a:lstStyle/>
+          <a:p>
+            <a:r>
+              <a:rPr lang="en-US" b="1" u="sng" dirty="0"/>
+              <a:t>Coin Value &lt; 1$</a:t>
+            </a:r>
+            <a:br>
+              <a:rPr lang="en-US" b="1" u="sng" dirty="0"/>
+            </a:br>
+            <a:endParaRPr lang="en-US" b="1" u="sng" dirty="0"/>
+          </a:p>
+          <a:p>
+            <a:pPr lvl="1"/>
+            <a:r>
+              <a:rPr lang="en-US" dirty="0">
+                <a:sym typeface="Wingdings" panose="05000000000000000000" pitchFamily="2" charset="2"/>
+              </a:rPr>
+              <a:t>Central bank contract realizes that deflation needs to be done.</a:t>
+            </a:r>
+            <a:br>
+              <a:rPr lang="en-US" dirty="0">
+                <a:sym typeface="Wingdings" panose="05000000000000000000" pitchFamily="2" charset="2"/>
+              </a:rPr>
+            </a:br>
+            <a:endParaRPr lang="en-US" dirty="0">
+              <a:sym typeface="Wingdings" panose="05000000000000000000" pitchFamily="2" charset="2"/>
+            </a:endParaRPr>
+          </a:p>
+          <a:p>
+            <a:pPr lvl="1"/>
+            <a:r>
+              <a:rPr lang="en-US" dirty="0">
+                <a:sym typeface="Wingdings" panose="05000000000000000000" pitchFamily="2" charset="2"/>
+              </a:rPr>
+              <a:t>Coin contract performs the deflation:</a:t>
+            </a:r>
+          </a:p>
+          <a:p>
+            <a:pPr lvl="2"/>
+            <a:r>
+              <a:rPr lang="en-US" dirty="0">
+                <a:sym typeface="Wingdings" panose="05000000000000000000" pitchFamily="2" charset="2"/>
+              </a:rPr>
+              <a:t>Sell bonds through an auction:</a:t>
+            </a:r>
+          </a:p>
+          <a:p>
+            <a:pPr lvl="3"/>
+            <a:r>
+              <a:rPr lang="en-US" dirty="0">
+                <a:sym typeface="Wingdings" panose="05000000000000000000" pitchFamily="2" charset="2"/>
+              </a:rPr>
+              <a:t>Each user chooses the price for a single bond he is willing to pay (&lt;1 BaseCoin) + the amount of bonds.</a:t>
+            </a:r>
+          </a:p>
+          <a:p>
+            <a:pPr lvl="3"/>
+            <a:r>
+              <a:rPr lang="en-US" dirty="0">
+                <a:sym typeface="Wingdings" panose="05000000000000000000" pitchFamily="2" charset="2"/>
+              </a:rPr>
+              <a:t>We find the clearing-price – in which we can sell all bonds.</a:t>
+            </a:r>
+          </a:p>
+          <a:p>
+            <a:pPr lvl="2"/>
+            <a:r>
+              <a:rPr lang="en-US" dirty="0">
+                <a:sym typeface="Wingdings" panose="05000000000000000000" pitchFamily="2" charset="2"/>
+              </a:rPr>
+              <a:t>(Users are motivated to buy bonds because they could later redeem them for 1 BaseCoin)</a:t>
+            </a:r>
+          </a:p>
+          <a:p>
+            <a:pPr lvl="2"/>
+            <a:r>
+              <a:rPr lang="en-US" dirty="0">
+                <a:sym typeface="Wingdings" panose="05000000000000000000" pitchFamily="2" charset="2"/>
+              </a:rPr>
+              <a:t>This action decreases the total amount of coins  </a:t>
+            </a:r>
+            <a:r>
+              <a:rPr lang="en-US" b="1" u="sng" dirty="0">
+                <a:solidFill>
+                  <a:srgbClr val="00B050"/>
+                </a:solidFill>
+                <a:sym typeface="Wingdings" panose="05000000000000000000" pitchFamily="2" charset="2"/>
+              </a:rPr>
+              <a:t>coin value goes up</a:t>
+            </a:r>
+            <a:r>
+              <a:rPr lang="en-US" dirty="0">
+                <a:sym typeface="Wingdings" panose="05000000000000000000" pitchFamily="2" charset="2"/>
+              </a:rPr>
+              <a:t>.</a:t>
+            </a:r>
+            <a:br>
+              <a:rPr lang="en-US" dirty="0">
+                <a:sym typeface="Wingdings" panose="05000000000000000000" pitchFamily="2" charset="2"/>
+              </a:rPr>
+            </a:br>
+            <a:endParaRPr lang="en-US" dirty="0">
+              <a:sym typeface="Wingdings" panose="05000000000000000000" pitchFamily="2" charset="2"/>
+            </a:endParaRPr>
+          </a:p>
+        </p:txBody>
+      </p:sp>
+      <p:grpSp>
+        <p:nvGrpSpPr>
+          <p:cNvPr id="6" name="Group 5">
+            <a:extLst>
+              <a:ext uri="{FF2B5EF4-FFF2-40B4-BE49-F238E27FC236}">
+                <a16:creationId xmlns:a16="http://schemas.microsoft.com/office/drawing/2014/main" id="{E3284D8E-28B0-4980-878A-97354F542651}"/>
+              </a:ext>
+            </a:extLst>
+          </p:cNvPr>
+          <p:cNvGrpSpPr/>
+          <p:nvPr/>
+        </p:nvGrpSpPr>
+        <p:grpSpPr>
+          <a:xfrm>
+            <a:off x="698376" y="520761"/>
+            <a:ext cx="7087341" cy="1026281"/>
+            <a:chOff x="525780" y="63233"/>
+            <a:chExt cx="7360920" cy="767520"/>
+          </a:xfrm>
+        </p:grpSpPr>
+        <p:sp>
+          <p:nvSpPr>
+            <p:cNvPr id="7" name="Rectangle: Rounded Corners 6">
+              <a:extLst>
+                <a:ext uri="{FF2B5EF4-FFF2-40B4-BE49-F238E27FC236}">
+                  <a16:creationId xmlns:a16="http://schemas.microsoft.com/office/drawing/2014/main" id="{213FCDE1-9638-469D-8774-27E220FEEB66}"/>
+                </a:ext>
+              </a:extLst>
+            </p:cNvPr>
+            <p:cNvSpPr/>
+            <p:nvPr/>
+          </p:nvSpPr>
+          <p:spPr>
+            <a:xfrm>
+              <a:off x="525780" y="63233"/>
+              <a:ext cx="7360920" cy="767520"/>
+            </a:xfrm>
+            <a:prstGeom prst="roundRect">
+              <a:avLst/>
+            </a:prstGeom>
+          </p:spPr>
+          <p:style>
+            <a:lnRef idx="2">
+              <a:schemeClr val="lt1">
+                <a:hueOff val="0"/>
+                <a:satOff val="0"/>
+                <a:lumOff val="0"/>
+                <a:alphaOff val="0"/>
+              </a:schemeClr>
+            </a:lnRef>
+            <a:fillRef idx="1">
+              <a:schemeClr val="accent1">
+                <a:hueOff val="0"/>
+                <a:satOff val="0"/>
+                <a:lumOff val="0"/>
+                <a:alphaOff val="0"/>
+              </a:schemeClr>
+            </a:fillRef>
+            <a:effectRef idx="0">
+              <a:schemeClr val="accent1">
+                <a:hueOff val="0"/>
+                <a:satOff val="0"/>
+                <a:lumOff val="0"/>
+                <a:alphaOff val="0"/>
+              </a:schemeClr>
+            </a:effectRef>
+            <a:fontRef idx="minor">
+              <a:schemeClr val="lt1"/>
+            </a:fontRef>
+          </p:style>
+        </p:sp>
+        <p:sp>
+          <p:nvSpPr>
+            <p:cNvPr id="8" name="Rectangle: Rounded Corners 4">
+              <a:extLst>
+                <a:ext uri="{FF2B5EF4-FFF2-40B4-BE49-F238E27FC236}">
+                  <a16:creationId xmlns:a16="http://schemas.microsoft.com/office/drawing/2014/main" id="{ED87E92D-C162-4701-BD96-C90C2485A9A0}"/>
+                </a:ext>
+              </a:extLst>
+            </p:cNvPr>
+            <p:cNvSpPr txBox="1"/>
+            <p:nvPr/>
+          </p:nvSpPr>
+          <p:spPr>
+            <a:xfrm>
+              <a:off x="563247" y="100700"/>
+              <a:ext cx="7285986" cy="692586"/>
+            </a:xfrm>
+            <a:prstGeom prst="rect">
+              <a:avLst/>
+            </a:prstGeom>
+          </p:spPr>
+          <p:style>
+            <a:lnRef idx="0">
+              <a:scrgbClr r="0" g="0" b="0"/>
+            </a:lnRef>
+            <a:fillRef idx="0">
+              <a:scrgbClr r="0" g="0" b="0"/>
+            </a:fillRef>
+            <a:effectRef idx="0">
+              <a:scrgbClr r="0" g="0" b="0"/>
+            </a:effectRef>
+            <a:fontRef idx="minor">
+              <a:schemeClr val="lt1"/>
+            </a:fontRef>
+          </p:style>
+          <p:txBody>
+            <a:bodyPr spcFirstLastPara="0" vert="horz" wrap="square" lIns="278225" tIns="0" rIns="278225" bIns="0" numCol="1" spcCol="1270" anchor="ctr" anchorCtr="0">
+              <a:noAutofit/>
+            </a:bodyPr>
+            <a:lstStyle/>
+            <a:p>
+              <a:pPr marL="0" lvl="0" indent="0" algn="l" defTabSz="1155700">
+                <a:lnSpc>
+                  <a:spcPct val="90000"/>
+                </a:lnSpc>
+                <a:spcBef>
+                  <a:spcPct val="0"/>
+                </a:spcBef>
+                <a:spcAft>
+                  <a:spcPct val="35000"/>
+                </a:spcAft>
+                <a:buNone/>
+              </a:pPr>
+              <a:r>
+                <a:rPr lang="en-US" sz="4400" b="1" u="sng" dirty="0"/>
+                <a:t>Simple Stable Coin</a:t>
+              </a:r>
+              <a:r>
+                <a:rPr lang="en-US" sz="4400" dirty="0"/>
+                <a:t> </a:t>
+              </a:r>
+              <a:r>
+                <a:rPr lang="en-US" sz="4800" dirty="0"/>
+                <a:t>– Flows</a:t>
+              </a:r>
+              <a:endParaRPr lang="en-US" sz="1000" kern="1200" dirty="0"/>
+            </a:p>
+          </p:txBody>
+        </p:sp>
+      </p:grpSp>
+      <p:pic>
+        <p:nvPicPr>
+          <p:cNvPr id="10" name="Picture 9">
+            <a:extLst>
+              <a:ext uri="{FF2B5EF4-FFF2-40B4-BE49-F238E27FC236}">
+                <a16:creationId xmlns:a16="http://schemas.microsoft.com/office/drawing/2014/main" id="{3E07FBA1-0185-4F4C-9D64-18D9171C3A88}"/>
+              </a:ext>
+            </a:extLst>
+          </p:cNvPr>
+          <p:cNvPicPr>
+            <a:picLocks noChangeAspect="1"/>
+          </p:cNvPicPr>
+          <p:nvPr/>
+        </p:nvPicPr>
+        <p:blipFill>
+          <a:blip r:embed="rId2"/>
+          <a:stretch>
+            <a:fillRect/>
+          </a:stretch>
+        </p:blipFill>
+        <p:spPr>
+          <a:xfrm>
+            <a:off x="9437102" y="242178"/>
+            <a:ext cx="2390775" cy="2428875"/>
+          </a:xfrm>
+          <a:prstGeom prst="rect">
+            <a:avLst/>
+          </a:prstGeom>
+        </p:spPr>
+      </p:pic>
+    </p:spTree>
+    <p:extLst>
+      <p:ext uri="{BB962C8B-B14F-4D97-AF65-F5344CB8AC3E}">
+        <p14:creationId xmlns:p14="http://schemas.microsoft.com/office/powerpoint/2010/main" val="623338036"/>
+      </p:ext>
+    </p:extLst>
+  </p:cSld>
+  <p:clrMapOvr>
+    <a:masterClrMapping/>
+  </p:clrMapOvr>
+</p:sld>
+</file>
+
+<file path=ppt/slides/slide8.xml><?xml version="1.0" encoding="utf-8"?>
+<p:sld xmlns:a="http://schemas.openxmlformats.org/drawingml/2006/main" xmlns:r="http://schemas.openxmlformats.org/officeDocument/2006/relationships" xmlns:p="http://schemas.openxmlformats.org/presentationml/2006/main">
+  <p:cSld>
+    <p:spTree>
+      <p:nvGrpSpPr>
+        <p:cNvPr id="1" name=""/>
+        <p:cNvGrpSpPr/>
+        <p:nvPr/>
+      </p:nvGrpSpPr>
+      <p:grpSpPr>
+        <a:xfrm>
+          <a:off x="0" y="0"/>
+          <a:ext cx="0" cy="0"/>
+          <a:chOff x="0" y="0"/>
+          <a:chExt cx="0" cy="0"/>
+        </a:xfrm>
+      </p:grpSpPr>
+      <p:sp>
+        <p:nvSpPr>
+          <p:cNvPr id="3" name="Content Placeholder 2">
+            <a:extLst>
+              <a:ext uri="{FF2B5EF4-FFF2-40B4-BE49-F238E27FC236}">
+                <a16:creationId xmlns:a16="http://schemas.microsoft.com/office/drawing/2014/main" id="{13F84340-0912-4456-A61F-9E5BC735093D}"/>
+              </a:ext>
+            </a:extLst>
+          </p:cNvPr>
+          <p:cNvSpPr>
+            <a:spLocks noGrp="1"/>
+          </p:cNvSpPr>
+          <p:nvPr>
+            <p:ph idx="1"/>
+          </p:nvPr>
+        </p:nvSpPr>
+        <p:spPr>
+          <a:xfrm>
+            <a:off x="838199" y="1825624"/>
+            <a:ext cx="9965925" cy="4667251"/>
+          </a:xfrm>
+        </p:spPr>
+        <p:txBody>
+          <a:bodyPr>
+            <a:normAutofit/>
+          </a:bodyPr>
+          <a:lstStyle/>
+          <a:p>
+            <a:r>
+              <a:rPr lang="en-US" b="1" u="sng" dirty="0"/>
+              <a:t>Coin Value &gt; 1$</a:t>
+            </a:r>
+            <a:br>
+              <a:rPr lang="en-US" b="1" u="sng" dirty="0"/>
+            </a:br>
+            <a:endParaRPr lang="en-US" b="1" u="sng" dirty="0"/>
+          </a:p>
+          <a:p>
+            <a:pPr lvl="1"/>
+            <a:r>
+              <a:rPr lang="en-US" dirty="0">
+                <a:sym typeface="Wingdings" panose="05000000000000000000" pitchFamily="2" charset="2"/>
+              </a:rPr>
+              <a:t>Central bank contract realizes that inflation needs to be done.</a:t>
+            </a:r>
+            <a:br>
+              <a:rPr lang="en-US" dirty="0">
+                <a:sym typeface="Wingdings" panose="05000000000000000000" pitchFamily="2" charset="2"/>
+              </a:rPr>
+            </a:br>
+            <a:endParaRPr lang="en-US" dirty="0">
+              <a:sym typeface="Wingdings" panose="05000000000000000000" pitchFamily="2" charset="2"/>
+            </a:endParaRPr>
+          </a:p>
+          <a:p>
+            <a:pPr lvl="1"/>
+            <a:r>
+              <a:rPr lang="en-US" dirty="0">
+                <a:sym typeface="Wingdings" panose="05000000000000000000" pitchFamily="2" charset="2"/>
+              </a:rPr>
+              <a:t>Coin contract performs the inflation:</a:t>
+            </a:r>
+          </a:p>
+          <a:p>
+            <a:pPr lvl="2"/>
+            <a:r>
+              <a:rPr lang="en-US" dirty="0">
+                <a:sym typeface="Wingdings" panose="05000000000000000000" pitchFamily="2" charset="2"/>
+              </a:rPr>
+              <a:t>Redeem a limited amount of bonds for each user (if he has any) for 1 BaseCoin each. *</a:t>
+            </a:r>
+          </a:p>
+          <a:p>
+            <a:pPr lvl="3"/>
+            <a:r>
+              <a:rPr lang="en-US" dirty="0">
+                <a:sym typeface="Wingdings" panose="05000000000000000000" pitchFamily="2" charset="2"/>
+              </a:rPr>
+              <a:t>This action increases the total amount of coins  </a:t>
+            </a:r>
+            <a:r>
+              <a:rPr lang="en-US" b="1" u="sng" dirty="0">
+                <a:solidFill>
+                  <a:srgbClr val="00B050"/>
+                </a:solidFill>
+                <a:sym typeface="Wingdings" panose="05000000000000000000" pitchFamily="2" charset="2"/>
+              </a:rPr>
+              <a:t>coin value goes down</a:t>
+            </a:r>
+            <a:r>
+              <a:rPr lang="en-US" dirty="0">
+                <a:sym typeface="Wingdings" panose="05000000000000000000" pitchFamily="2" charset="2"/>
+              </a:rPr>
+              <a:t>.</a:t>
+            </a:r>
+            <a:br>
+              <a:rPr lang="en-US" dirty="0">
+                <a:sym typeface="Wingdings" panose="05000000000000000000" pitchFamily="2" charset="2"/>
+              </a:rPr>
+            </a:br>
+            <a:endParaRPr lang="en-US" dirty="0">
+              <a:sym typeface="Wingdings" panose="05000000000000000000" pitchFamily="2" charset="2"/>
+            </a:endParaRPr>
+          </a:p>
+          <a:p>
+            <a:pPr lvl="2"/>
+            <a:r>
+              <a:rPr lang="en-US" dirty="0">
+                <a:sym typeface="Wingdings" panose="05000000000000000000" pitchFamily="2" charset="2"/>
+              </a:rPr>
+              <a:t>If there are no bonds left, produce coins for all users who hold shares.</a:t>
+            </a:r>
+          </a:p>
+          <a:p>
+            <a:pPr lvl="3"/>
+            <a:r>
+              <a:rPr lang="en-US" dirty="0">
+                <a:sym typeface="Wingdings" panose="05000000000000000000" pitchFamily="2" charset="2"/>
+              </a:rPr>
+              <a:t>Relatively to the number of shares of each user. **</a:t>
+            </a:r>
+          </a:p>
+          <a:p>
+            <a:pPr lvl="3"/>
+            <a:r>
+              <a:rPr lang="en-US" dirty="0">
+                <a:sym typeface="Wingdings" panose="05000000000000000000" pitchFamily="2" charset="2"/>
+              </a:rPr>
+              <a:t>This action increases the total amount of coins  </a:t>
+            </a:r>
+            <a:r>
+              <a:rPr lang="en-US" b="1" u="sng" dirty="0">
+                <a:solidFill>
+                  <a:srgbClr val="00B050"/>
+                </a:solidFill>
+                <a:sym typeface="Wingdings" panose="05000000000000000000" pitchFamily="2" charset="2"/>
+              </a:rPr>
+              <a:t>coin value goes down</a:t>
+            </a:r>
+            <a:r>
+              <a:rPr lang="en-US" dirty="0">
+                <a:sym typeface="Wingdings" panose="05000000000000000000" pitchFamily="2" charset="2"/>
+              </a:rPr>
+              <a:t>.</a:t>
+            </a:r>
+          </a:p>
+        </p:txBody>
+      </p:sp>
+      <p:sp>
+        <p:nvSpPr>
+          <p:cNvPr id="4" name="TextBox 3">
+            <a:extLst>
+              <a:ext uri="{FF2B5EF4-FFF2-40B4-BE49-F238E27FC236}">
+                <a16:creationId xmlns:a16="http://schemas.microsoft.com/office/drawing/2014/main" id="{A4032777-D632-4BFF-90B4-AD17ED481EF7}"/>
+              </a:ext>
+            </a:extLst>
+          </p:cNvPr>
+          <p:cNvSpPr txBox="1"/>
+          <p:nvPr/>
+        </p:nvSpPr>
+        <p:spPr>
+          <a:xfrm>
+            <a:off x="301840" y="6273225"/>
+            <a:ext cx="9898602" cy="584775"/>
+          </a:xfrm>
+          <a:prstGeom prst="rect">
+            <a:avLst/>
+          </a:prstGeom>
+          <a:noFill/>
+        </p:spPr>
+        <p:txBody>
+          <a:bodyPr wrap="square" rtlCol="1">
+            <a:spAutoFit/>
+          </a:bodyPr>
+          <a:lstStyle/>
+          <a:p>
+            <a:r>
+              <a:rPr lang="en-US" sz="1600" dirty="0">
+                <a:sym typeface="Wingdings" panose="05000000000000000000" pitchFamily="2" charset="2"/>
+              </a:rPr>
+              <a:t>* There should be FIFO queue of bonds (buy first  redeem first), we didn’t implement it for simplicity reasons.</a:t>
+            </a:r>
+          </a:p>
+          <a:p>
+            <a:r>
+              <a:rPr lang="en-US" sz="1600" dirty="0"/>
+              <a:t>** Our implementation assumes each user has a constant amount of one share</a:t>
+            </a:r>
+            <a:endParaRPr lang="he-IL" sz="1600" dirty="0"/>
+          </a:p>
+        </p:txBody>
+      </p:sp>
+      <p:grpSp>
+        <p:nvGrpSpPr>
+          <p:cNvPr id="5" name="Group 4">
+            <a:extLst>
+              <a:ext uri="{FF2B5EF4-FFF2-40B4-BE49-F238E27FC236}">
+                <a16:creationId xmlns:a16="http://schemas.microsoft.com/office/drawing/2014/main" id="{100BA947-8C78-45A2-8CF0-7EC0E73EFFFA}"/>
+              </a:ext>
+            </a:extLst>
+          </p:cNvPr>
+          <p:cNvGrpSpPr/>
+          <p:nvPr/>
+        </p:nvGrpSpPr>
+        <p:grpSpPr>
+          <a:xfrm>
+            <a:off x="653988" y="480433"/>
+            <a:ext cx="7096218" cy="1026281"/>
+            <a:chOff x="525780" y="63233"/>
+            <a:chExt cx="7360920" cy="767520"/>
+          </a:xfrm>
+        </p:grpSpPr>
+        <p:sp>
+          <p:nvSpPr>
+            <p:cNvPr id="6" name="Rectangle: Rounded Corners 5">
+              <a:extLst>
+                <a:ext uri="{FF2B5EF4-FFF2-40B4-BE49-F238E27FC236}">
+                  <a16:creationId xmlns:a16="http://schemas.microsoft.com/office/drawing/2014/main" id="{92145C8E-D520-4A14-B45F-CCB5ACB74203}"/>
+                </a:ext>
+              </a:extLst>
+            </p:cNvPr>
+            <p:cNvSpPr/>
+            <p:nvPr/>
+          </p:nvSpPr>
+          <p:spPr>
+            <a:xfrm>
+              <a:off x="525780" y="63233"/>
+              <a:ext cx="7360920" cy="767520"/>
+            </a:xfrm>
+            <a:prstGeom prst="roundRect">
+              <a:avLst/>
+            </a:prstGeom>
+          </p:spPr>
+          <p:style>
+            <a:lnRef idx="2">
+              <a:schemeClr val="lt1">
+                <a:hueOff val="0"/>
+                <a:satOff val="0"/>
+                <a:lumOff val="0"/>
+                <a:alphaOff val="0"/>
+              </a:schemeClr>
+            </a:lnRef>
+            <a:fillRef idx="1">
+              <a:schemeClr val="accent1">
+                <a:hueOff val="0"/>
+                <a:satOff val="0"/>
+                <a:lumOff val="0"/>
+                <a:alphaOff val="0"/>
+              </a:schemeClr>
+            </a:fillRef>
+            <a:effectRef idx="0">
+              <a:schemeClr val="accent1">
+                <a:hueOff val="0"/>
+                <a:satOff val="0"/>
+                <a:lumOff val="0"/>
+                <a:alphaOff val="0"/>
+              </a:schemeClr>
+            </a:effectRef>
+            <a:fontRef idx="minor">
+              <a:schemeClr val="lt1"/>
+            </a:fontRef>
+          </p:style>
+        </p:sp>
+        <p:sp>
+          <p:nvSpPr>
+            <p:cNvPr id="7" name="Rectangle: Rounded Corners 4">
+              <a:extLst>
+                <a:ext uri="{FF2B5EF4-FFF2-40B4-BE49-F238E27FC236}">
+                  <a16:creationId xmlns:a16="http://schemas.microsoft.com/office/drawing/2014/main" id="{121DAC0D-7FA6-47B7-8FB8-B0059F01DD96}"/>
+                </a:ext>
+              </a:extLst>
+            </p:cNvPr>
+            <p:cNvSpPr txBox="1"/>
+            <p:nvPr/>
+          </p:nvSpPr>
+          <p:spPr>
+            <a:xfrm>
+              <a:off x="563247" y="100700"/>
+              <a:ext cx="7285986" cy="692586"/>
+            </a:xfrm>
+            <a:prstGeom prst="rect">
+              <a:avLst/>
+            </a:prstGeom>
+          </p:spPr>
+          <p:style>
+            <a:lnRef idx="0">
+              <a:scrgbClr r="0" g="0" b="0"/>
+            </a:lnRef>
+            <a:fillRef idx="0">
+              <a:scrgbClr r="0" g="0" b="0"/>
+            </a:fillRef>
+            <a:effectRef idx="0">
+              <a:scrgbClr r="0" g="0" b="0"/>
+            </a:effectRef>
+            <a:fontRef idx="minor">
+              <a:schemeClr val="lt1"/>
+            </a:fontRef>
+          </p:style>
+          <p:txBody>
+            <a:bodyPr spcFirstLastPara="0" vert="horz" wrap="square" lIns="278225" tIns="0" rIns="278225" bIns="0" numCol="1" spcCol="1270" anchor="ctr" anchorCtr="0">
+              <a:noAutofit/>
+            </a:bodyPr>
+            <a:lstStyle/>
+            <a:p>
+              <a:pPr marL="0" lvl="0" indent="0" algn="l" defTabSz="1155700">
+                <a:lnSpc>
+                  <a:spcPct val="90000"/>
+                </a:lnSpc>
+                <a:spcBef>
+                  <a:spcPct val="0"/>
+                </a:spcBef>
+                <a:spcAft>
+                  <a:spcPct val="35000"/>
+                </a:spcAft>
+                <a:buNone/>
+              </a:pPr>
+              <a:r>
+                <a:rPr lang="en-US" sz="4400" b="1" u="sng" dirty="0"/>
+                <a:t>Simple Stable Coin</a:t>
+              </a:r>
+              <a:r>
+                <a:rPr lang="en-US" sz="4400" b="1" dirty="0"/>
+                <a:t> </a:t>
+              </a:r>
+              <a:r>
+                <a:rPr lang="en-US" sz="4800" dirty="0"/>
+                <a:t>– Flows</a:t>
+              </a:r>
+              <a:endParaRPr lang="en-US" sz="1000" kern="1200" dirty="0"/>
+            </a:p>
+          </p:txBody>
+        </p:sp>
+      </p:grpSp>
+      <p:pic>
+        <p:nvPicPr>
+          <p:cNvPr id="11" name="Picture 10">
+            <a:extLst>
+              <a:ext uri="{FF2B5EF4-FFF2-40B4-BE49-F238E27FC236}">
+                <a16:creationId xmlns:a16="http://schemas.microsoft.com/office/drawing/2014/main" id="{9D46F79E-82B1-423A-9B72-99DF431B731A}"/>
+              </a:ext>
+            </a:extLst>
+          </p:cNvPr>
+          <p:cNvPicPr>
+            <a:picLocks noChangeAspect="1"/>
+          </p:cNvPicPr>
+          <p:nvPr/>
+        </p:nvPicPr>
+        <p:blipFill>
+          <a:blip r:embed="rId2"/>
+          <a:stretch>
+            <a:fillRect/>
+          </a:stretch>
+        </p:blipFill>
+        <p:spPr>
+          <a:xfrm>
+            <a:off x="9430397" y="232653"/>
+            <a:ext cx="2457450" cy="2447925"/>
+          </a:xfrm>
+          <a:prstGeom prst="rect">
+            <a:avLst/>
+          </a:prstGeom>
+        </p:spPr>
+      </p:pic>
+    </p:spTree>
+    <p:extLst>
+      <p:ext uri="{BB962C8B-B14F-4D97-AF65-F5344CB8AC3E}">
+        <p14:creationId xmlns:p14="http://schemas.microsoft.com/office/powerpoint/2010/main" val="3592919072"/>
+      </p:ext>
+    </p:extLst>
+  </p:cSld>
+  <p:clrMapOvr>
+    <a:masterClrMapping/>
+  </p:clrMapOvr>
+</p:sld>
+</file>
+
+<file path=ppt/slides/slide9.xml><?xml version="1.0" encoding="utf-8"?>
 <p:sld xmlns:a="http://schemas.openxmlformats.org/drawingml/2006/main" xmlns:r="http://schemas.openxmlformats.org/officeDocument/2006/relationships" xmlns:p="http://schemas.openxmlformats.org/presentationml/2006/main">
   <p:cSld>
     <p:spTree>
@@ -12564,7 +13442,7 @@
           <a:p>
             <a:r>
               <a:rPr lang="en-US" b="1" u="sng" dirty="0"/>
-              <a:t>Base Coin 2.0 – Smart Contracts</a:t>
+              <a:t>Simple Stable Coin – Smart Contracts</a:t>
             </a:r>
             <a:endParaRPr lang="he-IL" b="1" u="sng" dirty="0"/>
           </a:p>
@@ -13934,872 +14812,6 @@
 </p:sld>
 </file>
 
-<file path=ppt/slides/slide7.xml><?xml version="1.0" encoding="utf-8"?>
-<p:sld xmlns:a="http://schemas.openxmlformats.org/drawingml/2006/main" xmlns:r="http://schemas.openxmlformats.org/officeDocument/2006/relationships" xmlns:p="http://schemas.openxmlformats.org/presentationml/2006/main" show="0">
-  <p:cSld>
-    <p:spTree>
-      <p:nvGrpSpPr>
-        <p:cNvPr id="1" name=""/>
-        <p:cNvGrpSpPr/>
-        <p:nvPr/>
-      </p:nvGrpSpPr>
-      <p:grpSpPr>
-        <a:xfrm>
-          <a:off x="0" y="0"/>
-          <a:ext cx="0" cy="0"/>
-          <a:chOff x="0" y="0"/>
-          <a:chExt cx="0" cy="0"/>
-        </a:xfrm>
-      </p:grpSpPr>
-      <p:sp>
-        <p:nvSpPr>
-          <p:cNvPr id="2" name="Title 1">
-            <a:extLst>
-              <a:ext uri="{FF2B5EF4-FFF2-40B4-BE49-F238E27FC236}">
-                <a16:creationId xmlns:a16="http://schemas.microsoft.com/office/drawing/2014/main" id="{AA592A1E-E0E3-4F4E-BF67-835BDEDC0B8C}"/>
-              </a:ext>
-            </a:extLst>
-          </p:cNvPr>
-          <p:cNvSpPr>
-            <a:spLocks noGrp="1"/>
-          </p:cNvSpPr>
-          <p:nvPr>
-            <p:ph type="title"/>
-          </p:nvPr>
-        </p:nvSpPr>
-        <p:spPr/>
-        <p:txBody>
-          <a:bodyPr/>
-          <a:lstStyle/>
-          <a:p>
-            <a:r>
-              <a:rPr lang="en-US" b="1" u="sng" dirty="0"/>
-              <a:t>Base Coin 2.0 – Smart Contracts</a:t>
-            </a:r>
-            <a:endParaRPr lang="he-IL" b="1" u="sng" dirty="0"/>
-          </a:p>
-        </p:txBody>
-      </p:sp>
-      <p:sp>
-        <p:nvSpPr>
-          <p:cNvPr id="3" name="Content Placeholder 2">
-            <a:extLst>
-              <a:ext uri="{FF2B5EF4-FFF2-40B4-BE49-F238E27FC236}">
-                <a16:creationId xmlns:a16="http://schemas.microsoft.com/office/drawing/2014/main" id="{13F84340-0912-4456-A61F-9E5BC735093D}"/>
-              </a:ext>
-            </a:extLst>
-          </p:cNvPr>
-          <p:cNvSpPr>
-            <a:spLocks noGrp="1"/>
-          </p:cNvSpPr>
-          <p:nvPr>
-            <p:ph idx="1"/>
-          </p:nvPr>
-        </p:nvSpPr>
-        <p:spPr/>
-        <p:txBody>
-          <a:bodyPr>
-            <a:normAutofit fontScale="92500" lnSpcReduction="10000"/>
-          </a:bodyPr>
-          <a:lstStyle/>
-          <a:p>
-            <a:r>
-              <a:rPr lang="en-US" b="1" u="sng" dirty="0"/>
-              <a:t>Central Bank:</a:t>
-            </a:r>
-          </a:p>
-          <a:p>
-            <a:pPr lvl="1"/>
-            <a:r>
-              <a:rPr lang="en-US" dirty="0"/>
-              <a:t>Gets the coin value from the Oracle contract.</a:t>
-            </a:r>
-          </a:p>
-          <a:p>
-            <a:pPr lvl="1"/>
-            <a:r>
-              <a:rPr lang="en-US" dirty="0"/>
-              <a:t>Chooses whether to buy bonds / sell bonds / produce coins to share-holders, based on the current coin value.</a:t>
-            </a:r>
-            <a:br>
-              <a:rPr lang="en-US" dirty="0"/>
-            </a:br>
-            <a:endParaRPr lang="en-US" dirty="0"/>
-          </a:p>
-          <a:p>
-            <a:r>
-              <a:rPr lang="en-US" b="1" u="sng" dirty="0"/>
-              <a:t>Coin:</a:t>
-            </a:r>
-          </a:p>
-          <a:p>
-            <a:pPr lvl="1"/>
-            <a:r>
-              <a:rPr lang="en-US" dirty="0"/>
-              <a:t>Holds the amount of coins / bonds / shares for each user</a:t>
-            </a:r>
-          </a:p>
-          <a:p>
-            <a:pPr lvl="2"/>
-            <a:r>
-              <a:rPr lang="en-US" dirty="0"/>
-              <a:t>Also, the total amount of the above.</a:t>
-            </a:r>
-          </a:p>
-          <a:p>
-            <a:pPr lvl="1"/>
-            <a:r>
-              <a:rPr lang="en-US" dirty="0"/>
-              <a:t>Manages the different actions that the central bank chose to do</a:t>
-            </a:r>
-          </a:p>
-          <a:p>
-            <a:pPr lvl="2"/>
-            <a:endParaRPr lang="en-US" dirty="0"/>
-          </a:p>
-          <a:p>
-            <a:r>
-              <a:rPr lang="en-US" b="1" u="sng" dirty="0"/>
-              <a:t>Oracle</a:t>
-            </a:r>
-            <a:r>
-              <a:rPr lang="en-US" dirty="0"/>
-              <a:t>:</a:t>
-            </a:r>
-          </a:p>
-          <a:p>
-            <a:pPr lvl="1"/>
-            <a:r>
-              <a:rPr lang="en-US" dirty="0"/>
-              <a:t>Periodically checks the coin value.</a:t>
-            </a:r>
-          </a:p>
-        </p:txBody>
-      </p:sp>
-    </p:spTree>
-    <p:extLst>
-      <p:ext uri="{BB962C8B-B14F-4D97-AF65-F5344CB8AC3E}">
-        <p14:creationId xmlns:p14="http://schemas.microsoft.com/office/powerpoint/2010/main" val="2804631544"/>
-      </p:ext>
-    </p:extLst>
-  </p:cSld>
-  <p:clrMapOvr>
-    <a:masterClrMapping/>
-  </p:clrMapOvr>
-</p:sld>
-</file>
-
-<file path=ppt/slides/slide8.xml><?xml version="1.0" encoding="utf-8"?>
-<p:sld xmlns:a="http://schemas.openxmlformats.org/drawingml/2006/main" xmlns:r="http://schemas.openxmlformats.org/officeDocument/2006/relationships" xmlns:p="http://schemas.openxmlformats.org/presentationml/2006/main">
-  <p:cSld>
-    <p:spTree>
-      <p:nvGrpSpPr>
-        <p:cNvPr id="1" name=""/>
-        <p:cNvGrpSpPr/>
-        <p:nvPr/>
-      </p:nvGrpSpPr>
-      <p:grpSpPr>
-        <a:xfrm>
-          <a:off x="0" y="0"/>
-          <a:ext cx="0" cy="0"/>
-          <a:chOff x="0" y="0"/>
-          <a:chExt cx="0" cy="0"/>
-        </a:xfrm>
-      </p:grpSpPr>
-      <p:sp>
-        <p:nvSpPr>
-          <p:cNvPr id="3" name="Content Placeholder 2">
-            <a:extLst>
-              <a:ext uri="{FF2B5EF4-FFF2-40B4-BE49-F238E27FC236}">
-                <a16:creationId xmlns:a16="http://schemas.microsoft.com/office/drawing/2014/main" id="{13F84340-0912-4456-A61F-9E5BC735093D}"/>
-              </a:ext>
-            </a:extLst>
-          </p:cNvPr>
-          <p:cNvSpPr>
-            <a:spLocks noGrp="1"/>
-          </p:cNvSpPr>
-          <p:nvPr>
-            <p:ph idx="1"/>
-          </p:nvPr>
-        </p:nvSpPr>
-        <p:spPr>
-          <a:xfrm>
-            <a:off x="838199" y="1825624"/>
-            <a:ext cx="9965925" cy="4667251"/>
-          </a:xfrm>
-        </p:spPr>
-        <p:txBody>
-          <a:bodyPr>
-            <a:normAutofit/>
-          </a:bodyPr>
-          <a:lstStyle/>
-          <a:p>
-            <a:r>
-              <a:rPr lang="en-US" b="1" u="sng" dirty="0"/>
-              <a:t>Coin Value &gt; 1$</a:t>
-            </a:r>
-            <a:br>
-              <a:rPr lang="en-US" b="1" u="sng" dirty="0"/>
-            </a:br>
-            <a:endParaRPr lang="en-US" b="1" u="sng" dirty="0"/>
-          </a:p>
-          <a:p>
-            <a:pPr lvl="1"/>
-            <a:r>
-              <a:rPr lang="en-US" dirty="0">
-                <a:sym typeface="Wingdings" panose="05000000000000000000" pitchFamily="2" charset="2"/>
-              </a:rPr>
-              <a:t>Central bank contract realizes that inflation needs to be done.</a:t>
-            </a:r>
-            <a:br>
-              <a:rPr lang="en-US" dirty="0">
-                <a:sym typeface="Wingdings" panose="05000000000000000000" pitchFamily="2" charset="2"/>
-              </a:rPr>
-            </a:br>
-            <a:endParaRPr lang="en-US" dirty="0">
-              <a:sym typeface="Wingdings" panose="05000000000000000000" pitchFamily="2" charset="2"/>
-            </a:endParaRPr>
-          </a:p>
-          <a:p>
-            <a:pPr lvl="1"/>
-            <a:r>
-              <a:rPr lang="en-US" dirty="0">
-                <a:sym typeface="Wingdings" panose="05000000000000000000" pitchFamily="2" charset="2"/>
-              </a:rPr>
-              <a:t>Coin contract performs the inflation:</a:t>
-            </a:r>
-          </a:p>
-          <a:p>
-            <a:pPr lvl="2"/>
-            <a:r>
-              <a:rPr lang="en-US" dirty="0">
-                <a:sym typeface="Wingdings" panose="05000000000000000000" pitchFamily="2" charset="2"/>
-              </a:rPr>
-              <a:t>Redeem a limited amount of bonds for each user (if he has any) for 1 BaseCoin each. *</a:t>
-            </a:r>
-          </a:p>
-          <a:p>
-            <a:pPr lvl="3"/>
-            <a:r>
-              <a:rPr lang="en-US" dirty="0">
-                <a:sym typeface="Wingdings" panose="05000000000000000000" pitchFamily="2" charset="2"/>
-              </a:rPr>
-              <a:t>This action increases the total amount of coins  </a:t>
-            </a:r>
-            <a:r>
-              <a:rPr lang="en-US" b="1" u="sng" dirty="0">
-                <a:solidFill>
-                  <a:srgbClr val="00B050"/>
-                </a:solidFill>
-                <a:sym typeface="Wingdings" panose="05000000000000000000" pitchFamily="2" charset="2"/>
-              </a:rPr>
-              <a:t>coin value goes down</a:t>
-            </a:r>
-            <a:r>
-              <a:rPr lang="en-US" dirty="0">
-                <a:sym typeface="Wingdings" panose="05000000000000000000" pitchFamily="2" charset="2"/>
-              </a:rPr>
-              <a:t>.</a:t>
-            </a:r>
-            <a:br>
-              <a:rPr lang="en-US" dirty="0">
-                <a:sym typeface="Wingdings" panose="05000000000000000000" pitchFamily="2" charset="2"/>
-              </a:rPr>
-            </a:br>
-            <a:endParaRPr lang="en-US" dirty="0">
-              <a:sym typeface="Wingdings" panose="05000000000000000000" pitchFamily="2" charset="2"/>
-            </a:endParaRPr>
-          </a:p>
-          <a:p>
-            <a:pPr lvl="2"/>
-            <a:r>
-              <a:rPr lang="en-US" dirty="0">
-                <a:sym typeface="Wingdings" panose="05000000000000000000" pitchFamily="2" charset="2"/>
-              </a:rPr>
-              <a:t>If there are no bonds left, produce coins for all users who hold shares.</a:t>
-            </a:r>
-          </a:p>
-          <a:p>
-            <a:pPr lvl="3"/>
-            <a:r>
-              <a:rPr lang="en-US" dirty="0">
-                <a:sym typeface="Wingdings" panose="05000000000000000000" pitchFamily="2" charset="2"/>
-              </a:rPr>
-              <a:t>Relatively to the number of shares of each user. **</a:t>
-            </a:r>
-          </a:p>
-          <a:p>
-            <a:pPr lvl="3"/>
-            <a:r>
-              <a:rPr lang="en-US" dirty="0">
-                <a:sym typeface="Wingdings" panose="05000000000000000000" pitchFamily="2" charset="2"/>
-              </a:rPr>
-              <a:t>This action increases the total amount of coins  </a:t>
-            </a:r>
-            <a:r>
-              <a:rPr lang="en-US" b="1" u="sng" dirty="0">
-                <a:solidFill>
-                  <a:srgbClr val="00B050"/>
-                </a:solidFill>
-                <a:sym typeface="Wingdings" panose="05000000000000000000" pitchFamily="2" charset="2"/>
-              </a:rPr>
-              <a:t>coin value goes down</a:t>
-            </a:r>
-            <a:r>
-              <a:rPr lang="en-US" dirty="0">
-                <a:sym typeface="Wingdings" panose="05000000000000000000" pitchFamily="2" charset="2"/>
-              </a:rPr>
-              <a:t>.</a:t>
-            </a:r>
-          </a:p>
-        </p:txBody>
-      </p:sp>
-      <p:sp>
-        <p:nvSpPr>
-          <p:cNvPr id="4" name="TextBox 3">
-            <a:extLst>
-              <a:ext uri="{FF2B5EF4-FFF2-40B4-BE49-F238E27FC236}">
-                <a16:creationId xmlns:a16="http://schemas.microsoft.com/office/drawing/2014/main" id="{A4032777-D632-4BFF-90B4-AD17ED481EF7}"/>
-              </a:ext>
-            </a:extLst>
-          </p:cNvPr>
-          <p:cNvSpPr txBox="1"/>
-          <p:nvPr/>
-        </p:nvSpPr>
-        <p:spPr>
-          <a:xfrm>
-            <a:off x="301840" y="6273225"/>
-            <a:ext cx="9898602" cy="584775"/>
-          </a:xfrm>
-          <a:prstGeom prst="rect">
-            <a:avLst/>
-          </a:prstGeom>
-          <a:noFill/>
-        </p:spPr>
-        <p:txBody>
-          <a:bodyPr wrap="square" rtlCol="1">
-            <a:spAutoFit/>
-          </a:bodyPr>
-          <a:lstStyle/>
-          <a:p>
-            <a:r>
-              <a:rPr lang="en-US" sz="1600" dirty="0">
-                <a:sym typeface="Wingdings" panose="05000000000000000000" pitchFamily="2" charset="2"/>
-              </a:rPr>
-              <a:t>* There should be FIFO queue of bonds (buy first  redeem first), we didn’t implement it for simplicity reasons.</a:t>
-            </a:r>
-          </a:p>
-          <a:p>
-            <a:r>
-              <a:rPr lang="en-US" sz="1600" dirty="0"/>
-              <a:t>** Our implementation assumes each user has a constant amount of one share</a:t>
-            </a:r>
-            <a:endParaRPr lang="he-IL" sz="1600" dirty="0"/>
-          </a:p>
-        </p:txBody>
-      </p:sp>
-      <p:grpSp>
-        <p:nvGrpSpPr>
-          <p:cNvPr id="5" name="Group 4">
-            <a:extLst>
-              <a:ext uri="{FF2B5EF4-FFF2-40B4-BE49-F238E27FC236}">
-                <a16:creationId xmlns:a16="http://schemas.microsoft.com/office/drawing/2014/main" id="{100BA947-8C78-45A2-8CF0-7EC0E73EFFFA}"/>
-              </a:ext>
-            </a:extLst>
-          </p:cNvPr>
-          <p:cNvGrpSpPr/>
-          <p:nvPr/>
-        </p:nvGrpSpPr>
-        <p:grpSpPr>
-          <a:xfrm>
-            <a:off x="653988" y="480433"/>
-            <a:ext cx="6876874" cy="1026281"/>
-            <a:chOff x="525780" y="63233"/>
-            <a:chExt cx="7360920" cy="767520"/>
-          </a:xfrm>
-        </p:grpSpPr>
-        <p:sp>
-          <p:nvSpPr>
-            <p:cNvPr id="6" name="Rectangle: Rounded Corners 5">
-              <a:extLst>
-                <a:ext uri="{FF2B5EF4-FFF2-40B4-BE49-F238E27FC236}">
-                  <a16:creationId xmlns:a16="http://schemas.microsoft.com/office/drawing/2014/main" id="{92145C8E-D520-4A14-B45F-CCB5ACB74203}"/>
-                </a:ext>
-              </a:extLst>
-            </p:cNvPr>
-            <p:cNvSpPr/>
-            <p:nvPr/>
-          </p:nvSpPr>
-          <p:spPr>
-            <a:xfrm>
-              <a:off x="525780" y="63233"/>
-              <a:ext cx="7360920" cy="767520"/>
-            </a:xfrm>
-            <a:prstGeom prst="roundRect">
-              <a:avLst/>
-            </a:prstGeom>
-          </p:spPr>
-          <p:style>
-            <a:lnRef idx="2">
-              <a:schemeClr val="lt1">
-                <a:hueOff val="0"/>
-                <a:satOff val="0"/>
-                <a:lumOff val="0"/>
-                <a:alphaOff val="0"/>
-              </a:schemeClr>
-            </a:lnRef>
-            <a:fillRef idx="1">
-              <a:schemeClr val="accent1">
-                <a:hueOff val="0"/>
-                <a:satOff val="0"/>
-                <a:lumOff val="0"/>
-                <a:alphaOff val="0"/>
-              </a:schemeClr>
-            </a:fillRef>
-            <a:effectRef idx="0">
-              <a:schemeClr val="accent1">
-                <a:hueOff val="0"/>
-                <a:satOff val="0"/>
-                <a:lumOff val="0"/>
-                <a:alphaOff val="0"/>
-              </a:schemeClr>
-            </a:effectRef>
-            <a:fontRef idx="minor">
-              <a:schemeClr val="lt1"/>
-            </a:fontRef>
-          </p:style>
-        </p:sp>
-        <p:sp>
-          <p:nvSpPr>
-            <p:cNvPr id="7" name="Rectangle: Rounded Corners 4">
-              <a:extLst>
-                <a:ext uri="{FF2B5EF4-FFF2-40B4-BE49-F238E27FC236}">
-                  <a16:creationId xmlns:a16="http://schemas.microsoft.com/office/drawing/2014/main" id="{121DAC0D-7FA6-47B7-8FB8-B0059F01DD96}"/>
-                </a:ext>
-              </a:extLst>
-            </p:cNvPr>
-            <p:cNvSpPr txBox="1"/>
-            <p:nvPr/>
-          </p:nvSpPr>
-          <p:spPr>
-            <a:xfrm>
-              <a:off x="563247" y="100700"/>
-              <a:ext cx="7285986" cy="692586"/>
-            </a:xfrm>
-            <a:prstGeom prst="rect">
-              <a:avLst/>
-            </a:prstGeom>
-          </p:spPr>
-          <p:style>
-            <a:lnRef idx="0">
-              <a:scrgbClr r="0" g="0" b="0"/>
-            </a:lnRef>
-            <a:fillRef idx="0">
-              <a:scrgbClr r="0" g="0" b="0"/>
-            </a:fillRef>
-            <a:effectRef idx="0">
-              <a:scrgbClr r="0" g="0" b="0"/>
-            </a:effectRef>
-            <a:fontRef idx="minor">
-              <a:schemeClr val="lt1"/>
-            </a:fontRef>
-          </p:style>
-          <p:txBody>
-            <a:bodyPr spcFirstLastPara="0" vert="horz" wrap="square" lIns="278225" tIns="0" rIns="278225" bIns="0" numCol="1" spcCol="1270" anchor="ctr" anchorCtr="0">
-              <a:noAutofit/>
-            </a:bodyPr>
-            <a:lstStyle/>
-            <a:p>
-              <a:pPr marL="0" lvl="0" indent="0" algn="l" defTabSz="1155700">
-                <a:lnSpc>
-                  <a:spcPct val="90000"/>
-                </a:lnSpc>
-                <a:spcBef>
-                  <a:spcPct val="0"/>
-                </a:spcBef>
-                <a:spcAft>
-                  <a:spcPct val="35000"/>
-                </a:spcAft>
-                <a:buNone/>
-              </a:pPr>
-              <a:r>
-                <a:rPr lang="en-US" sz="4800" dirty="0"/>
-                <a:t>Base Coin 2.0 – Flows</a:t>
-              </a:r>
-              <a:endParaRPr lang="en-US" sz="1000" kern="1200" dirty="0"/>
-            </a:p>
-          </p:txBody>
-        </p:sp>
-      </p:grpSp>
-      <p:pic>
-        <p:nvPicPr>
-          <p:cNvPr id="11" name="Picture 10">
-            <a:extLst>
-              <a:ext uri="{FF2B5EF4-FFF2-40B4-BE49-F238E27FC236}">
-                <a16:creationId xmlns:a16="http://schemas.microsoft.com/office/drawing/2014/main" id="{9D46F79E-82B1-423A-9B72-99DF431B731A}"/>
-              </a:ext>
-            </a:extLst>
-          </p:cNvPr>
-          <p:cNvPicPr>
-            <a:picLocks noChangeAspect="1"/>
-          </p:cNvPicPr>
-          <p:nvPr/>
-        </p:nvPicPr>
-        <p:blipFill>
-          <a:blip r:embed="rId2"/>
-          <a:stretch>
-            <a:fillRect/>
-          </a:stretch>
-        </p:blipFill>
-        <p:spPr>
-          <a:xfrm>
-            <a:off x="9430397" y="232653"/>
-            <a:ext cx="2457450" cy="2447925"/>
-          </a:xfrm>
-          <a:prstGeom prst="rect">
-            <a:avLst/>
-          </a:prstGeom>
-        </p:spPr>
-      </p:pic>
-    </p:spTree>
-    <p:extLst>
-      <p:ext uri="{BB962C8B-B14F-4D97-AF65-F5344CB8AC3E}">
-        <p14:creationId xmlns:p14="http://schemas.microsoft.com/office/powerpoint/2010/main" val="3592919072"/>
-      </p:ext>
-    </p:extLst>
-  </p:cSld>
-  <p:clrMapOvr>
-    <a:masterClrMapping/>
-  </p:clrMapOvr>
-</p:sld>
-</file>
-
-<file path=ppt/slides/slide9.xml><?xml version="1.0" encoding="utf-8"?>
-<p:sld xmlns:a="http://schemas.openxmlformats.org/drawingml/2006/main" xmlns:r="http://schemas.openxmlformats.org/officeDocument/2006/relationships" xmlns:p="http://schemas.openxmlformats.org/presentationml/2006/main">
-  <p:cSld>
-    <p:spTree>
-      <p:nvGrpSpPr>
-        <p:cNvPr id="1" name=""/>
-        <p:cNvGrpSpPr/>
-        <p:nvPr/>
-      </p:nvGrpSpPr>
-      <p:grpSpPr>
-        <a:xfrm>
-          <a:off x="0" y="0"/>
-          <a:ext cx="0" cy="0"/>
-          <a:chOff x="0" y="0"/>
-          <a:chExt cx="0" cy="0"/>
-        </a:xfrm>
-      </p:grpSpPr>
-      <p:sp>
-        <p:nvSpPr>
-          <p:cNvPr id="3" name="Content Placeholder 2">
-            <a:extLst>
-              <a:ext uri="{FF2B5EF4-FFF2-40B4-BE49-F238E27FC236}">
-                <a16:creationId xmlns:a16="http://schemas.microsoft.com/office/drawing/2014/main" id="{13F84340-0912-4456-A61F-9E5BC735093D}"/>
-              </a:ext>
-            </a:extLst>
-          </p:cNvPr>
-          <p:cNvSpPr>
-            <a:spLocks noGrp="1"/>
-          </p:cNvSpPr>
-          <p:nvPr>
-            <p:ph idx="1"/>
-          </p:nvPr>
-        </p:nvSpPr>
-        <p:spPr>
-          <a:xfrm>
-            <a:off x="838199" y="1825624"/>
-            <a:ext cx="9965925" cy="4667251"/>
-          </a:xfrm>
-        </p:spPr>
-        <p:txBody>
-          <a:bodyPr>
-            <a:normAutofit/>
-          </a:bodyPr>
-          <a:lstStyle/>
-          <a:p>
-            <a:r>
-              <a:rPr lang="en-US" b="1" u="sng" dirty="0"/>
-              <a:t>Coin Value &lt; 1$</a:t>
-            </a:r>
-            <a:br>
-              <a:rPr lang="en-US" b="1" u="sng" dirty="0"/>
-            </a:br>
-            <a:endParaRPr lang="en-US" b="1" u="sng" dirty="0"/>
-          </a:p>
-          <a:p>
-            <a:pPr lvl="1"/>
-            <a:r>
-              <a:rPr lang="en-US" dirty="0">
-                <a:sym typeface="Wingdings" panose="05000000000000000000" pitchFamily="2" charset="2"/>
-              </a:rPr>
-              <a:t>Central bank contract realizes that deflation needs to be done.</a:t>
-            </a:r>
-            <a:br>
-              <a:rPr lang="en-US" dirty="0">
-                <a:sym typeface="Wingdings" panose="05000000000000000000" pitchFamily="2" charset="2"/>
-              </a:rPr>
-            </a:br>
-            <a:endParaRPr lang="en-US" dirty="0">
-              <a:sym typeface="Wingdings" panose="05000000000000000000" pitchFamily="2" charset="2"/>
-            </a:endParaRPr>
-          </a:p>
-          <a:p>
-            <a:pPr lvl="1"/>
-            <a:r>
-              <a:rPr lang="en-US" dirty="0">
-                <a:sym typeface="Wingdings" panose="05000000000000000000" pitchFamily="2" charset="2"/>
-              </a:rPr>
-              <a:t>Coin contract performs the deflation:</a:t>
-            </a:r>
-          </a:p>
-          <a:p>
-            <a:pPr lvl="2"/>
-            <a:r>
-              <a:rPr lang="en-US" dirty="0">
-                <a:sym typeface="Wingdings" panose="05000000000000000000" pitchFamily="2" charset="2"/>
-              </a:rPr>
-              <a:t>Sell bonds through an auction:</a:t>
-            </a:r>
-          </a:p>
-          <a:p>
-            <a:pPr lvl="3"/>
-            <a:r>
-              <a:rPr lang="en-US" dirty="0">
-                <a:sym typeface="Wingdings" panose="05000000000000000000" pitchFamily="2" charset="2"/>
-              </a:rPr>
-              <a:t>Each user chooses the price for a single bond he is willing to pay (&lt;1 BaseCoin) + the amount of bonds.</a:t>
-            </a:r>
-          </a:p>
-          <a:p>
-            <a:pPr lvl="3"/>
-            <a:r>
-              <a:rPr lang="en-US" dirty="0">
-                <a:sym typeface="Wingdings" panose="05000000000000000000" pitchFamily="2" charset="2"/>
-              </a:rPr>
-              <a:t>We find the clearing-price – in which we can sell all bonds.</a:t>
-            </a:r>
-          </a:p>
-          <a:p>
-            <a:pPr lvl="2"/>
-            <a:r>
-              <a:rPr lang="en-US" dirty="0">
-                <a:sym typeface="Wingdings" panose="05000000000000000000" pitchFamily="2" charset="2"/>
-              </a:rPr>
-              <a:t>(Users are motivated to buy bonds because they could later redeem them for 1 BaseCoin)</a:t>
-            </a:r>
-          </a:p>
-          <a:p>
-            <a:pPr lvl="2"/>
-            <a:r>
-              <a:rPr lang="en-US" dirty="0">
-                <a:sym typeface="Wingdings" panose="05000000000000000000" pitchFamily="2" charset="2"/>
-              </a:rPr>
-              <a:t>This action decreases the total amount of coins  </a:t>
-            </a:r>
-            <a:r>
-              <a:rPr lang="en-US" b="1" u="sng" dirty="0">
-                <a:solidFill>
-                  <a:srgbClr val="00B050"/>
-                </a:solidFill>
-                <a:sym typeface="Wingdings" panose="05000000000000000000" pitchFamily="2" charset="2"/>
-              </a:rPr>
-              <a:t>coin value goes up</a:t>
-            </a:r>
-            <a:r>
-              <a:rPr lang="en-US" dirty="0">
-                <a:sym typeface="Wingdings" panose="05000000000000000000" pitchFamily="2" charset="2"/>
-              </a:rPr>
-              <a:t>.</a:t>
-            </a:r>
-            <a:br>
-              <a:rPr lang="en-US" dirty="0">
-                <a:sym typeface="Wingdings" panose="05000000000000000000" pitchFamily="2" charset="2"/>
-              </a:rPr>
-            </a:br>
-            <a:endParaRPr lang="en-US" dirty="0">
-              <a:sym typeface="Wingdings" panose="05000000000000000000" pitchFamily="2" charset="2"/>
-            </a:endParaRPr>
-          </a:p>
-        </p:txBody>
-      </p:sp>
-      <p:grpSp>
-        <p:nvGrpSpPr>
-          <p:cNvPr id="6" name="Group 5">
-            <a:extLst>
-              <a:ext uri="{FF2B5EF4-FFF2-40B4-BE49-F238E27FC236}">
-                <a16:creationId xmlns:a16="http://schemas.microsoft.com/office/drawing/2014/main" id="{E3284D8E-28B0-4980-878A-97354F542651}"/>
-              </a:ext>
-            </a:extLst>
-          </p:cNvPr>
-          <p:cNvGrpSpPr/>
-          <p:nvPr/>
-        </p:nvGrpSpPr>
-        <p:grpSpPr>
-          <a:xfrm>
-            <a:off x="653988" y="480433"/>
-            <a:ext cx="6876874" cy="1026281"/>
-            <a:chOff x="525780" y="63233"/>
-            <a:chExt cx="7360920" cy="767520"/>
-          </a:xfrm>
-        </p:grpSpPr>
-        <p:sp>
-          <p:nvSpPr>
-            <p:cNvPr id="7" name="Rectangle: Rounded Corners 6">
-              <a:extLst>
-                <a:ext uri="{FF2B5EF4-FFF2-40B4-BE49-F238E27FC236}">
-                  <a16:creationId xmlns:a16="http://schemas.microsoft.com/office/drawing/2014/main" id="{213FCDE1-9638-469D-8774-27E220FEEB66}"/>
-                </a:ext>
-              </a:extLst>
-            </p:cNvPr>
-            <p:cNvSpPr/>
-            <p:nvPr/>
-          </p:nvSpPr>
-          <p:spPr>
-            <a:xfrm>
-              <a:off x="525780" y="63233"/>
-              <a:ext cx="7360920" cy="767520"/>
-            </a:xfrm>
-            <a:prstGeom prst="roundRect">
-              <a:avLst/>
-            </a:prstGeom>
-          </p:spPr>
-          <p:style>
-            <a:lnRef idx="2">
-              <a:schemeClr val="lt1">
-                <a:hueOff val="0"/>
-                <a:satOff val="0"/>
-                <a:lumOff val="0"/>
-                <a:alphaOff val="0"/>
-              </a:schemeClr>
-            </a:lnRef>
-            <a:fillRef idx="1">
-              <a:schemeClr val="accent1">
-                <a:hueOff val="0"/>
-                <a:satOff val="0"/>
-                <a:lumOff val="0"/>
-                <a:alphaOff val="0"/>
-              </a:schemeClr>
-            </a:fillRef>
-            <a:effectRef idx="0">
-              <a:schemeClr val="accent1">
-                <a:hueOff val="0"/>
-                <a:satOff val="0"/>
-                <a:lumOff val="0"/>
-                <a:alphaOff val="0"/>
-              </a:schemeClr>
-            </a:effectRef>
-            <a:fontRef idx="minor">
-              <a:schemeClr val="lt1"/>
-            </a:fontRef>
-          </p:style>
-        </p:sp>
-        <p:sp>
-          <p:nvSpPr>
-            <p:cNvPr id="8" name="Rectangle: Rounded Corners 4">
-              <a:extLst>
-                <a:ext uri="{FF2B5EF4-FFF2-40B4-BE49-F238E27FC236}">
-                  <a16:creationId xmlns:a16="http://schemas.microsoft.com/office/drawing/2014/main" id="{ED87E92D-C162-4701-BD96-C90C2485A9A0}"/>
-                </a:ext>
-              </a:extLst>
-            </p:cNvPr>
-            <p:cNvSpPr txBox="1"/>
-            <p:nvPr/>
-          </p:nvSpPr>
-          <p:spPr>
-            <a:xfrm>
-              <a:off x="563247" y="100700"/>
-              <a:ext cx="7285986" cy="692586"/>
-            </a:xfrm>
-            <a:prstGeom prst="rect">
-              <a:avLst/>
-            </a:prstGeom>
-          </p:spPr>
-          <p:style>
-            <a:lnRef idx="0">
-              <a:scrgbClr r="0" g="0" b="0"/>
-            </a:lnRef>
-            <a:fillRef idx="0">
-              <a:scrgbClr r="0" g="0" b="0"/>
-            </a:fillRef>
-            <a:effectRef idx="0">
-              <a:scrgbClr r="0" g="0" b="0"/>
-            </a:effectRef>
-            <a:fontRef idx="minor">
-              <a:schemeClr val="lt1"/>
-            </a:fontRef>
-          </p:style>
-          <p:txBody>
-            <a:bodyPr spcFirstLastPara="0" vert="horz" wrap="square" lIns="278225" tIns="0" rIns="278225" bIns="0" numCol="1" spcCol="1270" anchor="ctr" anchorCtr="0">
-              <a:noAutofit/>
-            </a:bodyPr>
-            <a:lstStyle/>
-            <a:p>
-              <a:pPr marL="0" lvl="0" indent="0" algn="l" defTabSz="1155700">
-                <a:lnSpc>
-                  <a:spcPct val="90000"/>
-                </a:lnSpc>
-                <a:spcBef>
-                  <a:spcPct val="0"/>
-                </a:spcBef>
-                <a:spcAft>
-                  <a:spcPct val="35000"/>
-                </a:spcAft>
-                <a:buNone/>
-              </a:pPr>
-              <a:r>
-                <a:rPr lang="en-US" sz="4800" dirty="0"/>
-                <a:t>Base Coin 2.0 – Flows</a:t>
-              </a:r>
-              <a:endParaRPr lang="en-US" sz="1000" kern="1200" dirty="0"/>
-            </a:p>
-          </p:txBody>
-        </p:sp>
-      </p:grpSp>
-      <p:pic>
-        <p:nvPicPr>
-          <p:cNvPr id="10" name="Picture 9">
-            <a:extLst>
-              <a:ext uri="{FF2B5EF4-FFF2-40B4-BE49-F238E27FC236}">
-                <a16:creationId xmlns:a16="http://schemas.microsoft.com/office/drawing/2014/main" id="{3E07FBA1-0185-4F4C-9D64-18D9171C3A88}"/>
-              </a:ext>
-            </a:extLst>
-          </p:cNvPr>
-          <p:cNvPicPr>
-            <a:picLocks noChangeAspect="1"/>
-          </p:cNvPicPr>
-          <p:nvPr/>
-        </p:nvPicPr>
-        <p:blipFill>
-          <a:blip r:embed="rId2"/>
-          <a:stretch>
-            <a:fillRect/>
-          </a:stretch>
-        </p:blipFill>
-        <p:spPr>
-          <a:xfrm>
-            <a:off x="9437102" y="242178"/>
-            <a:ext cx="2390775" cy="2428875"/>
-          </a:xfrm>
-          <a:prstGeom prst="rect">
-            <a:avLst/>
-          </a:prstGeom>
-        </p:spPr>
-      </p:pic>
-    </p:spTree>
-    <p:extLst>
-      <p:ext uri="{BB962C8B-B14F-4D97-AF65-F5344CB8AC3E}">
-        <p14:creationId xmlns:p14="http://schemas.microsoft.com/office/powerpoint/2010/main" val="623338036"/>
-      </p:ext>
-    </p:extLst>
-  </p:cSld>
-  <p:clrMapOvr>
-    <a:masterClrMapping/>
-  </p:clrMapOvr>
-</p:sld>
-</file>
-
 <file path=ppt/theme/theme1.xml><?xml version="1.0" encoding="utf-8"?>
 <a:theme xmlns:a="http://schemas.openxmlformats.org/drawingml/2006/main" name="Office Theme">
   <a:themeElements>
